--- a/2024/Lec/Юнит 18 - Классификация-2.pptx
+++ b/2024/Lec/Юнит 18 - Классификация-2.pptx
@@ -6,31 +6,31 @@
   </p:sldMasterIdLst>
   <p:sldIdLst>
     <p:sldId id="385" r:id="rId2"/>
-    <p:sldId id="386" r:id="rId3"/>
-    <p:sldId id="388" r:id="rId4"/>
-    <p:sldId id="389" r:id="rId5"/>
-    <p:sldId id="390" r:id="rId6"/>
-    <p:sldId id="391" r:id="rId7"/>
-    <p:sldId id="392" r:id="rId8"/>
-    <p:sldId id="393" r:id="rId9"/>
-    <p:sldId id="394" r:id="rId10"/>
-    <p:sldId id="395" r:id="rId11"/>
-    <p:sldId id="396" r:id="rId12"/>
-    <p:sldId id="397" r:id="rId13"/>
-    <p:sldId id="398" r:id="rId14"/>
-    <p:sldId id="399" r:id="rId15"/>
-    <p:sldId id="400" r:id="rId16"/>
-    <p:sldId id="401" r:id="rId17"/>
-    <p:sldId id="402" r:id="rId18"/>
-    <p:sldId id="403" r:id="rId19"/>
-    <p:sldId id="404" r:id="rId20"/>
-    <p:sldId id="405" r:id="rId21"/>
-    <p:sldId id="406" r:id="rId22"/>
-    <p:sldId id="407" r:id="rId23"/>
-    <p:sldId id="408" r:id="rId24"/>
-    <p:sldId id="409" r:id="rId25"/>
-    <p:sldId id="410" r:id="rId26"/>
-    <p:sldId id="411" r:id="rId27"/>
+    <p:sldId id="412" r:id="rId3"/>
+    <p:sldId id="386" r:id="rId4"/>
+    <p:sldId id="388" r:id="rId5"/>
+    <p:sldId id="389" r:id="rId6"/>
+    <p:sldId id="390" r:id="rId7"/>
+    <p:sldId id="391" r:id="rId8"/>
+    <p:sldId id="392" r:id="rId9"/>
+    <p:sldId id="393" r:id="rId10"/>
+    <p:sldId id="394" r:id="rId11"/>
+    <p:sldId id="395" r:id="rId12"/>
+    <p:sldId id="396" r:id="rId13"/>
+    <p:sldId id="397" r:id="rId14"/>
+    <p:sldId id="398" r:id="rId15"/>
+    <p:sldId id="399" r:id="rId16"/>
+    <p:sldId id="400" r:id="rId17"/>
+    <p:sldId id="401" r:id="rId18"/>
+    <p:sldId id="402" r:id="rId19"/>
+    <p:sldId id="403" r:id="rId20"/>
+    <p:sldId id="404" r:id="rId21"/>
+    <p:sldId id="405" r:id="rId22"/>
+    <p:sldId id="406" r:id="rId23"/>
+    <p:sldId id="407" r:id="rId24"/>
+    <p:sldId id="408" r:id="rId25"/>
+    <p:sldId id="409" r:id="rId26"/>
+    <p:sldId id="413" r:id="rId27"/>
   </p:sldIdLst>
   <p:sldSz cx="12192000" cy="6858000"/>
   <p:notesSz cx="6858000" cy="9144000"/>
@@ -286,7 +286,7 @@
           <a:p>
             <a:fld id="{A76E1671-358D-4BAB-9EB2-DC8D65251B89}" type="datetimeFigureOut">
               <a:rPr lang="en-US" smtClean="0"/>
-              <a:t>10/17/23</a:t>
+              <a:t>3/13/2024</a:t>
             </a:fld>
             <a:endParaRPr lang="en-US"/>
           </a:p>
@@ -486,7 +486,7 @@
           <a:p>
             <a:fld id="{A76E1671-358D-4BAB-9EB2-DC8D65251B89}" type="datetimeFigureOut">
               <a:rPr lang="en-US" smtClean="0"/>
-              <a:t>10/17/23</a:t>
+              <a:t>3/13/2024</a:t>
             </a:fld>
             <a:endParaRPr lang="en-US"/>
           </a:p>
@@ -696,7 +696,7 @@
           <a:p>
             <a:fld id="{A76E1671-358D-4BAB-9EB2-DC8D65251B89}" type="datetimeFigureOut">
               <a:rPr lang="en-US" smtClean="0"/>
-              <a:t>10/17/23</a:t>
+              <a:t>3/13/2024</a:t>
             </a:fld>
             <a:endParaRPr lang="en-US"/>
           </a:p>
@@ -896,7 +896,7 @@
           <a:p>
             <a:fld id="{A76E1671-358D-4BAB-9EB2-DC8D65251B89}" type="datetimeFigureOut">
               <a:rPr lang="en-US" smtClean="0"/>
-              <a:t>10/17/23</a:t>
+              <a:t>3/13/2024</a:t>
             </a:fld>
             <a:endParaRPr lang="en-US"/>
           </a:p>
@@ -1172,7 +1172,7 @@
           <a:p>
             <a:fld id="{A76E1671-358D-4BAB-9EB2-DC8D65251B89}" type="datetimeFigureOut">
               <a:rPr lang="en-US" smtClean="0"/>
-              <a:t>10/17/23</a:t>
+              <a:t>3/13/2024</a:t>
             </a:fld>
             <a:endParaRPr lang="en-US"/>
           </a:p>
@@ -1440,7 +1440,7 @@
           <a:p>
             <a:fld id="{A76E1671-358D-4BAB-9EB2-DC8D65251B89}" type="datetimeFigureOut">
               <a:rPr lang="en-US" smtClean="0"/>
-              <a:t>10/17/23</a:t>
+              <a:t>3/13/2024</a:t>
             </a:fld>
             <a:endParaRPr lang="en-US"/>
           </a:p>
@@ -1855,7 +1855,7 @@
           <a:p>
             <a:fld id="{A76E1671-358D-4BAB-9EB2-DC8D65251B89}" type="datetimeFigureOut">
               <a:rPr lang="en-US" smtClean="0"/>
-              <a:t>10/17/23</a:t>
+              <a:t>3/13/2024</a:t>
             </a:fld>
             <a:endParaRPr lang="en-US"/>
           </a:p>
@@ -1997,7 +1997,7 @@
           <a:p>
             <a:fld id="{A76E1671-358D-4BAB-9EB2-DC8D65251B89}" type="datetimeFigureOut">
               <a:rPr lang="en-US" smtClean="0"/>
-              <a:t>10/17/23</a:t>
+              <a:t>3/13/2024</a:t>
             </a:fld>
             <a:endParaRPr lang="en-US"/>
           </a:p>
@@ -2110,7 +2110,7 @@
           <a:p>
             <a:fld id="{A76E1671-358D-4BAB-9EB2-DC8D65251B89}" type="datetimeFigureOut">
               <a:rPr lang="en-US" smtClean="0"/>
-              <a:t>10/17/23</a:t>
+              <a:t>3/13/2024</a:t>
             </a:fld>
             <a:endParaRPr lang="en-US"/>
           </a:p>
@@ -2423,7 +2423,7 @@
           <a:p>
             <a:fld id="{A76E1671-358D-4BAB-9EB2-DC8D65251B89}" type="datetimeFigureOut">
               <a:rPr lang="en-US" smtClean="0"/>
-              <a:t>10/17/23</a:t>
+              <a:t>3/13/2024</a:t>
             </a:fld>
             <a:endParaRPr lang="en-US"/>
           </a:p>
@@ -2712,7 +2712,7 @@
           <a:p>
             <a:fld id="{A76E1671-358D-4BAB-9EB2-DC8D65251B89}" type="datetimeFigureOut">
               <a:rPr lang="en-US" smtClean="0"/>
-              <a:t>10/17/23</a:t>
+              <a:t>3/13/2024</a:t>
             </a:fld>
             <a:endParaRPr lang="en-US"/>
           </a:p>
@@ -2955,7 +2955,7 @@
           <a:p>
             <a:fld id="{A76E1671-358D-4BAB-9EB2-DC8D65251B89}" type="datetimeFigureOut">
               <a:rPr lang="en-US" smtClean="0"/>
-              <a:t>10/17/23</a:t>
+              <a:t>3/13/2024</a:t>
             </a:fld>
             <a:endParaRPr lang="en-US"/>
           </a:p>
@@ -3425,6 +3425,13 @@
   <p:clrMapOvr>
     <a:masterClrMapping/>
   </p:clrMapOvr>
+  <p:timing>
+    <p:tnLst>
+      <p:par>
+        <p:cTn id="1" dur="indefinite" restart="never" nodeType="tmRoot"/>
+      </p:par>
+    </p:tnLst>
+  </p:timing>
 </p:sld>
 </file>
 
@@ -3457,20 +3464,19 @@
         </p:nvSpPr>
         <p:spPr>
           <a:xfrm>
-            <a:off x="799454" y="62909"/>
-            <a:ext cx="10515600" cy="541525"/>
+            <a:off x="838200" y="365125"/>
+            <a:ext cx="10515600" cy="831215"/>
           </a:xfrm>
         </p:spPr>
         <p:txBody>
-          <a:bodyPr>
-            <a:normAutofit fontScale="90000"/>
-          </a:bodyPr>
+          <a:bodyPr/>
           <a:lstStyle/>
           <a:p>
             <a:r>
-              <a:rPr lang="ru-RU" dirty="0"/>
+              <a:rPr lang="ru-RU" b="1" dirty="0"/>
               <a:t>Подход на основе признаков</a:t>
             </a:r>
+            <a:endParaRPr lang="ru-RU" dirty="0"/>
           </a:p>
         </p:txBody>
       </p:sp>
@@ -3486,177 +3492,251 @@
         </p:nvSpPr>
         <p:spPr>
           <a:xfrm>
-            <a:off x="286719" y="693875"/>
-            <a:ext cx="11524366" cy="5597495"/>
+            <a:off x="403860" y="1196340"/>
+            <a:ext cx="10949940" cy="5547359"/>
           </a:xfrm>
         </p:spPr>
         <p:txBody>
           <a:bodyPr>
-            <a:noAutofit/>
+            <a:normAutofit fontScale="70000" lnSpcReduction="20000"/>
           </a:bodyPr>
           <a:lstStyle/>
           <a:p>
             <a:pPr>
               <a:lnSpc>
-                <a:spcPct val="100000"/>
-              </a:lnSpc>
-            </a:pPr>
-            <a:r>
-              <a:rPr lang="ru-RU" sz="2200" b="1" dirty="0"/>
-              <a:t>Достоинствами</a:t>
-            </a:r>
-            <a:r>
-              <a:rPr lang="ru-RU" sz="2200" dirty="0"/>
-              <a:t> подхода на основе признаков являются: </a:t>
+                <a:spcPct val="120000"/>
+              </a:lnSpc>
+            </a:pPr>
+            <a:r>
+              <a:rPr lang="ru-RU" altLang="ru-RU" dirty="0"/>
+              <a:t>Рекомендуется начинать с наиболее интерпретируемых и понятных точечных признаков. </a:t>
             </a:r>
           </a:p>
           <a:p>
             <a:pPr lvl="1">
               <a:lnSpc>
-                <a:spcPct val="100000"/>
-              </a:lnSpc>
-            </a:pPr>
-            <a:r>
-              <a:rPr lang="ru-RU" sz="2200" dirty="0"/>
-              <a:t>создание классификатора с </a:t>
-            </a:r>
-            <a:r>
-              <a:rPr lang="ru-RU" sz="2200" b="1" dirty="0"/>
-              <a:t>минимальной избыточностью </a:t>
-            </a:r>
-            <a:r>
-              <a:rPr lang="ru-RU" sz="2200" dirty="0"/>
-              <a:t>и высокой обобщающей способностью. </a:t>
-            </a:r>
-          </a:p>
-          <a:p>
-            <a:pPr lvl="2">
-              <a:lnSpc>
-                <a:spcPct val="100000"/>
-              </a:lnSpc>
-            </a:pPr>
-            <a:r>
-              <a:rPr lang="ru-RU" sz="2200" dirty="0"/>
-              <a:t>Однако, следует понимать, что в ряде случаев формализация признаков и поиск подходящего признакового пространства может представлять отдельную, достаточно сложную задачу.</a:t>
+                <a:spcPct val="120000"/>
+              </a:lnSpc>
+            </a:pPr>
+            <a:r>
+              <a:rPr lang="ru-RU" altLang="ru-RU" sz="2800" dirty="0"/>
+              <a:t>То есть двигаться от простого к сложному. </a:t>
+            </a:r>
+          </a:p>
+          <a:p>
+            <a:pPr>
+              <a:lnSpc>
+                <a:spcPct val="120000"/>
+              </a:lnSpc>
+            </a:pPr>
+            <a:r>
+              <a:rPr lang="ru-RU" altLang="ru-RU" dirty="0"/>
+              <a:t>Во многих случаях для поиска лучшего признакового пространства существуют готовые </a:t>
+            </a:r>
+            <a:r>
+              <a:rPr lang="ru-RU" altLang="ru-RU" dirty="0" err="1"/>
+              <a:t>фреймворки</a:t>
+            </a:r>
+            <a:r>
+              <a:rPr lang="ru-RU" altLang="ru-RU" dirty="0"/>
+              <a:t>. Примерами таких для языка </a:t>
+            </a:r>
+            <a:r>
+              <a:rPr lang="ru-RU" altLang="ru-RU" dirty="0" err="1"/>
+              <a:t>Python</a:t>
+            </a:r>
+            <a:r>
+              <a:rPr lang="ru-RU" altLang="ru-RU" dirty="0"/>
+              <a:t> могут быть:</a:t>
             </a:r>
           </a:p>
           <a:p>
             <a:pPr lvl="1">
               <a:lnSpc>
-                <a:spcPct val="100000"/>
-              </a:lnSpc>
-            </a:pPr>
-            <a:r>
-              <a:rPr lang="ru-RU" sz="2200" dirty="0"/>
-              <a:t>В ряде случав, подход позволяет </a:t>
-            </a:r>
-            <a:r>
-              <a:rPr lang="ru-RU" sz="2200" b="1" dirty="0"/>
-              <a:t>решить задачу на основе интерпретируемых признаков</a:t>
-            </a:r>
-            <a:r>
-              <a:rPr lang="ru-RU" sz="2200" dirty="0"/>
-              <a:t>, что может быть предпочтительным.</a:t>
+                <a:spcPct val="120000"/>
+              </a:lnSpc>
+            </a:pPr>
+            <a:r>
+              <a:rPr lang="ru-RU" altLang="ru-RU" sz="2800" dirty="0" err="1">
+                <a:hlinkClick r:id="rId2"/>
+              </a:rPr>
+              <a:t>tsfresh</a:t>
+            </a:r>
+            <a:r>
+              <a:rPr lang="ru-RU" altLang="ru-RU" sz="2800" dirty="0"/>
+              <a:t>(</a:t>
+            </a:r>
+            <a:r>
+              <a:rPr lang="ru-RU" altLang="ru-RU" sz="2800" dirty="0">
+                <a:hlinkClick r:id="rId3"/>
+              </a:rPr>
+              <a:t>https://tsfresh.readthedocs.io/en/latest/</a:t>
+            </a:r>
+            <a:r>
+              <a:rPr lang="ru-RU" altLang="ru-RU" sz="2800" dirty="0"/>
+              <a:t>);</a:t>
             </a:r>
           </a:p>
           <a:p>
             <a:pPr lvl="1">
               <a:lnSpc>
-                <a:spcPct val="100000"/>
-              </a:lnSpc>
-            </a:pPr>
-            <a:r>
-              <a:rPr lang="ru-RU" sz="2200" b="1" dirty="0"/>
-              <a:t>Возможность хранения только признакового </a:t>
-            </a:r>
-            <a:r>
-              <a:rPr lang="ru-RU" sz="2200" dirty="0"/>
-              <a:t>пространства.</a:t>
-            </a:r>
-          </a:p>
-          <a:p>
-            <a:pPr lvl="2">
-              <a:lnSpc>
-                <a:spcPct val="100000"/>
-              </a:lnSpc>
-            </a:pPr>
-            <a:r>
-              <a:rPr lang="ru-RU" sz="1800" dirty="0"/>
-              <a:t>Иногда большая устойчивость к шумам</a:t>
+                <a:spcPct val="120000"/>
+              </a:lnSpc>
+            </a:pPr>
+            <a:r>
+              <a:rPr lang="ru-RU" altLang="ru-RU" sz="2800" dirty="0" err="1">
+                <a:hlinkClick r:id="rId4"/>
+              </a:rPr>
+              <a:t>tsfel</a:t>
+            </a:r>
+            <a:r>
+              <a:rPr lang="ru-RU" altLang="ru-RU" sz="2800" dirty="0"/>
+              <a:t>(</a:t>
+            </a:r>
+            <a:r>
+              <a:rPr lang="ru-RU" altLang="ru-RU" sz="2800" dirty="0">
+                <a:hlinkClick r:id="rId5"/>
+              </a:rPr>
+              <a:t>https://tsfel.readthedocs.io/en/latest/</a:t>
+            </a:r>
+            <a:r>
+              <a:rPr lang="ru-RU" altLang="ru-RU" sz="2800" dirty="0"/>
+              <a:t>);</a:t>
+            </a:r>
+          </a:p>
+          <a:p>
+            <a:pPr lvl="1">
+              <a:lnSpc>
+                <a:spcPct val="120000"/>
+              </a:lnSpc>
+            </a:pPr>
+            <a:r>
+              <a:rPr lang="ru-RU" altLang="ru-RU" sz="2800" dirty="0">
+                <a:hlinkClick r:id="rId6"/>
+              </a:rPr>
+              <a:t>Catch22</a:t>
+            </a:r>
+            <a:r>
+              <a:rPr lang="ru-RU" altLang="ru-RU" sz="2800" dirty="0"/>
+              <a:t>(</a:t>
+            </a:r>
+            <a:r>
+              <a:rPr lang="ru-RU" altLang="ru-RU" sz="2800" dirty="0">
+                <a:hlinkClick r:id="rId7"/>
+              </a:rPr>
+              <a:t>https://github.com/DynamicsAndNeuralSystems/catch22/wiki</a:t>
+            </a:r>
+            <a:r>
+              <a:rPr lang="ru-RU" altLang="ru-RU" sz="2800" dirty="0"/>
+              <a:t>);</a:t>
+            </a:r>
+          </a:p>
+          <a:p>
+            <a:pPr lvl="1">
+              <a:lnSpc>
+                <a:spcPct val="120000"/>
+              </a:lnSpc>
+            </a:pPr>
+            <a:r>
+              <a:rPr lang="ru-RU" altLang="ru-RU" sz="2800" dirty="0"/>
+              <a:t>и многие другие.</a:t>
             </a:r>
           </a:p>
           <a:p>
             <a:pPr>
               <a:lnSpc>
-                <a:spcPct val="100000"/>
-              </a:lnSpc>
-            </a:pPr>
-            <a:r>
-              <a:rPr lang="ru-RU" sz="2200" b="1" dirty="0"/>
-              <a:t>Однако</a:t>
-            </a:r>
-            <a:r>
-              <a:rPr lang="ru-RU" sz="2200" dirty="0"/>
-              <a:t>:</a:t>
-            </a:r>
-          </a:p>
-          <a:p>
-            <a:pPr lvl="1">
-              <a:lnSpc>
-                <a:spcPct val="100000"/>
-              </a:lnSpc>
-            </a:pPr>
-            <a:r>
-              <a:rPr lang="ru-RU" sz="2200" dirty="0"/>
-              <a:t>Признаки могут содержать не всю информацию.</a:t>
-            </a:r>
-          </a:p>
-          <a:p>
-            <a:pPr lvl="1">
-              <a:lnSpc>
-                <a:spcPct val="100000"/>
-              </a:lnSpc>
-            </a:pPr>
-            <a:r>
-              <a:rPr lang="ru-RU" sz="2200" dirty="0"/>
-              <a:t>Признаки не всегда удается выделить и сформулировать.</a:t>
-            </a:r>
-          </a:p>
-          <a:p>
-            <a:pPr lvl="1">
-              <a:lnSpc>
-                <a:spcPct val="100000"/>
-              </a:lnSpc>
-            </a:pPr>
-            <a:r>
-              <a:rPr lang="ru-RU" sz="2200" dirty="0"/>
-              <a:t>Выделение признаков может быть отдельной вычислительно-сложной задачей.</a:t>
-            </a:r>
-          </a:p>
-          <a:p>
-            <a:pPr lvl="1">
-              <a:lnSpc>
-                <a:spcPct val="100000"/>
-              </a:lnSpc>
-            </a:pPr>
-            <a:r>
-              <a:rPr lang="ru-RU" sz="2200" i="1" dirty="0"/>
-              <a:t>Для сложных рядов ручное выделение признаков может не работать – нужно глубокое обучение.</a:t>
-            </a:r>
-            <a:endParaRPr lang="ru-RU" sz="2200" dirty="0"/>
+                <a:spcPct val="120000"/>
+              </a:lnSpc>
+            </a:pPr>
+            <a:r>
+              <a:rPr lang="ru-RU" altLang="ru-RU" dirty="0"/>
+              <a:t>По результатам отбора признаков могут быть использованы как стандартные алгоритмы машинного обучения типа </a:t>
+            </a:r>
+            <a:r>
+              <a:rPr lang="en-US" altLang="ru-RU" b="1" dirty="0" err="1"/>
+              <a:t>XGBoost</a:t>
+            </a:r>
+            <a:r>
+              <a:rPr lang="en-US" altLang="ru-RU" b="1" dirty="0"/>
+              <a:t>, SVM, RF </a:t>
+            </a:r>
+            <a:r>
+              <a:rPr lang="ru-RU" altLang="ru-RU" dirty="0"/>
+              <a:t>и другие, так и специализированные.</a:t>
+            </a:r>
+          </a:p>
+          <a:p>
+            <a:pPr>
+              <a:lnSpc>
+                <a:spcPct val="120000"/>
+              </a:lnSpc>
+            </a:pPr>
+            <a:r>
+              <a:rPr lang="ru-RU" altLang="ru-RU" dirty="0"/>
+              <a:t>В большинстве случаев такие фреймворки предоставляют как возможности для выделения признаков, так и для их отбора.</a:t>
+            </a:r>
+          </a:p>
+          <a:p>
+            <a:pPr>
+              <a:lnSpc>
+                <a:spcPct val="120000"/>
+              </a:lnSpc>
+            </a:pPr>
+            <a:r>
+              <a:rPr lang="ru-RU" altLang="ru-RU" dirty="0"/>
+              <a:t>Ряд подобных фреймворков могут быть найдены в рамках единого </a:t>
+            </a:r>
+            <a:r>
+              <a:rPr lang="ru-RU" altLang="ru-RU" dirty="0" err="1"/>
+              <a:t>фреймворка</a:t>
+            </a:r>
+            <a:r>
+              <a:rPr lang="ru-RU" altLang="ru-RU" dirty="0"/>
+              <a:t> </a:t>
+            </a:r>
+            <a:r>
+              <a:rPr lang="ru-RU" altLang="ru-RU" dirty="0" err="1">
+                <a:hlinkClick r:id="rId8"/>
+              </a:rPr>
+              <a:t>sktime</a:t>
+            </a:r>
+            <a:r>
+              <a:rPr lang="ru-RU" altLang="ru-RU" dirty="0"/>
+              <a:t>(</a:t>
+            </a:r>
+            <a:r>
+              <a:rPr lang="ru-RU" altLang="ru-RU" dirty="0">
+                <a:hlinkClick r:id="rId9"/>
+              </a:rPr>
+              <a:t>https://www.sktime.org/en/stable/index.html</a:t>
+            </a:r>
+            <a:r>
+              <a:rPr lang="ru-RU" altLang="ru-RU" dirty="0"/>
+              <a:t>).</a:t>
+            </a:r>
+          </a:p>
+          <a:p>
+            <a:endParaRPr lang="ru-RU" dirty="0"/>
           </a:p>
         </p:txBody>
       </p:sp>
     </p:spTree>
     <p:extLst>
       <p:ext uri="{BB962C8B-B14F-4D97-AF65-F5344CB8AC3E}">
-        <p14:creationId xmlns:p14="http://schemas.microsoft.com/office/powerpoint/2010/main" val="3121788167"/>
+        <p14:creationId xmlns:p14="http://schemas.microsoft.com/office/powerpoint/2010/main" val="2363796523"/>
       </p:ext>
     </p:extLst>
   </p:cSld>
   <p:clrMapOvr>
     <a:masterClrMapping/>
   </p:clrMapOvr>
+  <p:timing>
+    <p:tnLst>
+      <p:par>
+        <p:cTn id="1" dur="indefinite" restart="never" nodeType="tmRoot"/>
+      </p:par>
+    </p:tnLst>
+  </p:timing>
 </p:sld>
 </file>
 
@@ -3689,16 +3769,18 @@
         </p:nvSpPr>
         <p:spPr>
           <a:xfrm>
-            <a:off x="838200" y="365126"/>
-            <a:ext cx="10515600" cy="762920"/>
+            <a:off x="799454" y="62909"/>
+            <a:ext cx="10515600" cy="541525"/>
           </a:xfrm>
         </p:spPr>
         <p:txBody>
-          <a:bodyPr/>
+          <a:bodyPr>
+            <a:normAutofit fontScale="90000"/>
+          </a:bodyPr>
           <a:lstStyle/>
           <a:p>
             <a:r>
-              <a:rPr lang="ru-RU" b="1" dirty="0"/>
+              <a:rPr lang="ru-RU" dirty="0"/>
               <a:t>Подход на основе признаков</a:t>
             </a:r>
           </a:p>
@@ -3716,8 +3798,8 @@
         </p:nvSpPr>
         <p:spPr>
           <a:xfrm>
-            <a:off x="504202" y="1042587"/>
-            <a:ext cx="11314632" cy="5597495"/>
+            <a:off x="286719" y="693875"/>
+            <a:ext cx="11524366" cy="5597495"/>
           </a:xfrm>
         </p:spPr>
         <p:txBody>
@@ -3726,6 +3808,21 @@
           </a:bodyPr>
           <a:lstStyle/>
           <a:p>
+            <a:pPr>
+              <a:lnSpc>
+                <a:spcPct val="100000"/>
+              </a:lnSpc>
+            </a:pPr>
+            <a:r>
+              <a:rPr lang="ru-RU" sz="2200" b="1" dirty="0"/>
+              <a:t>Достоинствами</a:t>
+            </a:r>
+            <a:r>
+              <a:rPr lang="ru-RU" sz="2200" dirty="0"/>
+              <a:t> подхода на основе признаков являются: </a:t>
+            </a:r>
+          </a:p>
+          <a:p>
             <a:pPr lvl="1">
               <a:lnSpc>
                 <a:spcPct val="100000"/>
@@ -3733,7 +3830,26 @@
             </a:pPr>
             <a:r>
               <a:rPr lang="ru-RU" sz="2200" dirty="0"/>
-              <a:t>Важно заметить, что ряд задач классификации временных рядов предполагает использования много-переменных рядов. </a:t>
+              <a:t>создание классификатора с </a:t>
+            </a:r>
+            <a:r>
+              <a:rPr lang="ru-RU" sz="2200" b="1" dirty="0"/>
+              <a:t>минимальной избыточностью </a:t>
+            </a:r>
+            <a:r>
+              <a:rPr lang="ru-RU" sz="2200" dirty="0"/>
+              <a:t>и высокой обобщающей способностью. </a:t>
+            </a:r>
+          </a:p>
+          <a:p>
+            <a:pPr lvl="2">
+              <a:lnSpc>
+                <a:spcPct val="100000"/>
+              </a:lnSpc>
+            </a:pPr>
+            <a:r>
+              <a:rPr lang="ru-RU" sz="2200" dirty="0"/>
+              <a:t>Однако, следует понимать, что в ряде случаев формализация признаков и поиск подходящего признакового пространства может представлять отдельную, достаточно сложную задачу.</a:t>
             </a:r>
           </a:p>
           <a:p>
@@ -3744,7 +3860,15 @@
             </a:pPr>
             <a:r>
               <a:rPr lang="ru-RU" sz="2200" dirty="0"/>
-              <a:t>То есть каждый сегмент временного ряда содержит несколько одномерных составляющих. </a:t>
+              <a:t>В ряде случав, подход позволяет </a:t>
+            </a:r>
+            <a:r>
+              <a:rPr lang="ru-RU" sz="2200" b="1" dirty="0"/>
+              <a:t>решить задачу на основе интерпретируемых признаков</a:t>
+            </a:r>
+            <a:r>
+              <a:rPr lang="ru-RU" sz="2200" dirty="0"/>
+              <a:t>, что может быть предпочтительным.</a:t>
             </a:r>
           </a:p>
           <a:p>
@@ -3754,8 +3878,12 @@
               </a:lnSpc>
             </a:pPr>
             <a:r>
+              <a:rPr lang="ru-RU" sz="2200" b="1" dirty="0"/>
+              <a:t>Возможность хранения только признакового </a:t>
+            </a:r>
+            <a:r>
               <a:rPr lang="ru-RU" sz="2200" dirty="0"/>
-              <a:t>В таких случаях могут быть несколько подходов к выделению признаков:</a:t>
+              <a:t>пространства.</a:t>
             </a:r>
           </a:p>
           <a:p>
@@ -3765,89 +3893,68 @@
               </a:lnSpc>
             </a:pPr>
             <a:r>
+              <a:rPr lang="ru-RU" sz="1800" dirty="0"/>
+              <a:t>Иногда большая устойчивость к шумам</a:t>
+            </a:r>
+          </a:p>
+          <a:p>
+            <a:pPr>
+              <a:lnSpc>
+                <a:spcPct val="100000"/>
+              </a:lnSpc>
+            </a:pPr>
+            <a:r>
               <a:rPr lang="ru-RU" sz="2200" b="1" dirty="0"/>
-              <a:t>объединение</a:t>
+              <a:t>Однако</a:t>
             </a:r>
             <a:r>
               <a:rPr lang="ru-RU" sz="2200" dirty="0"/>
-              <a:t> признаков нескольких составляющих </a:t>
-            </a:r>
-            <a:r>
-              <a:rPr lang="ru-RU" sz="2200" b="1" dirty="0"/>
-              <a:t>в один вектор</a:t>
-            </a:r>
+              <a:t>:</a:t>
+            </a:r>
+          </a:p>
+          <a:p>
+            <a:pPr lvl="1">
+              <a:lnSpc>
+                <a:spcPct val="100000"/>
+              </a:lnSpc>
+            </a:pPr>
             <a:r>
               <a:rPr lang="ru-RU" sz="2200" dirty="0"/>
-              <a:t>;</a:t>
-            </a:r>
-          </a:p>
-          <a:p>
-            <a:pPr lvl="2">
-              <a:lnSpc>
-                <a:spcPct val="100000"/>
-              </a:lnSpc>
-            </a:pPr>
-            <a:r>
-              <a:rPr lang="ru-RU" sz="2200" b="1" dirty="0" err="1"/>
-              <a:t>ансамблирование</a:t>
-            </a:r>
+              <a:t>Признаки могут содержать не всю информацию.</a:t>
+            </a:r>
+          </a:p>
+          <a:p>
+            <a:pPr lvl="1">
+              <a:lnSpc>
+                <a:spcPct val="100000"/>
+              </a:lnSpc>
+            </a:pPr>
             <a:r>
               <a:rPr lang="ru-RU" sz="2200" dirty="0"/>
-              <a:t> </a:t>
-            </a:r>
-            <a:r>
-              <a:rPr lang="ru-RU" sz="2200" b="1" dirty="0"/>
-              <a:t>результатов</a:t>
-            </a:r>
+              <a:t>Признаки не всегда удается выделить и сформулировать.</a:t>
+            </a:r>
+          </a:p>
+          <a:p>
+            <a:pPr lvl="1">
+              <a:lnSpc>
+                <a:spcPct val="100000"/>
+              </a:lnSpc>
+            </a:pPr>
             <a:r>
               <a:rPr lang="ru-RU" sz="2200" dirty="0"/>
-              <a:t> классификации по каждой составляющей;</a:t>
-            </a:r>
-          </a:p>
-          <a:p>
-            <a:pPr lvl="2">
-              <a:lnSpc>
-                <a:spcPct val="100000"/>
-              </a:lnSpc>
-            </a:pPr>
-            <a:r>
-              <a:rPr lang="ru-RU" sz="2200" b="1" dirty="0"/>
-              <a:t>использование специальных методов, </a:t>
-            </a:r>
-          </a:p>
-          <a:p>
-            <a:pPr lvl="3">
-              <a:lnSpc>
-                <a:spcPct val="100000"/>
-              </a:lnSpc>
-            </a:pPr>
-            <a:r>
-              <a:rPr lang="ru-RU" sz="2000" dirty="0"/>
-              <a:t>например типа многомерных </a:t>
-            </a:r>
-            <a:r>
-              <a:rPr lang="ru-RU" sz="2000" dirty="0" err="1"/>
-              <a:t>шейплеты</a:t>
-            </a:r>
-            <a:r>
-              <a:rPr lang="ru-RU" sz="2000" dirty="0"/>
-              <a:t>, многомерные авторегрессии, </a:t>
-            </a:r>
-            <a:r>
-              <a:rPr lang="en-US" sz="2000" dirty="0"/>
-              <a:t>PCA</a:t>
-            </a:r>
-            <a:r>
-              <a:rPr lang="ru-RU" sz="2000" dirty="0"/>
-              <a:t>.</a:t>
-            </a:r>
-          </a:p>
-          <a:p>
-            <a:pPr>
-              <a:lnSpc>
-                <a:spcPct val="100000"/>
-              </a:lnSpc>
-            </a:pPr>
+              <a:t>Выделение признаков может быть отдельной вычислительно-сложной задачей.</a:t>
+            </a:r>
+          </a:p>
+          <a:p>
+            <a:pPr lvl="1">
+              <a:lnSpc>
+                <a:spcPct val="100000"/>
+              </a:lnSpc>
+            </a:pPr>
+            <a:r>
+              <a:rPr lang="ru-RU" sz="2200" i="1" dirty="0"/>
+              <a:t>Для сложных рядов ручное выделение признаков может не работать – нужно глубокое обучение.</a:t>
+            </a:r>
             <a:endParaRPr lang="ru-RU" sz="2200" dirty="0"/>
           </a:p>
         </p:txBody>
@@ -3855,13 +3962,20 @@
     </p:spTree>
     <p:extLst>
       <p:ext uri="{BB962C8B-B14F-4D97-AF65-F5344CB8AC3E}">
-        <p14:creationId xmlns:p14="http://schemas.microsoft.com/office/powerpoint/2010/main" val="1344082998"/>
+        <p14:creationId xmlns:p14="http://schemas.microsoft.com/office/powerpoint/2010/main" val="3121788167"/>
       </p:ext>
     </p:extLst>
   </p:cSld>
   <p:clrMapOvr>
     <a:masterClrMapping/>
   </p:clrMapOvr>
+  <p:timing>
+    <p:tnLst>
+      <p:par>
+        <p:cTn id="1" dur="indefinite" restart="never" nodeType="tmRoot"/>
+      </p:par>
+    </p:tnLst>
+  </p:timing>
 </p:sld>
 </file>
 
@@ -3884,13 +3998,7 @@
       </p:grpSpPr>
       <p:sp>
         <p:nvSpPr>
-          <p:cNvPr id="2" name="Заголовок 1">
-            <a:extLst>
-              <a:ext uri="{FF2B5EF4-FFF2-40B4-BE49-F238E27FC236}">
-                <a16:creationId xmlns:a16="http://schemas.microsoft.com/office/drawing/2014/main" id="{5DBA10D1-E2DF-4CAB-A0B5-AD303DF5644B}"/>
-              </a:ext>
-            </a:extLst>
-          </p:cNvPr>
+          <p:cNvPr id="2" name="Заголовок 1"/>
           <p:cNvSpPr>
             <a:spLocks noGrp="1"/>
           </p:cNvSpPr>
@@ -3900,34 +4008,24 @@
         </p:nvSpPr>
         <p:spPr>
           <a:xfrm>
-            <a:off x="838200" y="365125"/>
-            <a:ext cx="10515600" cy="827181"/>
+            <a:off x="838200" y="365126"/>
+            <a:ext cx="10515600" cy="762920"/>
           </a:xfrm>
         </p:spPr>
         <p:txBody>
-          <a:bodyPr>
-            <a:normAutofit/>
-          </a:bodyPr>
+          <a:bodyPr/>
           <a:lstStyle/>
           <a:p>
-            <a:pPr algn="l" rtl="0"/>
             <a:r>
               <a:rPr lang="ru-RU" b="1" dirty="0"/>
-              <a:t>Предварительный анализ признаков</a:t>
-            </a:r>
-            <a:endParaRPr lang="en-US" b="1" dirty="0"/>
-          </a:p>
-        </p:txBody>
-      </p:sp>
-      <p:sp>
-        <p:nvSpPr>
-          <p:cNvPr id="3" name="Объект 2">
-            <a:extLst>
-              <a:ext uri="{FF2B5EF4-FFF2-40B4-BE49-F238E27FC236}">
-                <a16:creationId xmlns:a16="http://schemas.microsoft.com/office/drawing/2014/main" id="{19D767B6-15E9-44FE-83F3-68423D4C12D7}"/>
-              </a:ext>
-            </a:extLst>
-          </p:cNvPr>
+              <a:t>Подход на основе признаков</a:t>
+            </a:r>
+          </a:p>
+        </p:txBody>
+      </p:sp>
+      <p:sp>
+        <p:nvSpPr>
+          <p:cNvPr id="3" name="Объект 2"/>
           <p:cNvSpPr>
             <a:spLocks noGrp="1"/>
           </p:cNvSpPr>
@@ -3937,8 +4035,8 @@
         </p:nvSpPr>
         <p:spPr>
           <a:xfrm>
-            <a:off x="555812" y="1102406"/>
-            <a:ext cx="10797988" cy="5755594"/>
+            <a:off x="504202" y="1042587"/>
+            <a:ext cx="11314632" cy="5597495"/>
           </a:xfrm>
         </p:spPr>
         <p:txBody>
@@ -3947,171 +4045,121 @@
           </a:bodyPr>
           <a:lstStyle/>
           <a:p>
-            <a:pPr algn="l" rtl="0">
+            <a:pPr lvl="1">
+              <a:lnSpc>
+                <a:spcPct val="100000"/>
+              </a:lnSpc>
+            </a:pPr>
+            <a:r>
+              <a:rPr lang="ru-RU" sz="2200" dirty="0"/>
+              <a:t>Важно заметить, что ряд задач классификации временных рядов предполагает использования много-переменных рядов. </a:t>
+            </a:r>
+          </a:p>
+          <a:p>
+            <a:pPr lvl="1">
+              <a:lnSpc>
+                <a:spcPct val="100000"/>
+              </a:lnSpc>
+            </a:pPr>
+            <a:r>
+              <a:rPr lang="ru-RU" sz="2200" dirty="0"/>
+              <a:t>То есть каждый сегмент временного ряда содержит несколько одномерных составляющих. </a:t>
+            </a:r>
+          </a:p>
+          <a:p>
+            <a:pPr lvl="1">
+              <a:lnSpc>
+                <a:spcPct val="100000"/>
+              </a:lnSpc>
+            </a:pPr>
+            <a:r>
+              <a:rPr lang="ru-RU" sz="2200" dirty="0"/>
+              <a:t>В таких случаях могут быть несколько подходов к выделению признаков:</a:t>
+            </a:r>
+          </a:p>
+          <a:p>
+            <a:pPr lvl="2">
               <a:lnSpc>
                 <a:spcPct val="100000"/>
               </a:lnSpc>
             </a:pPr>
             <a:r>
               <a:rPr lang="ru-RU" sz="2200" b="1" dirty="0"/>
-              <a:t>Анализ и обработку признаков во временных рядах </a:t>
-            </a:r>
-            <a:r>
-              <a:rPr lang="en-US" sz="2200" dirty="0" err="1"/>
-              <a:t>можно</a:t>
-            </a:r>
-            <a:r>
-              <a:rPr lang="en-US" sz="2200" dirty="0"/>
-              <a:t> </a:t>
-            </a:r>
-            <a:r>
-              <a:rPr lang="en-US" sz="2200" dirty="0" err="1"/>
-              <a:t>определить</a:t>
-            </a:r>
-            <a:r>
-              <a:rPr lang="en-US" sz="2200" dirty="0"/>
-              <a:t> </a:t>
-            </a:r>
-            <a:r>
-              <a:rPr lang="en-US" sz="2200" dirty="0" err="1"/>
-              <a:t>как</a:t>
-            </a:r>
-            <a:r>
-              <a:rPr lang="en-US" sz="2200" dirty="0"/>
-              <a:t> </a:t>
-            </a:r>
-            <a:r>
-              <a:rPr lang="en-US" sz="2200" dirty="0" err="1"/>
-              <a:t>процесс</a:t>
-            </a:r>
-            <a:r>
-              <a:rPr lang="en-US" sz="2200" dirty="0"/>
-              <a:t> </a:t>
-            </a:r>
-            <a:r>
-              <a:rPr lang="en-US" sz="2200" dirty="0" err="1"/>
-              <a:t>выбора</a:t>
-            </a:r>
-            <a:r>
-              <a:rPr lang="en-US" sz="2200" dirty="0"/>
-              <a:t> и </a:t>
-            </a:r>
-            <a:r>
-              <a:rPr lang="en-US" sz="2200" dirty="0" err="1"/>
-              <a:t>предварительной</a:t>
-            </a:r>
-            <a:r>
-              <a:rPr lang="en-US" sz="2200" dirty="0"/>
-              <a:t> </a:t>
-            </a:r>
-            <a:r>
-              <a:rPr lang="en-US" sz="2200" dirty="0" err="1"/>
-              <a:t>обработки</a:t>
-            </a:r>
-            <a:r>
-              <a:rPr lang="en-US" sz="2200" dirty="0"/>
-              <a:t> </a:t>
-            </a:r>
-            <a:r>
-              <a:rPr lang="en-US" sz="2200" dirty="0" err="1"/>
-              <a:t>значимых</a:t>
-            </a:r>
-            <a:r>
-              <a:rPr lang="en-US" sz="2200" dirty="0"/>
-              <a:t> </a:t>
+              <a:t>объединение</a:t>
             </a:r>
             <a:r>
               <a:rPr lang="ru-RU" sz="2200" dirty="0"/>
-              <a:t>признаков</a:t>
-            </a:r>
-            <a:r>
-              <a:rPr lang="en-US" sz="2200" dirty="0"/>
-              <a:t> и </a:t>
-            </a:r>
-            <a:r>
-              <a:rPr lang="en-US" sz="2200" dirty="0" err="1"/>
-              <a:t>исключения</a:t>
-            </a:r>
-            <a:r>
-              <a:rPr lang="en-US" sz="2200" dirty="0"/>
-              <a:t> </a:t>
-            </a:r>
-            <a:r>
-              <a:rPr lang="en-US" sz="2200" dirty="0" err="1"/>
-              <a:t>из</a:t>
-            </a:r>
-            <a:r>
-              <a:rPr lang="en-US" sz="2200" dirty="0"/>
-              <a:t> </a:t>
-            </a:r>
-            <a:r>
-              <a:rPr lang="en-US" sz="2200" dirty="0" err="1"/>
-              <a:t>временных</a:t>
-            </a:r>
-            <a:r>
-              <a:rPr lang="en-US" sz="2200" dirty="0"/>
-              <a:t> </a:t>
-            </a:r>
-            <a:r>
-              <a:rPr lang="en-US" sz="2200" dirty="0" err="1"/>
-              <a:t>рядов</a:t>
-            </a:r>
-            <a:r>
-              <a:rPr lang="en-US" sz="2200" dirty="0"/>
-              <a:t> </a:t>
+              <a:t> признаков нескольких составляющих </a:t>
+            </a:r>
+            <a:r>
+              <a:rPr lang="ru-RU" sz="2200" b="1" dirty="0"/>
+              <a:t>в один вектор</a:t>
             </a:r>
             <a:r>
               <a:rPr lang="ru-RU" sz="2200" dirty="0"/>
-              <a:t>признаков</a:t>
-            </a:r>
-            <a:r>
-              <a:rPr lang="en-US" sz="2200" dirty="0"/>
-              <a:t>, </a:t>
-            </a:r>
-            <a:r>
-              <a:rPr lang="en-US" sz="2200" dirty="0" err="1"/>
-              <a:t>которые</a:t>
-            </a:r>
-            <a:r>
-              <a:rPr lang="en-US" sz="2200" dirty="0"/>
-              <a:t> </a:t>
-            </a:r>
-            <a:r>
-              <a:rPr lang="en-US" sz="2200" dirty="0" err="1"/>
-              <a:t>не</a:t>
-            </a:r>
-            <a:r>
-              <a:rPr lang="en-US" sz="2200" dirty="0"/>
-              <a:t> </a:t>
-            </a:r>
-            <a:r>
-              <a:rPr lang="en-US" sz="2200" dirty="0" err="1"/>
-              <a:t>имеют</a:t>
-            </a:r>
-            <a:r>
-              <a:rPr lang="en-US" sz="2200" dirty="0"/>
-              <a:t> </a:t>
-            </a:r>
-            <a:r>
-              <a:rPr lang="en-US" sz="2200" dirty="0" err="1"/>
-              <a:t>отношения</a:t>
-            </a:r>
-            <a:r>
-              <a:rPr lang="en-US" sz="2200" dirty="0"/>
-              <a:t> к </a:t>
-            </a:r>
-            <a:r>
-              <a:rPr lang="en-US" sz="2200" dirty="0" err="1"/>
-              <a:t>задаче</a:t>
-            </a:r>
-            <a:r>
-              <a:rPr lang="en-US" sz="2200" dirty="0"/>
-              <a:t>.</a:t>
+              <a:t>;</a:t>
+            </a:r>
+          </a:p>
+          <a:p>
+            <a:pPr lvl="2">
+              <a:lnSpc>
+                <a:spcPct val="100000"/>
+              </a:lnSpc>
+            </a:pPr>
+            <a:r>
+              <a:rPr lang="ru-RU" sz="2200" b="1" dirty="0" err="1"/>
+              <a:t>ансамблирование</a:t>
             </a:r>
             <a:r>
               <a:rPr lang="ru-RU" sz="2200" dirty="0"/>
               <a:t> </a:t>
             </a:r>
+            <a:r>
+              <a:rPr lang="ru-RU" sz="2200" b="1" dirty="0"/>
+              <a:t>результатов</a:t>
+            </a:r>
+            <a:r>
+              <a:rPr lang="ru-RU" sz="2200" dirty="0"/>
+              <a:t> классификации по каждой составляющей;</a:t>
+            </a:r>
+          </a:p>
+          <a:p>
+            <a:pPr lvl="2">
+              <a:lnSpc>
+                <a:spcPct val="100000"/>
+              </a:lnSpc>
+            </a:pPr>
+            <a:r>
+              <a:rPr lang="ru-RU" sz="2200" b="1" dirty="0"/>
+              <a:t>использование специальных методов, </a:t>
+            </a:r>
+          </a:p>
+          <a:p>
+            <a:pPr lvl="3">
+              <a:lnSpc>
+                <a:spcPct val="100000"/>
+              </a:lnSpc>
+            </a:pPr>
+            <a:r>
+              <a:rPr lang="ru-RU" sz="2000" dirty="0"/>
+              <a:t>например типа многомерных </a:t>
+            </a:r>
+            <a:r>
+              <a:rPr lang="ru-RU" sz="2000" dirty="0" err="1"/>
+              <a:t>шейплеты</a:t>
+            </a:r>
+            <a:r>
+              <a:rPr lang="ru-RU" sz="2000" dirty="0"/>
+              <a:t>, многомерные авторегрессии, </a:t>
+            </a:r>
+            <a:r>
+              <a:rPr lang="en-US" sz="2000" dirty="0"/>
+              <a:t>PCA</a:t>
+            </a:r>
+            <a:r>
+              <a:rPr lang="ru-RU" sz="2000" dirty="0"/>
+              <a:t>.</a:t>
+            </a:r>
           </a:p>
           <a:p>
             <a:pPr>
@@ -4119,214 +4167,27 @@
                 <a:spcPct val="100000"/>
               </a:lnSpc>
             </a:pPr>
-            <a:r>
-              <a:rPr lang="ru-RU" sz="2200" dirty="0"/>
-              <a:t>Анализ и обработка</a:t>
-            </a:r>
-            <a:r>
-              <a:rPr lang="en-US" sz="2200" dirty="0"/>
-              <a:t> </a:t>
-            </a:r>
-            <a:r>
-              <a:rPr lang="ru-RU" sz="2200" dirty="0"/>
-              <a:t>признаков</a:t>
-            </a:r>
-            <a:r>
-              <a:rPr lang="en-US" sz="2200" dirty="0"/>
-              <a:t> </a:t>
-            </a:r>
-            <a:r>
-              <a:rPr lang="en-US" sz="2200" dirty="0" err="1"/>
-              <a:t>облегча</a:t>
-            </a:r>
-            <a:r>
-              <a:rPr lang="ru-RU" sz="2200" dirty="0"/>
-              <a:t>ю</a:t>
-            </a:r>
-            <a:r>
-              <a:rPr lang="en-US" sz="2200" dirty="0"/>
-              <a:t>т </a:t>
-            </a:r>
-            <a:r>
-              <a:rPr lang="en-US" sz="2200" dirty="0" err="1"/>
-              <a:t>понимание</a:t>
-            </a:r>
-            <a:r>
-              <a:rPr lang="en-US" sz="2200" dirty="0"/>
-              <a:t> </a:t>
-            </a:r>
-            <a:r>
-              <a:rPr lang="en-US" sz="2200" dirty="0" err="1"/>
-              <a:t>данных</a:t>
-            </a:r>
-            <a:r>
-              <a:rPr lang="en-US" sz="2200" dirty="0"/>
-              <a:t>, </a:t>
-            </a:r>
             <a:endParaRPr lang="ru-RU" sz="2200" dirty="0"/>
-          </a:p>
-          <a:p>
-            <a:pPr lvl="1">
-              <a:lnSpc>
-                <a:spcPct val="100000"/>
-              </a:lnSpc>
-            </a:pPr>
-            <a:r>
-              <a:rPr lang="en-US" sz="2200" dirty="0" err="1"/>
-              <a:t>сокраща</a:t>
-            </a:r>
-            <a:r>
-              <a:rPr lang="ru-RU" sz="2200" dirty="0"/>
-              <a:t>ю</a:t>
-            </a:r>
-            <a:r>
-              <a:rPr lang="en-US" sz="2200" dirty="0"/>
-              <a:t>т </a:t>
-            </a:r>
-            <a:r>
-              <a:rPr lang="en-US" sz="2200" dirty="0" err="1"/>
-              <a:t>время</a:t>
-            </a:r>
-            <a:r>
-              <a:rPr lang="en-US" sz="2200" dirty="0"/>
-              <a:t> </a:t>
-            </a:r>
-            <a:r>
-              <a:rPr lang="en-US" sz="2200" dirty="0" err="1"/>
-              <a:t>вычислений</a:t>
-            </a:r>
-            <a:r>
-              <a:rPr lang="en-US" sz="2200" dirty="0"/>
-              <a:t> </a:t>
-            </a:r>
-            <a:endParaRPr lang="ru-RU" sz="2200" dirty="0"/>
-          </a:p>
-          <a:p>
-            <a:pPr lvl="1">
-              <a:lnSpc>
-                <a:spcPct val="100000"/>
-              </a:lnSpc>
-            </a:pPr>
-            <a:r>
-              <a:rPr lang="en-US" sz="2200" dirty="0" err="1"/>
-              <a:t>требования</a:t>
-            </a:r>
-            <a:r>
-              <a:rPr lang="en-US" sz="2200" dirty="0"/>
-              <a:t> к </a:t>
-            </a:r>
-            <a:r>
-              <a:rPr lang="en-US" sz="2200" dirty="0" err="1"/>
-              <a:t>хранению</a:t>
-            </a:r>
-            <a:r>
-              <a:rPr lang="en-US" sz="2200" dirty="0"/>
-              <a:t>, </a:t>
-            </a:r>
-            <a:r>
-              <a:rPr lang="en-US" sz="2200" dirty="0" err="1"/>
-              <a:t>так</a:t>
-            </a:r>
-            <a:r>
-              <a:rPr lang="en-US" sz="2200" dirty="0"/>
-              <a:t> </a:t>
-            </a:r>
-            <a:r>
-              <a:rPr lang="en-US" sz="2200" dirty="0" err="1"/>
-              <a:t>что</a:t>
-            </a:r>
-            <a:r>
-              <a:rPr lang="en-US" sz="2200" dirty="0"/>
-              <a:t> </a:t>
-            </a:r>
-            <a:r>
-              <a:rPr lang="en-US" sz="2200" dirty="0" err="1"/>
-              <a:t>изучение</a:t>
-            </a:r>
-            <a:r>
-              <a:rPr lang="en-US" sz="2200" dirty="0"/>
-              <a:t> </a:t>
-            </a:r>
-            <a:r>
-              <a:rPr lang="en-US" sz="2200" dirty="0" err="1"/>
-              <a:t>моделей</a:t>
-            </a:r>
-            <a:r>
-              <a:rPr lang="en-US" sz="2200" dirty="0"/>
-              <a:t> </a:t>
-            </a:r>
-            <a:r>
-              <a:rPr lang="en-US" sz="2200" dirty="0" err="1"/>
-              <a:t>становится</a:t>
-            </a:r>
-            <a:r>
-              <a:rPr lang="en-US" sz="2200" dirty="0"/>
-              <a:t> </a:t>
-            </a:r>
-            <a:r>
-              <a:rPr lang="en-US" sz="2200" dirty="0" err="1"/>
-              <a:t>более</a:t>
-            </a:r>
-            <a:r>
-              <a:rPr lang="en-US" sz="2200" dirty="0"/>
-              <a:t> </a:t>
-            </a:r>
-            <a:r>
-              <a:rPr lang="en-US" sz="2200" dirty="0" err="1"/>
-              <a:t>простым</a:t>
-            </a:r>
-            <a:r>
-              <a:rPr lang="en-US" sz="2200" dirty="0"/>
-              <a:t> </a:t>
-            </a:r>
-            <a:r>
-              <a:rPr lang="en-US" sz="2200" dirty="0" err="1"/>
-              <a:t>процессом</a:t>
-            </a:r>
-            <a:r>
-              <a:rPr lang="en-US" sz="2200" dirty="0"/>
-              <a:t>. </a:t>
-            </a:r>
-            <a:endParaRPr lang="ru-RU" sz="2200" dirty="0"/>
-          </a:p>
-          <a:p>
-            <a:pPr lvl="1">
-              <a:lnSpc>
-                <a:spcPct val="100000"/>
-              </a:lnSpc>
-            </a:pPr>
-            <a:r>
-              <a:rPr lang="ru-RU" sz="2200" dirty="0"/>
-              <a:t>Иногда позволяет повысить интерпретируемость модели.</a:t>
-            </a:r>
-          </a:p>
-          <a:p>
-            <a:pPr lvl="1">
-              <a:lnSpc>
-                <a:spcPct val="100000"/>
-              </a:lnSpc>
-            </a:pPr>
-            <a:r>
-              <a:rPr lang="ru-RU" sz="2200" dirty="0"/>
-              <a:t>Также в ряде случаев позволяет повысить точность</a:t>
-            </a:r>
-            <a:r>
-              <a:rPr lang="en-US" sz="2200" dirty="0"/>
-              <a:t>.</a:t>
-            </a:r>
           </a:p>
         </p:txBody>
       </p:sp>
     </p:spTree>
     <p:extLst>
       <p:ext uri="{BB962C8B-B14F-4D97-AF65-F5344CB8AC3E}">
-        <p14:creationId xmlns:p14="http://schemas.microsoft.com/office/powerpoint/2010/main" val="3304748332"/>
+        <p14:creationId xmlns:p14="http://schemas.microsoft.com/office/powerpoint/2010/main" val="1344082998"/>
       </p:ext>
     </p:extLst>
   </p:cSld>
   <p:clrMapOvr>
     <a:masterClrMapping/>
   </p:clrMapOvr>
+  <p:timing>
+    <p:tnLst>
+      <p:par>
+        <p:cTn id="1" dur="indefinite" restart="never" nodeType="tmRoot"/>
+      </p:par>
+    </p:tnLst>
+  </p:timing>
 </p:sld>
 </file>
 
@@ -4418,31 +4279,20 @@
               </a:lnSpc>
             </a:pPr>
             <a:r>
-              <a:rPr lang="ru-RU" sz="2200" dirty="0"/>
-              <a:t>Отбор признаков</a:t>
-            </a:r>
-          </a:p>
-          <a:p>
-            <a:pPr lvl="1" algn="just"/>
-            <a:r>
               <a:rPr lang="ru-RU" sz="2200" b="1" dirty="0"/>
-              <a:t>М</a:t>
-            </a:r>
-            <a:r>
-              <a:rPr lang="en-US" sz="2200" b="1" dirty="0" err="1"/>
-              <a:t>етоды</a:t>
+              <a:t>Анализ и обработку признаков во временных рядах </a:t>
+            </a:r>
+            <a:r>
+              <a:rPr lang="en-US" sz="2200" dirty="0" err="1"/>
+              <a:t>можно</a:t>
             </a:r>
             <a:r>
               <a:rPr lang="en-US" sz="2200" dirty="0"/>
               <a:t> </a:t>
             </a:r>
             <a:r>
-              <a:rPr lang="ru-RU" sz="2200" b="1" dirty="0"/>
-              <a:t>оборачивания</a:t>
-            </a:r>
-            <a:r>
-              <a:rPr lang="ru-RU" sz="2200" dirty="0"/>
-              <a:t> - используются</a:t>
+              <a:rPr lang="en-US" sz="2200" dirty="0" err="1"/>
+              <a:t>определить</a:t>
             </a:r>
             <a:r>
               <a:rPr lang="en-US" sz="2200" dirty="0"/>
@@ -4450,11 +4300,7 @@
             </a:r>
             <a:r>
               <a:rPr lang="en-US" sz="2200" dirty="0" err="1"/>
-              <a:t>предопределенны</a:t>
-            </a:r>
-            <a:r>
-              <a:rPr lang="ru-RU" sz="2200" dirty="0"/>
-              <a:t>е</a:t>
+              <a:t>как</a:t>
             </a:r>
             <a:r>
               <a:rPr lang="en-US" sz="2200" dirty="0"/>
@@ -4462,7 +4308,7 @@
             </a:r>
             <a:r>
               <a:rPr lang="en-US" sz="2200" dirty="0" err="1"/>
-              <a:t>алгоритм</a:t>
+              <a:t>процесс</a:t>
             </a:r>
             <a:r>
               <a:rPr lang="en-US" sz="2200" dirty="0"/>
@@ -4470,7 +4316,15 @@
             </a:r>
             <a:r>
               <a:rPr lang="en-US" sz="2200" dirty="0" err="1"/>
-              <a:t>обучения</a:t>
+              <a:t>выбора</a:t>
+            </a:r>
+            <a:r>
+              <a:rPr lang="en-US" sz="2200" dirty="0"/>
+              <a:t> и </a:t>
+            </a:r>
+            <a:r>
+              <a:rPr lang="en-US" sz="2200" dirty="0" err="1"/>
+              <a:t>предварительной</a:t>
             </a:r>
             <a:r>
               <a:rPr lang="en-US" sz="2200" dirty="0"/>
@@ -4478,7 +4332,7 @@
             </a:r>
             <a:r>
               <a:rPr lang="en-US" sz="2200" dirty="0" err="1"/>
-              <a:t>для</a:t>
+              <a:t>обработки</a:t>
             </a:r>
             <a:r>
               <a:rPr lang="en-US" sz="2200" dirty="0"/>
@@ -4486,15 +4340,23 @@
             </a:r>
             <a:r>
               <a:rPr lang="en-US" sz="2200" dirty="0" err="1"/>
-              <a:t>определения</a:t>
+              <a:t>значимых</a:t>
             </a:r>
             <a:r>
               <a:rPr lang="en-US" sz="2200" dirty="0"/>
               <a:t> </a:t>
             </a:r>
             <a:r>
+              <a:rPr lang="ru-RU" sz="2200" dirty="0"/>
+              <a:t>признаков</a:t>
+            </a:r>
+            <a:r>
+              <a:rPr lang="en-US" sz="2200" dirty="0"/>
+              <a:t> и </a:t>
+            </a:r>
+            <a:r>
               <a:rPr lang="en-US" sz="2200" dirty="0" err="1"/>
-              <a:t>качества</a:t>
+              <a:t>исключения</a:t>
             </a:r>
             <a:r>
               <a:rPr lang="en-US" sz="2200" dirty="0"/>
@@ -4502,35 +4364,39 @@
             </a:r>
             <a:r>
               <a:rPr lang="en-US" sz="2200" dirty="0" err="1"/>
-              <a:t>выбранных</a:t>
+              <a:t>из</a:t>
             </a:r>
             <a:r>
               <a:rPr lang="en-US" sz="2200" dirty="0"/>
               <a:t> </a:t>
             </a:r>
             <a:r>
+              <a:rPr lang="en-US" sz="2200" dirty="0" err="1"/>
+              <a:t>временных</a:t>
+            </a:r>
+            <a:r>
+              <a:rPr lang="en-US" sz="2200" dirty="0"/>
+              <a:t> </a:t>
+            </a:r>
+            <a:r>
+              <a:rPr lang="en-US" sz="2200" dirty="0" err="1"/>
+              <a:t>рядов</a:t>
+            </a:r>
+            <a:r>
+              <a:rPr lang="en-US" sz="2200" dirty="0"/>
+              <a:t> </a:t>
+            </a:r>
+            <a:r>
               <a:rPr lang="ru-RU" sz="2200" dirty="0"/>
               <a:t>признаков</a:t>
             </a:r>
             <a:r>
               <a:rPr lang="en-US" sz="2200" dirty="0"/>
-              <a:t> в </a:t>
+              <a:t>, </a:t>
             </a:r>
             <a:r>
               <a:rPr lang="en-US" sz="2200" dirty="0" err="1"/>
-              <a:t>соответствии</a:t>
-            </a:r>
-            <a:r>
-              <a:rPr lang="en-US" sz="2200" dirty="0"/>
-              <a:t> с </a:t>
-            </a:r>
-            <a:r>
-              <a:rPr lang="ru-RU" sz="2200" dirty="0"/>
-              <a:t>заданной </a:t>
-            </a:r>
-            <a:r>
-              <a:rPr lang="en-US" sz="2200" dirty="0" err="1"/>
-              <a:t>метрикой</a:t>
+              <a:t>которые</a:t>
             </a:r>
             <a:r>
               <a:rPr lang="en-US" sz="2200" dirty="0"/>
@@ -4538,63 +4404,58 @@
             </a:r>
             <a:r>
               <a:rPr lang="en-US" sz="2200" dirty="0" err="1"/>
-              <a:t>оценки</a:t>
+              <a:t>не</a:t>
+            </a:r>
+            <a:r>
+              <a:rPr lang="en-US" sz="2200" dirty="0"/>
+              <a:t> </a:t>
+            </a:r>
+            <a:r>
+              <a:rPr lang="en-US" sz="2200" dirty="0" err="1"/>
+              <a:t>имеют</a:t>
+            </a:r>
+            <a:r>
+              <a:rPr lang="en-US" sz="2200" dirty="0"/>
+              <a:t> </a:t>
+            </a:r>
+            <a:r>
+              <a:rPr lang="en-US" sz="2200" dirty="0" err="1"/>
+              <a:t>отношения</a:t>
+            </a:r>
+            <a:r>
+              <a:rPr lang="en-US" sz="2200" dirty="0"/>
+              <a:t> к </a:t>
+            </a:r>
+            <a:r>
+              <a:rPr lang="en-US" sz="2200" dirty="0" err="1"/>
+              <a:t>задаче</a:t>
             </a:r>
             <a:r>
               <a:rPr lang="en-US" sz="2200" dirty="0"/>
               <a:t>.</a:t>
             </a:r>
-            <a:endParaRPr lang="ru-RU" sz="2200" dirty="0"/>
-          </a:p>
-          <a:p>
-            <a:pPr lvl="2" algn="just"/>
             <a:r>
               <a:rPr lang="ru-RU" sz="2200" dirty="0"/>
-              <a:t>Например важность признаков для леса.</a:t>
-            </a:r>
-            <a:endParaRPr lang="en-US" sz="2200" dirty="0"/>
-          </a:p>
-          <a:p>
-            <a:pPr lvl="2" algn="just"/>
+              <a:t> </a:t>
+            </a:r>
+          </a:p>
+          <a:p>
+            <a:pPr>
+              <a:lnSpc>
+                <a:spcPct val="100000"/>
+              </a:lnSpc>
+            </a:pPr>
             <a:r>
               <a:rPr lang="ru-RU" sz="2200" dirty="0"/>
-              <a:t>Отбор комбинаций признаков.</a:t>
-            </a:r>
-            <a:endParaRPr lang="en-US" sz="2200" dirty="0"/>
-          </a:p>
-          <a:p>
-            <a:pPr lvl="1" algn="just"/>
-            <a:r>
-              <a:rPr lang="en-US" sz="2200" b="1" dirty="0" err="1"/>
-              <a:t>Методы</a:t>
-            </a:r>
-            <a:r>
-              <a:rPr lang="en-US" sz="2200" b="1" dirty="0"/>
-              <a:t> </a:t>
-            </a:r>
-            <a:r>
-              <a:rPr lang="en-US" sz="2200" b="1" dirty="0" err="1"/>
-              <a:t>фильтрации</a:t>
+              <a:t>Анализ и обработка</a:t>
             </a:r>
             <a:r>
               <a:rPr lang="en-US" sz="2200" dirty="0"/>
               <a:t> </a:t>
             </a:r>
             <a:r>
-              <a:rPr lang="ru-RU" sz="2200" b="1" dirty="0"/>
+              <a:rPr lang="ru-RU" sz="2200" dirty="0"/>
               <a:t>признаков</a:t>
-            </a:r>
-            <a:r>
-              <a:rPr lang="ru-RU" sz="2200" dirty="0"/>
-              <a:t> </a:t>
-            </a:r>
-            <a:r>
-              <a:rPr lang="en-US" sz="2200" dirty="0" err="1"/>
-              <a:t>применя</a:t>
-            </a:r>
-            <a:r>
-              <a:rPr lang="ru-RU" sz="2200" dirty="0" err="1"/>
-              <a:t>ются</a:t>
             </a:r>
             <a:r>
               <a:rPr lang="en-US" sz="2200" dirty="0"/>
@@ -4602,7 +4463,19 @@
             </a:r>
             <a:r>
               <a:rPr lang="en-US" sz="2200" dirty="0" err="1"/>
-              <a:t>статистические</a:t>
+              <a:t>облегча</a:t>
+            </a:r>
+            <a:r>
+              <a:rPr lang="ru-RU" sz="2200" dirty="0"/>
+              <a:t>ю</a:t>
+            </a:r>
+            <a:r>
+              <a:rPr lang="en-US" sz="2200" dirty="0"/>
+              <a:t>т </a:t>
+            </a:r>
+            <a:r>
+              <a:rPr lang="en-US" sz="2200" dirty="0" err="1"/>
+              <a:t>понимание</a:t>
             </a:r>
             <a:r>
               <a:rPr lang="en-US" sz="2200" dirty="0"/>
@@ -4610,7 +4483,35 @@
             </a:r>
             <a:r>
               <a:rPr lang="en-US" sz="2200" dirty="0" err="1"/>
-              <a:t>меры</a:t>
+              <a:t>данных</a:t>
+            </a:r>
+            <a:r>
+              <a:rPr lang="en-US" sz="2200" dirty="0"/>
+              <a:t>, </a:t>
+            </a:r>
+            <a:endParaRPr lang="ru-RU" sz="2200" dirty="0"/>
+          </a:p>
+          <a:p>
+            <a:pPr lvl="1">
+              <a:lnSpc>
+                <a:spcPct val="100000"/>
+              </a:lnSpc>
+            </a:pPr>
+            <a:r>
+              <a:rPr lang="en-US" sz="2200" dirty="0" err="1"/>
+              <a:t>сокраща</a:t>
+            </a:r>
+            <a:r>
+              <a:rPr lang="ru-RU" sz="2200" dirty="0"/>
+              <a:t>ю</a:t>
+            </a:r>
+            <a:r>
+              <a:rPr lang="en-US" sz="2200" dirty="0"/>
+              <a:t>т </a:t>
+            </a:r>
+            <a:r>
+              <a:rPr lang="en-US" sz="2200" dirty="0" err="1"/>
+              <a:t>время</a:t>
             </a:r>
             <a:r>
               <a:rPr lang="en-US" sz="2200" dirty="0"/>
@@ -4618,15 +4519,39 @@
             </a:r>
             <a:r>
               <a:rPr lang="en-US" sz="2200" dirty="0" err="1"/>
-              <a:t>для</a:t>
+              <a:t>вычислений</a:t>
             </a:r>
             <a:r>
               <a:rPr lang="en-US" sz="2200" dirty="0"/>
               <a:t> </a:t>
             </a:r>
+            <a:endParaRPr lang="ru-RU" sz="2200" dirty="0"/>
+          </a:p>
+          <a:p>
+            <a:pPr lvl="1">
+              <a:lnSpc>
+                <a:spcPct val="100000"/>
+              </a:lnSpc>
+            </a:pPr>
             <a:r>
               <a:rPr lang="en-US" sz="2200" dirty="0" err="1"/>
-              <a:t>оценки</a:t>
+              <a:t>требования</a:t>
+            </a:r>
+            <a:r>
+              <a:rPr lang="en-US" sz="2200" dirty="0"/>
+              <a:t> к </a:t>
+            </a:r>
+            <a:r>
+              <a:rPr lang="en-US" sz="2200" dirty="0" err="1"/>
+              <a:t>хранению</a:t>
+            </a:r>
+            <a:r>
+              <a:rPr lang="en-US" sz="2200" dirty="0"/>
+              <a:t>, </a:t>
+            </a:r>
+            <a:r>
+              <a:rPr lang="en-US" sz="2200" dirty="0" err="1"/>
+              <a:t>так</a:t>
             </a:r>
             <a:r>
               <a:rPr lang="en-US" sz="2200" dirty="0"/>
@@ -4634,144 +4559,107 @@
             </a:r>
             <a:r>
               <a:rPr lang="en-US" sz="2200" dirty="0" err="1"/>
-              <a:t>набора</a:t>
+              <a:t>что</a:t>
             </a:r>
             <a:r>
               <a:rPr lang="en-US" sz="2200" dirty="0"/>
               <a:t> </a:t>
             </a:r>
             <a:r>
+              <a:rPr lang="en-US" sz="2200" dirty="0" err="1"/>
+              <a:t>изучение</a:t>
+            </a:r>
+            <a:r>
+              <a:rPr lang="en-US" sz="2200" dirty="0"/>
+              <a:t> </a:t>
+            </a:r>
+            <a:r>
+              <a:rPr lang="en-US" sz="2200" dirty="0" err="1"/>
+              <a:t>моделей</a:t>
+            </a:r>
+            <a:r>
+              <a:rPr lang="en-US" sz="2200" dirty="0"/>
+              <a:t> </a:t>
+            </a:r>
+            <a:r>
+              <a:rPr lang="en-US" sz="2200" dirty="0" err="1"/>
+              <a:t>становится</a:t>
+            </a:r>
+            <a:r>
+              <a:rPr lang="en-US" sz="2200" dirty="0"/>
+              <a:t> </a:t>
+            </a:r>
+            <a:r>
+              <a:rPr lang="en-US" sz="2200" dirty="0" err="1"/>
+              <a:t>более</a:t>
+            </a:r>
+            <a:r>
+              <a:rPr lang="en-US" sz="2200" dirty="0"/>
+              <a:t> </a:t>
+            </a:r>
+            <a:r>
+              <a:rPr lang="en-US" sz="2200" dirty="0" err="1"/>
+              <a:t>простым</a:t>
+            </a:r>
+            <a:r>
+              <a:rPr lang="en-US" sz="2200" dirty="0"/>
+              <a:t> </a:t>
+            </a:r>
+            <a:r>
+              <a:rPr lang="en-US" sz="2200" dirty="0" err="1"/>
+              <a:t>процессом</a:t>
+            </a:r>
+            <a:r>
+              <a:rPr lang="en-US" sz="2200" dirty="0"/>
+              <a:t>. </a:t>
+            </a:r>
+            <a:endParaRPr lang="ru-RU" sz="2200" dirty="0"/>
+          </a:p>
+          <a:p>
+            <a:pPr lvl="1">
+              <a:lnSpc>
+                <a:spcPct val="100000"/>
+              </a:lnSpc>
+            </a:pPr>
+            <a:r>
               <a:rPr lang="ru-RU" sz="2200" dirty="0"/>
-              <a:t>признаков</a:t>
+              <a:t>Иногда позволяет повысить интерпретируемость модели.</a:t>
+            </a:r>
+          </a:p>
+          <a:p>
+            <a:pPr lvl="1">
+              <a:lnSpc>
+                <a:spcPct val="100000"/>
+              </a:lnSpc>
+            </a:pPr>
+            <a:r>
+              <a:rPr lang="ru-RU" sz="2200" dirty="0"/>
+              <a:t>Также в ряде случаев позволяет повысить точность</a:t>
             </a:r>
             <a:r>
               <a:rPr lang="en-US" sz="2200" dirty="0"/>
               <a:t>.</a:t>
             </a:r>
-            <a:endParaRPr lang="ru-RU" sz="2200" dirty="0"/>
-          </a:p>
-          <a:p>
-            <a:pPr lvl="2" algn="just"/>
-            <a:r>
-              <a:rPr lang="ru-RU" sz="2200" dirty="0"/>
-              <a:t>Например корреляция признаков </a:t>
-            </a:r>
-          </a:p>
-          <a:p>
-            <a:pPr lvl="2" algn="just"/>
-            <a:r>
-              <a:rPr lang="ru-RU" sz="2200" dirty="0"/>
-              <a:t>Или </a:t>
-            </a:r>
-            <a:r>
-              <a:rPr lang="en-US" sz="2200" dirty="0"/>
-              <a:t>ANOVA</a:t>
-            </a:r>
-          </a:p>
-          <a:p>
-            <a:pPr lvl="1" algn="just"/>
-            <a:r>
-              <a:rPr lang="ru-RU" sz="2200" b="1" dirty="0"/>
-              <a:t>В</a:t>
-            </a:r>
-            <a:r>
-              <a:rPr lang="en-US" sz="2200" b="1" dirty="0" err="1"/>
-              <a:t>стр</a:t>
-            </a:r>
-            <a:r>
-              <a:rPr lang="ru-RU" sz="2200" b="1" dirty="0" err="1"/>
-              <a:t>аевымые</a:t>
-            </a:r>
-            <a:r>
-              <a:rPr lang="en-US" sz="2200" b="1" dirty="0"/>
-              <a:t> </a:t>
-            </a:r>
-            <a:r>
-              <a:rPr lang="en-US" sz="2200" b="1" dirty="0" err="1"/>
-              <a:t>методы</a:t>
-            </a:r>
-            <a:r>
-              <a:rPr lang="en-US" sz="2200" dirty="0"/>
-              <a:t> </a:t>
-            </a:r>
-            <a:r>
-              <a:rPr lang="en-US" sz="2200" dirty="0" err="1"/>
-              <a:t>одновременная</a:t>
-            </a:r>
-            <a:r>
-              <a:rPr lang="en-US" sz="2200" dirty="0"/>
-              <a:t> </a:t>
-            </a:r>
-            <a:r>
-              <a:rPr lang="en-US" sz="2200" dirty="0" err="1"/>
-              <a:t>подгонка</a:t>
-            </a:r>
-            <a:r>
-              <a:rPr lang="en-US" sz="2200" dirty="0"/>
-              <a:t> </a:t>
-            </a:r>
-            <a:r>
-              <a:rPr lang="en-US" sz="2200" dirty="0" err="1"/>
-              <a:t>модели</a:t>
-            </a:r>
-            <a:r>
-              <a:rPr lang="en-US" sz="2200" dirty="0"/>
-              <a:t> и </a:t>
-            </a:r>
-            <a:r>
-              <a:rPr lang="en-US" sz="2200" dirty="0" err="1"/>
-              <a:t>выбор</a:t>
-            </a:r>
-            <a:r>
-              <a:rPr lang="en-US" sz="2200" dirty="0"/>
-              <a:t> </a:t>
-            </a:r>
-            <a:r>
-              <a:rPr lang="ru-RU" sz="2200" dirty="0"/>
-              <a:t>признаков</a:t>
-            </a:r>
-            <a:r>
-              <a:rPr lang="en-US" sz="2200" dirty="0"/>
-              <a:t>.</a:t>
-            </a:r>
-            <a:endParaRPr lang="ru-RU" sz="2200" dirty="0"/>
-          </a:p>
-          <a:p>
-            <a:pPr lvl="2" algn="just"/>
-            <a:r>
-              <a:rPr lang="ru-RU" sz="2200" dirty="0"/>
-              <a:t>Например </a:t>
-            </a:r>
-            <a:r>
-              <a:rPr lang="en-US" sz="2200" dirty="0"/>
-              <a:t>L1 </a:t>
-            </a:r>
-            <a:r>
-              <a:rPr lang="ru-RU" sz="2200" dirty="0"/>
-              <a:t>регуляризация.</a:t>
-            </a:r>
-            <a:endParaRPr lang="en-US" sz="2200" dirty="0"/>
-          </a:p>
-          <a:p>
-            <a:pPr algn="l" rtl="0">
-              <a:lnSpc>
-                <a:spcPct val="100000"/>
-              </a:lnSpc>
-            </a:pPr>
-            <a:endParaRPr lang="ru-RU" sz="2200" dirty="0"/>
           </a:p>
         </p:txBody>
       </p:sp>
     </p:spTree>
     <p:extLst>
       <p:ext uri="{BB962C8B-B14F-4D97-AF65-F5344CB8AC3E}">
-        <p14:creationId xmlns:p14="http://schemas.microsoft.com/office/powerpoint/2010/main" val="444613694"/>
+        <p14:creationId xmlns:p14="http://schemas.microsoft.com/office/powerpoint/2010/main" val="3304748332"/>
       </p:ext>
     </p:extLst>
   </p:cSld>
   <p:clrMapOvr>
     <a:masterClrMapping/>
   </p:clrMapOvr>
+  <p:timing>
+    <p:tnLst>
+      <p:par>
+        <p:cTn id="1" dur="indefinite" restart="never" nodeType="tmRoot"/>
+      </p:par>
+    </p:tnLst>
+  </p:timing>
 </p:sld>
 </file>
 
@@ -4794,7 +4682,13 @@
       </p:grpSpPr>
       <p:sp>
         <p:nvSpPr>
-          <p:cNvPr id="2" name="Заголовок 1"/>
+          <p:cNvPr id="2" name="Заголовок 1">
+            <a:extLst>
+              <a:ext uri="{FF2B5EF4-FFF2-40B4-BE49-F238E27FC236}">
+                <a16:creationId xmlns:a16="http://schemas.microsoft.com/office/drawing/2014/main" id="{5DBA10D1-E2DF-4CAB-A0B5-AD303DF5644B}"/>
+              </a:ext>
+            </a:extLst>
+          </p:cNvPr>
           <p:cNvSpPr>
             <a:spLocks noGrp="1"/>
           </p:cNvSpPr>
@@ -4805,26 +4699,33 @@
         <p:spPr>
           <a:xfrm>
             <a:off x="838200" y="365125"/>
-            <a:ext cx="10515600" cy="566367"/>
+            <a:ext cx="10515600" cy="827181"/>
           </a:xfrm>
         </p:spPr>
         <p:txBody>
           <a:bodyPr>
-            <a:normAutofit fontScale="90000"/>
+            <a:normAutofit/>
           </a:bodyPr>
           <a:lstStyle/>
           <a:p>
+            <a:pPr algn="l" rtl="0"/>
             <a:r>
               <a:rPr lang="ru-RU" b="1" dirty="0"/>
-              <a:t>Лес временных рядов (TSF)</a:t>
-            </a:r>
-            <a:endParaRPr lang="ru-RU" dirty="0"/>
-          </a:p>
-        </p:txBody>
-      </p:sp>
-      <p:sp>
-        <p:nvSpPr>
-          <p:cNvPr id="3" name="Объект 2"/>
+              <a:t>Предварительный анализ признаков</a:t>
+            </a:r>
+            <a:endParaRPr lang="en-US" b="1" dirty="0"/>
+          </a:p>
+        </p:txBody>
+      </p:sp>
+      <p:sp>
+        <p:nvSpPr>
+          <p:cNvPr id="3" name="Объект 2">
+            <a:extLst>
+              <a:ext uri="{FF2B5EF4-FFF2-40B4-BE49-F238E27FC236}">
+                <a16:creationId xmlns:a16="http://schemas.microsoft.com/office/drawing/2014/main" id="{19D767B6-15E9-44FE-83F3-68423D4C12D7}"/>
+              </a:ext>
+            </a:extLst>
+          </p:cNvPr>
           <p:cNvSpPr>
             <a:spLocks noGrp="1"/>
           </p:cNvSpPr>
@@ -4834,8 +4735,8 @@
         </p:nvSpPr>
         <p:spPr>
           <a:xfrm>
-            <a:off x="341832" y="931492"/>
-            <a:ext cx="11011968" cy="5674407"/>
+            <a:off x="555812" y="1102406"/>
+            <a:ext cx="10797988" cy="5755594"/>
           </a:xfrm>
         </p:spPr>
         <p:txBody>
@@ -4844,159 +4745,373 @@
           </a:bodyPr>
           <a:lstStyle/>
           <a:p>
-            <a:pPr lvl="0">
-              <a:lnSpc>
-                <a:spcPct val="100000"/>
-              </a:lnSpc>
-              <a:spcBef>
-                <a:spcPts val="0"/>
-              </a:spcBef>
+            <a:pPr algn="l" rtl="0">
+              <a:lnSpc>
+                <a:spcPct val="100000"/>
+              </a:lnSpc>
             </a:pPr>
             <a:r>
               <a:rPr lang="ru-RU" sz="2200" dirty="0"/>
-              <a:t>Классификатор </a:t>
+              <a:t>Отбор признаков</a:t>
+            </a:r>
+          </a:p>
+          <a:p>
+            <a:pPr lvl="1" algn="just"/>
+            <a:r>
+              <a:rPr lang="ru-RU" sz="2200" b="1" dirty="0"/>
+              <a:t>М</a:t>
+            </a:r>
+            <a:r>
+              <a:rPr lang="en-US" sz="2200" b="1" dirty="0" err="1"/>
+              <a:t>етоды</a:t>
             </a:r>
             <a:r>
               <a:rPr lang="en-US" sz="2200" dirty="0"/>
-              <a:t>Time-Series-Forest </a:t>
+              <a:t> </a:t>
+            </a:r>
+            <a:r>
+              <a:rPr lang="ru-RU" sz="2200" b="1" dirty="0"/>
+              <a:t>оборачивания</a:t>
             </a:r>
             <a:r>
               <a:rPr lang="ru-RU" sz="2200" dirty="0"/>
-              <a:t>TSF адаптирует классификатор случайного леса к временному ряду.</a:t>
-            </a:r>
-          </a:p>
-          <a:p>
-            <a:pPr lvl="0">
-              <a:lnSpc>
-                <a:spcPct val="100000"/>
-              </a:lnSpc>
-              <a:spcBef>
-                <a:spcPts val="0"/>
-              </a:spcBef>
-            </a:pPr>
+              <a:t> - используются</a:t>
+            </a:r>
+            <a:r>
+              <a:rPr lang="en-US" sz="2200" dirty="0"/>
+              <a:t> </a:t>
+            </a:r>
+            <a:r>
+              <a:rPr lang="en-US" sz="2200" dirty="0" err="1"/>
+              <a:t>предопределенны</a:t>
+            </a:r>
             <a:r>
               <a:rPr lang="ru-RU" sz="2200" dirty="0"/>
-              <a:t>TSF - это классификатор на основе интервалов. </a:t>
-            </a:r>
-          </a:p>
-          <a:p>
-            <a:pPr lvl="0">
-              <a:lnSpc>
-                <a:spcPct val="100000"/>
-              </a:lnSpc>
-              <a:spcBef>
-                <a:spcPts val="0"/>
-              </a:spcBef>
-            </a:pPr>
+              <a:t>е</a:t>
+            </a:r>
+            <a:r>
+              <a:rPr lang="en-US" sz="2200" dirty="0"/>
+              <a:t> </a:t>
+            </a:r>
+            <a:r>
+              <a:rPr lang="en-US" sz="2200" dirty="0" err="1"/>
+              <a:t>алгоритм</a:t>
+            </a:r>
+            <a:r>
+              <a:rPr lang="en-US" sz="2200" dirty="0"/>
+              <a:t> </a:t>
+            </a:r>
+            <a:r>
+              <a:rPr lang="en-US" sz="2200" dirty="0" err="1"/>
+              <a:t>обучения</a:t>
+            </a:r>
+            <a:r>
+              <a:rPr lang="en-US" sz="2200" dirty="0"/>
+              <a:t> </a:t>
+            </a:r>
+            <a:r>
+              <a:rPr lang="en-US" sz="2200" dirty="0" err="1"/>
+              <a:t>для</a:t>
+            </a:r>
+            <a:r>
+              <a:rPr lang="en-US" sz="2200" dirty="0"/>
+              <a:t> </a:t>
+            </a:r>
+            <a:r>
+              <a:rPr lang="en-US" sz="2200" dirty="0" err="1"/>
+              <a:t>определения</a:t>
+            </a:r>
+            <a:r>
+              <a:rPr lang="en-US" sz="2200" dirty="0"/>
+              <a:t> </a:t>
+            </a:r>
+            <a:r>
+              <a:rPr lang="en-US" sz="2200" dirty="0" err="1"/>
+              <a:t>качества</a:t>
+            </a:r>
+            <a:r>
+              <a:rPr lang="en-US" sz="2200" dirty="0"/>
+              <a:t> </a:t>
+            </a:r>
+            <a:r>
+              <a:rPr lang="en-US" sz="2200" dirty="0" err="1"/>
+              <a:t>выбранных</a:t>
+            </a:r>
+            <a:r>
+              <a:rPr lang="en-US" sz="2200" dirty="0"/>
+              <a:t> </a:t>
+            </a:r>
             <a:r>
               <a:rPr lang="ru-RU" sz="2200" dirty="0"/>
-              <a:t>В основе данного подхода лежит следующая последовательность действий.</a:t>
-            </a:r>
-          </a:p>
-          <a:p>
-            <a:pPr lvl="1">
-              <a:lnSpc>
-                <a:spcPct val="100000"/>
-              </a:lnSpc>
-            </a:pPr>
+              <a:t>признаков</a:t>
+            </a:r>
+            <a:r>
+              <a:rPr lang="en-US" sz="2200" dirty="0"/>
+              <a:t> в </a:t>
+            </a:r>
+            <a:r>
+              <a:rPr lang="en-US" sz="2200" dirty="0" err="1"/>
+              <a:t>соответствии</a:t>
+            </a:r>
+            <a:r>
+              <a:rPr lang="en-US" sz="2200" dirty="0"/>
+              <a:t> с </a:t>
+            </a:r>
             <a:r>
               <a:rPr lang="ru-RU" sz="2200" dirty="0"/>
-              <a:t>Для каждого сегмента временного ряда выделяется набор интервалов, выбранных случайно.</a:t>
-            </a:r>
-          </a:p>
-          <a:p>
-            <a:pPr lvl="1">
-              <a:lnSpc>
-                <a:spcPct val="100000"/>
-              </a:lnSpc>
-            </a:pPr>
+              <a:t>заданной </a:t>
+            </a:r>
+            <a:r>
+              <a:rPr lang="en-US" sz="2200" dirty="0" err="1"/>
+              <a:t>метрикой</a:t>
+            </a:r>
+            <a:r>
+              <a:rPr lang="en-US" sz="2200" dirty="0"/>
+              <a:t> </a:t>
+            </a:r>
+            <a:r>
+              <a:rPr lang="en-US" sz="2200" dirty="0" err="1"/>
+              <a:t>оценки</a:t>
+            </a:r>
+            <a:r>
+              <a:rPr lang="en-US" sz="2200" dirty="0"/>
+              <a:t>.</a:t>
+            </a:r>
+            <a:endParaRPr lang="ru-RU" sz="2200" dirty="0"/>
+          </a:p>
+          <a:p>
+            <a:pPr lvl="2" algn="just"/>
             <a:r>
               <a:rPr lang="ru-RU" sz="2200" dirty="0"/>
-              <a:t>Для каждого интервала производится оценка, </a:t>
+              <a:t>Например важность признаков для леса.</a:t>
             </a:r>
             <a:endParaRPr lang="en-US" sz="2200" dirty="0"/>
           </a:p>
           <a:p>
-            <a:pPr lvl="2">
-              <a:lnSpc>
-                <a:spcPct val="100000"/>
-              </a:lnSpc>
-            </a:pPr>
+            <a:pPr lvl="2" algn="just"/>
             <a:r>
               <a:rPr lang="ru-RU" sz="2200" dirty="0"/>
-              <a:t>среднее значение,</a:t>
+              <a:t>Отбор комбинаций признаков.</a:t>
             </a:r>
             <a:endParaRPr lang="en-US" sz="2200" dirty="0"/>
           </a:p>
           <a:p>
-            <a:pPr lvl="2">
-              <a:lnSpc>
-                <a:spcPct val="100000"/>
-              </a:lnSpc>
-            </a:pPr>
+            <a:pPr lvl="1" algn="just"/>
+            <a:r>
+              <a:rPr lang="en-US" sz="2200" b="1" dirty="0" err="1"/>
+              <a:t>Методы</a:t>
+            </a:r>
+            <a:r>
+              <a:rPr lang="en-US" sz="2200" b="1" dirty="0"/>
+              <a:t> </a:t>
+            </a:r>
+            <a:r>
+              <a:rPr lang="en-US" sz="2200" b="1" dirty="0" err="1"/>
+              <a:t>фильтрации</a:t>
+            </a:r>
+            <a:r>
+              <a:rPr lang="en-US" sz="2200" dirty="0"/>
+              <a:t> </a:t>
+            </a:r>
+            <a:r>
+              <a:rPr lang="ru-RU" sz="2200" b="1" dirty="0"/>
+              <a:t>признаков</a:t>
+            </a:r>
             <a:r>
               <a:rPr lang="ru-RU" sz="2200" dirty="0"/>
-              <a:t>стандартное отклонение </a:t>
+              <a:t> </a:t>
+            </a:r>
+            <a:r>
+              <a:rPr lang="en-US" sz="2200" dirty="0" err="1"/>
+              <a:t>применя</a:t>
+            </a:r>
+            <a:r>
+              <a:rPr lang="ru-RU" sz="2200" dirty="0" err="1"/>
+              <a:t>ются</a:t>
+            </a:r>
+            <a:r>
+              <a:rPr lang="en-US" sz="2200" dirty="0"/>
+              <a:t> </a:t>
+            </a:r>
+            <a:r>
+              <a:rPr lang="en-US" sz="2200" dirty="0" err="1"/>
+              <a:t>статистические</a:t>
+            </a:r>
+            <a:r>
+              <a:rPr lang="en-US" sz="2200" dirty="0"/>
+              <a:t> </a:t>
+            </a:r>
+            <a:r>
+              <a:rPr lang="en-US" sz="2200" dirty="0" err="1"/>
+              <a:t>меры</a:t>
+            </a:r>
+            <a:r>
+              <a:rPr lang="en-US" sz="2200" dirty="0"/>
+              <a:t> </a:t>
+            </a:r>
+            <a:r>
+              <a:rPr lang="en-US" sz="2200" dirty="0" err="1"/>
+              <a:t>для</a:t>
+            </a:r>
+            <a:r>
+              <a:rPr lang="en-US" sz="2200" dirty="0"/>
+              <a:t> </a:t>
+            </a:r>
+            <a:r>
+              <a:rPr lang="en-US" sz="2200" dirty="0" err="1"/>
+              <a:t>оценки</a:t>
+            </a:r>
+            <a:r>
+              <a:rPr lang="en-US" sz="2200" dirty="0"/>
+              <a:t> </a:t>
+            </a:r>
+            <a:r>
+              <a:rPr lang="en-US" sz="2200" dirty="0" err="1"/>
+              <a:t>набора</a:t>
+            </a:r>
+            <a:r>
+              <a:rPr lang="en-US" sz="2200" dirty="0"/>
+              <a:t> </a:t>
+            </a:r>
+            <a:r>
+              <a:rPr lang="ru-RU" sz="2200" dirty="0"/>
+              <a:t>признаков</a:t>
+            </a:r>
+            <a:r>
+              <a:rPr lang="en-US" sz="2200" dirty="0"/>
+              <a:t>.</a:t>
+            </a:r>
+            <a:endParaRPr lang="ru-RU" sz="2200" dirty="0"/>
+          </a:p>
+          <a:p>
+            <a:pPr lvl="2" algn="just"/>
+            <a:r>
+              <a:rPr lang="ru-RU" sz="2200" dirty="0"/>
+              <a:t>Например корреляция признаков </a:t>
+            </a:r>
+          </a:p>
+          <a:p>
+            <a:pPr lvl="2" algn="just"/>
+            <a:r>
+              <a:rPr lang="ru-RU" sz="2200" dirty="0"/>
+              <a:t>Или </a:t>
+            </a:r>
+            <a:r>
+              <a:rPr lang="en-US" sz="2200" dirty="0"/>
+              <a:t>ANOVA</a:t>
+            </a:r>
+          </a:p>
+          <a:p>
+            <a:pPr lvl="1" algn="just"/>
+            <a:r>
+              <a:rPr lang="ru-RU" sz="2200" b="1" dirty="0"/>
+              <a:t>В</a:t>
+            </a:r>
+            <a:r>
+              <a:rPr lang="en-US" sz="2200" b="1" dirty="0" err="1"/>
+              <a:t>стр</a:t>
+            </a:r>
+            <a:r>
+              <a:rPr lang="ru-RU" sz="2200" b="1" dirty="0" err="1"/>
+              <a:t>аевымые</a:t>
+            </a:r>
+            <a:r>
+              <a:rPr lang="en-US" sz="2200" b="1" dirty="0"/>
+              <a:t> </a:t>
+            </a:r>
+            <a:r>
+              <a:rPr lang="en-US" sz="2200" b="1" dirty="0" err="1"/>
+              <a:t>методы</a:t>
+            </a:r>
+            <a:r>
+              <a:rPr lang="en-US" sz="2200" dirty="0"/>
+              <a:t> </a:t>
+            </a:r>
+            <a:r>
+              <a:rPr lang="en-US" sz="2200" dirty="0" err="1"/>
+              <a:t>одновременная</a:t>
+            </a:r>
+            <a:r>
+              <a:rPr lang="en-US" sz="2200" dirty="0"/>
+              <a:t> </a:t>
+            </a:r>
+            <a:r>
+              <a:rPr lang="en-US" sz="2200" dirty="0" err="1"/>
+              <a:t>подгонка</a:t>
+            </a:r>
+            <a:r>
+              <a:rPr lang="en-US" sz="2200" dirty="0"/>
+              <a:t> </a:t>
+            </a:r>
+            <a:r>
+              <a:rPr lang="en-US" sz="2200" dirty="0" err="1"/>
+              <a:t>модели</a:t>
+            </a:r>
+            <a:r>
+              <a:rPr lang="en-US" sz="2200" dirty="0"/>
+              <a:t> и </a:t>
+            </a:r>
+            <a:r>
+              <a:rPr lang="en-US" sz="2200" dirty="0" err="1"/>
+              <a:t>выбор</a:t>
+            </a:r>
+            <a:r>
+              <a:rPr lang="en-US" sz="2200" dirty="0"/>
+              <a:t> </a:t>
+            </a:r>
+            <a:r>
+              <a:rPr lang="ru-RU" sz="2200" dirty="0"/>
+              <a:t>признаков</a:t>
+            </a:r>
+            <a:r>
+              <a:rPr lang="en-US" sz="2200" dirty="0"/>
+              <a:t>.</a:t>
+            </a:r>
+            <a:endParaRPr lang="ru-RU" sz="2200" dirty="0"/>
+          </a:p>
+          <a:p>
+            <a:pPr lvl="2" algn="just"/>
+            <a:r>
+              <a:rPr lang="ru-RU" sz="2200" dirty="0"/>
+              <a:t>Например </a:t>
+            </a:r>
+            <a:r>
+              <a:rPr lang="en-US" sz="2200" dirty="0"/>
+              <a:t>L1 </a:t>
+            </a:r>
+            <a:r>
+              <a:rPr lang="ru-RU" sz="2200" dirty="0"/>
+              <a:t>регуляризация.</a:t>
             </a:r>
             <a:endParaRPr lang="en-US" sz="2200" dirty="0"/>
           </a:p>
           <a:p>
-            <a:pPr lvl="2">
-              <a:lnSpc>
-                <a:spcPct val="100000"/>
-              </a:lnSpc>
-            </a:pPr>
-            <a:r>
-              <a:rPr lang="ru-RU" sz="2200" dirty="0"/>
-              <a:t>и наклон линейного тренда. </a:t>
-            </a:r>
-            <a:endParaRPr lang="en-US" sz="2200" dirty="0"/>
-          </a:p>
-          <a:p>
-            <a:pPr lvl="2">
-              <a:lnSpc>
-                <a:spcPct val="100000"/>
-              </a:lnSpc>
-            </a:pPr>
-            <a:r>
-              <a:rPr lang="ru-RU" sz="2200" dirty="0"/>
-              <a:t>Возможны и другие характеристики.</a:t>
-            </a:r>
-          </a:p>
-          <a:p>
-            <a:pPr lvl="1">
-              <a:lnSpc>
-                <a:spcPct val="100000"/>
-              </a:lnSpc>
-            </a:pPr>
-            <a:r>
-              <a:rPr lang="ru-RU" sz="2200" dirty="0"/>
-              <a:t>Для признаков каждого интервала строится отдельное дерево.</a:t>
-            </a:r>
-          </a:p>
-          <a:p>
-            <a:pPr lvl="1">
-              <a:lnSpc>
-                <a:spcPct val="100000"/>
-              </a:lnSpc>
-            </a:pPr>
-            <a:r>
-              <a:rPr lang="ru-RU" sz="2200" dirty="0"/>
-              <a:t>Среднее значение по ансамблю деревьев рассматривается как результат работы алгоритма.</a:t>
-            </a:r>
+            <a:pPr algn="l" rtl="0">
+              <a:lnSpc>
+                <a:spcPct val="100000"/>
+              </a:lnSpc>
+            </a:pPr>
+            <a:endParaRPr lang="ru-RU" sz="2200" dirty="0"/>
           </a:p>
         </p:txBody>
       </p:sp>
     </p:spTree>
     <p:extLst>
       <p:ext uri="{BB962C8B-B14F-4D97-AF65-F5344CB8AC3E}">
-        <p14:creationId xmlns:p14="http://schemas.microsoft.com/office/powerpoint/2010/main" val="1711504515"/>
+        <p14:creationId xmlns:p14="http://schemas.microsoft.com/office/powerpoint/2010/main" val="444613694"/>
       </p:ext>
     </p:extLst>
   </p:cSld>
   <p:clrMapOvr>
     <a:masterClrMapping/>
   </p:clrMapOvr>
+  <p:timing>
+    <p:tnLst>
+      <p:par>
+        <p:cTn id="1" dur="indefinite" restart="never" nodeType="tmRoot"/>
+      </p:par>
+    </p:tnLst>
+  </p:timing>
 </p:sld>
 </file>
 
@@ -5079,6 +5194,238 @@
             </a:pPr>
             <a:r>
               <a:rPr lang="ru-RU" sz="2200" dirty="0"/>
+              <a:t>Классификатор </a:t>
+            </a:r>
+            <a:r>
+              <a:rPr lang="en-US" sz="2200" dirty="0"/>
+              <a:t>Time-Series-Forest </a:t>
+            </a:r>
+            <a:r>
+              <a:rPr lang="ru-RU" sz="2200" dirty="0"/>
+              <a:t>TSF адаптирует классификатор случайного леса к временному ряду.</a:t>
+            </a:r>
+          </a:p>
+          <a:p>
+            <a:pPr lvl="0">
+              <a:lnSpc>
+                <a:spcPct val="100000"/>
+              </a:lnSpc>
+              <a:spcBef>
+                <a:spcPts val="0"/>
+              </a:spcBef>
+            </a:pPr>
+            <a:r>
+              <a:rPr lang="ru-RU" sz="2200" dirty="0"/>
+              <a:t>TSF - это классификатор на основе интервалов. </a:t>
+            </a:r>
+          </a:p>
+          <a:p>
+            <a:pPr lvl="0">
+              <a:lnSpc>
+                <a:spcPct val="100000"/>
+              </a:lnSpc>
+              <a:spcBef>
+                <a:spcPts val="0"/>
+              </a:spcBef>
+            </a:pPr>
+            <a:r>
+              <a:rPr lang="ru-RU" sz="2200" dirty="0"/>
+              <a:t>В основе данного подхода лежит следующая последовательность действий.</a:t>
+            </a:r>
+          </a:p>
+          <a:p>
+            <a:pPr lvl="1">
+              <a:lnSpc>
+                <a:spcPct val="100000"/>
+              </a:lnSpc>
+            </a:pPr>
+            <a:r>
+              <a:rPr lang="ru-RU" sz="2200" dirty="0"/>
+              <a:t>Для каждого сегмента временного ряда выделяется набор интервалов, выбранных случайно.</a:t>
+            </a:r>
+          </a:p>
+          <a:p>
+            <a:pPr lvl="1">
+              <a:lnSpc>
+                <a:spcPct val="100000"/>
+              </a:lnSpc>
+            </a:pPr>
+            <a:r>
+              <a:rPr lang="ru-RU" sz="2200" dirty="0"/>
+              <a:t>Для каждого интервала производится оценка, </a:t>
+            </a:r>
+            <a:endParaRPr lang="en-US" sz="2200" dirty="0"/>
+          </a:p>
+          <a:p>
+            <a:pPr lvl="2">
+              <a:lnSpc>
+                <a:spcPct val="100000"/>
+              </a:lnSpc>
+            </a:pPr>
+            <a:r>
+              <a:rPr lang="ru-RU" sz="2200" dirty="0"/>
+              <a:t>среднее значение,</a:t>
+            </a:r>
+            <a:endParaRPr lang="en-US" sz="2200" dirty="0"/>
+          </a:p>
+          <a:p>
+            <a:pPr lvl="2">
+              <a:lnSpc>
+                <a:spcPct val="100000"/>
+              </a:lnSpc>
+            </a:pPr>
+            <a:r>
+              <a:rPr lang="ru-RU" sz="2200" dirty="0"/>
+              <a:t>стандартное отклонение </a:t>
+            </a:r>
+            <a:endParaRPr lang="en-US" sz="2200" dirty="0"/>
+          </a:p>
+          <a:p>
+            <a:pPr lvl="2">
+              <a:lnSpc>
+                <a:spcPct val="100000"/>
+              </a:lnSpc>
+            </a:pPr>
+            <a:r>
+              <a:rPr lang="ru-RU" sz="2200" dirty="0"/>
+              <a:t>и наклон линейного тренда. </a:t>
+            </a:r>
+            <a:endParaRPr lang="en-US" sz="2200" dirty="0"/>
+          </a:p>
+          <a:p>
+            <a:pPr lvl="2">
+              <a:lnSpc>
+                <a:spcPct val="100000"/>
+              </a:lnSpc>
+            </a:pPr>
+            <a:r>
+              <a:rPr lang="ru-RU" sz="2200" dirty="0"/>
+              <a:t>Возможны и другие характеристики.</a:t>
+            </a:r>
+          </a:p>
+          <a:p>
+            <a:pPr lvl="1">
+              <a:lnSpc>
+                <a:spcPct val="100000"/>
+              </a:lnSpc>
+            </a:pPr>
+            <a:r>
+              <a:rPr lang="ru-RU" sz="2200" dirty="0"/>
+              <a:t>Для признаков каждого интервала строится отдельное дерево.</a:t>
+            </a:r>
+          </a:p>
+          <a:p>
+            <a:pPr lvl="1">
+              <a:lnSpc>
+                <a:spcPct val="100000"/>
+              </a:lnSpc>
+            </a:pPr>
+            <a:r>
+              <a:rPr lang="ru-RU" sz="2200" dirty="0"/>
+              <a:t>Среднее значение по ансамблю деревьев рассматривается как результат работы алгоритма.</a:t>
+            </a:r>
+          </a:p>
+        </p:txBody>
+      </p:sp>
+    </p:spTree>
+    <p:extLst>
+      <p:ext uri="{BB962C8B-B14F-4D97-AF65-F5344CB8AC3E}">
+        <p14:creationId xmlns:p14="http://schemas.microsoft.com/office/powerpoint/2010/main" val="1711504515"/>
+      </p:ext>
+    </p:extLst>
+  </p:cSld>
+  <p:clrMapOvr>
+    <a:masterClrMapping/>
+  </p:clrMapOvr>
+  <p:timing>
+    <p:tnLst>
+      <p:par>
+        <p:cTn id="1" dur="indefinite" restart="never" nodeType="tmRoot"/>
+      </p:par>
+    </p:tnLst>
+  </p:timing>
+</p:sld>
+</file>
+
+<file path=ppt/slides/slide16.xml><?xml version="1.0" encoding="utf-8"?>
+<p:sld xmlns:a="http://schemas.openxmlformats.org/drawingml/2006/main" xmlns:r="http://schemas.openxmlformats.org/officeDocument/2006/relationships" xmlns:p="http://schemas.openxmlformats.org/presentationml/2006/main">
+  <p:cSld>
+    <p:spTree>
+      <p:nvGrpSpPr>
+        <p:cNvPr id="1" name=""/>
+        <p:cNvGrpSpPr/>
+        <p:nvPr/>
+      </p:nvGrpSpPr>
+      <p:grpSpPr>
+        <a:xfrm>
+          <a:off x="0" y="0"/>
+          <a:ext cx="0" cy="0"/>
+          <a:chOff x="0" y="0"/>
+          <a:chExt cx="0" cy="0"/>
+        </a:xfrm>
+      </p:grpSpPr>
+      <p:sp>
+        <p:nvSpPr>
+          <p:cNvPr id="2" name="Заголовок 1"/>
+          <p:cNvSpPr>
+            <a:spLocks noGrp="1"/>
+          </p:cNvSpPr>
+          <p:nvPr>
+            <p:ph type="title"/>
+          </p:nvPr>
+        </p:nvSpPr>
+        <p:spPr>
+          <a:xfrm>
+            <a:off x="838200" y="365125"/>
+            <a:ext cx="10515600" cy="566367"/>
+          </a:xfrm>
+        </p:spPr>
+        <p:txBody>
+          <a:bodyPr>
+            <a:normAutofit fontScale="90000"/>
+          </a:bodyPr>
+          <a:lstStyle/>
+          <a:p>
+            <a:r>
+              <a:rPr lang="ru-RU" b="1" dirty="0"/>
+              <a:t>Лес временных рядов (TSF)</a:t>
+            </a:r>
+            <a:endParaRPr lang="ru-RU" dirty="0"/>
+          </a:p>
+        </p:txBody>
+      </p:sp>
+      <p:sp>
+        <p:nvSpPr>
+          <p:cNvPr id="3" name="Объект 2"/>
+          <p:cNvSpPr>
+            <a:spLocks noGrp="1"/>
+          </p:cNvSpPr>
+          <p:nvPr>
+            <p:ph idx="1"/>
+          </p:nvPr>
+        </p:nvSpPr>
+        <p:spPr>
+          <a:xfrm>
+            <a:off x="341832" y="931492"/>
+            <a:ext cx="11011968" cy="5674407"/>
+          </a:xfrm>
+        </p:spPr>
+        <p:txBody>
+          <a:bodyPr>
+            <a:noAutofit/>
+          </a:bodyPr>
+          <a:lstStyle/>
+          <a:p>
+            <a:pPr lvl="0">
+              <a:lnSpc>
+                <a:spcPct val="100000"/>
+              </a:lnSpc>
+              <a:spcBef>
+                <a:spcPts val="0"/>
+              </a:spcBef>
+            </a:pPr>
+            <a:r>
+              <a:rPr lang="ru-RU" sz="2200" dirty="0"/>
               <a:t>Преимущества TSF:</a:t>
             </a:r>
           </a:p>
@@ -5172,6 +5519,10 @@
             <a:r>
               <a:rPr lang="ru-RU" altLang="ru-RU" sz="2200" dirty="0"/>
               <a:t> предложили </a:t>
+            </a:r>
+            <a:r>
+              <a:rPr lang="en-US" altLang="ru-RU" sz="2200" dirty="0"/>
+              <a:t/>
             </a:r>
             <a:br>
               <a:rPr lang="en-US" altLang="ru-RU" sz="2200" dirty="0"/>
@@ -5552,270 +5903,13 @@
   <p:clrMapOvr>
     <a:masterClrMapping/>
   </p:clrMapOvr>
-</p:sld>
-</file>
-
-<file path=ppt/slides/slide16.xml><?xml version="1.0" encoding="utf-8"?>
-<p:sld xmlns:a="http://schemas.openxmlformats.org/drawingml/2006/main" xmlns:r="http://schemas.openxmlformats.org/officeDocument/2006/relationships" xmlns:p="http://schemas.openxmlformats.org/presentationml/2006/main">
-  <p:cSld>
-    <p:spTree>
-      <p:nvGrpSpPr>
-        <p:cNvPr id="1" name=""/>
-        <p:cNvGrpSpPr/>
-        <p:nvPr/>
-      </p:nvGrpSpPr>
-      <p:grpSpPr>
-        <a:xfrm>
-          <a:off x="0" y="0"/>
-          <a:ext cx="0" cy="0"/>
-          <a:chOff x="0" y="0"/>
-          <a:chExt cx="0" cy="0"/>
-        </a:xfrm>
-      </p:grpSpPr>
-      <p:sp>
-        <p:nvSpPr>
-          <p:cNvPr id="2" name="Заголовок 1"/>
-          <p:cNvSpPr>
-            <a:spLocks noGrp="1"/>
-          </p:cNvSpPr>
-          <p:nvPr>
-            <p:ph type="title"/>
-          </p:nvPr>
-        </p:nvSpPr>
-        <p:spPr>
-          <a:xfrm>
-            <a:off x="161925" y="365125"/>
-            <a:ext cx="12163425" cy="1325563"/>
-          </a:xfrm>
-        </p:spPr>
-        <p:txBody>
-          <a:bodyPr/>
-          <a:lstStyle/>
-          <a:p>
-            <a:r>
-              <a:rPr lang="ru-RU" b="1" dirty="0"/>
-              <a:t>Спектральный ансамбль со случайными интервалами (RISE)</a:t>
-            </a:r>
-            <a:endParaRPr lang="ru-RU" dirty="0"/>
-          </a:p>
-        </p:txBody>
-      </p:sp>
-      <p:sp>
-        <p:nvSpPr>
-          <p:cNvPr id="3" name="Объект 2"/>
-          <p:cNvSpPr>
-            <a:spLocks noGrp="1"/>
-          </p:cNvSpPr>
-          <p:nvPr>
-            <p:ph idx="1"/>
-          </p:nvPr>
-        </p:nvSpPr>
-        <p:spPr>
-          <a:xfrm>
-            <a:off x="0" y="1825625"/>
-            <a:ext cx="11353800" cy="4908550"/>
-          </a:xfrm>
-        </p:spPr>
-        <p:txBody>
-          <a:bodyPr>
-            <a:noAutofit/>
-          </a:bodyPr>
-          <a:lstStyle/>
-          <a:p>
-            <a:pPr lvl="0" eaLnBrk="0" fontAlgn="base" hangingPunct="0">
-              <a:lnSpc>
-                <a:spcPct val="100000"/>
-              </a:lnSpc>
-              <a:spcBef>
-                <a:spcPts val="600"/>
-              </a:spcBef>
-            </a:pPr>
-            <a:r>
-              <a:rPr lang="ru-RU" altLang="ru-RU" sz="2200" dirty="0"/>
-              <a:t>Подход </a:t>
-            </a:r>
-            <a:r>
-              <a:rPr lang="ru-RU" altLang="ru-RU" sz="2200" b="1" dirty="0"/>
-              <a:t>RISE - </a:t>
-            </a:r>
-            <a:r>
-              <a:rPr lang="ru-RU" altLang="ru-RU" sz="2200" b="1" dirty="0" err="1"/>
-              <a:t>Random</a:t>
-            </a:r>
-            <a:r>
-              <a:rPr lang="ru-RU" altLang="ru-RU" sz="2200" b="1" dirty="0"/>
-              <a:t> </a:t>
-            </a:r>
-            <a:r>
-              <a:rPr lang="ru-RU" altLang="ru-RU" sz="2200" b="1" dirty="0" err="1"/>
-              <a:t>Interval</a:t>
-            </a:r>
-            <a:r>
-              <a:rPr lang="ru-RU" altLang="ru-RU" sz="2200" b="1" dirty="0"/>
-              <a:t> </a:t>
-            </a:r>
-            <a:r>
-              <a:rPr lang="ru-RU" altLang="ru-RU" sz="2200" b="1" dirty="0" err="1"/>
-              <a:t>Spectral</a:t>
-            </a:r>
-            <a:r>
-              <a:rPr lang="ru-RU" altLang="ru-RU" sz="2200" b="1" dirty="0"/>
-              <a:t> </a:t>
-            </a:r>
-            <a:r>
-              <a:rPr lang="ru-RU" altLang="ru-RU" sz="2200" b="1" dirty="0" err="1"/>
-              <a:t>Ensemble</a:t>
-            </a:r>
-            <a:r>
-              <a:rPr lang="ru-RU" altLang="ru-RU" sz="2200" b="1" dirty="0"/>
-              <a:t> </a:t>
-            </a:r>
-            <a:r>
-              <a:rPr lang="ru-RU" altLang="ru-RU" sz="2200" dirty="0"/>
-              <a:t> предложен как учитывающий как глобальные признаки (по всему сегменту временного ряда), так и локальные (полученные по случайным интервалам в рамках сегмента).</a:t>
-            </a:r>
-          </a:p>
-          <a:p>
-            <a:pPr eaLnBrk="0" fontAlgn="base" hangingPunct="0">
-              <a:lnSpc>
-                <a:spcPct val="100000"/>
-              </a:lnSpc>
-              <a:spcBef>
-                <a:spcPts val="600"/>
-              </a:spcBef>
-            </a:pPr>
-            <a:r>
-              <a:rPr lang="ru-RU" altLang="ru-RU" sz="2200" dirty="0"/>
-              <a:t>Для каждого участка ряда выделяются векторные признаки:</a:t>
-            </a:r>
-          </a:p>
-          <a:p>
-            <a:pPr lvl="1" eaLnBrk="0" fontAlgn="base" hangingPunct="0">
-              <a:lnSpc>
-                <a:spcPct val="100000"/>
-              </a:lnSpc>
-              <a:spcBef>
-                <a:spcPts val="600"/>
-              </a:spcBef>
-            </a:pPr>
-            <a:r>
-              <a:rPr lang="ru-RU" altLang="ru-RU" sz="2200" dirty="0"/>
-              <a:t>набор нескольких значений автокорреляционной функции и функций ЧАКФ;</a:t>
-            </a:r>
-          </a:p>
-          <a:p>
-            <a:pPr lvl="1" eaLnBrk="0" fontAlgn="base" hangingPunct="0">
-              <a:lnSpc>
-                <a:spcPct val="100000"/>
-              </a:lnSpc>
-              <a:spcBef>
-                <a:spcPts val="600"/>
-              </a:spcBef>
-            </a:pPr>
-            <a:r>
-              <a:rPr lang="ru-RU" altLang="ru-RU" sz="2200" dirty="0"/>
-              <a:t>набор нескольких значений спектральной мощности (значений амплитудного спектра);</a:t>
-            </a:r>
-          </a:p>
-          <a:p>
-            <a:pPr lvl="1" eaLnBrk="0" fontAlgn="base" hangingPunct="0">
-              <a:lnSpc>
-                <a:spcPct val="100000"/>
-              </a:lnSpc>
-              <a:spcBef>
-                <a:spcPts val="600"/>
-              </a:spcBef>
-            </a:pPr>
-            <a:r>
-              <a:rPr lang="ru-RU" altLang="ru-RU" sz="2200" dirty="0"/>
-              <a:t>набор нескольких коэффициентов </a:t>
-            </a:r>
-            <a:r>
-              <a:rPr lang="ru-RU" altLang="ru-RU" sz="2200" dirty="0" err="1"/>
-              <a:t>авторегрессионной</a:t>
-            </a:r>
-            <a:r>
-              <a:rPr lang="ru-RU" altLang="ru-RU" sz="2200" dirty="0"/>
-              <a:t> функции.</a:t>
-            </a:r>
-          </a:p>
-          <a:p>
-            <a:pPr lvl="1" eaLnBrk="0" fontAlgn="base" hangingPunct="0">
-              <a:lnSpc>
-                <a:spcPct val="100000"/>
-              </a:lnSpc>
-              <a:spcBef>
-                <a:spcPts val="600"/>
-              </a:spcBef>
-            </a:pPr>
-            <a:r>
-              <a:rPr lang="ru-RU" altLang="ru-RU" sz="2200" dirty="0"/>
-              <a:t>последний набор признаков может быть опущен. Так это сделано, в реализации пакета </a:t>
-            </a:r>
-            <a:r>
-              <a:rPr lang="ru-RU" altLang="ru-RU" sz="2200" dirty="0" err="1">
-                <a:hlinkClick r:id="rId2"/>
-              </a:rPr>
-              <a:t>sktime</a:t>
-            </a:r>
-            <a:r>
-              <a:rPr lang="ru-RU" altLang="ru-RU" sz="2200" dirty="0"/>
-              <a:t>. </a:t>
-            </a:r>
-          </a:p>
-          <a:p>
-            <a:pPr lvl="1" eaLnBrk="0" fontAlgn="base" hangingPunct="0">
-              <a:lnSpc>
-                <a:spcPct val="100000"/>
-              </a:lnSpc>
-              <a:spcBef>
-                <a:spcPts val="600"/>
-              </a:spcBef>
-            </a:pPr>
-            <a:r>
-              <a:rPr lang="ru-RU" altLang="ru-RU" sz="2200" dirty="0"/>
-              <a:t>Для каждого случая выбранного пространства признаков строится отдельное дерево. </a:t>
-            </a:r>
-          </a:p>
-          <a:p>
-            <a:pPr lvl="2" eaLnBrk="0" fontAlgn="base" hangingPunct="0">
-              <a:lnSpc>
-                <a:spcPct val="100000"/>
-              </a:lnSpc>
-              <a:spcBef>
-                <a:spcPts val="600"/>
-              </a:spcBef>
-              <a:tabLst>
-                <a:tab pos="2154238" algn="l"/>
-              </a:tabLst>
-            </a:pPr>
-            <a:r>
-              <a:rPr lang="ru-RU" altLang="ru-RU" sz="2200" dirty="0"/>
-              <a:t>В оригинальной статье авторы рекомендуют строить одно глобальное дерево</a:t>
-            </a:r>
-            <a:br>
-              <a:rPr lang="en-US" altLang="ru-RU" sz="2200" dirty="0"/>
-            </a:br>
-            <a:r>
-              <a:rPr lang="ru-RU" altLang="ru-RU" sz="2200" dirty="0"/>
-              <a:t>(по всему сегменту ряда) и ∼500 локальных деревьев. </a:t>
-            </a:r>
-          </a:p>
-          <a:p>
-            <a:endParaRPr lang="ru-RU" sz="2000" dirty="0"/>
-          </a:p>
-        </p:txBody>
-      </p:sp>
-    </p:spTree>
-    <p:extLst>
-      <p:ext uri="{BB962C8B-B14F-4D97-AF65-F5344CB8AC3E}">
-        <p14:creationId xmlns:p14="http://schemas.microsoft.com/office/powerpoint/2010/main" val="2704278819"/>
-      </p:ext>
-    </p:extLst>
-  </p:cSld>
-  <p:clrMapOvr>
-    <a:masterClrMapping/>
-  </p:clrMapOvr>
+  <p:timing>
+    <p:tnLst>
+      <p:par>
+        <p:cTn id="1" dur="indefinite" restart="never" nodeType="tmRoot"/>
+      </p:par>
+    </p:tnLst>
+  </p:timing>
 </p:sld>
 </file>
 
@@ -5876,8 +5970,8 @@
         </p:nvSpPr>
         <p:spPr>
           <a:xfrm>
-            <a:off x="161924" y="1825625"/>
-            <a:ext cx="11191875" cy="4908550"/>
+            <a:off x="0" y="1825625"/>
+            <a:ext cx="11353800" cy="4908550"/>
           </a:xfrm>
         </p:spPr>
         <p:txBody>
@@ -5886,7 +5980,7 @@
           </a:bodyPr>
           <a:lstStyle/>
           <a:p>
-            <a:pPr lvl="0">
+            <a:pPr lvl="0" eaLnBrk="0" fontAlgn="base" hangingPunct="0">
               <a:lnSpc>
                 <a:spcPct val="100000"/>
               </a:lnSpc>
@@ -5895,12 +5989,52 @@
               </a:spcBef>
             </a:pPr>
             <a:r>
-              <a:rPr lang="ru-RU" sz="2200" dirty="0"/>
-              <a:t>В отличие от TSF в RISE:</a:t>
-            </a:r>
-          </a:p>
-          <a:p>
-            <a:pPr lvl="1">
+              <a:rPr lang="ru-RU" altLang="ru-RU" sz="2200" dirty="0"/>
+              <a:t>Подход </a:t>
+            </a:r>
+            <a:r>
+              <a:rPr lang="ru-RU" altLang="ru-RU" sz="2200" b="1" dirty="0"/>
+              <a:t>RISE - </a:t>
+            </a:r>
+            <a:r>
+              <a:rPr lang="ru-RU" altLang="ru-RU" sz="2200" b="1" dirty="0" err="1"/>
+              <a:t>Random</a:t>
+            </a:r>
+            <a:r>
+              <a:rPr lang="ru-RU" altLang="ru-RU" sz="2200" b="1" dirty="0"/>
+              <a:t> </a:t>
+            </a:r>
+            <a:r>
+              <a:rPr lang="ru-RU" altLang="ru-RU" sz="2200" b="1" dirty="0" err="1"/>
+              <a:t>Interval</a:t>
+            </a:r>
+            <a:r>
+              <a:rPr lang="ru-RU" altLang="ru-RU" sz="2200" b="1" dirty="0"/>
+              <a:t> </a:t>
+            </a:r>
+            <a:r>
+              <a:rPr lang="ru-RU" altLang="ru-RU" sz="2200" b="1" dirty="0" err="1"/>
+              <a:t>Spectral</a:t>
+            </a:r>
+            <a:r>
+              <a:rPr lang="ru-RU" altLang="ru-RU" sz="2200" b="1" dirty="0"/>
+              <a:t> </a:t>
+            </a:r>
+            <a:r>
+              <a:rPr lang="ru-RU" altLang="ru-RU" sz="2200" b="1" dirty="0" err="1"/>
+              <a:t>Ensemble</a:t>
+            </a:r>
+            <a:r>
+              <a:rPr lang="ru-RU" altLang="ru-RU" sz="2200" b="1" dirty="0"/>
+              <a:t> </a:t>
+            </a:r>
+            <a:r>
+              <a:rPr lang="ru-RU" altLang="ru-RU" sz="2200" dirty="0"/>
+              <a:t> предложен как учитывающий как глобальные признаки (по всему сегменту временного ряда), так и локальные (полученные по случайным интервалам в рамках сегмента).</a:t>
+            </a:r>
+          </a:p>
+          <a:p>
+            <a:pPr eaLnBrk="0" fontAlgn="base" hangingPunct="0">
               <a:lnSpc>
                 <a:spcPct val="100000"/>
               </a:lnSpc>
@@ -5909,12 +6043,12 @@
               </a:spcBef>
             </a:pPr>
             <a:r>
-              <a:rPr lang="ru-RU" sz="2200" dirty="0"/>
-              <a:t>использует один интервал временного ряда для каждого дерева</a:t>
-            </a:r>
-          </a:p>
-          <a:p>
-            <a:pPr lvl="1">
+              <a:rPr lang="ru-RU" altLang="ru-RU" sz="2200" dirty="0"/>
+              <a:t>Для каждого участка ряда выделяются векторные признаки:</a:t>
+            </a:r>
+          </a:p>
+          <a:p>
+            <a:pPr lvl="1" eaLnBrk="0" fontAlgn="base" hangingPunct="0">
               <a:lnSpc>
                 <a:spcPct val="100000"/>
               </a:lnSpc>
@@ -5923,12 +6057,12 @@
               </a:spcBef>
             </a:pPr>
             <a:r>
-              <a:rPr lang="ru-RU" sz="2200" dirty="0"/>
-              <a:t>он обучается с использованием спектральных характеристик, извлеченных из ряда, вместо сводной статистики.</a:t>
-            </a:r>
-          </a:p>
-          <a:p>
-            <a:pPr lvl="0">
+              <a:rPr lang="ru-RU" altLang="ru-RU" sz="2200" dirty="0"/>
+              <a:t>набор нескольких значений автокорреляционной функции и функций ЧАКФ;</a:t>
+            </a:r>
+          </a:p>
+          <a:p>
+            <a:pPr lvl="1" eaLnBrk="0" fontAlgn="base" hangingPunct="0">
               <a:lnSpc>
                 <a:spcPct val="100000"/>
               </a:lnSpc>
@@ -5937,12 +6071,12 @@
               </a:spcBef>
             </a:pPr>
             <a:r>
-              <a:rPr lang="ru-RU" sz="2200" dirty="0"/>
-              <a:t>Вероятности классов рассчитываются как доля голосов базового классификатора.</a:t>
-            </a:r>
-          </a:p>
-          <a:p>
-            <a:pPr lvl="0">
+              <a:rPr lang="ru-RU" altLang="ru-RU" sz="2200" dirty="0"/>
+              <a:t>набор нескольких значений спектральной мощности (значений амплитудного спектра);</a:t>
+            </a:r>
+          </a:p>
+          <a:p>
+            <a:pPr lvl="1" eaLnBrk="0" fontAlgn="base" hangingPunct="0">
               <a:lnSpc>
                 <a:spcPct val="100000"/>
               </a:lnSpc>
@@ -5951,12 +6085,20 @@
               </a:spcBef>
             </a:pPr>
             <a:r>
-              <a:rPr lang="ru-RU" sz="2200" dirty="0"/>
-              <a:t>RISE контролирует время выполнения, создавая адаптивную модель времени для построения единого дерева.</a:t>
-            </a:r>
-          </a:p>
-          <a:p>
-            <a:pPr lvl="1">
+              <a:rPr lang="ru-RU" altLang="ru-RU" sz="2200" dirty="0"/>
+              <a:t>набор нескольких коэффициентов </a:t>
+            </a:r>
+            <a:r>
+              <a:rPr lang="ru-RU" altLang="ru-RU" sz="2200" dirty="0" err="1"/>
+              <a:t>авторегрессионной</a:t>
+            </a:r>
+            <a:r>
+              <a:rPr lang="ru-RU" altLang="ru-RU" sz="2200" dirty="0"/>
+              <a:t> функции.</a:t>
+            </a:r>
+          </a:p>
+          <a:p>
+            <a:pPr lvl="1" eaLnBrk="0" fontAlgn="base" hangingPunct="0">
               <a:lnSpc>
                 <a:spcPct val="100000"/>
               </a:lnSpc>
@@ -5965,8 +6107,60 @@
               </a:spcBef>
             </a:pPr>
             <a:r>
-              <a:rPr lang="ru-RU" sz="2200" dirty="0"/>
-              <a:t>Это важно для длинных серий (например, аудио), где очень большие интервалы могут означать очень мало деревьев.</a:t>
+              <a:rPr lang="ru-RU" altLang="ru-RU" sz="2200" dirty="0"/>
+              <a:t>последний набор признаков может быть опущен. Так это сделано, в реализации пакета </a:t>
+            </a:r>
+            <a:r>
+              <a:rPr lang="ru-RU" altLang="ru-RU" sz="2200" dirty="0" err="1">
+                <a:hlinkClick r:id="rId2"/>
+              </a:rPr>
+              <a:t>sktime</a:t>
+            </a:r>
+            <a:r>
+              <a:rPr lang="ru-RU" altLang="ru-RU" sz="2200" dirty="0"/>
+              <a:t>. </a:t>
+            </a:r>
+          </a:p>
+          <a:p>
+            <a:pPr lvl="1" eaLnBrk="0" fontAlgn="base" hangingPunct="0">
+              <a:lnSpc>
+                <a:spcPct val="100000"/>
+              </a:lnSpc>
+              <a:spcBef>
+                <a:spcPts val="600"/>
+              </a:spcBef>
+            </a:pPr>
+            <a:r>
+              <a:rPr lang="ru-RU" altLang="ru-RU" sz="2200" dirty="0"/>
+              <a:t>Для каждого случая выбранного пространства признаков строится отдельное дерево. </a:t>
+            </a:r>
+          </a:p>
+          <a:p>
+            <a:pPr lvl="2" eaLnBrk="0" fontAlgn="base" hangingPunct="0">
+              <a:lnSpc>
+                <a:spcPct val="100000"/>
+              </a:lnSpc>
+              <a:spcBef>
+                <a:spcPts val="600"/>
+              </a:spcBef>
+              <a:tabLst>
+                <a:tab pos="2154238" algn="l"/>
+              </a:tabLst>
+            </a:pPr>
+            <a:r>
+              <a:rPr lang="ru-RU" altLang="ru-RU" sz="2200" dirty="0"/>
+              <a:t>В оригинальной статье авторы рекомендуют строить одно глобальное дерево</a:t>
+            </a:r>
+            <a:r>
+              <a:rPr lang="en-US" altLang="ru-RU" sz="2200" dirty="0"/>
+              <a:t/>
+            </a:r>
+            <a:br>
+              <a:rPr lang="en-US" altLang="ru-RU" sz="2200" dirty="0"/>
+            </a:br>
+            <a:r>
+              <a:rPr lang="ru-RU" altLang="ru-RU" sz="2200" dirty="0"/>
+              <a:t>(по всему сегменту ряда) и ∼500 локальных деревьев. </a:t>
             </a:r>
           </a:p>
           <a:p>
@@ -5977,13 +6171,20 @@
     </p:spTree>
     <p:extLst>
       <p:ext uri="{BB962C8B-B14F-4D97-AF65-F5344CB8AC3E}">
-        <p14:creationId xmlns:p14="http://schemas.microsoft.com/office/powerpoint/2010/main" val="196044429"/>
+        <p14:creationId xmlns:p14="http://schemas.microsoft.com/office/powerpoint/2010/main" val="2704278819"/>
       </p:ext>
     </p:extLst>
   </p:cSld>
   <p:clrMapOvr>
     <a:masterClrMapping/>
   </p:clrMapOvr>
+  <p:timing>
+    <p:tnLst>
+      <p:par>
+        <p:cTn id="1" dur="indefinite" restart="never" nodeType="tmRoot"/>
+      </p:par>
+    </p:tnLst>
+  </p:timing>
 </p:sld>
 </file>
 
@@ -6016,6 +6217,181 @@
         </p:nvSpPr>
         <p:spPr>
           <a:xfrm>
+            <a:off x="161925" y="365125"/>
+            <a:ext cx="12163425" cy="1325563"/>
+          </a:xfrm>
+        </p:spPr>
+        <p:txBody>
+          <a:bodyPr/>
+          <a:lstStyle/>
+          <a:p>
+            <a:r>
+              <a:rPr lang="ru-RU" b="1" dirty="0"/>
+              <a:t>Спектральный ансамбль со случайными интервалами (RISE)</a:t>
+            </a:r>
+            <a:endParaRPr lang="ru-RU" dirty="0"/>
+          </a:p>
+        </p:txBody>
+      </p:sp>
+      <p:sp>
+        <p:nvSpPr>
+          <p:cNvPr id="3" name="Объект 2"/>
+          <p:cNvSpPr>
+            <a:spLocks noGrp="1"/>
+          </p:cNvSpPr>
+          <p:nvPr>
+            <p:ph idx="1"/>
+          </p:nvPr>
+        </p:nvSpPr>
+        <p:spPr>
+          <a:xfrm>
+            <a:off x="161924" y="1825625"/>
+            <a:ext cx="11191875" cy="4908550"/>
+          </a:xfrm>
+        </p:spPr>
+        <p:txBody>
+          <a:bodyPr>
+            <a:noAutofit/>
+          </a:bodyPr>
+          <a:lstStyle/>
+          <a:p>
+            <a:pPr lvl="0">
+              <a:lnSpc>
+                <a:spcPct val="100000"/>
+              </a:lnSpc>
+              <a:spcBef>
+                <a:spcPts val="600"/>
+              </a:spcBef>
+            </a:pPr>
+            <a:r>
+              <a:rPr lang="ru-RU" sz="2200" dirty="0"/>
+              <a:t>В отличие от TSF в RISE:</a:t>
+            </a:r>
+          </a:p>
+          <a:p>
+            <a:pPr lvl="1">
+              <a:lnSpc>
+                <a:spcPct val="100000"/>
+              </a:lnSpc>
+              <a:spcBef>
+                <a:spcPts val="600"/>
+              </a:spcBef>
+            </a:pPr>
+            <a:r>
+              <a:rPr lang="ru-RU" sz="2200" dirty="0"/>
+              <a:t>использует один интервал временного ряда для каждого дерева</a:t>
+            </a:r>
+          </a:p>
+          <a:p>
+            <a:pPr lvl="1">
+              <a:lnSpc>
+                <a:spcPct val="100000"/>
+              </a:lnSpc>
+              <a:spcBef>
+                <a:spcPts val="600"/>
+              </a:spcBef>
+            </a:pPr>
+            <a:r>
+              <a:rPr lang="ru-RU" sz="2200" dirty="0"/>
+              <a:t>он обучается с использованием спектральных характеристик, извлеченных из ряда, вместо сводной статистики.</a:t>
+            </a:r>
+          </a:p>
+          <a:p>
+            <a:pPr lvl="0">
+              <a:lnSpc>
+                <a:spcPct val="100000"/>
+              </a:lnSpc>
+              <a:spcBef>
+                <a:spcPts val="600"/>
+              </a:spcBef>
+            </a:pPr>
+            <a:r>
+              <a:rPr lang="ru-RU" sz="2200" dirty="0"/>
+              <a:t>Вероятности классов рассчитываются как доля голосов базового классификатора.</a:t>
+            </a:r>
+          </a:p>
+          <a:p>
+            <a:pPr lvl="0">
+              <a:lnSpc>
+                <a:spcPct val="100000"/>
+              </a:lnSpc>
+              <a:spcBef>
+                <a:spcPts val="600"/>
+              </a:spcBef>
+            </a:pPr>
+            <a:r>
+              <a:rPr lang="ru-RU" sz="2200" dirty="0"/>
+              <a:t>RISE контролирует время выполнения, создавая адаптивную модель времени для построения единого дерева.</a:t>
+            </a:r>
+          </a:p>
+          <a:p>
+            <a:pPr lvl="1">
+              <a:lnSpc>
+                <a:spcPct val="100000"/>
+              </a:lnSpc>
+              <a:spcBef>
+                <a:spcPts val="600"/>
+              </a:spcBef>
+            </a:pPr>
+            <a:r>
+              <a:rPr lang="ru-RU" sz="2200" dirty="0"/>
+              <a:t>Это важно для длинных серий (например, аудио), где очень большие интервалы могут означать очень мало деревьев.</a:t>
+            </a:r>
+          </a:p>
+          <a:p>
+            <a:endParaRPr lang="ru-RU" sz="2000" dirty="0"/>
+          </a:p>
+        </p:txBody>
+      </p:sp>
+    </p:spTree>
+    <p:extLst>
+      <p:ext uri="{BB962C8B-B14F-4D97-AF65-F5344CB8AC3E}">
+        <p14:creationId xmlns:p14="http://schemas.microsoft.com/office/powerpoint/2010/main" val="196044429"/>
+      </p:ext>
+    </p:extLst>
+  </p:cSld>
+  <p:clrMapOvr>
+    <a:masterClrMapping/>
+  </p:clrMapOvr>
+  <p:timing>
+    <p:tnLst>
+      <p:par>
+        <p:cTn id="1" dur="indefinite" restart="never" nodeType="tmRoot"/>
+      </p:par>
+    </p:tnLst>
+  </p:timing>
+</p:sld>
+</file>
+
+<file path=ppt/slides/slide19.xml><?xml version="1.0" encoding="utf-8"?>
+<p:sld xmlns:a="http://schemas.openxmlformats.org/drawingml/2006/main" xmlns:r="http://schemas.openxmlformats.org/officeDocument/2006/relationships" xmlns:p="http://schemas.openxmlformats.org/presentationml/2006/main">
+  <p:cSld>
+    <p:spTree>
+      <p:nvGrpSpPr>
+        <p:cNvPr id="1" name=""/>
+        <p:cNvGrpSpPr/>
+        <p:nvPr/>
+      </p:nvGrpSpPr>
+      <p:grpSpPr>
+        <a:xfrm>
+          <a:off x="0" y="0"/>
+          <a:ext cx="0" cy="0"/>
+          <a:chOff x="0" y="0"/>
+          <a:chExt cx="0" cy="0"/>
+        </a:xfrm>
+      </p:grpSpPr>
+      <p:sp>
+        <p:nvSpPr>
+          <p:cNvPr id="2" name="Заголовок 1"/>
+          <p:cNvSpPr>
+            <a:spLocks noGrp="1"/>
+          </p:cNvSpPr>
+          <p:nvPr>
+            <p:ph type="title"/>
+          </p:nvPr>
+        </p:nvSpPr>
+        <p:spPr>
+          <a:xfrm>
             <a:off x="838200" y="365125"/>
             <a:ext cx="10515600" cy="911225"/>
           </a:xfrm>
@@ -6107,10 +6483,170 @@
   <p:clrMapOvr>
     <a:masterClrMapping/>
   </p:clrMapOvr>
+  <p:timing>
+    <p:tnLst>
+      <p:par>
+        <p:cTn id="1" dur="indefinite" restart="never" nodeType="tmRoot"/>
+      </p:par>
+    </p:tnLst>
+  </p:timing>
 </p:sld>
 </file>
 
-<file path=ppt/slides/slide19.xml><?xml version="1.0" encoding="utf-8"?>
+<file path=ppt/slides/slide2.xml><?xml version="1.0" encoding="utf-8"?>
+<p:sld xmlns:a="http://schemas.openxmlformats.org/drawingml/2006/main" xmlns:r="http://schemas.openxmlformats.org/officeDocument/2006/relationships" xmlns:p="http://schemas.openxmlformats.org/presentationml/2006/main">
+  <p:cSld>
+    <p:spTree>
+      <p:nvGrpSpPr>
+        <p:cNvPr id="1" name=""/>
+        <p:cNvGrpSpPr/>
+        <p:nvPr/>
+      </p:nvGrpSpPr>
+      <p:grpSpPr>
+        <a:xfrm>
+          <a:off x="0" y="0"/>
+          <a:ext cx="0" cy="0"/>
+          <a:chOff x="0" y="0"/>
+          <a:chExt cx="0" cy="0"/>
+        </a:xfrm>
+      </p:grpSpPr>
+      <p:sp>
+        <p:nvSpPr>
+          <p:cNvPr id="2" name="Заголовок 1"/>
+          <p:cNvSpPr>
+            <a:spLocks noGrp="1"/>
+          </p:cNvSpPr>
+          <p:nvPr>
+            <p:ph type="title"/>
+          </p:nvPr>
+        </p:nvSpPr>
+        <p:spPr/>
+        <p:txBody>
+          <a:bodyPr/>
+          <a:lstStyle/>
+          <a:p>
+            <a:endParaRPr lang="ru-RU"/>
+          </a:p>
+        </p:txBody>
+      </p:sp>
+      <p:sp>
+        <p:nvSpPr>
+          <p:cNvPr id="3" name="Объект 2"/>
+          <p:cNvSpPr>
+            <a:spLocks noGrp="1"/>
+          </p:cNvSpPr>
+          <p:nvPr>
+            <p:ph idx="1"/>
+          </p:nvPr>
+        </p:nvSpPr>
+        <p:spPr/>
+        <p:txBody>
+          <a:bodyPr/>
+          <a:lstStyle/>
+          <a:p>
+            <a:endParaRPr lang="ru-RU"/>
+          </a:p>
+        </p:txBody>
+      </p:sp>
+      <p:pic>
+        <p:nvPicPr>
+          <p:cNvPr id="4" name="Picture" descr="image.png"/>
+          <p:cNvPicPr/>
+          <p:nvPr/>
+        </p:nvPicPr>
+        <p:blipFill rotWithShape="1">
+          <a:blip r:embed="rId2"/>
+          <a:srcRect t="54633"/>
+          <a:stretch/>
+        </p:blipFill>
+        <p:spPr bwMode="auto">
+          <a:xfrm>
+            <a:off x="4862557" y="4566607"/>
+            <a:ext cx="4903861" cy="1312900"/>
+          </a:xfrm>
+          <a:prstGeom prst="rect">
+            <a:avLst/>
+          </a:prstGeom>
+          <a:noFill/>
+          <a:ln w="9525">
+            <a:noFill/>
+            <a:headEnd/>
+            <a:tailEnd/>
+          </a:ln>
+        </p:spPr>
+      </p:pic>
+      <p:pic>
+        <p:nvPicPr>
+          <p:cNvPr id="5" name="Picture" descr="image.png"/>
+          <p:cNvPicPr/>
+          <p:nvPr/>
+        </p:nvPicPr>
+        <p:blipFill rotWithShape="1">
+          <a:blip r:embed="rId2"/>
+          <a:srcRect b="45141"/>
+          <a:stretch/>
+        </p:blipFill>
+        <p:spPr bwMode="auto">
+          <a:xfrm>
+            <a:off x="217910" y="4650331"/>
+            <a:ext cx="4579834" cy="1244533"/>
+          </a:xfrm>
+          <a:prstGeom prst="rect">
+            <a:avLst/>
+          </a:prstGeom>
+          <a:noFill/>
+          <a:ln w="9525">
+            <a:noFill/>
+            <a:headEnd/>
+            <a:tailEnd/>
+          </a:ln>
+        </p:spPr>
+      </p:pic>
+      <p:pic>
+        <p:nvPicPr>
+          <p:cNvPr id="6" name="Рисунок 5"/>
+          <p:cNvPicPr>
+            <a:picLocks noChangeAspect="1"/>
+          </p:cNvPicPr>
+          <p:nvPr/>
+        </p:nvPicPr>
+        <p:blipFill>
+          <a:blip r:embed="rId3"/>
+          <a:stretch>
+            <a:fillRect/>
+          </a:stretch>
+        </p:blipFill>
+        <p:spPr>
+          <a:xfrm>
+            <a:off x="9733681" y="4461799"/>
+            <a:ext cx="1996853" cy="1433065"/>
+          </a:xfrm>
+          <a:prstGeom prst="rect">
+            <a:avLst/>
+          </a:prstGeom>
+        </p:spPr>
+      </p:pic>
+    </p:spTree>
+    <p:extLst>
+      <p:ext uri="{BB962C8B-B14F-4D97-AF65-F5344CB8AC3E}">
+        <p14:creationId xmlns:p14="http://schemas.microsoft.com/office/powerpoint/2010/main" val="3949230891"/>
+      </p:ext>
+    </p:extLst>
+  </p:cSld>
+  <p:clrMapOvr>
+    <a:masterClrMapping/>
+  </p:clrMapOvr>
+  <p:timing>
+    <p:tnLst>
+      <p:par>
+        <p:cTn id="1" dur="indefinite" restart="never" nodeType="tmRoot"/>
+      </p:par>
+    </p:tnLst>
+  </p:timing>
+</p:sld>
+</file>
+
+<file path=ppt/slides/slide20.xml><?xml version="1.0" encoding="utf-8"?>
 <p:sld xmlns:a="http://schemas.openxmlformats.org/drawingml/2006/main" xmlns:r="http://schemas.openxmlformats.org/officeDocument/2006/relationships" xmlns:p="http://schemas.openxmlformats.org/presentationml/2006/main">
   <p:cSld>
     <p:spTree>
@@ -6440,171 +6976,17 @@
   <p:clrMapOvr>
     <a:masterClrMapping/>
   </p:clrMapOvr>
+  <p:timing>
+    <p:tnLst>
+      <p:par>
+        <p:cTn id="1" dur="indefinite" restart="never" nodeType="tmRoot"/>
+      </p:par>
+    </p:tnLst>
+  </p:timing>
 </p:sld>
 </file>
 
-<file path=ppt/slides/slide2.xml><?xml version="1.0" encoding="utf-8"?>
-<p:sld xmlns:a="http://schemas.openxmlformats.org/drawingml/2006/main" xmlns:r="http://schemas.openxmlformats.org/officeDocument/2006/relationships" xmlns:p="http://schemas.openxmlformats.org/presentationml/2006/main">
-  <p:cSld>
-    <p:spTree>
-      <p:nvGrpSpPr>
-        <p:cNvPr id="1" name=""/>
-        <p:cNvGrpSpPr/>
-        <p:nvPr/>
-      </p:nvGrpSpPr>
-      <p:grpSpPr>
-        <a:xfrm>
-          <a:off x="0" y="0"/>
-          <a:ext cx="0" cy="0"/>
-          <a:chOff x="0" y="0"/>
-          <a:chExt cx="0" cy="0"/>
-        </a:xfrm>
-      </p:grpSpPr>
-      <p:sp>
-        <p:nvSpPr>
-          <p:cNvPr id="2" name="Заголовок 1"/>
-          <p:cNvSpPr>
-            <a:spLocks noGrp="1"/>
-          </p:cNvSpPr>
-          <p:nvPr>
-            <p:ph type="title"/>
-          </p:nvPr>
-        </p:nvSpPr>
-        <p:spPr>
-          <a:xfrm>
-            <a:off x="838200" y="365125"/>
-            <a:ext cx="10515600" cy="970061"/>
-          </a:xfrm>
-        </p:spPr>
-        <p:txBody>
-          <a:bodyPr/>
-          <a:lstStyle/>
-          <a:p>
-            <a:r>
-              <a:rPr lang="ru-RU" dirty="0"/>
-              <a:t>Подход на основе признаков</a:t>
-            </a:r>
-          </a:p>
-        </p:txBody>
-      </p:sp>
-      <p:sp>
-        <p:nvSpPr>
-          <p:cNvPr id="3" name="Объект 2"/>
-          <p:cNvSpPr>
-            <a:spLocks noGrp="1"/>
-          </p:cNvSpPr>
-          <p:nvPr>
-            <p:ph idx="1"/>
-          </p:nvPr>
-        </p:nvSpPr>
-        <p:spPr>
-          <a:xfrm>
-            <a:off x="552627" y="1246525"/>
-            <a:ext cx="11055603" cy="5363501"/>
-          </a:xfrm>
-        </p:spPr>
-        <p:txBody>
-          <a:bodyPr>
-            <a:normAutofit/>
-          </a:bodyPr>
-          <a:lstStyle/>
-          <a:p>
-            <a:r>
-              <a:rPr lang="ru-RU" sz="2200" dirty="0"/>
-              <a:t>Подход предполагает, что модель строится на выделение признаков и принятии решений.</a:t>
-            </a:r>
-          </a:p>
-          <a:p>
-            <a:r>
-              <a:rPr lang="ru-RU" sz="2200" dirty="0"/>
-              <a:t>Признаки - это определенные регулярные характеристиках для каждой последовательности.  </a:t>
-            </a:r>
-          </a:p>
-          <a:p>
-            <a:r>
-              <a:rPr lang="ru-RU" sz="2200" dirty="0"/>
-              <a:t>Признаки:</a:t>
-            </a:r>
-          </a:p>
-          <a:p>
-            <a:pPr lvl="1"/>
-            <a:r>
-              <a:rPr lang="ru-RU" sz="2200" dirty="0"/>
-              <a:t>Регулярны для набора данных.</a:t>
-            </a:r>
-          </a:p>
-          <a:p>
-            <a:pPr lvl="1"/>
-            <a:r>
-              <a:rPr lang="ru-RU" sz="2200" dirty="0"/>
-              <a:t>Отражают класс (регулярны для класса).</a:t>
-            </a:r>
-          </a:p>
-          <a:p>
-            <a:pPr lvl="1"/>
-            <a:r>
-              <a:rPr lang="ru-RU" sz="2200" dirty="0"/>
-              <a:t>Не коррелируют друг с другом (иначе избыточны!).</a:t>
-            </a:r>
-          </a:p>
-          <a:p>
-            <a:pPr lvl="2"/>
-            <a:r>
-              <a:rPr lang="ru-RU" sz="1800" dirty="0"/>
-              <a:t>Можно решить отбором признаков.</a:t>
-            </a:r>
-          </a:p>
-          <a:p>
-            <a:pPr lvl="1"/>
-            <a:r>
-              <a:rPr lang="ru-RU" sz="2200" dirty="0"/>
-              <a:t>Позволяют различать классы как можно более четко.</a:t>
-            </a:r>
-          </a:p>
-          <a:p>
-            <a:pPr lvl="2"/>
-            <a:r>
-              <a:rPr lang="ru-RU" sz="1800" dirty="0"/>
-              <a:t>А еще можно преобразовать признаки.</a:t>
-            </a:r>
-          </a:p>
-          <a:p>
-            <a:pPr lvl="1"/>
-            <a:r>
-              <a:rPr lang="ru-RU" sz="2000" dirty="0"/>
-              <a:t>Экзогенные факторы – тоже могут быть признаками.</a:t>
-            </a:r>
-          </a:p>
-          <a:p>
-            <a:pPr lvl="1"/>
-            <a:r>
-              <a:rPr lang="ru-RU" sz="2200" dirty="0"/>
-              <a:t>Пространство признаков должно быть достаточным для проведения классификации.</a:t>
-            </a:r>
-          </a:p>
-          <a:p>
-            <a:pPr lvl="2"/>
-            <a:r>
-              <a:rPr lang="ru-RU" sz="1800" dirty="0"/>
-              <a:t>От этого будет зависеть точность классификации</a:t>
-            </a:r>
-          </a:p>
-        </p:txBody>
-      </p:sp>
-    </p:spTree>
-    <p:extLst>
-      <p:ext uri="{BB962C8B-B14F-4D97-AF65-F5344CB8AC3E}">
-        <p14:creationId xmlns:p14="http://schemas.microsoft.com/office/powerpoint/2010/main" val="4232550575"/>
-      </p:ext>
-    </p:extLst>
-  </p:cSld>
-  <p:clrMapOvr>
-    <a:masterClrMapping/>
-  </p:clrMapOvr>
-</p:sld>
-</file>
-
-<file path=ppt/slides/slide20.xml><?xml version="1.0" encoding="utf-8"?>
+<file path=ppt/slides/slide21.xml><?xml version="1.0" encoding="utf-8"?>
 <p:sld xmlns:a="http://schemas.openxmlformats.org/drawingml/2006/main" xmlns:r="http://schemas.openxmlformats.org/officeDocument/2006/relationships" xmlns:p="http://schemas.openxmlformats.org/presentationml/2006/main">
   <p:cSld>
     <p:spTree>
@@ -7142,10 +7524,17 @@
   <p:clrMapOvr>
     <a:masterClrMapping/>
   </p:clrMapOvr>
+  <p:timing>
+    <p:tnLst>
+      <p:par>
+        <p:cTn id="1" dur="indefinite" restart="never" nodeType="tmRoot"/>
+      </p:par>
+    </p:tnLst>
+  </p:timing>
 </p:sld>
 </file>
 
-<file path=ppt/slides/slide21.xml><?xml version="1.0" encoding="utf-8"?>
+<file path=ppt/slides/slide22.xml><?xml version="1.0" encoding="utf-8"?>
 <p:sld xmlns:a="http://schemas.openxmlformats.org/drawingml/2006/main" xmlns:r="http://schemas.openxmlformats.org/officeDocument/2006/relationships" xmlns:p="http://schemas.openxmlformats.org/presentationml/2006/main">
   <p:cSld>
     <p:spTree>
@@ -7736,10 +8125,17 @@
   <p:clrMapOvr>
     <a:masterClrMapping/>
   </p:clrMapOvr>
+  <p:timing>
+    <p:tnLst>
+      <p:par>
+        <p:cTn id="1" dur="indefinite" restart="never" nodeType="tmRoot"/>
+      </p:par>
+    </p:tnLst>
+  </p:timing>
 </p:sld>
 </file>
 
-<file path=ppt/slides/slide22.xml><?xml version="1.0" encoding="utf-8"?>
+<file path=ppt/slides/slide23.xml><?xml version="1.0" encoding="utf-8"?>
 <p:sld xmlns:a="http://schemas.openxmlformats.org/drawingml/2006/main" xmlns:r="http://schemas.openxmlformats.org/officeDocument/2006/relationships" xmlns:p="http://schemas.openxmlformats.org/presentationml/2006/main">
   <p:cSld>
     <p:spTree>
@@ -8277,10 +8673,17 @@
   <p:clrMapOvr>
     <a:masterClrMapping/>
   </p:clrMapOvr>
+  <p:timing>
+    <p:tnLst>
+      <p:par>
+        <p:cTn id="1" dur="indefinite" restart="never" nodeType="tmRoot"/>
+      </p:par>
+    </p:tnLst>
+  </p:timing>
 </p:sld>
 </file>
 
-<file path=ppt/slides/slide23.xml><?xml version="1.0" encoding="utf-8"?>
+<file path=ppt/slides/slide24.xml><?xml version="1.0" encoding="utf-8"?>
 <p:sld xmlns:a="http://schemas.openxmlformats.org/drawingml/2006/main" xmlns:r="http://schemas.openxmlformats.org/officeDocument/2006/relationships" xmlns:p="http://schemas.openxmlformats.org/presentationml/2006/main">
   <p:cSld>
     <p:spTree>
@@ -8474,10 +8877,17 @@
   <p:clrMapOvr>
     <a:masterClrMapping/>
   </p:clrMapOvr>
+  <p:timing>
+    <p:tnLst>
+      <p:par>
+        <p:cTn id="1" dur="indefinite" restart="never" nodeType="tmRoot"/>
+      </p:par>
+    </p:tnLst>
+  </p:timing>
 </p:sld>
 </file>
 
-<file path=ppt/slides/slide24.xml><?xml version="1.0" encoding="utf-8"?>
+<file path=ppt/slides/slide25.xml><?xml version="1.0" encoding="utf-8"?>
 <p:sld xmlns:a="http://schemas.openxmlformats.org/drawingml/2006/main" xmlns:r="http://schemas.openxmlformats.org/officeDocument/2006/relationships" xmlns:p="http://schemas.openxmlformats.org/presentationml/2006/main">
   <p:cSld>
     <p:spTree>
@@ -8676,643 +9086,13 @@
   <p:clrMapOvr>
     <a:masterClrMapping/>
   </p:clrMapOvr>
-</p:sld>
-</file>
-
-<file path=ppt/slides/slide25.xml><?xml version="1.0" encoding="utf-8"?>
-<p:sld xmlns:a="http://schemas.openxmlformats.org/drawingml/2006/main" xmlns:r="http://schemas.openxmlformats.org/officeDocument/2006/relationships" xmlns:p="http://schemas.openxmlformats.org/presentationml/2006/main">
-  <p:cSld>
-    <p:spTree>
-      <p:nvGrpSpPr>
-        <p:cNvPr id="1" name=""/>
-        <p:cNvGrpSpPr/>
-        <p:nvPr/>
-      </p:nvGrpSpPr>
-      <p:grpSpPr>
-        <a:xfrm>
-          <a:off x="0" y="0"/>
-          <a:ext cx="0" cy="0"/>
-          <a:chOff x="0" y="0"/>
-          <a:chExt cx="0" cy="0"/>
-        </a:xfrm>
-      </p:grpSpPr>
-      <p:sp>
-        <p:nvSpPr>
-          <p:cNvPr id="2" name="Заголовок 1">
-            <a:extLst>
-              <a:ext uri="{FF2B5EF4-FFF2-40B4-BE49-F238E27FC236}">
-                <a16:creationId xmlns:a16="http://schemas.microsoft.com/office/drawing/2014/main" id="{E5E18C16-493F-C0F6-1226-B953C44BB2B9}"/>
-              </a:ext>
-            </a:extLst>
-          </p:cNvPr>
-          <p:cNvSpPr>
-            <a:spLocks noGrp="1"/>
-          </p:cNvSpPr>
-          <p:nvPr>
-            <p:ph type="title"/>
-          </p:nvPr>
-        </p:nvSpPr>
-        <p:spPr>
-          <a:xfrm>
-            <a:off x="425824" y="0"/>
-            <a:ext cx="10515600" cy="1325563"/>
-          </a:xfrm>
-        </p:spPr>
-        <p:txBody>
-          <a:bodyPr>
-            <a:normAutofit/>
-          </a:bodyPr>
-          <a:lstStyle/>
-          <a:p>
-            <a:r>
-              <a:rPr lang="ru-RU" sz="4800" b="1" dirty="0"/>
-              <a:t>Вопросы Базовые 1й верно</a:t>
-            </a:r>
-          </a:p>
-        </p:txBody>
-      </p:sp>
-      <p:sp>
-        <p:nvSpPr>
-          <p:cNvPr id="3" name="Объект 2">
-            <a:extLst>
-              <a:ext uri="{FF2B5EF4-FFF2-40B4-BE49-F238E27FC236}">
-                <a16:creationId xmlns:a16="http://schemas.microsoft.com/office/drawing/2014/main" id="{BE421393-E6D9-4C04-F323-217F01E33B93}"/>
-              </a:ext>
-            </a:extLst>
-          </p:cNvPr>
-          <p:cNvSpPr>
-            <a:spLocks noGrp="1"/>
-          </p:cNvSpPr>
-          <p:nvPr>
-            <p:ph idx="1"/>
-          </p:nvPr>
-        </p:nvSpPr>
-        <p:spPr>
-          <a:xfrm>
-            <a:off x="506505" y="1129096"/>
-            <a:ext cx="11235415" cy="5728904"/>
-          </a:xfrm>
-        </p:spPr>
-        <p:txBody>
-          <a:bodyPr>
-            <a:normAutofit fontScale="47500" lnSpcReduction="20000"/>
-          </a:bodyPr>
-          <a:lstStyle/>
-          <a:p>
-            <a:pPr>
-              <a:lnSpc>
-                <a:spcPct val="120000"/>
-              </a:lnSpc>
-              <a:spcBef>
-                <a:spcPts val="0"/>
-              </a:spcBef>
-            </a:pPr>
-            <a:r>
-              <a:rPr lang="ru-RU" sz="2500" dirty="0"/>
-              <a:t>Признаки в классификации ВР это</a:t>
-            </a:r>
-          </a:p>
-          <a:p>
-            <a:pPr marL="971550" lvl="1" indent="-514350">
-              <a:lnSpc>
-                <a:spcPct val="120000"/>
-              </a:lnSpc>
-              <a:spcBef>
-                <a:spcPts val="0"/>
-              </a:spcBef>
-              <a:buFont typeface="+mj-lt"/>
-              <a:buAutoNum type="arabicPeriod"/>
-            </a:pPr>
-            <a:r>
-              <a:rPr lang="ru-RU" sz="2500" b="1" dirty="0"/>
-              <a:t>характеристики регулярные  для каждого класса ВР </a:t>
-            </a:r>
-          </a:p>
-          <a:p>
-            <a:pPr marL="971550" lvl="1" indent="-514350">
-              <a:lnSpc>
-                <a:spcPct val="120000"/>
-              </a:lnSpc>
-              <a:spcBef>
-                <a:spcPts val="0"/>
-              </a:spcBef>
-              <a:buFont typeface="+mj-lt"/>
-              <a:buAutoNum type="arabicPeriod"/>
-            </a:pPr>
-            <a:r>
-              <a:rPr lang="ru-RU" sz="2500" dirty="0"/>
-              <a:t>Все точки сегмента ВР</a:t>
-            </a:r>
-          </a:p>
-          <a:p>
-            <a:pPr marL="971550" lvl="1" indent="-514350">
-              <a:lnSpc>
-                <a:spcPct val="120000"/>
-              </a:lnSpc>
-              <a:spcBef>
-                <a:spcPts val="0"/>
-              </a:spcBef>
-              <a:buFont typeface="+mj-lt"/>
-              <a:buAutoNum type="arabicPeriod"/>
-            </a:pPr>
-            <a:r>
-              <a:rPr lang="ru-RU" sz="2300" dirty="0">
-                <a:ea typeface="Calibri" panose="020F0502020204030204" pitchFamily="34" charset="0"/>
-                <a:cs typeface="Times New Roman" panose="02020603050405020304" pitchFamily="18" charset="0"/>
-              </a:rPr>
-              <a:t>Выбранный участок сегмента ВР</a:t>
-            </a:r>
-          </a:p>
-          <a:p>
-            <a:pPr marL="971550" lvl="1" indent="-514350">
-              <a:lnSpc>
-                <a:spcPct val="120000"/>
-              </a:lnSpc>
-              <a:spcBef>
-                <a:spcPts val="0"/>
-              </a:spcBef>
-              <a:buFont typeface="+mj-lt"/>
-              <a:buAutoNum type="arabicPeriod"/>
-            </a:pPr>
-            <a:r>
-              <a:rPr lang="ru-RU" sz="2300" dirty="0"/>
-              <a:t>характеристики регулярные  для всех  класса ВР вместе</a:t>
-            </a:r>
-            <a:endParaRPr lang="ru-RU" sz="2300" dirty="0">
-              <a:ea typeface="Calibri" panose="020F0502020204030204" pitchFamily="34" charset="0"/>
-              <a:cs typeface="Times New Roman" panose="02020603050405020304" pitchFamily="18" charset="0"/>
-            </a:endParaRPr>
-          </a:p>
-          <a:p>
-            <a:pPr>
-              <a:lnSpc>
-                <a:spcPct val="120000"/>
-              </a:lnSpc>
-              <a:spcBef>
-                <a:spcPts val="0"/>
-              </a:spcBef>
-            </a:pPr>
-            <a:r>
-              <a:rPr lang="ru-RU" sz="2900" dirty="0"/>
-              <a:t>Признаками сегмента ВР не являются:</a:t>
-            </a:r>
-            <a:endParaRPr lang="ru-RU" sz="3800" dirty="0"/>
-          </a:p>
-          <a:p>
-            <a:pPr marL="1428750" lvl="2" indent="-514350">
-              <a:lnSpc>
-                <a:spcPct val="120000"/>
-              </a:lnSpc>
-              <a:spcBef>
-                <a:spcPts val="0"/>
-              </a:spcBef>
-              <a:buFont typeface="+mj-lt"/>
-              <a:buAutoNum type="arabicPeriod"/>
-            </a:pPr>
-            <a:r>
-              <a:rPr lang="ru-RU" sz="2300" b="1" dirty="0"/>
-              <a:t>Случайный набор точек</a:t>
-            </a:r>
-            <a:endParaRPr lang="ru-RU" sz="2900" b="1" dirty="0"/>
-          </a:p>
-          <a:p>
-            <a:pPr marL="1428750" lvl="2" indent="-514350">
-              <a:lnSpc>
-                <a:spcPct val="120000"/>
-              </a:lnSpc>
-              <a:spcBef>
-                <a:spcPts val="0"/>
-              </a:spcBef>
-              <a:buFont typeface="+mj-lt"/>
-              <a:buAutoNum type="arabicPeriod"/>
-            </a:pPr>
-            <a:r>
-              <a:rPr lang="ru-RU" sz="2300" dirty="0"/>
-              <a:t>Статистические характеристики</a:t>
-            </a:r>
-            <a:endParaRPr lang="ru-RU" sz="2900" dirty="0"/>
-          </a:p>
-          <a:p>
-            <a:pPr marL="1428750" lvl="2" indent="-514350">
-              <a:lnSpc>
-                <a:spcPct val="120000"/>
-              </a:lnSpc>
-              <a:spcBef>
-                <a:spcPts val="0"/>
-              </a:spcBef>
-              <a:buFont typeface="+mj-lt"/>
-              <a:buAutoNum type="arabicPeriod"/>
-            </a:pPr>
-            <a:r>
-              <a:rPr lang="ru-RU" sz="2300" dirty="0"/>
-              <a:t>Временные характеристики</a:t>
-            </a:r>
-          </a:p>
-          <a:p>
-            <a:pPr marL="1428750" lvl="2" indent="-514350">
-              <a:lnSpc>
-                <a:spcPct val="120000"/>
-              </a:lnSpc>
-              <a:spcBef>
-                <a:spcPts val="0"/>
-              </a:spcBef>
-              <a:buFont typeface="+mj-lt"/>
-              <a:buAutoNum type="arabicPeriod"/>
-            </a:pPr>
-            <a:r>
-              <a:rPr lang="ru-RU" sz="2300" dirty="0"/>
-              <a:t>Частотные характеристики</a:t>
-            </a:r>
-          </a:p>
-          <a:p>
-            <a:pPr>
-              <a:lnSpc>
-                <a:spcPct val="120000"/>
-              </a:lnSpc>
-              <a:spcBef>
-                <a:spcPts val="0"/>
-              </a:spcBef>
-            </a:pPr>
-            <a:r>
-              <a:rPr lang="ru-RU" sz="2900" dirty="0"/>
-              <a:t>Недостатками подхода на основе признаков являются:</a:t>
-            </a:r>
-            <a:endParaRPr lang="ru-RU" sz="2500" dirty="0"/>
-          </a:p>
-          <a:p>
-            <a:pPr lvl="1">
-              <a:lnSpc>
-                <a:spcPct val="120000"/>
-              </a:lnSpc>
-              <a:spcBef>
-                <a:spcPts val="0"/>
-              </a:spcBef>
-            </a:pPr>
-            <a:r>
-              <a:rPr lang="ru-RU" sz="2300" b="1" dirty="0"/>
-              <a:t>полнота информации о ВР</a:t>
-            </a:r>
-          </a:p>
-          <a:p>
-            <a:pPr lvl="1">
-              <a:lnSpc>
-                <a:spcPct val="120000"/>
-              </a:lnSpc>
-              <a:spcBef>
-                <a:spcPts val="0"/>
-              </a:spcBef>
-            </a:pPr>
-            <a:r>
-              <a:rPr lang="ru-RU" sz="2300" dirty="0"/>
-              <a:t>минимальная избыточность. </a:t>
-            </a:r>
-          </a:p>
-          <a:p>
-            <a:pPr lvl="1">
-              <a:lnSpc>
-                <a:spcPct val="120000"/>
-              </a:lnSpc>
-              <a:spcBef>
-                <a:spcPts val="0"/>
-              </a:spcBef>
-            </a:pPr>
-            <a:r>
-              <a:rPr lang="ru-RU" sz="2300" dirty="0"/>
-              <a:t>Часто повышенная интерпретируемость.</a:t>
-            </a:r>
-          </a:p>
-          <a:p>
-            <a:pPr lvl="1">
-              <a:lnSpc>
-                <a:spcPct val="120000"/>
-              </a:lnSpc>
-              <a:spcBef>
-                <a:spcPts val="0"/>
-              </a:spcBef>
-            </a:pPr>
-            <a:r>
-              <a:rPr lang="ru-RU" sz="2300" dirty="0"/>
-              <a:t>Меньше объем хранения данных.</a:t>
-            </a:r>
-          </a:p>
-          <a:p>
-            <a:pPr>
-              <a:lnSpc>
-                <a:spcPct val="120000"/>
-              </a:lnSpc>
-              <a:spcBef>
-                <a:spcPts val="0"/>
-              </a:spcBef>
-            </a:pPr>
-            <a:r>
-              <a:rPr lang="ru-RU" sz="2900" dirty="0"/>
-              <a:t>Подходом на основе признаков является:</a:t>
-            </a:r>
-            <a:endParaRPr lang="ru-RU" sz="2500" dirty="0"/>
-          </a:p>
-          <a:p>
-            <a:pPr marL="914400" lvl="1" indent="-457200">
-              <a:lnSpc>
-                <a:spcPct val="120000"/>
-              </a:lnSpc>
-              <a:spcBef>
-                <a:spcPts val="0"/>
-              </a:spcBef>
-              <a:buFont typeface="+mj-lt"/>
-              <a:buAutoNum type="arabicPeriod"/>
-            </a:pPr>
-            <a:r>
-              <a:rPr lang="ru-RU" sz="2300" b="1" dirty="0"/>
-              <a:t>Временной лес.</a:t>
-            </a:r>
-            <a:endParaRPr lang="ru-RU" sz="3400" b="1" dirty="0"/>
-          </a:p>
-          <a:p>
-            <a:pPr marL="914400" lvl="1" indent="-457200">
-              <a:lnSpc>
-                <a:spcPct val="120000"/>
-              </a:lnSpc>
-              <a:spcBef>
-                <a:spcPts val="0"/>
-              </a:spcBef>
-              <a:buFont typeface="+mj-lt"/>
-              <a:buAutoNum type="arabicPeriod"/>
-            </a:pPr>
-            <a:r>
-              <a:rPr lang="en-US" sz="2300" dirty="0" err="1"/>
-              <a:t>Knn-dtw</a:t>
-            </a:r>
-            <a:r>
-              <a:rPr lang="ru-RU" sz="2300" dirty="0"/>
-              <a:t>.</a:t>
-            </a:r>
-            <a:endParaRPr lang="ru-RU" sz="3400" dirty="0"/>
-          </a:p>
-          <a:p>
-            <a:pPr marL="914400" lvl="1" indent="-457200">
-              <a:lnSpc>
-                <a:spcPct val="120000"/>
-              </a:lnSpc>
-              <a:spcBef>
-                <a:spcPts val="0"/>
-              </a:spcBef>
-              <a:buFont typeface="+mj-lt"/>
-              <a:buAutoNum type="arabicPeriod"/>
-            </a:pPr>
-            <a:r>
-              <a:rPr lang="ru-RU" sz="2300" dirty="0" err="1"/>
-              <a:t>шеплеты</a:t>
-            </a:r>
-            <a:endParaRPr lang="ru-RU" sz="3400" dirty="0"/>
-          </a:p>
-          <a:p>
-            <a:pPr marL="914400" lvl="1" indent="-457200">
-              <a:lnSpc>
-                <a:spcPct val="120000"/>
-              </a:lnSpc>
-              <a:spcBef>
-                <a:spcPts val="0"/>
-              </a:spcBef>
-              <a:buFont typeface="+mj-lt"/>
-              <a:buAutoNum type="arabicPeriod"/>
-            </a:pPr>
-            <a:r>
-              <a:rPr lang="en-US" sz="2300" dirty="0"/>
-              <a:t>BOSS</a:t>
-            </a:r>
-          </a:p>
-          <a:p>
-            <a:pPr>
-              <a:lnSpc>
-                <a:spcPct val="120000"/>
-              </a:lnSpc>
-              <a:spcBef>
-                <a:spcPts val="0"/>
-              </a:spcBef>
-            </a:pPr>
-            <a:r>
-              <a:rPr lang="ru-RU" sz="2900" dirty="0"/>
-              <a:t>Комбинированным подходом признаки-сырые данные является:</a:t>
-            </a:r>
-            <a:endParaRPr lang="ru-RU" sz="2500" dirty="0"/>
-          </a:p>
-          <a:p>
-            <a:pPr marL="914400" lvl="1" indent="-457200">
-              <a:lnSpc>
-                <a:spcPct val="120000"/>
-              </a:lnSpc>
-              <a:spcBef>
-                <a:spcPts val="0"/>
-              </a:spcBef>
-              <a:buFont typeface="+mj-lt"/>
-              <a:buAutoNum type="arabicPeriod"/>
-            </a:pPr>
-            <a:r>
-              <a:rPr lang="en-US" sz="2300" b="1" dirty="0"/>
-              <a:t>Hive-COTE</a:t>
-            </a:r>
-            <a:r>
-              <a:rPr lang="ru-RU" sz="2300" b="1" dirty="0"/>
-              <a:t>.</a:t>
-            </a:r>
-            <a:endParaRPr lang="ru-RU" sz="3400" b="1" dirty="0"/>
-          </a:p>
-          <a:p>
-            <a:pPr marL="914400" lvl="1" indent="-457200">
-              <a:lnSpc>
-                <a:spcPct val="120000"/>
-              </a:lnSpc>
-              <a:spcBef>
-                <a:spcPts val="0"/>
-              </a:spcBef>
-              <a:buFont typeface="+mj-lt"/>
-              <a:buAutoNum type="arabicPeriod"/>
-            </a:pPr>
-            <a:r>
-              <a:rPr lang="ru-RU" sz="2300" dirty="0"/>
-              <a:t>Ансамбль </a:t>
-            </a:r>
-            <a:r>
-              <a:rPr lang="en-US" sz="2300" dirty="0" err="1"/>
-              <a:t>knn</a:t>
-            </a:r>
-            <a:r>
-              <a:rPr lang="en-US" sz="2300" dirty="0"/>
-              <a:t> c </a:t>
-            </a:r>
-            <a:r>
-              <a:rPr lang="ru-RU" sz="2300" dirty="0"/>
-              <a:t>разными метриками расстояний.</a:t>
-            </a:r>
-            <a:endParaRPr lang="ru-RU" sz="3400" dirty="0"/>
-          </a:p>
-          <a:p>
-            <a:pPr marL="914400" lvl="1" indent="-457200">
-              <a:lnSpc>
-                <a:spcPct val="120000"/>
-              </a:lnSpc>
-              <a:spcBef>
-                <a:spcPts val="0"/>
-              </a:spcBef>
-              <a:buFont typeface="+mj-lt"/>
-              <a:buAutoNum type="arabicPeriod"/>
-            </a:pPr>
-            <a:r>
-              <a:rPr lang="ru-RU" sz="2300" dirty="0"/>
-              <a:t>Ансамбль </a:t>
-            </a:r>
-            <a:r>
-              <a:rPr lang="ru-RU" sz="2300" dirty="0" err="1"/>
-              <a:t>шейплетов</a:t>
-            </a:r>
-            <a:endParaRPr lang="ru-RU" sz="3400" dirty="0"/>
-          </a:p>
-          <a:p>
-            <a:pPr marL="914400" lvl="1" indent="-457200">
-              <a:lnSpc>
-                <a:spcPct val="120000"/>
-              </a:lnSpc>
-              <a:spcBef>
-                <a:spcPts val="0"/>
-              </a:spcBef>
-              <a:buFont typeface="+mj-lt"/>
-              <a:buAutoNum type="arabicPeriod"/>
-            </a:pPr>
-            <a:r>
-              <a:rPr lang="ru-RU" sz="2300" dirty="0"/>
-              <a:t>Спектральный лес </a:t>
-            </a:r>
-            <a:r>
-              <a:rPr lang="en-US" sz="2300" dirty="0"/>
-              <a:t>RAISE</a:t>
-            </a:r>
-            <a:endParaRPr lang="ru-RU" sz="5100" dirty="0"/>
-          </a:p>
-          <a:p>
-            <a:pPr>
-              <a:lnSpc>
-                <a:spcPct val="120000"/>
-              </a:lnSpc>
-              <a:spcBef>
-                <a:spcPts val="0"/>
-              </a:spcBef>
-            </a:pPr>
-            <a:r>
-              <a:rPr lang="en-US" sz="2900" b="1" dirty="0"/>
-              <a:t>ROKET </a:t>
-            </a:r>
-            <a:r>
-              <a:rPr lang="ru-RU" sz="2900" b="1" dirty="0"/>
-              <a:t>классификатор основан на </a:t>
-            </a:r>
-          </a:p>
-          <a:p>
-            <a:pPr marL="971550" lvl="1" indent="-514350">
-              <a:lnSpc>
-                <a:spcPct val="120000"/>
-              </a:lnSpc>
-              <a:spcBef>
-                <a:spcPts val="0"/>
-              </a:spcBef>
-              <a:buFont typeface="+mj-lt"/>
-              <a:buAutoNum type="arabicPeriod"/>
-            </a:pPr>
-            <a:r>
-              <a:rPr lang="ru-RU" sz="2500" b="1" dirty="0"/>
-              <a:t>Признаках от результатов сверток со случайными ядрами</a:t>
-            </a:r>
-          </a:p>
-          <a:p>
-            <a:pPr marL="971550" lvl="1" indent="-514350">
-              <a:lnSpc>
-                <a:spcPct val="120000"/>
-              </a:lnSpc>
-              <a:spcBef>
-                <a:spcPts val="0"/>
-              </a:spcBef>
-              <a:buFont typeface="+mj-lt"/>
-              <a:buAutoNum type="arabicPeriod"/>
-            </a:pPr>
-            <a:r>
-              <a:rPr lang="ru-RU" sz="2500" dirty="0">
-                <a:ea typeface="Calibri" panose="020F0502020204030204" pitchFamily="34" charset="0"/>
-                <a:cs typeface="Times New Roman" panose="02020603050405020304" pitchFamily="18" charset="0"/>
-              </a:rPr>
-              <a:t>Поиске наиболее характерного участка сегмента для каждого класса</a:t>
-            </a:r>
-          </a:p>
-          <a:p>
-            <a:pPr marL="971550" lvl="1" indent="-514350">
-              <a:lnSpc>
-                <a:spcPct val="120000"/>
-              </a:lnSpc>
-              <a:spcBef>
-                <a:spcPts val="0"/>
-              </a:spcBef>
-              <a:buFont typeface="+mj-lt"/>
-              <a:buAutoNum type="arabicPeriod"/>
-            </a:pPr>
-            <a:r>
-              <a:rPr lang="ru-RU" sz="2500" dirty="0">
-                <a:ea typeface="Calibri" panose="020F0502020204030204" pitchFamily="34" charset="0"/>
-                <a:cs typeface="Times New Roman" panose="02020603050405020304" pitchFamily="18" charset="0"/>
-              </a:rPr>
-              <a:t>Ансамбле метрических классификаторов </a:t>
-            </a:r>
-            <a:r>
-              <a:rPr lang="en-US" sz="2500" dirty="0">
-                <a:ea typeface="Calibri" panose="020F0502020204030204" pitchFamily="34" charset="0"/>
-                <a:cs typeface="Times New Roman" panose="02020603050405020304" pitchFamily="18" charset="0"/>
-              </a:rPr>
-              <a:t>(</a:t>
-            </a:r>
-            <a:r>
-              <a:rPr lang="en-US" sz="2500" dirty="0" err="1">
-                <a:ea typeface="Calibri" panose="020F0502020204030204" pitchFamily="34" charset="0"/>
-                <a:cs typeface="Times New Roman" panose="02020603050405020304" pitchFamily="18" charset="0"/>
-              </a:rPr>
-              <a:t>knn</a:t>
-            </a:r>
-            <a:r>
-              <a:rPr lang="en-US" sz="2500" dirty="0">
-                <a:ea typeface="Calibri" panose="020F0502020204030204" pitchFamily="34" charset="0"/>
-                <a:cs typeface="Times New Roman" panose="02020603050405020304" pitchFamily="18" charset="0"/>
-              </a:rPr>
-              <a:t>)</a:t>
-            </a:r>
-          </a:p>
-          <a:p>
-            <a:pPr marL="971550" lvl="1" indent="-514350">
-              <a:lnSpc>
-                <a:spcPct val="120000"/>
-              </a:lnSpc>
-              <a:spcBef>
-                <a:spcPts val="0"/>
-              </a:spcBef>
-              <a:buFont typeface="+mj-lt"/>
-              <a:buAutoNum type="arabicPeriod"/>
-            </a:pPr>
-            <a:r>
-              <a:rPr lang="ru-RU" sz="2500" dirty="0">
-                <a:ea typeface="Calibri" panose="020F0502020204030204" pitchFamily="34" charset="0"/>
-                <a:cs typeface="Times New Roman" panose="02020603050405020304" pitchFamily="18" charset="0"/>
-              </a:rPr>
-              <a:t>Комбинации разнородных классификаторов для разных типов задач  </a:t>
-            </a:r>
-            <a:endParaRPr lang="ru-RU" dirty="0"/>
-          </a:p>
-        </p:txBody>
-      </p:sp>
-    </p:spTree>
-    <p:extLst>
-      <p:ext uri="{BB962C8B-B14F-4D97-AF65-F5344CB8AC3E}">
-        <p14:creationId xmlns:p14="http://schemas.microsoft.com/office/powerpoint/2010/main" val="3142805200"/>
-      </p:ext>
-    </p:extLst>
-  </p:cSld>
-  <p:clrMapOvr>
-    <a:masterClrMapping/>
-  </p:clrMapOvr>
+  <p:timing>
+    <p:tnLst>
+      <p:par>
+        <p:cTn id="1" dur="indefinite" restart="never" nodeType="tmRoot"/>
+      </p:par>
+    </p:tnLst>
+  </p:timing>
 </p:sld>
 </file>
 
@@ -9335,13 +9115,7 @@
       </p:grpSpPr>
       <p:sp>
         <p:nvSpPr>
-          <p:cNvPr id="2" name="Заголовок 1">
-            <a:extLst>
-              <a:ext uri="{FF2B5EF4-FFF2-40B4-BE49-F238E27FC236}">
-                <a16:creationId xmlns:a16="http://schemas.microsoft.com/office/drawing/2014/main" id="{E5E18C16-493F-C0F6-1226-B953C44BB2B9}"/>
-              </a:ext>
-            </a:extLst>
-          </p:cNvPr>
+          <p:cNvPr id="2" name="Заголовок 1"/>
           <p:cNvSpPr>
             <a:spLocks noGrp="1"/>
           </p:cNvSpPr>
@@ -9351,40 +9125,27 @@
         </p:nvSpPr>
         <p:spPr>
           <a:xfrm>
-            <a:off x="398929" y="0"/>
-            <a:ext cx="10515600" cy="1325563"/>
+            <a:off x="256374" y="365125"/>
+            <a:ext cx="11097426" cy="566367"/>
           </a:xfrm>
         </p:spPr>
         <p:txBody>
           <a:bodyPr>
-            <a:normAutofit/>
+            <a:noAutofit/>
           </a:bodyPr>
           <a:lstStyle/>
           <a:p>
             <a:r>
-              <a:rPr lang="ru-RU" sz="4800" b="1" dirty="0"/>
-              <a:t>Вопросы Продвинутые </a:t>
-            </a:r>
-            <a:r>
-              <a:rPr lang="en-US" sz="4800" b="1" dirty="0"/>
-              <a:t>(X)-</a:t>
-            </a:r>
-            <a:r>
-              <a:rPr lang="ru-RU" sz="4800" b="1" dirty="0"/>
-              <a:t>верно</a:t>
-            </a:r>
-          </a:p>
-        </p:txBody>
-      </p:sp>
-      <p:sp>
-        <p:nvSpPr>
-          <p:cNvPr id="3" name="Объект 2">
-            <a:extLst>
-              <a:ext uri="{FF2B5EF4-FFF2-40B4-BE49-F238E27FC236}">
-                <a16:creationId xmlns:a16="http://schemas.microsoft.com/office/drawing/2014/main" id="{BE421393-E6D9-4C04-F323-217F01E33B93}"/>
-              </a:ext>
-            </a:extLst>
-          </p:cNvPr>
+              <a:rPr lang="en-US" sz="3200" b="1" dirty="0" smtClean="0"/>
+              <a:t>HIVE-COTE 2</a:t>
+            </a:r>
+            <a:endParaRPr lang="ru-RU" sz="3200" b="1" dirty="0"/>
+          </a:p>
+        </p:txBody>
+      </p:sp>
+      <p:sp>
+        <p:nvSpPr>
+          <p:cNvPr id="3" name="Объект 2"/>
           <p:cNvSpPr>
             <a:spLocks noGrp="1"/>
           </p:cNvSpPr>
@@ -9394,593 +9155,311 @@
         </p:nvSpPr>
         <p:spPr>
           <a:xfrm>
-            <a:off x="482107" y="1151508"/>
-            <a:ext cx="11551645" cy="5706492"/>
+            <a:off x="256374" y="846034"/>
+            <a:ext cx="10943602" cy="5245471"/>
           </a:xfrm>
         </p:spPr>
         <p:txBody>
           <a:bodyPr>
-            <a:normAutofit fontScale="47500" lnSpcReduction="20000"/>
+            <a:noAutofit/>
           </a:bodyPr>
           <a:lstStyle/>
           <a:p>
-            <a:pPr>
-              <a:lnSpc>
-                <a:spcPct val="120000"/>
-              </a:lnSpc>
-              <a:spcBef>
-                <a:spcPts val="0"/>
-              </a:spcBef>
-            </a:pPr>
-            <a:r>
-              <a:rPr lang="ru-RU" dirty="0"/>
-              <a:t>Пусть стоит задача максимально точной и воспроизводимой классификации, при этом нет ограничений по объему пространства данных и времени работы алгоритма, какой метод лучше выбрать:</a:t>
-            </a:r>
-          </a:p>
-          <a:p>
-            <a:pPr marL="1371600" lvl="2" indent="-457200">
-              <a:lnSpc>
-                <a:spcPct val="120000"/>
-              </a:lnSpc>
-              <a:spcBef>
-                <a:spcPts val="0"/>
-              </a:spcBef>
-              <a:buFont typeface="+mj-lt"/>
-              <a:buAutoNum type="arabicPeriod"/>
-            </a:pPr>
-            <a:r>
-              <a:rPr lang="ru-RU" dirty="0" err="1"/>
-              <a:t>Hive</a:t>
-            </a:r>
-            <a:r>
-              <a:rPr lang="en-US" dirty="0"/>
-              <a:t>-COTE</a:t>
-            </a:r>
-            <a:r>
-              <a:rPr lang="ru-RU"/>
-              <a:t> (х)</a:t>
-            </a:r>
-          </a:p>
-          <a:p>
-            <a:pPr marL="1371600" lvl="2" indent="-457200">
-              <a:lnSpc>
-                <a:spcPct val="120000"/>
-              </a:lnSpc>
-              <a:spcBef>
-                <a:spcPts val="0"/>
-              </a:spcBef>
-              <a:buFont typeface="+mj-lt"/>
-              <a:buAutoNum type="arabicPeriod"/>
-            </a:pPr>
-            <a:r>
-              <a:rPr lang="ru-RU"/>
-              <a:t>Эластичные </a:t>
-            </a:r>
-            <a:r>
-              <a:rPr lang="ru-RU" dirty="0"/>
-              <a:t>меры</a:t>
-            </a:r>
-          </a:p>
-          <a:p>
-            <a:pPr marL="1371600" lvl="2" indent="-457200">
-              <a:lnSpc>
-                <a:spcPct val="120000"/>
-              </a:lnSpc>
-              <a:spcBef>
-                <a:spcPts val="0"/>
-              </a:spcBef>
-              <a:buFont typeface="+mj-lt"/>
-              <a:buAutoNum type="arabicPeriod"/>
-            </a:pPr>
-            <a:r>
-              <a:rPr lang="en-US" dirty="0"/>
-              <a:t>ROCKET</a:t>
-            </a:r>
-          </a:p>
-          <a:p>
-            <a:pPr marL="1371600" lvl="2" indent="-457200">
-              <a:lnSpc>
-                <a:spcPct val="120000"/>
-              </a:lnSpc>
-              <a:spcBef>
-                <a:spcPts val="0"/>
-              </a:spcBef>
-              <a:buFont typeface="+mj-lt"/>
-              <a:buAutoNum type="arabicPeriod"/>
-            </a:pPr>
-            <a:r>
-              <a:rPr lang="en-US" dirty="0"/>
-              <a:t>BOSS</a:t>
-            </a:r>
-            <a:endParaRPr lang="ru-RU" dirty="0"/>
-          </a:p>
-          <a:p>
-            <a:pPr marL="1371600" lvl="2" indent="-457200">
-              <a:lnSpc>
-                <a:spcPct val="120000"/>
-              </a:lnSpc>
-              <a:spcBef>
-                <a:spcPts val="0"/>
-              </a:spcBef>
-              <a:buFont typeface="+mj-lt"/>
-              <a:buAutoNum type="arabicPeriod"/>
-            </a:pPr>
-            <a:r>
-              <a:rPr lang="ru-RU" dirty="0" err="1"/>
+            <a:pPr lvl="0"/>
+            <a:endParaRPr lang="ru-RU" sz="2200" dirty="0"/>
+          </a:p>
+        </p:txBody>
+      </p:sp>
+      <p:pic>
+        <p:nvPicPr>
+          <p:cNvPr id="1026" name="Picture 2" descr="https://timeseriesclassification.com/images/papers/hive_cote2_0.jpg"/>
+          <p:cNvPicPr>
+            <a:picLocks noChangeAspect="1" noChangeArrowheads="1"/>
+          </p:cNvPicPr>
+          <p:nvPr/>
+        </p:nvPicPr>
+        <p:blipFill>
+          <a:blip r:embed="rId2">
+            <a:extLst>
+              <a:ext uri="{28A0092B-C50C-407E-A947-70E740481C1C}">
+                <a14:useLocalDpi xmlns:a14="http://schemas.microsoft.com/office/drawing/2010/main" val="0"/>
+              </a:ext>
+            </a:extLst>
+          </a:blip>
+          <a:srcRect/>
+          <a:stretch>
+            <a:fillRect/>
+          </a:stretch>
+        </p:blipFill>
+        <p:spPr bwMode="auto">
+          <a:xfrm>
+            <a:off x="333286" y="846034"/>
+            <a:ext cx="7016097" cy="4620758"/>
+          </a:xfrm>
+          <a:prstGeom prst="rect">
+            <a:avLst/>
+          </a:prstGeom>
+          <a:noFill/>
+          <a:extLst>
+            <a:ext uri="{909E8E84-426E-40DD-AFC4-6F175D3DCCD1}">
+              <a14:hiddenFill xmlns:a14="http://schemas.microsoft.com/office/drawing/2010/main">
+                <a:solidFill>
+                  <a:srgbClr val="FFFFFF"/>
+                </a:solidFill>
+              </a14:hiddenFill>
+            </a:ext>
+          </a:extLst>
+        </p:spPr>
+      </p:pic>
+      <p:sp>
+        <p:nvSpPr>
+          <p:cNvPr id="5" name="Прямоугольник 4"/>
+          <p:cNvSpPr/>
+          <p:nvPr/>
+        </p:nvSpPr>
+        <p:spPr>
+          <a:xfrm>
+            <a:off x="6762750" y="648308"/>
+            <a:ext cx="4819649" cy="5693866"/>
+          </a:xfrm>
+          <a:prstGeom prst="rect">
+            <a:avLst/>
+          </a:prstGeom>
+        </p:spPr>
+        <p:txBody>
+          <a:bodyPr wrap="square">
+            <a:spAutoFit/>
+          </a:bodyPr>
+          <a:lstStyle/>
+          <a:p>
+            <a:r>
+              <a:rPr lang="ru-RU" sz="1400" dirty="0"/>
+              <a:t>Иерархический коллектив голосов ансамблей, основанных на преобразовании (HIVE-COTE), представляет собой гетерогенный мета-ансамбль для классификации временных рядов. HIVE-COTE формирует свой ансамбль из классификаторов нескольких доменов, включая </a:t>
+            </a:r>
+            <a:r>
+              <a:rPr lang="ru-RU" sz="1400" dirty="0" err="1"/>
+              <a:t>фазонезависимые</a:t>
+            </a:r>
+            <a:r>
+              <a:rPr lang="ru-RU" sz="1400" dirty="0"/>
+              <a:t> </a:t>
+            </a:r>
+            <a:r>
+              <a:rPr lang="ru-RU" sz="1400" dirty="0" err="1"/>
               <a:t>шейплеты</a:t>
             </a:r>
-            <a:endParaRPr lang="ru-RU" dirty="0"/>
-          </a:p>
-          <a:p>
-            <a:pPr>
-              <a:lnSpc>
-                <a:spcPct val="120000"/>
-              </a:lnSpc>
-              <a:spcBef>
-                <a:spcPts val="0"/>
-              </a:spcBef>
-            </a:pPr>
-            <a:r>
-              <a:rPr lang="ru-RU" dirty="0"/>
-              <a:t>Если стоит задача классификации рядов, отличающихся параметрами сезонных составляющих, какие признаки лучше подойдут:</a:t>
-            </a:r>
-            <a:endParaRPr lang="ru-RU" sz="3600" dirty="0"/>
-          </a:p>
-          <a:p>
-            <a:pPr marL="971550" lvl="1" indent="-514350">
-              <a:lnSpc>
-                <a:spcPct val="120000"/>
-              </a:lnSpc>
-              <a:spcBef>
-                <a:spcPts val="0"/>
-              </a:spcBef>
-              <a:buFont typeface="+mj-lt"/>
-              <a:buAutoNum type="arabicPeriod"/>
-            </a:pPr>
-            <a:r>
-              <a:rPr lang="ru-RU" dirty="0"/>
-              <a:t>Спектральные признаки </a:t>
-            </a:r>
-            <a:r>
-              <a:rPr lang="en-US" dirty="0"/>
-              <a:t>(x)</a:t>
-            </a:r>
-            <a:endParaRPr lang="ru-RU" dirty="0"/>
-          </a:p>
-          <a:p>
-            <a:pPr marL="971550" lvl="1" indent="-514350">
-              <a:lnSpc>
-                <a:spcPct val="120000"/>
-              </a:lnSpc>
-              <a:spcBef>
-                <a:spcPts val="0"/>
-              </a:spcBef>
-              <a:buFont typeface="+mj-lt"/>
-              <a:buAutoNum type="arabicPeriod"/>
-            </a:pPr>
-            <a:r>
-              <a:rPr lang="ru-RU" sz="2500" dirty="0"/>
-              <a:t>Время-частотные признаки (х)</a:t>
-            </a:r>
-          </a:p>
-          <a:p>
-            <a:pPr marL="971550" lvl="1" indent="-514350">
-              <a:lnSpc>
-                <a:spcPct val="120000"/>
-              </a:lnSpc>
-              <a:spcBef>
-                <a:spcPts val="0"/>
-              </a:spcBef>
-              <a:buFont typeface="+mj-lt"/>
-              <a:buAutoNum type="arabicPeriod"/>
-            </a:pPr>
-            <a:r>
-              <a:rPr lang="ru-RU" sz="2800" dirty="0"/>
-              <a:t>Суммарные статистики</a:t>
-            </a:r>
-            <a:endParaRPr lang="ru-RU" sz="3600" dirty="0"/>
-          </a:p>
-          <a:p>
-            <a:pPr marL="971550" lvl="1" indent="-514350">
-              <a:lnSpc>
-                <a:spcPct val="120000"/>
-              </a:lnSpc>
-              <a:spcBef>
-                <a:spcPts val="0"/>
-              </a:spcBef>
-              <a:buFont typeface="+mj-lt"/>
-              <a:buAutoNum type="arabicPeriod"/>
-            </a:pPr>
-            <a:r>
-              <a:rPr lang="ru-RU" dirty="0"/>
-              <a:t>Временные признаки</a:t>
-            </a:r>
-            <a:endParaRPr lang="ru-RU" sz="3200" dirty="0"/>
-          </a:p>
-          <a:p>
-            <a:pPr marL="971550" lvl="1" indent="-514350">
-              <a:lnSpc>
-                <a:spcPct val="120000"/>
-              </a:lnSpc>
-              <a:spcBef>
-                <a:spcPts val="0"/>
-              </a:spcBef>
-              <a:buFont typeface="+mj-lt"/>
-              <a:buAutoNum type="arabicPeriod"/>
-            </a:pPr>
-            <a:r>
-              <a:rPr lang="ru-RU" dirty="0"/>
-              <a:t>Все выбранные варианты</a:t>
-            </a:r>
-            <a:endParaRPr lang="ru-RU" sz="3200" dirty="0"/>
-          </a:p>
-          <a:p>
-            <a:pPr>
-              <a:lnSpc>
-                <a:spcPct val="120000"/>
-              </a:lnSpc>
-              <a:spcBef>
-                <a:spcPts val="0"/>
-              </a:spcBef>
-            </a:pPr>
-            <a:r>
-              <a:rPr lang="ru-RU" dirty="0"/>
-              <a:t>Пусть стоит задача получения интерпретируемых результатов классификации временных рядов, какой подход к выделению признаков лучше выбрать:</a:t>
-            </a:r>
-          </a:p>
-          <a:p>
-            <a:pPr marL="971550" lvl="1" indent="-514350">
-              <a:lnSpc>
-                <a:spcPct val="120000"/>
-              </a:lnSpc>
-              <a:spcBef>
-                <a:spcPts val="0"/>
-              </a:spcBef>
-              <a:buFont typeface="+mj-lt"/>
-              <a:buAutoNum type="arabicPeriod"/>
-            </a:pPr>
-            <a:r>
-              <a:rPr lang="ru-RU" dirty="0"/>
-              <a:t>Разбить ряд на некоторые интервалы и взять для каждого небольшое пространство признаков (х)</a:t>
-            </a:r>
-            <a:endParaRPr lang="en-US" dirty="0"/>
-          </a:p>
-          <a:p>
-            <a:pPr marL="971550" lvl="1" indent="-514350">
-              <a:lnSpc>
-                <a:spcPct val="120000"/>
-              </a:lnSpc>
-              <a:spcBef>
-                <a:spcPts val="0"/>
-              </a:spcBef>
-              <a:buFont typeface="+mj-lt"/>
-              <a:buAutoNum type="arabicPeriod"/>
-            </a:pPr>
-            <a:r>
-              <a:rPr lang="ru-RU" dirty="0"/>
-              <a:t>Суммарные статистики (х)</a:t>
-            </a:r>
-          </a:p>
-          <a:p>
-            <a:pPr marL="971550" lvl="1" indent="-514350">
-              <a:lnSpc>
-                <a:spcPct val="120000"/>
-              </a:lnSpc>
-              <a:spcBef>
-                <a:spcPts val="0"/>
-              </a:spcBef>
-              <a:buFont typeface="+mj-lt"/>
-              <a:buAutoNum type="arabicPeriod"/>
-            </a:pPr>
-            <a:r>
-              <a:rPr lang="ru-RU" dirty="0"/>
-              <a:t>Большое пространство признаков для всего ряда</a:t>
-            </a:r>
-          </a:p>
-          <a:p>
-            <a:pPr marL="971550" lvl="1" indent="-514350">
-              <a:lnSpc>
-                <a:spcPct val="120000"/>
-              </a:lnSpc>
-              <a:spcBef>
-                <a:spcPts val="0"/>
-              </a:spcBef>
-              <a:buFont typeface="+mj-lt"/>
-              <a:buAutoNum type="arabicPeriod"/>
-            </a:pPr>
-            <a:r>
-              <a:rPr lang="ru-RU" dirty="0"/>
-              <a:t>Методы на основе словарей</a:t>
-            </a:r>
-          </a:p>
-          <a:p>
-            <a:pPr marL="971550" lvl="1" indent="-514350">
-              <a:lnSpc>
-                <a:spcPct val="120000"/>
-              </a:lnSpc>
-              <a:spcBef>
-                <a:spcPts val="0"/>
-              </a:spcBef>
-              <a:buFont typeface="+mj-lt"/>
-              <a:buAutoNum type="arabicPeriod"/>
-            </a:pPr>
-            <a:r>
-              <a:rPr lang="ru-RU" dirty="0"/>
-              <a:t>Подход преобразования </a:t>
-            </a:r>
-            <a:r>
-              <a:rPr lang="en-US" dirty="0"/>
-              <a:t>ROCKET</a:t>
-            </a:r>
-            <a:endParaRPr lang="ru-RU" dirty="0"/>
-          </a:p>
-          <a:p>
-            <a:pPr>
-              <a:lnSpc>
-                <a:spcPct val="120000"/>
-              </a:lnSpc>
-              <a:spcBef>
-                <a:spcPts val="0"/>
-              </a:spcBef>
-            </a:pPr>
-            <a:r>
-              <a:rPr lang="ru-RU" dirty="0"/>
-              <a:t>Расставьте соответствие:</a:t>
-            </a:r>
-          </a:p>
-          <a:p>
-            <a:pPr lvl="1">
-              <a:lnSpc>
-                <a:spcPct val="120000"/>
-              </a:lnSpc>
-              <a:spcBef>
-                <a:spcPts val="0"/>
-              </a:spcBef>
-            </a:pPr>
-            <a:r>
-              <a:rPr lang="ru-RU" dirty="0"/>
-              <a:t>Временные характеристики для случайных интервалов – </a:t>
-            </a:r>
-            <a:r>
-              <a:rPr lang="en-US" dirty="0" err="1"/>
-              <a:t>TSForest</a:t>
-            </a:r>
-            <a:endParaRPr lang="en-US" dirty="0"/>
-          </a:p>
-          <a:p>
-            <a:pPr lvl="1">
-              <a:lnSpc>
-                <a:spcPct val="120000"/>
-              </a:lnSpc>
-              <a:spcBef>
-                <a:spcPts val="0"/>
-              </a:spcBef>
-            </a:pPr>
-            <a:r>
-              <a:rPr lang="ru-RU" dirty="0"/>
-              <a:t>Признаки по результатам сверточных преобразований – </a:t>
-            </a:r>
-            <a:r>
-              <a:rPr lang="en-US" dirty="0"/>
-              <a:t>ROCKET</a:t>
-            </a:r>
-            <a:endParaRPr lang="ru-RU" dirty="0"/>
-          </a:p>
-          <a:p>
-            <a:pPr lvl="1">
-              <a:lnSpc>
-                <a:spcPct val="120000"/>
-              </a:lnSpc>
-              <a:spcBef>
-                <a:spcPts val="0"/>
-              </a:spcBef>
-            </a:pPr>
-            <a:r>
-              <a:rPr lang="ru-RU" dirty="0"/>
-              <a:t>Спектральные характеристик сегмента и его интервалов – </a:t>
-            </a:r>
-            <a:r>
-              <a:rPr lang="en-US" dirty="0"/>
-              <a:t>RAISE</a:t>
-            </a:r>
-          </a:p>
-          <a:p>
-            <a:pPr lvl="1">
-              <a:lnSpc>
-                <a:spcPct val="120000"/>
-              </a:lnSpc>
-              <a:spcBef>
-                <a:spcPts val="0"/>
-              </a:spcBef>
-            </a:pPr>
-            <a:r>
-              <a:rPr lang="ru-RU" dirty="0"/>
-              <a:t>Комбинация: </a:t>
-            </a:r>
-            <a:r>
-              <a:rPr lang="ru-RU" dirty="0" err="1"/>
-              <a:t>шейплеты</a:t>
-            </a:r>
-            <a:r>
-              <a:rPr lang="ru-RU" dirty="0"/>
-              <a:t>, словари, </a:t>
-            </a:r>
-            <a:r>
-              <a:rPr lang="en-US" dirty="0" err="1"/>
-              <a:t>TSForest</a:t>
-            </a:r>
-            <a:r>
-              <a:rPr lang="ru-RU" dirty="0"/>
-              <a:t>, </a:t>
-            </a:r>
-            <a:r>
-              <a:rPr lang="en-US" dirty="0"/>
-              <a:t>RAISE</a:t>
-            </a:r>
-            <a:r>
-              <a:rPr lang="ru-RU" dirty="0"/>
-              <a:t>   - </a:t>
-            </a:r>
-            <a:r>
-              <a:rPr lang="en-US" dirty="0"/>
-              <a:t>HIVE-COTE</a:t>
-            </a:r>
-          </a:p>
-          <a:p>
-            <a:pPr lvl="1">
-              <a:lnSpc>
-                <a:spcPct val="120000"/>
-              </a:lnSpc>
-              <a:spcBef>
-                <a:spcPts val="0"/>
-              </a:spcBef>
-            </a:pPr>
-            <a:r>
-              <a:rPr lang="en-US" altLang="ru-RU" dirty="0"/>
-              <a:t>22 </a:t>
-            </a:r>
-            <a:r>
-              <a:rPr lang="ru-RU" altLang="ru-RU" dirty="0"/>
-              <a:t>признака для каждого случайного интервала - CIF</a:t>
-            </a:r>
-            <a:endParaRPr lang="en-US" dirty="0"/>
-          </a:p>
-          <a:p>
-            <a:pPr marL="266700" lvl="1">
-              <a:lnSpc>
-                <a:spcPct val="120000"/>
-              </a:lnSpc>
-              <a:spcBef>
-                <a:spcPts val="0"/>
-              </a:spcBef>
-            </a:pPr>
-            <a:r>
-              <a:rPr lang="ru-RU" dirty="0"/>
-              <a:t>Пусть стоит проблема: есть набор временных рядов для каждого задача классификации ставится по разному, какие подход из изученных следует выбрать:</a:t>
-            </a:r>
-          </a:p>
-          <a:p>
-            <a:pPr lvl="1">
-              <a:lnSpc>
-                <a:spcPct val="120000"/>
-              </a:lnSpc>
-              <a:spcBef>
-                <a:spcPts val="0"/>
-              </a:spcBef>
-            </a:pPr>
-            <a:r>
-              <a:rPr lang="en-US" dirty="0"/>
-              <a:t>HIVE-COTE</a:t>
-            </a:r>
-            <a:r>
-              <a:rPr lang="ru-RU" dirty="0"/>
-              <a:t> (х)</a:t>
-            </a:r>
-            <a:endParaRPr lang="en-US" dirty="0"/>
-          </a:p>
-          <a:p>
-            <a:pPr lvl="1">
-              <a:lnSpc>
-                <a:spcPct val="120000"/>
-              </a:lnSpc>
-              <a:spcBef>
-                <a:spcPts val="0"/>
-              </a:spcBef>
-            </a:pPr>
-            <a:r>
-              <a:rPr lang="en-US" dirty="0"/>
-              <a:t>ROCKET</a:t>
-            </a:r>
-            <a:r>
-              <a:rPr lang="ru-RU" dirty="0"/>
-              <a:t> (х)</a:t>
-            </a:r>
-          </a:p>
-          <a:p>
-            <a:pPr lvl="1">
-              <a:lnSpc>
-                <a:spcPct val="120000"/>
-              </a:lnSpc>
-              <a:spcBef>
-                <a:spcPts val="0"/>
-              </a:spcBef>
-            </a:pPr>
-            <a:r>
-              <a:rPr lang="en-US" dirty="0" err="1"/>
-              <a:t>TSForest</a:t>
-            </a:r>
-            <a:endParaRPr lang="en-US" dirty="0"/>
-          </a:p>
-          <a:p>
-            <a:pPr lvl="1">
-              <a:lnSpc>
-                <a:spcPct val="120000"/>
-              </a:lnSpc>
-              <a:spcBef>
-                <a:spcPts val="0"/>
-              </a:spcBef>
-            </a:pPr>
-            <a:r>
-              <a:rPr lang="en-US" dirty="0"/>
-              <a:t>RAISE</a:t>
-            </a:r>
-          </a:p>
-          <a:p>
-            <a:pPr marL="723900" lvl="2">
-              <a:lnSpc>
-                <a:spcPct val="120000"/>
-              </a:lnSpc>
-              <a:spcBef>
-                <a:spcPts val="0"/>
-              </a:spcBef>
-            </a:pPr>
-            <a:r>
-              <a:rPr lang="en-US" dirty="0" err="1"/>
-              <a:t>knn</a:t>
-            </a:r>
-            <a:r>
-              <a:rPr lang="ru-RU" dirty="0"/>
-              <a:t>-</a:t>
-            </a:r>
-            <a:r>
-              <a:rPr lang="en-US" dirty="0" err="1"/>
-              <a:t>dtw</a:t>
-            </a:r>
-            <a:endParaRPr lang="ru-RU" dirty="0"/>
-          </a:p>
-          <a:p>
-            <a:pPr marL="514350" lvl="0" indent="-514350">
-              <a:buFont typeface="+mj-lt"/>
-              <a:buAutoNum type="arabicPeriod"/>
-            </a:pPr>
-            <a:endParaRPr lang="ru-RU" dirty="0"/>
-          </a:p>
-          <a:p>
-            <a:pPr marL="914400" lvl="2" indent="-457200">
-              <a:buFont typeface="+mj-lt"/>
-              <a:buAutoNum type="arabicPeriod"/>
-            </a:pPr>
-            <a:endParaRPr lang="ru-RU" sz="1500" b="1" dirty="0">
-              <a:ea typeface="Calibri" panose="020F0502020204030204" pitchFamily="34" charset="0"/>
-              <a:cs typeface="Times New Roman" panose="02020603050405020304" pitchFamily="18" charset="0"/>
-            </a:endParaRPr>
+            <a:r>
+              <a:rPr lang="ru-RU" sz="1400" dirty="0"/>
+              <a:t>, словари на основе набора слов и фазозависимые интервалы. С тех пор как он был впервые предложен в 2016 году, алгоритм оставался на самом современном уровне точности в архиве классификации временных рядов UCR. Со временем он постепенно обновлялся, достигнув своего нынешнего состояния - HIVE-COTE 1.0. За это время был предложен ряд алгоритмов, которые соответствуют точности HIVE-COTE. Мы предлагаем комплексные изменения в алгоритме HIVE-COTE, которые значительно улучшают его точность и удобство использования, представляя это обновление как HIVE-COTE 2.0. Мы представляем два новых классификатора, ансамбль временных словарей (TDE) и канонический интервальный лес с разнообразным представлением (</a:t>
+            </a:r>
+            <a:r>
+              <a:rPr lang="ru-RU" sz="1400" dirty="0" err="1"/>
+              <a:t>DrCIF</a:t>
+            </a:r>
+            <a:r>
+              <a:rPr lang="ru-RU" sz="1400" dirty="0"/>
+              <a:t>), которые заменяют существующие элементы ансамбля. Кроме того, мы представляем </a:t>
+            </a:r>
+            <a:r>
+              <a:rPr lang="ru-RU" sz="1400" dirty="0" err="1"/>
+              <a:t>Arsenal</a:t>
+            </a:r>
+            <a:r>
+              <a:rPr lang="ru-RU" sz="1400" dirty="0"/>
+              <a:t>, ансамбль классификаторов ROCKET в качестве нового компонента HIVE-COTE 2.0. Мы демонстрируем, что HIVE-COTE 2.0 значительно точнее, чем текущее состояние техники, на 112 одномерных архивных наборах данных UCR и 26 многомерных архивных наборах данных UEA.</a:t>
+            </a:r>
           </a:p>
         </p:txBody>
       </p:sp>
     </p:spTree>
     <p:extLst>
       <p:ext uri="{BB962C8B-B14F-4D97-AF65-F5344CB8AC3E}">
-        <p14:creationId xmlns:p14="http://schemas.microsoft.com/office/powerpoint/2010/main" val="3420899039"/>
+        <p14:creationId xmlns:p14="http://schemas.microsoft.com/office/powerpoint/2010/main" val="2088026688"/>
       </p:ext>
     </p:extLst>
   </p:cSld>
   <p:clrMapOvr>
     <a:masterClrMapping/>
   </p:clrMapOvr>
+  <p:timing>
+    <p:tnLst>
+      <p:par>
+        <p:cTn id="1" dur="indefinite" restart="never" nodeType="tmRoot"/>
+      </p:par>
+    </p:tnLst>
+  </p:timing>
 </p:sld>
 </file>
 
 <file path=ppt/slides/slide3.xml><?xml version="1.0" encoding="utf-8"?>
+<p:sld xmlns:a="http://schemas.openxmlformats.org/drawingml/2006/main" xmlns:r="http://schemas.openxmlformats.org/officeDocument/2006/relationships" xmlns:p="http://schemas.openxmlformats.org/presentationml/2006/main">
+  <p:cSld>
+    <p:spTree>
+      <p:nvGrpSpPr>
+        <p:cNvPr id="1" name=""/>
+        <p:cNvGrpSpPr/>
+        <p:nvPr/>
+      </p:nvGrpSpPr>
+      <p:grpSpPr>
+        <a:xfrm>
+          <a:off x="0" y="0"/>
+          <a:ext cx="0" cy="0"/>
+          <a:chOff x="0" y="0"/>
+          <a:chExt cx="0" cy="0"/>
+        </a:xfrm>
+      </p:grpSpPr>
+      <p:sp>
+        <p:nvSpPr>
+          <p:cNvPr id="2" name="Заголовок 1"/>
+          <p:cNvSpPr>
+            <a:spLocks noGrp="1"/>
+          </p:cNvSpPr>
+          <p:nvPr>
+            <p:ph type="title"/>
+          </p:nvPr>
+        </p:nvSpPr>
+        <p:spPr>
+          <a:xfrm>
+            <a:off x="838200" y="365125"/>
+            <a:ext cx="10515600" cy="970061"/>
+          </a:xfrm>
+        </p:spPr>
+        <p:txBody>
+          <a:bodyPr/>
+          <a:lstStyle/>
+          <a:p>
+            <a:r>
+              <a:rPr lang="ru-RU" dirty="0"/>
+              <a:t>Подход на основе признаков</a:t>
+            </a:r>
+          </a:p>
+        </p:txBody>
+      </p:sp>
+      <p:sp>
+        <p:nvSpPr>
+          <p:cNvPr id="3" name="Объект 2"/>
+          <p:cNvSpPr>
+            <a:spLocks noGrp="1"/>
+          </p:cNvSpPr>
+          <p:nvPr>
+            <p:ph idx="1"/>
+          </p:nvPr>
+        </p:nvSpPr>
+        <p:spPr>
+          <a:xfrm>
+            <a:off x="552627" y="1246525"/>
+            <a:ext cx="11055603" cy="5363501"/>
+          </a:xfrm>
+        </p:spPr>
+        <p:txBody>
+          <a:bodyPr>
+            <a:normAutofit/>
+          </a:bodyPr>
+          <a:lstStyle/>
+          <a:p>
+            <a:r>
+              <a:rPr lang="ru-RU" sz="2200" dirty="0"/>
+              <a:t>Подход предполагает, что модель строится на выделение признаков и принятии решений.</a:t>
+            </a:r>
+          </a:p>
+          <a:p>
+            <a:r>
+              <a:rPr lang="ru-RU" sz="2200" dirty="0"/>
+              <a:t>Признаки - это определенные регулярные характеристиках для каждой последовательности.  </a:t>
+            </a:r>
+          </a:p>
+          <a:p>
+            <a:r>
+              <a:rPr lang="ru-RU" sz="2200" dirty="0"/>
+              <a:t>Признаки:</a:t>
+            </a:r>
+          </a:p>
+          <a:p>
+            <a:pPr lvl="1"/>
+            <a:r>
+              <a:rPr lang="ru-RU" sz="2200" dirty="0"/>
+              <a:t>Регулярны для набора данных.</a:t>
+            </a:r>
+          </a:p>
+          <a:p>
+            <a:pPr lvl="1"/>
+            <a:r>
+              <a:rPr lang="ru-RU" sz="2200" dirty="0"/>
+              <a:t>Отражают класс (регулярны для класса).</a:t>
+            </a:r>
+          </a:p>
+          <a:p>
+            <a:pPr lvl="1"/>
+            <a:r>
+              <a:rPr lang="ru-RU" sz="2200" dirty="0"/>
+              <a:t>Не коррелируют друг с другом (иначе избыточны!).</a:t>
+            </a:r>
+          </a:p>
+          <a:p>
+            <a:pPr lvl="2"/>
+            <a:r>
+              <a:rPr lang="ru-RU" sz="1800" dirty="0"/>
+              <a:t>Можно решить отбором признаков.</a:t>
+            </a:r>
+          </a:p>
+          <a:p>
+            <a:pPr lvl="1"/>
+            <a:r>
+              <a:rPr lang="ru-RU" sz="2200" dirty="0"/>
+              <a:t>Позволяют различать классы как можно более четко.</a:t>
+            </a:r>
+          </a:p>
+          <a:p>
+            <a:pPr lvl="2"/>
+            <a:r>
+              <a:rPr lang="ru-RU" sz="1800" dirty="0"/>
+              <a:t>А еще можно преобразовать признаки.</a:t>
+            </a:r>
+          </a:p>
+          <a:p>
+            <a:pPr lvl="1"/>
+            <a:r>
+              <a:rPr lang="ru-RU" sz="2000" dirty="0"/>
+              <a:t>Экзогенные факторы – тоже могут быть признаками.</a:t>
+            </a:r>
+          </a:p>
+          <a:p>
+            <a:pPr lvl="1"/>
+            <a:r>
+              <a:rPr lang="ru-RU" sz="2200" dirty="0"/>
+              <a:t>Пространство признаков должно быть достаточным для проведения классификации.</a:t>
+            </a:r>
+          </a:p>
+          <a:p>
+            <a:pPr lvl="2"/>
+            <a:r>
+              <a:rPr lang="ru-RU" sz="1800" dirty="0"/>
+              <a:t>От этого будет зависеть точность классификации</a:t>
+            </a:r>
+          </a:p>
+        </p:txBody>
+      </p:sp>
+    </p:spTree>
+    <p:extLst>
+      <p:ext uri="{BB962C8B-B14F-4D97-AF65-F5344CB8AC3E}">
+        <p14:creationId xmlns:p14="http://schemas.microsoft.com/office/powerpoint/2010/main" val="4232550575"/>
+      </p:ext>
+    </p:extLst>
+  </p:cSld>
+  <p:clrMapOvr>
+    <a:masterClrMapping/>
+  </p:clrMapOvr>
+  <p:timing>
+    <p:tnLst>
+      <p:par>
+        <p:cTn id="1" dur="indefinite" restart="never" nodeType="tmRoot"/>
+      </p:par>
+    </p:tnLst>
+  </p:timing>
+</p:sld>
+</file>
+
+<file path=ppt/slides/slide4.xml><?xml version="1.0" encoding="utf-8"?>
 <p:sld xmlns:a="http://schemas.openxmlformats.org/drawingml/2006/main" xmlns:r="http://schemas.openxmlformats.org/officeDocument/2006/relationships" xmlns:p="http://schemas.openxmlformats.org/presentationml/2006/main">
   <p:cSld>
     <p:spTree>
@@ -10142,10 +9621,17 @@
   <p:clrMapOvr>
     <a:masterClrMapping/>
   </p:clrMapOvr>
+  <p:timing>
+    <p:tnLst>
+      <p:par>
+        <p:cTn id="1" dur="indefinite" restart="never" nodeType="tmRoot"/>
+      </p:par>
+    </p:tnLst>
+  </p:timing>
 </p:sld>
 </file>
 
-<file path=ppt/slides/slide4.xml><?xml version="1.0" encoding="utf-8"?>
+<file path=ppt/slides/slide5.xml><?xml version="1.0" encoding="utf-8"?>
 <p:sld xmlns:a="http://schemas.openxmlformats.org/drawingml/2006/main" xmlns:r="http://schemas.openxmlformats.org/officeDocument/2006/relationships" xmlns:p="http://schemas.openxmlformats.org/presentationml/2006/main">
   <p:cSld>
     <p:spTree>
@@ -10364,10 +9850,17 @@
   <p:clrMapOvr>
     <a:masterClrMapping/>
   </p:clrMapOvr>
+  <p:timing>
+    <p:tnLst>
+      <p:par>
+        <p:cTn id="1" dur="indefinite" restart="never" nodeType="tmRoot"/>
+      </p:par>
+    </p:tnLst>
+  </p:timing>
 </p:sld>
 </file>
 
-<file path=ppt/slides/slide5.xml><?xml version="1.0" encoding="utf-8"?>
+<file path=ppt/slides/slide6.xml><?xml version="1.0" encoding="utf-8"?>
 <p:sld xmlns:a="http://schemas.openxmlformats.org/drawingml/2006/main" xmlns:r="http://schemas.openxmlformats.org/officeDocument/2006/relationships" xmlns:p="http://schemas.openxmlformats.org/presentationml/2006/main">
   <p:cSld>
     <p:spTree>
@@ -10545,10 +10038,17 @@
   <p:clrMapOvr>
     <a:masterClrMapping/>
   </p:clrMapOvr>
+  <p:timing>
+    <p:tnLst>
+      <p:par>
+        <p:cTn id="1" dur="indefinite" restart="never" nodeType="tmRoot"/>
+      </p:par>
+    </p:tnLst>
+  </p:timing>
 </p:sld>
 </file>
 
-<file path=ppt/slides/slide6.xml><?xml version="1.0" encoding="utf-8"?>
+<file path=ppt/slides/slide7.xml><?xml version="1.0" encoding="utf-8"?>
 <p:sld xmlns:a="http://schemas.openxmlformats.org/drawingml/2006/main" xmlns:r="http://schemas.openxmlformats.org/officeDocument/2006/relationships" xmlns:p="http://schemas.openxmlformats.org/presentationml/2006/main">
   <p:cSld>
     <p:spTree>
@@ -10695,10 +10195,17 @@
   <p:clrMapOvr>
     <a:masterClrMapping/>
   </p:clrMapOvr>
+  <p:timing>
+    <p:tnLst>
+      <p:par>
+        <p:cTn id="1" dur="indefinite" restart="never" nodeType="tmRoot"/>
+      </p:par>
+    </p:tnLst>
+  </p:timing>
 </p:sld>
 </file>
 
-<file path=ppt/slides/slide7.xml><?xml version="1.0" encoding="utf-8"?>
+<file path=ppt/slides/slide8.xml><?xml version="1.0" encoding="utf-8"?>
 <p:sld xmlns:a="http://schemas.openxmlformats.org/drawingml/2006/main" xmlns:r="http://schemas.openxmlformats.org/officeDocument/2006/relationships" xmlns:p="http://schemas.openxmlformats.org/presentationml/2006/main">
   <p:cSld>
     <p:spTree>
@@ -11617,8 +11124,8 @@
         </p:blipFill>
         <p:spPr bwMode="auto">
           <a:xfrm>
-            <a:off x="3417942" y="891069"/>
-            <a:ext cx="3130044" cy="2655406"/>
+            <a:off x="4884067" y="3358496"/>
+            <a:ext cx="1843380" cy="1563851"/>
           </a:xfrm>
           <a:prstGeom prst="rect">
             <a:avLst/>
@@ -11645,10 +11152,17 @@
   <p:clrMapOvr>
     <a:masterClrMapping/>
   </p:clrMapOvr>
+  <p:timing>
+    <p:tnLst>
+      <p:par>
+        <p:cTn id="1" dur="indefinite" restart="never" nodeType="tmRoot"/>
+      </p:par>
+    </p:tnLst>
+  </p:timing>
 </p:sld>
 </file>
 
-<file path=ppt/slides/slide8.xml><?xml version="1.0" encoding="utf-8"?>
+<file path=ppt/slides/slide9.xml><?xml version="1.0" encoding="utf-8"?>
 <p:sld xmlns:a="http://schemas.openxmlformats.org/drawingml/2006/main" xmlns:r="http://schemas.openxmlformats.org/officeDocument/2006/relationships" xmlns:p="http://schemas.openxmlformats.org/presentationml/2006/main">
   <p:cSld>
     <p:spTree>
@@ -12366,304 +11880,13 @@
   <p:clrMapOvr>
     <a:masterClrMapping/>
   </p:clrMapOvr>
-</p:sld>
-</file>
-
-<file path=ppt/slides/slide9.xml><?xml version="1.0" encoding="utf-8"?>
-<p:sld xmlns:a="http://schemas.openxmlformats.org/drawingml/2006/main" xmlns:r="http://schemas.openxmlformats.org/officeDocument/2006/relationships" xmlns:p="http://schemas.openxmlformats.org/presentationml/2006/main">
-  <p:cSld>
-    <p:spTree>
-      <p:nvGrpSpPr>
-        <p:cNvPr id="1" name=""/>
-        <p:cNvGrpSpPr/>
-        <p:nvPr/>
-      </p:nvGrpSpPr>
-      <p:grpSpPr>
-        <a:xfrm>
-          <a:off x="0" y="0"/>
-          <a:ext cx="0" cy="0"/>
-          <a:chOff x="0" y="0"/>
-          <a:chExt cx="0" cy="0"/>
-        </a:xfrm>
-      </p:grpSpPr>
-      <p:sp>
-        <p:nvSpPr>
-          <p:cNvPr id="2" name="Заголовок 1"/>
-          <p:cNvSpPr>
-            <a:spLocks noGrp="1"/>
-          </p:cNvSpPr>
-          <p:nvPr>
-            <p:ph type="title"/>
-          </p:nvPr>
-        </p:nvSpPr>
-        <p:spPr>
-          <a:xfrm>
-            <a:off x="838200" y="365125"/>
-            <a:ext cx="10515600" cy="831215"/>
-          </a:xfrm>
-        </p:spPr>
-        <p:txBody>
-          <a:bodyPr/>
-          <a:lstStyle/>
-          <a:p>
-            <a:r>
-              <a:rPr lang="ru-RU" b="1" dirty="0"/>
-              <a:t>Подход на основе признаков</a:t>
-            </a:r>
-            <a:endParaRPr lang="ru-RU" dirty="0"/>
-          </a:p>
-        </p:txBody>
-      </p:sp>
-      <p:sp>
-        <p:nvSpPr>
-          <p:cNvPr id="3" name="Объект 2"/>
-          <p:cNvSpPr>
-            <a:spLocks noGrp="1"/>
-          </p:cNvSpPr>
-          <p:nvPr>
-            <p:ph idx="1"/>
-          </p:nvPr>
-        </p:nvSpPr>
-        <p:spPr>
-          <a:xfrm>
-            <a:off x="403860" y="1196340"/>
-            <a:ext cx="10949940" cy="5547359"/>
-          </a:xfrm>
-        </p:spPr>
-        <p:txBody>
-          <a:bodyPr>
-            <a:normAutofit fontScale="70000" lnSpcReduction="20000"/>
-          </a:bodyPr>
-          <a:lstStyle/>
-          <a:p>
-            <a:pPr>
-              <a:lnSpc>
-                <a:spcPct val="120000"/>
-              </a:lnSpc>
-            </a:pPr>
-            <a:r>
-              <a:rPr lang="ru-RU" altLang="ru-RU" dirty="0"/>
-              <a:t>Рекомендуется начинать с наиболее интерпретируемых и понятных точечных признаков. </a:t>
-            </a:r>
-          </a:p>
-          <a:p>
-            <a:pPr lvl="1">
-              <a:lnSpc>
-                <a:spcPct val="120000"/>
-              </a:lnSpc>
-            </a:pPr>
-            <a:r>
-              <a:rPr lang="ru-RU" altLang="ru-RU" sz="2800" dirty="0"/>
-              <a:t>То есть двигаться от простого к сложному. </a:t>
-            </a:r>
-          </a:p>
-          <a:p>
-            <a:pPr>
-              <a:lnSpc>
-                <a:spcPct val="120000"/>
-              </a:lnSpc>
-            </a:pPr>
-            <a:r>
-              <a:rPr lang="ru-RU" altLang="ru-RU" dirty="0"/>
-              <a:t>Во многих случаях для поиска лучшего признакового пространства существуют готовые </a:t>
-            </a:r>
-            <a:r>
-              <a:rPr lang="ru-RU" altLang="ru-RU" dirty="0" err="1"/>
-              <a:t>фреймворки</a:t>
-            </a:r>
-            <a:r>
-              <a:rPr lang="ru-RU" altLang="ru-RU" dirty="0"/>
-              <a:t>. Примерами таких для языка </a:t>
-            </a:r>
-            <a:r>
-              <a:rPr lang="ru-RU" altLang="ru-RU" dirty="0" err="1"/>
-              <a:t>Python</a:t>
-            </a:r>
-            <a:r>
-              <a:rPr lang="ru-RU" altLang="ru-RU" dirty="0"/>
-              <a:t> могут быть:</a:t>
-            </a:r>
-          </a:p>
-          <a:p>
-            <a:pPr lvl="1">
-              <a:lnSpc>
-                <a:spcPct val="120000"/>
-              </a:lnSpc>
-            </a:pPr>
-            <a:r>
-              <a:rPr lang="ru-RU" altLang="ru-RU" sz="2800" dirty="0" err="1">
-                <a:hlinkClick r:id="rId2"/>
-              </a:rPr>
-              <a:t>tsfresh</a:t>
-            </a:r>
-            <a:r>
-              <a:rPr lang="ru-RU" altLang="ru-RU" sz="2800" dirty="0"/>
-              <a:t>(</a:t>
-            </a:r>
-            <a:r>
-              <a:rPr lang="ru-RU" altLang="ru-RU" sz="2800" dirty="0">
-                <a:hlinkClick r:id="rId3"/>
-              </a:rPr>
-              <a:t>https://tsfresh.readthedocs.io/en/latest/</a:t>
-            </a:r>
-            <a:r>
-              <a:rPr lang="ru-RU" altLang="ru-RU" sz="2800" dirty="0"/>
-              <a:t>);</a:t>
-            </a:r>
-          </a:p>
-          <a:p>
-            <a:pPr lvl="1">
-              <a:lnSpc>
-                <a:spcPct val="120000"/>
-              </a:lnSpc>
-            </a:pPr>
-            <a:r>
-              <a:rPr lang="ru-RU" altLang="ru-RU" sz="2800" dirty="0" err="1">
-                <a:hlinkClick r:id="rId4"/>
-              </a:rPr>
-              <a:t>tsfel</a:t>
-            </a:r>
-            <a:r>
-              <a:rPr lang="ru-RU" altLang="ru-RU" sz="2800" dirty="0"/>
-              <a:t>(</a:t>
-            </a:r>
-            <a:r>
-              <a:rPr lang="ru-RU" altLang="ru-RU" sz="2800" dirty="0">
-                <a:hlinkClick r:id="rId5"/>
-              </a:rPr>
-              <a:t>https://tsfel.readthedocs.io/en/latest/</a:t>
-            </a:r>
-            <a:r>
-              <a:rPr lang="ru-RU" altLang="ru-RU" sz="2800" dirty="0"/>
-              <a:t>);</a:t>
-            </a:r>
-          </a:p>
-          <a:p>
-            <a:pPr lvl="1">
-              <a:lnSpc>
-                <a:spcPct val="120000"/>
-              </a:lnSpc>
-            </a:pPr>
-            <a:r>
-              <a:rPr lang="ru-RU" altLang="ru-RU" sz="2800" dirty="0">
-                <a:hlinkClick r:id="rId6"/>
-              </a:rPr>
-              <a:t>Catch22</a:t>
-            </a:r>
-            <a:r>
-              <a:rPr lang="ru-RU" altLang="ru-RU" sz="2800" dirty="0"/>
-              <a:t>(</a:t>
-            </a:r>
-            <a:r>
-              <a:rPr lang="ru-RU" altLang="ru-RU" sz="2800" dirty="0">
-                <a:hlinkClick r:id="rId7"/>
-              </a:rPr>
-              <a:t>https://github.com/DynamicsAndNeuralSystems/catch22/wiki</a:t>
-            </a:r>
-            <a:r>
-              <a:rPr lang="ru-RU" altLang="ru-RU" sz="2800" dirty="0"/>
-              <a:t>);</a:t>
-            </a:r>
-          </a:p>
-          <a:p>
-            <a:pPr lvl="1">
-              <a:lnSpc>
-                <a:spcPct val="120000"/>
-              </a:lnSpc>
-            </a:pPr>
-            <a:r>
-              <a:rPr lang="ru-RU" altLang="ru-RU" sz="2800" dirty="0"/>
-              <a:t>и многие другие.</a:t>
-            </a:r>
-          </a:p>
-          <a:p>
-            <a:pPr>
-              <a:lnSpc>
-                <a:spcPct val="120000"/>
-              </a:lnSpc>
-            </a:pPr>
-            <a:r>
-              <a:rPr lang="ru-RU" altLang="ru-RU" dirty="0"/>
-              <a:t>По результатам отбора признаков могут быть использованы как стандартные алгоритмы машинного обучения типа </a:t>
-            </a:r>
-            <a:r>
-              <a:rPr lang="en-US" altLang="ru-RU" b="1" dirty="0" err="1"/>
-              <a:t>XGBoost</a:t>
-            </a:r>
-            <a:r>
-              <a:rPr lang="en-US" altLang="ru-RU" b="1" dirty="0"/>
-              <a:t>, SVM, RF </a:t>
-            </a:r>
-            <a:r>
-              <a:rPr lang="ru-RU" altLang="ru-RU" dirty="0"/>
-              <a:t>и другие, так и специализированные.</a:t>
-            </a:r>
-          </a:p>
-          <a:p>
-            <a:pPr>
-              <a:lnSpc>
-                <a:spcPct val="120000"/>
-              </a:lnSpc>
-            </a:pPr>
-            <a:r>
-              <a:rPr lang="ru-RU" altLang="ru-RU" dirty="0"/>
-              <a:t>В большинстве случаев такие фреймворки предоставляют как возможности для выделения признаков, так и для их отбора.</a:t>
-            </a:r>
-          </a:p>
-          <a:p>
-            <a:pPr>
-              <a:lnSpc>
-                <a:spcPct val="120000"/>
-              </a:lnSpc>
-            </a:pPr>
-            <a:r>
-              <a:rPr lang="ru-RU" altLang="ru-RU" dirty="0"/>
-              <a:t>Ряд подобных фреймворков могут быть найдены в рамках единого </a:t>
-            </a:r>
-            <a:r>
-              <a:rPr lang="ru-RU" altLang="ru-RU" dirty="0" err="1"/>
-              <a:t>фреймворка</a:t>
-            </a:r>
-            <a:r>
-              <a:rPr lang="ru-RU" altLang="ru-RU" dirty="0"/>
-              <a:t> </a:t>
-            </a:r>
-            <a:r>
-              <a:rPr lang="ru-RU" altLang="ru-RU" dirty="0" err="1">
-                <a:hlinkClick r:id="rId8"/>
-              </a:rPr>
-              <a:t>sktime</a:t>
-            </a:r>
-            <a:r>
-              <a:rPr lang="ru-RU" altLang="ru-RU" dirty="0"/>
-              <a:t>(</a:t>
-            </a:r>
-            <a:r>
-              <a:rPr lang="ru-RU" altLang="ru-RU" dirty="0">
-                <a:hlinkClick r:id="rId9"/>
-              </a:rPr>
-              <a:t>https://www.sktime.org/en/stable/index.html</a:t>
-            </a:r>
-            <a:r>
-              <a:rPr lang="ru-RU" altLang="ru-RU" dirty="0"/>
-              <a:t>).</a:t>
-            </a:r>
-          </a:p>
-          <a:p>
-            <a:endParaRPr lang="ru-RU" dirty="0"/>
-          </a:p>
-        </p:txBody>
-      </p:sp>
-    </p:spTree>
-    <p:extLst>
-      <p:ext uri="{BB962C8B-B14F-4D97-AF65-F5344CB8AC3E}">
-        <p14:creationId xmlns:p14="http://schemas.microsoft.com/office/powerpoint/2010/main" val="2363796523"/>
-      </p:ext>
-    </p:extLst>
-  </p:cSld>
-  <p:clrMapOvr>
-    <a:masterClrMapping/>
-  </p:clrMapOvr>
+  <p:timing>
+    <p:tnLst>
+      <p:par>
+        <p:cTn id="1" dur="indefinite" restart="never" nodeType="tmRoot"/>
+      </p:par>
+    </p:tnLst>
+  </p:timing>
 </p:sld>
 </file>
 

--- a/2024/Lec/Юнит 18 - Классификация-2.pptx
+++ b/2024/Lec/Юнит 18 - Классификация-2.pptx
@@ -8,29 +8,30 @@
     <p:sldId id="385" r:id="rId2"/>
     <p:sldId id="412" r:id="rId3"/>
     <p:sldId id="386" r:id="rId4"/>
-    <p:sldId id="388" r:id="rId5"/>
-    <p:sldId id="389" r:id="rId6"/>
-    <p:sldId id="390" r:id="rId7"/>
-    <p:sldId id="391" r:id="rId8"/>
+    <p:sldId id="414" r:id="rId5"/>
+    <p:sldId id="388" r:id="rId6"/>
+    <p:sldId id="389" r:id="rId7"/>
+    <p:sldId id="390" r:id="rId8"/>
     <p:sldId id="392" r:id="rId9"/>
     <p:sldId id="393" r:id="rId10"/>
-    <p:sldId id="394" r:id="rId11"/>
-    <p:sldId id="395" r:id="rId12"/>
-    <p:sldId id="396" r:id="rId13"/>
-    <p:sldId id="397" r:id="rId14"/>
-    <p:sldId id="398" r:id="rId15"/>
-    <p:sldId id="399" r:id="rId16"/>
-    <p:sldId id="400" r:id="rId17"/>
-    <p:sldId id="401" r:id="rId18"/>
-    <p:sldId id="402" r:id="rId19"/>
-    <p:sldId id="403" r:id="rId20"/>
-    <p:sldId id="404" r:id="rId21"/>
-    <p:sldId id="405" r:id="rId22"/>
-    <p:sldId id="406" r:id="rId23"/>
-    <p:sldId id="407" r:id="rId24"/>
-    <p:sldId id="408" r:id="rId25"/>
-    <p:sldId id="409" r:id="rId26"/>
-    <p:sldId id="413" r:id="rId27"/>
+    <p:sldId id="391" r:id="rId11"/>
+    <p:sldId id="394" r:id="rId12"/>
+    <p:sldId id="395" r:id="rId13"/>
+    <p:sldId id="396" r:id="rId14"/>
+    <p:sldId id="397" r:id="rId15"/>
+    <p:sldId id="398" r:id="rId16"/>
+    <p:sldId id="399" r:id="rId17"/>
+    <p:sldId id="400" r:id="rId18"/>
+    <p:sldId id="401" r:id="rId19"/>
+    <p:sldId id="402" r:id="rId20"/>
+    <p:sldId id="403" r:id="rId21"/>
+    <p:sldId id="404" r:id="rId22"/>
+    <p:sldId id="405" r:id="rId23"/>
+    <p:sldId id="406" r:id="rId24"/>
+    <p:sldId id="407" r:id="rId25"/>
+    <p:sldId id="408" r:id="rId26"/>
+    <p:sldId id="409" r:id="rId27"/>
+    <p:sldId id="413" r:id="rId28"/>
   </p:sldIdLst>
   <p:sldSz cx="12192000" cy="6858000"/>
   <p:notesSz cx="6858000" cy="9144000"/>
@@ -286,7 +287,7 @@
           <a:p>
             <a:fld id="{A76E1671-358D-4BAB-9EB2-DC8D65251B89}" type="datetimeFigureOut">
               <a:rPr lang="en-US" smtClean="0"/>
-              <a:t>3/13/2024</a:t>
+              <a:t>4/4/2024</a:t>
             </a:fld>
             <a:endParaRPr lang="en-US"/>
           </a:p>
@@ -486,7 +487,7 @@
           <a:p>
             <a:fld id="{A76E1671-358D-4BAB-9EB2-DC8D65251B89}" type="datetimeFigureOut">
               <a:rPr lang="en-US" smtClean="0"/>
-              <a:t>3/13/2024</a:t>
+              <a:t>4/4/2024</a:t>
             </a:fld>
             <a:endParaRPr lang="en-US"/>
           </a:p>
@@ -696,7 +697,7 @@
           <a:p>
             <a:fld id="{A76E1671-358D-4BAB-9EB2-DC8D65251B89}" type="datetimeFigureOut">
               <a:rPr lang="en-US" smtClean="0"/>
-              <a:t>3/13/2024</a:t>
+              <a:t>4/4/2024</a:t>
             </a:fld>
             <a:endParaRPr lang="en-US"/>
           </a:p>
@@ -896,7 +897,7 @@
           <a:p>
             <a:fld id="{A76E1671-358D-4BAB-9EB2-DC8D65251B89}" type="datetimeFigureOut">
               <a:rPr lang="en-US" smtClean="0"/>
-              <a:t>3/13/2024</a:t>
+              <a:t>4/4/2024</a:t>
             </a:fld>
             <a:endParaRPr lang="en-US"/>
           </a:p>
@@ -1172,7 +1173,7 @@
           <a:p>
             <a:fld id="{A76E1671-358D-4BAB-9EB2-DC8D65251B89}" type="datetimeFigureOut">
               <a:rPr lang="en-US" smtClean="0"/>
-              <a:t>3/13/2024</a:t>
+              <a:t>4/4/2024</a:t>
             </a:fld>
             <a:endParaRPr lang="en-US"/>
           </a:p>
@@ -1440,7 +1441,7 @@
           <a:p>
             <a:fld id="{A76E1671-358D-4BAB-9EB2-DC8D65251B89}" type="datetimeFigureOut">
               <a:rPr lang="en-US" smtClean="0"/>
-              <a:t>3/13/2024</a:t>
+              <a:t>4/4/2024</a:t>
             </a:fld>
             <a:endParaRPr lang="en-US"/>
           </a:p>
@@ -1855,7 +1856,7 @@
           <a:p>
             <a:fld id="{A76E1671-358D-4BAB-9EB2-DC8D65251B89}" type="datetimeFigureOut">
               <a:rPr lang="en-US" smtClean="0"/>
-              <a:t>3/13/2024</a:t>
+              <a:t>4/4/2024</a:t>
             </a:fld>
             <a:endParaRPr lang="en-US"/>
           </a:p>
@@ -1997,7 +1998,7 @@
           <a:p>
             <a:fld id="{A76E1671-358D-4BAB-9EB2-DC8D65251B89}" type="datetimeFigureOut">
               <a:rPr lang="en-US" smtClean="0"/>
-              <a:t>3/13/2024</a:t>
+              <a:t>4/4/2024</a:t>
             </a:fld>
             <a:endParaRPr lang="en-US"/>
           </a:p>
@@ -2110,7 +2111,7 @@
           <a:p>
             <a:fld id="{A76E1671-358D-4BAB-9EB2-DC8D65251B89}" type="datetimeFigureOut">
               <a:rPr lang="en-US" smtClean="0"/>
-              <a:t>3/13/2024</a:t>
+              <a:t>4/4/2024</a:t>
             </a:fld>
             <a:endParaRPr lang="en-US"/>
           </a:p>
@@ -2423,7 +2424,7 @@
           <a:p>
             <a:fld id="{A76E1671-358D-4BAB-9EB2-DC8D65251B89}" type="datetimeFigureOut">
               <a:rPr lang="en-US" smtClean="0"/>
-              <a:t>3/13/2024</a:t>
+              <a:t>4/4/2024</a:t>
             </a:fld>
             <a:endParaRPr lang="en-US"/>
           </a:p>
@@ -2712,7 +2713,7 @@
           <a:p>
             <a:fld id="{A76E1671-358D-4BAB-9EB2-DC8D65251B89}" type="datetimeFigureOut">
               <a:rPr lang="en-US" smtClean="0"/>
-              <a:t>3/13/2024</a:t>
+              <a:t>4/4/2024</a:t>
             </a:fld>
             <a:endParaRPr lang="en-US"/>
           </a:p>
@@ -2955,7 +2956,7 @@
           <a:p>
             <a:fld id="{A76E1671-358D-4BAB-9EB2-DC8D65251B89}" type="datetimeFigureOut">
               <a:rPr lang="en-US" smtClean="0"/>
-              <a:t>3/13/2024</a:t>
+              <a:t>4/4/2024</a:t>
             </a:fld>
             <a:endParaRPr lang="en-US"/>
           </a:p>
@@ -3464,8 +3465,8 @@
         </p:nvSpPr>
         <p:spPr>
           <a:xfrm>
-            <a:off x="838200" y="365125"/>
-            <a:ext cx="10515600" cy="831215"/>
+            <a:off x="838200" y="365126"/>
+            <a:ext cx="10515600" cy="933836"/>
           </a:xfrm>
         </p:spPr>
         <p:txBody>
@@ -3476,7 +3477,6 @@
               <a:rPr lang="ru-RU" b="1" dirty="0"/>
               <a:t>Подход на основе признаков</a:t>
             </a:r>
-            <a:endParaRPr lang="ru-RU" dirty="0"/>
           </a:p>
         </p:txBody>
       </p:sp>
@@ -3492,238 +3492,91 @@
         </p:nvSpPr>
         <p:spPr>
           <a:xfrm>
-            <a:off x="403860" y="1196340"/>
-            <a:ext cx="10949940" cy="5547359"/>
+            <a:off x="640935" y="1375873"/>
+            <a:ext cx="10712865" cy="5247118"/>
           </a:xfrm>
         </p:spPr>
         <p:txBody>
           <a:bodyPr>
-            <a:normAutofit fontScale="70000" lnSpcReduction="20000"/>
+            <a:normAutofit/>
           </a:bodyPr>
           <a:lstStyle/>
           <a:p>
             <a:pPr>
               <a:lnSpc>
-                <a:spcPct val="120000"/>
-              </a:lnSpc>
-            </a:pPr>
-            <a:r>
-              <a:rPr lang="ru-RU" altLang="ru-RU" dirty="0"/>
-              <a:t>Рекомендуется начинать с наиболее интерпретируемых и понятных точечных признаков. </a:t>
+                <a:spcPct val="130000"/>
+              </a:lnSpc>
+              <a:spcBef>
+                <a:spcPts val="0"/>
+              </a:spcBef>
+            </a:pPr>
+            <a:r>
+              <a:rPr lang="ru-RU" sz="2200" dirty="0"/>
+              <a:t>В ряде случаев достаточно выделить лишь простые статистические признаки, (среднее или стандартное отклонение) для каждого сегмента временного ряда.</a:t>
             </a:r>
           </a:p>
           <a:p>
             <a:pPr lvl="1">
               <a:lnSpc>
-                <a:spcPct val="120000"/>
-              </a:lnSpc>
-            </a:pPr>
-            <a:r>
-              <a:rPr lang="ru-RU" altLang="ru-RU" sz="2800" dirty="0"/>
-              <a:t>То есть двигаться от простого к сложному. </a:t>
+                <a:spcPct val="130000"/>
+              </a:lnSpc>
+              <a:spcBef>
+                <a:spcPts val="0"/>
+              </a:spcBef>
+            </a:pPr>
+            <a:r>
+              <a:rPr lang="ru-RU" sz="2200" dirty="0"/>
+              <a:t>Далее таблица , по ней напр. логистическая регрессия, (каждая запись: признаки, метка класса).</a:t>
+            </a:r>
+          </a:p>
+          <a:p>
+            <a:pPr marL="228600" lvl="1">
+              <a:lnSpc>
+                <a:spcPct val="130000"/>
+              </a:lnSpc>
+              <a:spcBef>
+                <a:spcPts val="0"/>
+              </a:spcBef>
+            </a:pPr>
+            <a:r>
+              <a:rPr lang="ru-RU" sz="2200" b="1" dirty="0"/>
+              <a:t>Экзогенные факторы – тоже могут быть признаками.</a:t>
             </a:r>
           </a:p>
           <a:p>
             <a:pPr>
               <a:lnSpc>
-                <a:spcPct val="120000"/>
-              </a:lnSpc>
-            </a:pPr>
-            <a:r>
-              <a:rPr lang="ru-RU" altLang="ru-RU" dirty="0"/>
-              <a:t>Во многих случаях для поиска лучшего признакового пространства существуют готовые </a:t>
-            </a:r>
-            <a:r>
-              <a:rPr lang="ru-RU" altLang="ru-RU" dirty="0" err="1"/>
-              <a:t>фреймворки</a:t>
-            </a:r>
-            <a:r>
-              <a:rPr lang="ru-RU" altLang="ru-RU" dirty="0"/>
-              <a:t>. Примерами таких для языка </a:t>
-            </a:r>
-            <a:r>
-              <a:rPr lang="ru-RU" altLang="ru-RU" dirty="0" err="1"/>
-              <a:t>Python</a:t>
-            </a:r>
-            <a:r>
-              <a:rPr lang="ru-RU" altLang="ru-RU" dirty="0"/>
-              <a:t> могут быть:</a:t>
+                <a:spcPct val="130000"/>
+              </a:lnSpc>
+              <a:spcBef>
+                <a:spcPts val="0"/>
+              </a:spcBef>
+            </a:pPr>
+            <a:r>
+              <a:rPr lang="ru-RU" sz="2200" dirty="0"/>
+              <a:t>Потенциально, число допустимых признаков для временного ряда может быть достаточно большим. </a:t>
             </a:r>
           </a:p>
           <a:p>
             <a:pPr lvl="1">
               <a:lnSpc>
-                <a:spcPct val="120000"/>
-              </a:lnSpc>
-            </a:pPr>
-            <a:r>
-              <a:rPr lang="ru-RU" altLang="ru-RU" sz="2800" dirty="0" err="1">
-                <a:hlinkClick r:id="rId2"/>
-              </a:rPr>
-              <a:t>tsfresh</a:t>
-            </a:r>
-            <a:r>
-              <a:rPr lang="ru-RU" altLang="ru-RU" sz="2800" dirty="0"/>
-              <a:t>(</a:t>
-            </a:r>
-            <a:r>
-              <a:rPr lang="ru-RU" altLang="ru-RU" sz="2800" dirty="0">
-                <a:hlinkClick r:id="rId3"/>
-              </a:rPr>
-              <a:t>https://tsfresh.readthedocs.io/en/latest/</a:t>
-            </a:r>
-            <a:r>
-              <a:rPr lang="ru-RU" altLang="ru-RU" sz="2800" dirty="0"/>
-              <a:t>);</a:t>
-            </a:r>
-          </a:p>
-          <a:p>
-            <a:pPr lvl="1">
-              <a:lnSpc>
-                <a:spcPct val="120000"/>
-              </a:lnSpc>
-            </a:pPr>
-            <a:r>
-              <a:rPr lang="ru-RU" altLang="ru-RU" sz="2800" dirty="0" err="1">
-                <a:hlinkClick r:id="rId4"/>
-              </a:rPr>
-              <a:t>tsfel</a:t>
-            </a:r>
-            <a:r>
-              <a:rPr lang="ru-RU" altLang="ru-RU" sz="2800" dirty="0"/>
-              <a:t>(</a:t>
-            </a:r>
-            <a:r>
-              <a:rPr lang="ru-RU" altLang="ru-RU" sz="2800" dirty="0">
-                <a:hlinkClick r:id="rId5"/>
-              </a:rPr>
-              <a:t>https://tsfel.readthedocs.io/en/latest/</a:t>
-            </a:r>
-            <a:r>
-              <a:rPr lang="ru-RU" altLang="ru-RU" sz="2800" dirty="0"/>
-              <a:t>);</a:t>
-            </a:r>
-          </a:p>
-          <a:p>
-            <a:pPr lvl="1">
-              <a:lnSpc>
-                <a:spcPct val="120000"/>
-              </a:lnSpc>
-            </a:pPr>
-            <a:r>
-              <a:rPr lang="ru-RU" altLang="ru-RU" sz="2800" dirty="0">
-                <a:hlinkClick r:id="rId6"/>
-              </a:rPr>
-              <a:t>Catch22</a:t>
-            </a:r>
-            <a:r>
-              <a:rPr lang="ru-RU" altLang="ru-RU" sz="2800" dirty="0"/>
-              <a:t>(</a:t>
-            </a:r>
-            <a:r>
-              <a:rPr lang="ru-RU" altLang="ru-RU" sz="2800" dirty="0">
-                <a:hlinkClick r:id="rId7"/>
-              </a:rPr>
-              <a:t>https://github.com/DynamicsAndNeuralSystems/catch22/wiki</a:t>
-            </a:r>
-            <a:r>
-              <a:rPr lang="ru-RU" altLang="ru-RU" sz="2800" dirty="0"/>
-              <a:t>);</a:t>
-            </a:r>
-          </a:p>
-          <a:p>
-            <a:pPr lvl="1">
-              <a:lnSpc>
-                <a:spcPct val="120000"/>
-              </a:lnSpc>
-            </a:pPr>
-            <a:r>
-              <a:rPr lang="ru-RU" altLang="ru-RU" sz="2800" dirty="0"/>
-              <a:t>и многие другие.</a:t>
-            </a:r>
-          </a:p>
-          <a:p>
-            <a:pPr>
-              <a:lnSpc>
-                <a:spcPct val="120000"/>
-              </a:lnSpc>
-            </a:pPr>
-            <a:r>
-              <a:rPr lang="ru-RU" altLang="ru-RU" dirty="0"/>
-              <a:t>По результатам отбора признаков могут быть использованы как стандартные алгоритмы машинного обучения типа </a:t>
-            </a:r>
-            <a:r>
-              <a:rPr lang="en-US" altLang="ru-RU" b="1" dirty="0" err="1"/>
-              <a:t>XGBoost</a:t>
-            </a:r>
-            <a:r>
-              <a:rPr lang="en-US" altLang="ru-RU" b="1" dirty="0"/>
-              <a:t>, SVM, RF </a:t>
-            </a:r>
-            <a:r>
-              <a:rPr lang="ru-RU" altLang="ru-RU" dirty="0"/>
-              <a:t>и другие, так и специализированные.</a:t>
-            </a:r>
-          </a:p>
-          <a:p>
-            <a:pPr>
-              <a:lnSpc>
-                <a:spcPct val="120000"/>
-              </a:lnSpc>
-            </a:pPr>
-            <a:r>
-              <a:rPr lang="ru-RU" altLang="ru-RU" dirty="0"/>
-              <a:t>В большинстве случаев такие фреймворки предоставляют как возможности для выделения признаков, так и для их отбора.</a:t>
-            </a:r>
-          </a:p>
-          <a:p>
-            <a:pPr>
-              <a:lnSpc>
-                <a:spcPct val="120000"/>
-              </a:lnSpc>
-            </a:pPr>
-            <a:r>
-              <a:rPr lang="ru-RU" altLang="ru-RU" dirty="0"/>
-              <a:t>Ряд подобных фреймворков могут быть найдены в рамках единого </a:t>
-            </a:r>
-            <a:r>
-              <a:rPr lang="ru-RU" altLang="ru-RU" dirty="0" err="1"/>
-              <a:t>фреймворка</a:t>
-            </a:r>
-            <a:r>
-              <a:rPr lang="ru-RU" altLang="ru-RU" dirty="0"/>
-              <a:t> </a:t>
-            </a:r>
-            <a:r>
-              <a:rPr lang="ru-RU" altLang="ru-RU" dirty="0" err="1">
-                <a:hlinkClick r:id="rId8"/>
-              </a:rPr>
-              <a:t>sktime</a:t>
-            </a:r>
-            <a:r>
-              <a:rPr lang="ru-RU" altLang="ru-RU" dirty="0"/>
-              <a:t>(</a:t>
-            </a:r>
-            <a:r>
-              <a:rPr lang="ru-RU" altLang="ru-RU" dirty="0">
-                <a:hlinkClick r:id="rId9"/>
-              </a:rPr>
-              <a:t>https://www.sktime.org/en/stable/index.html</a:t>
-            </a:r>
-            <a:r>
-              <a:rPr lang="ru-RU" altLang="ru-RU" dirty="0"/>
-              <a:t>).</a:t>
-            </a:r>
-          </a:p>
-          <a:p>
-            <a:endParaRPr lang="ru-RU" dirty="0"/>
+                <a:spcPct val="130000"/>
+              </a:lnSpc>
+              <a:spcBef>
+                <a:spcPts val="0"/>
+              </a:spcBef>
+            </a:pPr>
+            <a:r>
+              <a:rPr lang="ru-RU" sz="2200" dirty="0"/>
+              <a:t>Как правило рекомендуется исследовать следует использовать или готовые схемы или известные методы отбора признаков.</a:t>
+            </a:r>
           </a:p>
         </p:txBody>
       </p:sp>
     </p:spTree>
     <p:extLst>
       <p:ext uri="{BB962C8B-B14F-4D97-AF65-F5344CB8AC3E}">
-        <p14:creationId xmlns:p14="http://schemas.microsoft.com/office/powerpoint/2010/main" val="2363796523"/>
+        <p14:creationId xmlns:p14="http://schemas.microsoft.com/office/powerpoint/2010/main" val="2957174901"/>
       </p:ext>
     </p:extLst>
   </p:cSld>
@@ -3769,20 +3622,19 @@
         </p:nvSpPr>
         <p:spPr>
           <a:xfrm>
-            <a:off x="799454" y="62909"/>
-            <a:ext cx="10515600" cy="541525"/>
+            <a:off x="838200" y="365125"/>
+            <a:ext cx="10515600" cy="831215"/>
           </a:xfrm>
         </p:spPr>
         <p:txBody>
-          <a:bodyPr>
-            <a:normAutofit fontScale="90000"/>
-          </a:bodyPr>
+          <a:bodyPr/>
           <a:lstStyle/>
           <a:p>
             <a:r>
-              <a:rPr lang="ru-RU" dirty="0"/>
+              <a:rPr lang="ru-RU" b="1" dirty="0"/>
               <a:t>Подход на основе признаков</a:t>
             </a:r>
+            <a:endParaRPr lang="ru-RU" dirty="0"/>
           </a:p>
         </p:txBody>
       </p:sp>
@@ -3798,171 +3650,238 @@
         </p:nvSpPr>
         <p:spPr>
           <a:xfrm>
-            <a:off x="286719" y="693875"/>
-            <a:ext cx="11524366" cy="5597495"/>
+            <a:off x="403860" y="1196340"/>
+            <a:ext cx="10949940" cy="5547359"/>
           </a:xfrm>
         </p:spPr>
         <p:txBody>
           <a:bodyPr>
-            <a:noAutofit/>
+            <a:normAutofit fontScale="70000" lnSpcReduction="20000"/>
           </a:bodyPr>
           <a:lstStyle/>
           <a:p>
             <a:pPr>
               <a:lnSpc>
-                <a:spcPct val="100000"/>
-              </a:lnSpc>
-            </a:pPr>
-            <a:r>
-              <a:rPr lang="ru-RU" sz="2200" b="1" dirty="0"/>
-              <a:t>Достоинствами</a:t>
-            </a:r>
-            <a:r>
-              <a:rPr lang="ru-RU" sz="2200" dirty="0"/>
-              <a:t> подхода на основе признаков являются: </a:t>
+                <a:spcPct val="120000"/>
+              </a:lnSpc>
+            </a:pPr>
+            <a:r>
+              <a:rPr lang="ru-RU" altLang="ru-RU" dirty="0"/>
+              <a:t>Рекомендуется начинать с наиболее интерпретируемых и понятных точечных признаков. </a:t>
             </a:r>
           </a:p>
           <a:p>
             <a:pPr lvl="1">
               <a:lnSpc>
-                <a:spcPct val="100000"/>
-              </a:lnSpc>
-            </a:pPr>
-            <a:r>
-              <a:rPr lang="ru-RU" sz="2200" dirty="0"/>
-              <a:t>создание классификатора с </a:t>
-            </a:r>
-            <a:r>
-              <a:rPr lang="ru-RU" sz="2200" b="1" dirty="0"/>
-              <a:t>минимальной избыточностью </a:t>
-            </a:r>
-            <a:r>
-              <a:rPr lang="ru-RU" sz="2200" dirty="0"/>
-              <a:t>и высокой обобщающей способностью. </a:t>
-            </a:r>
-          </a:p>
-          <a:p>
-            <a:pPr lvl="2">
-              <a:lnSpc>
-                <a:spcPct val="100000"/>
-              </a:lnSpc>
-            </a:pPr>
-            <a:r>
-              <a:rPr lang="ru-RU" sz="2200" dirty="0"/>
-              <a:t>Однако, следует понимать, что в ряде случаев формализация признаков и поиск подходящего признакового пространства может представлять отдельную, достаточно сложную задачу.</a:t>
+                <a:spcPct val="120000"/>
+              </a:lnSpc>
+            </a:pPr>
+            <a:r>
+              <a:rPr lang="ru-RU" altLang="ru-RU" sz="2800" dirty="0"/>
+              <a:t>То есть двигаться от простого к сложному. </a:t>
+            </a:r>
+          </a:p>
+          <a:p>
+            <a:pPr>
+              <a:lnSpc>
+                <a:spcPct val="120000"/>
+              </a:lnSpc>
+            </a:pPr>
+            <a:r>
+              <a:rPr lang="ru-RU" altLang="ru-RU" dirty="0"/>
+              <a:t>Во многих случаях для поиска лучшего признакового пространства существуют готовые </a:t>
+            </a:r>
+            <a:r>
+              <a:rPr lang="ru-RU" altLang="ru-RU" dirty="0" err="1"/>
+              <a:t>фреймворки</a:t>
+            </a:r>
+            <a:r>
+              <a:rPr lang="ru-RU" altLang="ru-RU" dirty="0"/>
+              <a:t>. Примерами таких для языка </a:t>
+            </a:r>
+            <a:r>
+              <a:rPr lang="ru-RU" altLang="ru-RU" dirty="0" err="1"/>
+              <a:t>Python</a:t>
+            </a:r>
+            <a:r>
+              <a:rPr lang="ru-RU" altLang="ru-RU" dirty="0"/>
+              <a:t> могут быть:</a:t>
             </a:r>
           </a:p>
           <a:p>
             <a:pPr lvl="1">
               <a:lnSpc>
-                <a:spcPct val="100000"/>
-              </a:lnSpc>
-            </a:pPr>
-            <a:r>
-              <a:rPr lang="ru-RU" sz="2200" dirty="0"/>
-              <a:t>В ряде случав, подход позволяет </a:t>
-            </a:r>
-            <a:r>
-              <a:rPr lang="ru-RU" sz="2200" b="1" dirty="0"/>
-              <a:t>решить задачу на основе интерпретируемых признаков</a:t>
-            </a:r>
-            <a:r>
-              <a:rPr lang="ru-RU" sz="2200" dirty="0"/>
-              <a:t>, что может быть предпочтительным.</a:t>
+                <a:spcPct val="120000"/>
+              </a:lnSpc>
+            </a:pPr>
+            <a:r>
+              <a:rPr lang="ru-RU" altLang="ru-RU" sz="2800" dirty="0" err="1">
+                <a:hlinkClick r:id="rId2"/>
+              </a:rPr>
+              <a:t>tsfresh</a:t>
+            </a:r>
+            <a:r>
+              <a:rPr lang="ru-RU" altLang="ru-RU" sz="2800" dirty="0"/>
+              <a:t>(</a:t>
+            </a:r>
+            <a:r>
+              <a:rPr lang="ru-RU" altLang="ru-RU" sz="2800" dirty="0">
+                <a:hlinkClick r:id="rId3"/>
+              </a:rPr>
+              <a:t>https://tsfresh.readthedocs.io/en/latest/</a:t>
+            </a:r>
+            <a:r>
+              <a:rPr lang="ru-RU" altLang="ru-RU" sz="2800" dirty="0"/>
+              <a:t>);</a:t>
             </a:r>
           </a:p>
           <a:p>
             <a:pPr lvl="1">
               <a:lnSpc>
-                <a:spcPct val="100000"/>
-              </a:lnSpc>
-            </a:pPr>
-            <a:r>
-              <a:rPr lang="ru-RU" sz="2200" b="1" dirty="0"/>
-              <a:t>Возможность хранения только признакового </a:t>
-            </a:r>
-            <a:r>
-              <a:rPr lang="ru-RU" sz="2200" dirty="0"/>
-              <a:t>пространства.</a:t>
-            </a:r>
-          </a:p>
-          <a:p>
-            <a:pPr lvl="2">
-              <a:lnSpc>
-                <a:spcPct val="100000"/>
-              </a:lnSpc>
-            </a:pPr>
-            <a:r>
-              <a:rPr lang="ru-RU" sz="1800" dirty="0"/>
-              <a:t>Иногда большая устойчивость к шумам</a:t>
+                <a:spcPct val="120000"/>
+              </a:lnSpc>
+            </a:pPr>
+            <a:r>
+              <a:rPr lang="ru-RU" altLang="ru-RU" sz="2800" dirty="0" err="1">
+                <a:hlinkClick r:id="rId4"/>
+              </a:rPr>
+              <a:t>tsfel</a:t>
+            </a:r>
+            <a:r>
+              <a:rPr lang="ru-RU" altLang="ru-RU" sz="2800" dirty="0"/>
+              <a:t>(</a:t>
+            </a:r>
+            <a:r>
+              <a:rPr lang="ru-RU" altLang="ru-RU" sz="2800" dirty="0">
+                <a:hlinkClick r:id="rId5"/>
+              </a:rPr>
+              <a:t>https://tsfel.readthedocs.io/en/latest/</a:t>
+            </a:r>
+            <a:r>
+              <a:rPr lang="ru-RU" altLang="ru-RU" sz="2800" dirty="0"/>
+              <a:t>);</a:t>
+            </a:r>
+          </a:p>
+          <a:p>
+            <a:pPr lvl="1">
+              <a:lnSpc>
+                <a:spcPct val="120000"/>
+              </a:lnSpc>
+            </a:pPr>
+            <a:r>
+              <a:rPr lang="ru-RU" altLang="ru-RU" sz="2800" dirty="0">
+                <a:hlinkClick r:id="rId6"/>
+              </a:rPr>
+              <a:t>Catch22</a:t>
+            </a:r>
+            <a:r>
+              <a:rPr lang="ru-RU" altLang="ru-RU" sz="2800" dirty="0"/>
+              <a:t>(</a:t>
+            </a:r>
+            <a:r>
+              <a:rPr lang="ru-RU" altLang="ru-RU" sz="2800" dirty="0">
+                <a:hlinkClick r:id="rId7"/>
+              </a:rPr>
+              <a:t>https://github.com/DynamicsAndNeuralSystems/catch22/wiki</a:t>
+            </a:r>
+            <a:r>
+              <a:rPr lang="ru-RU" altLang="ru-RU" sz="2800" dirty="0"/>
+              <a:t>);</a:t>
+            </a:r>
+          </a:p>
+          <a:p>
+            <a:pPr lvl="1">
+              <a:lnSpc>
+                <a:spcPct val="120000"/>
+              </a:lnSpc>
+            </a:pPr>
+            <a:r>
+              <a:rPr lang="ru-RU" altLang="ru-RU" sz="2800" dirty="0"/>
+              <a:t>и многие другие.</a:t>
             </a:r>
           </a:p>
           <a:p>
             <a:pPr>
               <a:lnSpc>
-                <a:spcPct val="100000"/>
-              </a:lnSpc>
-            </a:pPr>
-            <a:r>
-              <a:rPr lang="ru-RU" sz="2200" b="1" dirty="0"/>
-              <a:t>Однако</a:t>
-            </a:r>
-            <a:r>
-              <a:rPr lang="ru-RU" sz="2200" dirty="0"/>
-              <a:t>:</a:t>
-            </a:r>
-          </a:p>
-          <a:p>
-            <a:pPr lvl="1">
-              <a:lnSpc>
-                <a:spcPct val="100000"/>
-              </a:lnSpc>
-            </a:pPr>
-            <a:r>
-              <a:rPr lang="ru-RU" sz="2200" dirty="0"/>
-              <a:t>Признаки могут содержать не всю информацию.</a:t>
-            </a:r>
-          </a:p>
-          <a:p>
-            <a:pPr lvl="1">
-              <a:lnSpc>
-                <a:spcPct val="100000"/>
-              </a:lnSpc>
-            </a:pPr>
-            <a:r>
-              <a:rPr lang="ru-RU" sz="2200" dirty="0"/>
-              <a:t>Признаки не всегда удается выделить и сформулировать.</a:t>
-            </a:r>
-          </a:p>
-          <a:p>
-            <a:pPr lvl="1">
-              <a:lnSpc>
-                <a:spcPct val="100000"/>
-              </a:lnSpc>
-            </a:pPr>
-            <a:r>
-              <a:rPr lang="ru-RU" sz="2200" dirty="0"/>
-              <a:t>Выделение признаков может быть отдельной вычислительно-сложной задачей.</a:t>
-            </a:r>
-          </a:p>
-          <a:p>
-            <a:pPr lvl="1">
-              <a:lnSpc>
-                <a:spcPct val="100000"/>
-              </a:lnSpc>
-            </a:pPr>
-            <a:r>
-              <a:rPr lang="ru-RU" sz="2200" i="1" dirty="0"/>
-              <a:t>Для сложных рядов ручное выделение признаков может не работать – нужно глубокое обучение.</a:t>
-            </a:r>
-            <a:endParaRPr lang="ru-RU" sz="2200" dirty="0"/>
+                <a:spcPct val="120000"/>
+              </a:lnSpc>
+            </a:pPr>
+            <a:r>
+              <a:rPr lang="ru-RU" altLang="ru-RU" dirty="0"/>
+              <a:t>По результатам отбора признаков могут быть использованы как стандартные алгоритмы машинного обучения типа </a:t>
+            </a:r>
+            <a:r>
+              <a:rPr lang="en-US" altLang="ru-RU" b="1" dirty="0" err="1"/>
+              <a:t>XGBoost</a:t>
+            </a:r>
+            <a:r>
+              <a:rPr lang="en-US" altLang="ru-RU" b="1" dirty="0"/>
+              <a:t>, SVM, RF </a:t>
+            </a:r>
+            <a:r>
+              <a:rPr lang="ru-RU" altLang="ru-RU" dirty="0"/>
+              <a:t>и другие, так и специализированные.</a:t>
+            </a:r>
+          </a:p>
+          <a:p>
+            <a:pPr>
+              <a:lnSpc>
+                <a:spcPct val="120000"/>
+              </a:lnSpc>
+            </a:pPr>
+            <a:r>
+              <a:rPr lang="ru-RU" altLang="ru-RU" dirty="0"/>
+              <a:t>В большинстве случаев такие фреймворки предоставляют как возможности для выделения признаков, так и для их отбора.</a:t>
+            </a:r>
+          </a:p>
+          <a:p>
+            <a:pPr>
+              <a:lnSpc>
+                <a:spcPct val="120000"/>
+              </a:lnSpc>
+            </a:pPr>
+            <a:r>
+              <a:rPr lang="ru-RU" altLang="ru-RU" dirty="0"/>
+              <a:t>Ряд подобных фреймворков могут быть найдены в рамках единого </a:t>
+            </a:r>
+            <a:r>
+              <a:rPr lang="ru-RU" altLang="ru-RU" dirty="0" err="1"/>
+              <a:t>фреймворка</a:t>
+            </a:r>
+            <a:r>
+              <a:rPr lang="ru-RU" altLang="ru-RU" dirty="0"/>
+              <a:t> </a:t>
+            </a:r>
+            <a:r>
+              <a:rPr lang="ru-RU" altLang="ru-RU" dirty="0" err="1">
+                <a:hlinkClick r:id="rId8"/>
+              </a:rPr>
+              <a:t>sktime</a:t>
+            </a:r>
+            <a:r>
+              <a:rPr lang="ru-RU" altLang="ru-RU" dirty="0"/>
+              <a:t>(</a:t>
+            </a:r>
+            <a:r>
+              <a:rPr lang="ru-RU" altLang="ru-RU" dirty="0">
+                <a:hlinkClick r:id="rId9"/>
+              </a:rPr>
+              <a:t>https://www.sktime.org/en/stable/index.html</a:t>
+            </a:r>
+            <a:r>
+              <a:rPr lang="ru-RU" altLang="ru-RU" dirty="0"/>
+              <a:t>).</a:t>
+            </a:r>
+          </a:p>
+          <a:p>
+            <a:endParaRPr lang="ru-RU" dirty="0"/>
           </a:p>
         </p:txBody>
       </p:sp>
     </p:spTree>
     <p:extLst>
       <p:ext uri="{BB962C8B-B14F-4D97-AF65-F5344CB8AC3E}">
-        <p14:creationId xmlns:p14="http://schemas.microsoft.com/office/powerpoint/2010/main" val="3121788167"/>
+        <p14:creationId xmlns:p14="http://schemas.microsoft.com/office/powerpoint/2010/main" val="2363796523"/>
       </p:ext>
     </p:extLst>
   </p:cSld>
@@ -4008,16 +3927,18 @@
         </p:nvSpPr>
         <p:spPr>
           <a:xfrm>
-            <a:off x="838200" y="365126"/>
-            <a:ext cx="10515600" cy="762920"/>
+            <a:off x="799454" y="62909"/>
+            <a:ext cx="10515600" cy="541525"/>
           </a:xfrm>
         </p:spPr>
         <p:txBody>
-          <a:bodyPr/>
+          <a:bodyPr>
+            <a:normAutofit fontScale="90000"/>
+          </a:bodyPr>
           <a:lstStyle/>
           <a:p>
             <a:r>
-              <a:rPr lang="ru-RU" b="1" dirty="0"/>
+              <a:rPr lang="ru-RU" dirty="0"/>
               <a:t>Подход на основе признаков</a:t>
             </a:r>
           </a:p>
@@ -4035,8 +3956,8 @@
         </p:nvSpPr>
         <p:spPr>
           <a:xfrm>
-            <a:off x="504202" y="1042587"/>
-            <a:ext cx="11314632" cy="5597495"/>
+            <a:off x="286719" y="693875"/>
+            <a:ext cx="11524366" cy="5597495"/>
           </a:xfrm>
         </p:spPr>
         <p:txBody>
@@ -4045,6 +3966,21 @@
           </a:bodyPr>
           <a:lstStyle/>
           <a:p>
+            <a:pPr>
+              <a:lnSpc>
+                <a:spcPct val="100000"/>
+              </a:lnSpc>
+            </a:pPr>
+            <a:r>
+              <a:rPr lang="ru-RU" sz="2200" b="1" dirty="0"/>
+              <a:t>Достоинствами</a:t>
+            </a:r>
+            <a:r>
+              <a:rPr lang="ru-RU" sz="2200" dirty="0"/>
+              <a:t> подхода на основе признаков являются: </a:t>
+            </a:r>
+          </a:p>
+          <a:p>
             <a:pPr lvl="1">
               <a:lnSpc>
                 <a:spcPct val="100000"/>
@@ -4052,7 +3988,26 @@
             </a:pPr>
             <a:r>
               <a:rPr lang="ru-RU" sz="2200" dirty="0"/>
-              <a:t>Важно заметить, что ряд задач классификации временных рядов предполагает использования много-переменных рядов. </a:t>
+              <a:t>создание классификатора с </a:t>
+            </a:r>
+            <a:r>
+              <a:rPr lang="ru-RU" sz="2200" b="1" dirty="0"/>
+              <a:t>минимальной избыточностью </a:t>
+            </a:r>
+            <a:r>
+              <a:rPr lang="ru-RU" sz="2200" dirty="0"/>
+              <a:t>и высокой обобщающей способностью. </a:t>
+            </a:r>
+          </a:p>
+          <a:p>
+            <a:pPr lvl="2">
+              <a:lnSpc>
+                <a:spcPct val="100000"/>
+              </a:lnSpc>
+            </a:pPr>
+            <a:r>
+              <a:rPr lang="ru-RU" sz="2200" dirty="0"/>
+              <a:t>Однако, следует понимать, что в ряде случаев формализация признаков и поиск подходящего признакового пространства может представлять отдельную, достаточно сложную задачу.</a:t>
             </a:r>
           </a:p>
           <a:p>
@@ -4063,7 +4018,15 @@
             </a:pPr>
             <a:r>
               <a:rPr lang="ru-RU" sz="2200" dirty="0"/>
-              <a:t>То есть каждый сегмент временного ряда содержит несколько одномерных составляющих. </a:t>
+              <a:t>В ряде случав, подход позволяет </a:t>
+            </a:r>
+            <a:r>
+              <a:rPr lang="ru-RU" sz="2200" b="1" dirty="0"/>
+              <a:t>решить задачу на основе интерпретируемых признаков</a:t>
+            </a:r>
+            <a:r>
+              <a:rPr lang="ru-RU" sz="2200" dirty="0"/>
+              <a:t>, что может быть предпочтительным.</a:t>
             </a:r>
           </a:p>
           <a:p>
@@ -4073,8 +4036,12 @@
               </a:lnSpc>
             </a:pPr>
             <a:r>
+              <a:rPr lang="ru-RU" sz="2200" b="1" dirty="0"/>
+              <a:t>Возможность хранения только признакового </a:t>
+            </a:r>
+            <a:r>
               <a:rPr lang="ru-RU" sz="2200" dirty="0"/>
-              <a:t>В таких случаях могут быть несколько подходов к выделению признаков:</a:t>
+              <a:t>пространства.</a:t>
             </a:r>
           </a:p>
           <a:p>
@@ -4084,89 +4051,68 @@
               </a:lnSpc>
             </a:pPr>
             <a:r>
+              <a:rPr lang="ru-RU" sz="1800" dirty="0"/>
+              <a:t>Иногда большая устойчивость к шумам</a:t>
+            </a:r>
+          </a:p>
+          <a:p>
+            <a:pPr>
+              <a:lnSpc>
+                <a:spcPct val="100000"/>
+              </a:lnSpc>
+            </a:pPr>
+            <a:r>
               <a:rPr lang="ru-RU" sz="2200" b="1" dirty="0"/>
-              <a:t>объединение</a:t>
+              <a:t>Однако</a:t>
             </a:r>
             <a:r>
               <a:rPr lang="ru-RU" sz="2200" dirty="0"/>
-              <a:t> признаков нескольких составляющих </a:t>
-            </a:r>
-            <a:r>
-              <a:rPr lang="ru-RU" sz="2200" b="1" dirty="0"/>
-              <a:t>в один вектор</a:t>
-            </a:r>
+              <a:t>:</a:t>
+            </a:r>
+          </a:p>
+          <a:p>
+            <a:pPr lvl="1">
+              <a:lnSpc>
+                <a:spcPct val="100000"/>
+              </a:lnSpc>
+            </a:pPr>
             <a:r>
               <a:rPr lang="ru-RU" sz="2200" dirty="0"/>
-              <a:t>;</a:t>
-            </a:r>
-          </a:p>
-          <a:p>
-            <a:pPr lvl="2">
-              <a:lnSpc>
-                <a:spcPct val="100000"/>
-              </a:lnSpc>
-            </a:pPr>
-            <a:r>
-              <a:rPr lang="ru-RU" sz="2200" b="1" dirty="0" err="1"/>
-              <a:t>ансамблирование</a:t>
-            </a:r>
+              <a:t>Признаки могут содержать не всю информацию.</a:t>
+            </a:r>
+          </a:p>
+          <a:p>
+            <a:pPr lvl="1">
+              <a:lnSpc>
+                <a:spcPct val="100000"/>
+              </a:lnSpc>
+            </a:pPr>
             <a:r>
               <a:rPr lang="ru-RU" sz="2200" dirty="0"/>
-              <a:t> </a:t>
-            </a:r>
-            <a:r>
-              <a:rPr lang="ru-RU" sz="2200" b="1" dirty="0"/>
-              <a:t>результатов</a:t>
-            </a:r>
+              <a:t>Признаки не всегда удается выделить и сформулировать.</a:t>
+            </a:r>
+          </a:p>
+          <a:p>
+            <a:pPr lvl="1">
+              <a:lnSpc>
+                <a:spcPct val="100000"/>
+              </a:lnSpc>
+            </a:pPr>
             <a:r>
               <a:rPr lang="ru-RU" sz="2200" dirty="0"/>
-              <a:t> классификации по каждой составляющей;</a:t>
-            </a:r>
-          </a:p>
-          <a:p>
-            <a:pPr lvl="2">
-              <a:lnSpc>
-                <a:spcPct val="100000"/>
-              </a:lnSpc>
-            </a:pPr>
-            <a:r>
-              <a:rPr lang="ru-RU" sz="2200" b="1" dirty="0"/>
-              <a:t>использование специальных методов, </a:t>
-            </a:r>
-          </a:p>
-          <a:p>
-            <a:pPr lvl="3">
-              <a:lnSpc>
-                <a:spcPct val="100000"/>
-              </a:lnSpc>
-            </a:pPr>
-            <a:r>
-              <a:rPr lang="ru-RU" sz="2000" dirty="0"/>
-              <a:t>например типа многомерных </a:t>
-            </a:r>
-            <a:r>
-              <a:rPr lang="ru-RU" sz="2000" dirty="0" err="1"/>
-              <a:t>шейплеты</a:t>
-            </a:r>
-            <a:r>
-              <a:rPr lang="ru-RU" sz="2000" dirty="0"/>
-              <a:t>, многомерные авторегрессии, </a:t>
-            </a:r>
-            <a:r>
-              <a:rPr lang="en-US" sz="2000" dirty="0"/>
-              <a:t>PCA</a:t>
-            </a:r>
-            <a:r>
-              <a:rPr lang="ru-RU" sz="2000" dirty="0"/>
-              <a:t>.</a:t>
-            </a:r>
-          </a:p>
-          <a:p>
-            <a:pPr>
-              <a:lnSpc>
-                <a:spcPct val="100000"/>
-              </a:lnSpc>
-            </a:pPr>
+              <a:t>Выделение признаков может быть отдельной вычислительно-сложной задачей.</a:t>
+            </a:r>
+          </a:p>
+          <a:p>
+            <a:pPr lvl="1">
+              <a:lnSpc>
+                <a:spcPct val="100000"/>
+              </a:lnSpc>
+            </a:pPr>
+            <a:r>
+              <a:rPr lang="ru-RU" sz="2200" i="1" dirty="0"/>
+              <a:t>Для сложных рядов ручное выделение признаков может не работать – нужно глубокое обучение.</a:t>
+            </a:r>
             <a:endParaRPr lang="ru-RU" sz="2200" dirty="0"/>
           </a:p>
         </p:txBody>
@@ -4174,7 +4120,7 @@
     </p:spTree>
     <p:extLst>
       <p:ext uri="{BB962C8B-B14F-4D97-AF65-F5344CB8AC3E}">
-        <p14:creationId xmlns:p14="http://schemas.microsoft.com/office/powerpoint/2010/main" val="1344082998"/>
+        <p14:creationId xmlns:p14="http://schemas.microsoft.com/office/powerpoint/2010/main" val="3121788167"/>
       </p:ext>
     </p:extLst>
   </p:cSld>
@@ -4210,13 +4156,7 @@
       </p:grpSpPr>
       <p:sp>
         <p:nvSpPr>
-          <p:cNvPr id="2" name="Заголовок 1">
-            <a:extLst>
-              <a:ext uri="{FF2B5EF4-FFF2-40B4-BE49-F238E27FC236}">
-                <a16:creationId xmlns:a16="http://schemas.microsoft.com/office/drawing/2014/main" id="{5DBA10D1-E2DF-4CAB-A0B5-AD303DF5644B}"/>
-              </a:ext>
-            </a:extLst>
-          </p:cNvPr>
+          <p:cNvPr id="2" name="Заголовок 1"/>
           <p:cNvSpPr>
             <a:spLocks noGrp="1"/>
           </p:cNvSpPr>
@@ -4226,34 +4166,24 @@
         </p:nvSpPr>
         <p:spPr>
           <a:xfrm>
-            <a:off x="838200" y="365125"/>
-            <a:ext cx="10515600" cy="827181"/>
+            <a:off x="838200" y="365126"/>
+            <a:ext cx="10515600" cy="762920"/>
           </a:xfrm>
         </p:spPr>
         <p:txBody>
-          <a:bodyPr>
-            <a:normAutofit/>
-          </a:bodyPr>
+          <a:bodyPr/>
           <a:lstStyle/>
           <a:p>
-            <a:pPr algn="l" rtl="0"/>
             <a:r>
               <a:rPr lang="ru-RU" b="1" dirty="0"/>
-              <a:t>Предварительный анализ признаков</a:t>
-            </a:r>
-            <a:endParaRPr lang="en-US" b="1" dirty="0"/>
-          </a:p>
-        </p:txBody>
-      </p:sp>
-      <p:sp>
-        <p:nvSpPr>
-          <p:cNvPr id="3" name="Объект 2">
-            <a:extLst>
-              <a:ext uri="{FF2B5EF4-FFF2-40B4-BE49-F238E27FC236}">
-                <a16:creationId xmlns:a16="http://schemas.microsoft.com/office/drawing/2014/main" id="{19D767B6-15E9-44FE-83F3-68423D4C12D7}"/>
-              </a:ext>
-            </a:extLst>
-          </p:cNvPr>
+              <a:t>Подход на основе признаков</a:t>
+            </a:r>
+          </a:p>
+        </p:txBody>
+      </p:sp>
+      <p:sp>
+        <p:nvSpPr>
+          <p:cNvPr id="3" name="Объект 2"/>
           <p:cNvSpPr>
             <a:spLocks noGrp="1"/>
           </p:cNvSpPr>
@@ -4263,8 +4193,8 @@
         </p:nvSpPr>
         <p:spPr>
           <a:xfrm>
-            <a:off x="555812" y="1102406"/>
-            <a:ext cx="10797988" cy="5755594"/>
+            <a:off x="504202" y="1042587"/>
+            <a:ext cx="11314632" cy="5597495"/>
           </a:xfrm>
         </p:spPr>
         <p:txBody>
@@ -4273,171 +4203,121 @@
           </a:bodyPr>
           <a:lstStyle/>
           <a:p>
-            <a:pPr algn="l" rtl="0">
+            <a:pPr lvl="1">
+              <a:lnSpc>
+                <a:spcPct val="100000"/>
+              </a:lnSpc>
+            </a:pPr>
+            <a:r>
+              <a:rPr lang="ru-RU" sz="2200" dirty="0"/>
+              <a:t>Важно заметить, что ряд задач классификации временных рядов предполагает использования много-переменных рядов. </a:t>
+            </a:r>
+          </a:p>
+          <a:p>
+            <a:pPr lvl="1">
+              <a:lnSpc>
+                <a:spcPct val="100000"/>
+              </a:lnSpc>
+            </a:pPr>
+            <a:r>
+              <a:rPr lang="ru-RU" sz="2200" dirty="0"/>
+              <a:t>То есть каждый сегмент временного ряда содержит несколько одномерных составляющих. </a:t>
+            </a:r>
+          </a:p>
+          <a:p>
+            <a:pPr lvl="1">
+              <a:lnSpc>
+                <a:spcPct val="100000"/>
+              </a:lnSpc>
+            </a:pPr>
+            <a:r>
+              <a:rPr lang="ru-RU" sz="2200" dirty="0"/>
+              <a:t>В таких случаях могут быть несколько подходов к выделению признаков:</a:t>
+            </a:r>
+          </a:p>
+          <a:p>
+            <a:pPr lvl="2">
               <a:lnSpc>
                 <a:spcPct val="100000"/>
               </a:lnSpc>
             </a:pPr>
             <a:r>
               <a:rPr lang="ru-RU" sz="2200" b="1" dirty="0"/>
-              <a:t>Анализ и обработку признаков во временных рядах </a:t>
-            </a:r>
-            <a:r>
-              <a:rPr lang="en-US" sz="2200" dirty="0" err="1"/>
-              <a:t>можно</a:t>
-            </a:r>
-            <a:r>
-              <a:rPr lang="en-US" sz="2200" dirty="0"/>
-              <a:t> </a:t>
-            </a:r>
-            <a:r>
-              <a:rPr lang="en-US" sz="2200" dirty="0" err="1"/>
-              <a:t>определить</a:t>
-            </a:r>
-            <a:r>
-              <a:rPr lang="en-US" sz="2200" dirty="0"/>
-              <a:t> </a:t>
-            </a:r>
-            <a:r>
-              <a:rPr lang="en-US" sz="2200" dirty="0" err="1"/>
-              <a:t>как</a:t>
-            </a:r>
-            <a:r>
-              <a:rPr lang="en-US" sz="2200" dirty="0"/>
-              <a:t> </a:t>
-            </a:r>
-            <a:r>
-              <a:rPr lang="en-US" sz="2200" dirty="0" err="1"/>
-              <a:t>процесс</a:t>
-            </a:r>
-            <a:r>
-              <a:rPr lang="en-US" sz="2200" dirty="0"/>
-              <a:t> </a:t>
-            </a:r>
-            <a:r>
-              <a:rPr lang="en-US" sz="2200" dirty="0" err="1"/>
-              <a:t>выбора</a:t>
-            </a:r>
-            <a:r>
-              <a:rPr lang="en-US" sz="2200" dirty="0"/>
-              <a:t> и </a:t>
-            </a:r>
-            <a:r>
-              <a:rPr lang="en-US" sz="2200" dirty="0" err="1"/>
-              <a:t>предварительной</a:t>
-            </a:r>
-            <a:r>
-              <a:rPr lang="en-US" sz="2200" dirty="0"/>
-              <a:t> </a:t>
-            </a:r>
-            <a:r>
-              <a:rPr lang="en-US" sz="2200" dirty="0" err="1"/>
-              <a:t>обработки</a:t>
-            </a:r>
-            <a:r>
-              <a:rPr lang="en-US" sz="2200" dirty="0"/>
-              <a:t> </a:t>
-            </a:r>
-            <a:r>
-              <a:rPr lang="en-US" sz="2200" dirty="0" err="1"/>
-              <a:t>значимых</a:t>
-            </a:r>
-            <a:r>
-              <a:rPr lang="en-US" sz="2200" dirty="0"/>
-              <a:t> </a:t>
+              <a:t>объединение</a:t>
             </a:r>
             <a:r>
               <a:rPr lang="ru-RU" sz="2200" dirty="0"/>
-              <a:t>признаков</a:t>
-            </a:r>
-            <a:r>
-              <a:rPr lang="en-US" sz="2200" dirty="0"/>
-              <a:t> и </a:t>
-            </a:r>
-            <a:r>
-              <a:rPr lang="en-US" sz="2200" dirty="0" err="1"/>
-              <a:t>исключения</a:t>
-            </a:r>
-            <a:r>
-              <a:rPr lang="en-US" sz="2200" dirty="0"/>
-              <a:t> </a:t>
-            </a:r>
-            <a:r>
-              <a:rPr lang="en-US" sz="2200" dirty="0" err="1"/>
-              <a:t>из</a:t>
-            </a:r>
-            <a:r>
-              <a:rPr lang="en-US" sz="2200" dirty="0"/>
-              <a:t> </a:t>
-            </a:r>
-            <a:r>
-              <a:rPr lang="en-US" sz="2200" dirty="0" err="1"/>
-              <a:t>временных</a:t>
-            </a:r>
-            <a:r>
-              <a:rPr lang="en-US" sz="2200" dirty="0"/>
-              <a:t> </a:t>
-            </a:r>
-            <a:r>
-              <a:rPr lang="en-US" sz="2200" dirty="0" err="1"/>
-              <a:t>рядов</a:t>
-            </a:r>
-            <a:r>
-              <a:rPr lang="en-US" sz="2200" dirty="0"/>
-              <a:t> </a:t>
+              <a:t> признаков нескольких составляющих </a:t>
+            </a:r>
+            <a:r>
+              <a:rPr lang="ru-RU" sz="2200" b="1" dirty="0"/>
+              <a:t>в один вектор</a:t>
             </a:r>
             <a:r>
               <a:rPr lang="ru-RU" sz="2200" dirty="0"/>
-              <a:t>признаков</a:t>
-            </a:r>
-            <a:r>
-              <a:rPr lang="en-US" sz="2200" dirty="0"/>
-              <a:t>, </a:t>
-            </a:r>
-            <a:r>
-              <a:rPr lang="en-US" sz="2200" dirty="0" err="1"/>
-              <a:t>которые</a:t>
-            </a:r>
-            <a:r>
-              <a:rPr lang="en-US" sz="2200" dirty="0"/>
-              <a:t> </a:t>
-            </a:r>
-            <a:r>
-              <a:rPr lang="en-US" sz="2200" dirty="0" err="1"/>
-              <a:t>не</a:t>
-            </a:r>
-            <a:r>
-              <a:rPr lang="en-US" sz="2200" dirty="0"/>
-              <a:t> </a:t>
-            </a:r>
-            <a:r>
-              <a:rPr lang="en-US" sz="2200" dirty="0" err="1"/>
-              <a:t>имеют</a:t>
-            </a:r>
-            <a:r>
-              <a:rPr lang="en-US" sz="2200" dirty="0"/>
-              <a:t> </a:t>
-            </a:r>
-            <a:r>
-              <a:rPr lang="en-US" sz="2200" dirty="0" err="1"/>
-              <a:t>отношения</a:t>
-            </a:r>
-            <a:r>
-              <a:rPr lang="en-US" sz="2200" dirty="0"/>
-              <a:t> к </a:t>
-            </a:r>
-            <a:r>
-              <a:rPr lang="en-US" sz="2200" dirty="0" err="1"/>
-              <a:t>задаче</a:t>
-            </a:r>
-            <a:r>
-              <a:rPr lang="en-US" sz="2200" dirty="0"/>
-              <a:t>.</a:t>
+              <a:t>;</a:t>
+            </a:r>
+          </a:p>
+          <a:p>
+            <a:pPr lvl="2">
+              <a:lnSpc>
+                <a:spcPct val="100000"/>
+              </a:lnSpc>
+            </a:pPr>
+            <a:r>
+              <a:rPr lang="ru-RU" sz="2200" b="1" dirty="0" err="1"/>
+              <a:t>ансамблирование</a:t>
             </a:r>
             <a:r>
               <a:rPr lang="ru-RU" sz="2200" dirty="0"/>
               <a:t> </a:t>
             </a:r>
+            <a:r>
+              <a:rPr lang="ru-RU" sz="2200" b="1" dirty="0"/>
+              <a:t>результатов</a:t>
+            </a:r>
+            <a:r>
+              <a:rPr lang="ru-RU" sz="2200" dirty="0"/>
+              <a:t> классификации по каждой составляющей;</a:t>
+            </a:r>
+          </a:p>
+          <a:p>
+            <a:pPr lvl="2">
+              <a:lnSpc>
+                <a:spcPct val="100000"/>
+              </a:lnSpc>
+            </a:pPr>
+            <a:r>
+              <a:rPr lang="ru-RU" sz="2200" b="1" dirty="0"/>
+              <a:t>использование специальных методов, </a:t>
+            </a:r>
+          </a:p>
+          <a:p>
+            <a:pPr lvl="3">
+              <a:lnSpc>
+                <a:spcPct val="100000"/>
+              </a:lnSpc>
+            </a:pPr>
+            <a:r>
+              <a:rPr lang="ru-RU" sz="2000" dirty="0"/>
+              <a:t>например типа многомерных </a:t>
+            </a:r>
+            <a:r>
+              <a:rPr lang="ru-RU" sz="2000" dirty="0" err="1"/>
+              <a:t>шейплеты</a:t>
+            </a:r>
+            <a:r>
+              <a:rPr lang="ru-RU" sz="2000" dirty="0"/>
+              <a:t>, многомерные авторегрессии, </a:t>
+            </a:r>
+            <a:r>
+              <a:rPr lang="en-US" sz="2000" dirty="0"/>
+              <a:t>PCA</a:t>
+            </a:r>
+            <a:r>
+              <a:rPr lang="ru-RU" sz="2000" dirty="0"/>
+              <a:t>.</a:t>
+            </a:r>
           </a:p>
           <a:p>
             <a:pPr>
@@ -4445,208 +4325,14 @@
                 <a:spcPct val="100000"/>
               </a:lnSpc>
             </a:pPr>
-            <a:r>
-              <a:rPr lang="ru-RU" sz="2200" dirty="0"/>
-              <a:t>Анализ и обработка</a:t>
-            </a:r>
-            <a:r>
-              <a:rPr lang="en-US" sz="2200" dirty="0"/>
-              <a:t> </a:t>
-            </a:r>
-            <a:r>
-              <a:rPr lang="ru-RU" sz="2200" dirty="0"/>
-              <a:t>признаков</a:t>
-            </a:r>
-            <a:r>
-              <a:rPr lang="en-US" sz="2200" dirty="0"/>
-              <a:t> </a:t>
-            </a:r>
-            <a:r>
-              <a:rPr lang="en-US" sz="2200" dirty="0" err="1"/>
-              <a:t>облегча</a:t>
-            </a:r>
-            <a:r>
-              <a:rPr lang="ru-RU" sz="2200" dirty="0"/>
-              <a:t>ю</a:t>
-            </a:r>
-            <a:r>
-              <a:rPr lang="en-US" sz="2200" dirty="0"/>
-              <a:t>т </a:t>
-            </a:r>
-            <a:r>
-              <a:rPr lang="en-US" sz="2200" dirty="0" err="1"/>
-              <a:t>понимание</a:t>
-            </a:r>
-            <a:r>
-              <a:rPr lang="en-US" sz="2200" dirty="0"/>
-              <a:t> </a:t>
-            </a:r>
-            <a:r>
-              <a:rPr lang="en-US" sz="2200" dirty="0" err="1"/>
-              <a:t>данных</a:t>
-            </a:r>
-            <a:r>
-              <a:rPr lang="en-US" sz="2200" dirty="0"/>
-              <a:t>, </a:t>
-            </a:r>
             <a:endParaRPr lang="ru-RU" sz="2200" dirty="0"/>
-          </a:p>
-          <a:p>
-            <a:pPr lvl="1">
-              <a:lnSpc>
-                <a:spcPct val="100000"/>
-              </a:lnSpc>
-            </a:pPr>
-            <a:r>
-              <a:rPr lang="en-US" sz="2200" dirty="0" err="1"/>
-              <a:t>сокраща</a:t>
-            </a:r>
-            <a:r>
-              <a:rPr lang="ru-RU" sz="2200" dirty="0"/>
-              <a:t>ю</a:t>
-            </a:r>
-            <a:r>
-              <a:rPr lang="en-US" sz="2200" dirty="0"/>
-              <a:t>т </a:t>
-            </a:r>
-            <a:r>
-              <a:rPr lang="en-US" sz="2200" dirty="0" err="1"/>
-              <a:t>время</a:t>
-            </a:r>
-            <a:r>
-              <a:rPr lang="en-US" sz="2200" dirty="0"/>
-              <a:t> </a:t>
-            </a:r>
-            <a:r>
-              <a:rPr lang="en-US" sz="2200" dirty="0" err="1"/>
-              <a:t>вычислений</a:t>
-            </a:r>
-            <a:r>
-              <a:rPr lang="en-US" sz="2200" dirty="0"/>
-              <a:t> </a:t>
-            </a:r>
-            <a:endParaRPr lang="ru-RU" sz="2200" dirty="0"/>
-          </a:p>
-          <a:p>
-            <a:pPr lvl="1">
-              <a:lnSpc>
-                <a:spcPct val="100000"/>
-              </a:lnSpc>
-            </a:pPr>
-            <a:r>
-              <a:rPr lang="en-US" sz="2200" dirty="0" err="1"/>
-              <a:t>требования</a:t>
-            </a:r>
-            <a:r>
-              <a:rPr lang="en-US" sz="2200" dirty="0"/>
-              <a:t> к </a:t>
-            </a:r>
-            <a:r>
-              <a:rPr lang="en-US" sz="2200" dirty="0" err="1"/>
-              <a:t>хранению</a:t>
-            </a:r>
-            <a:r>
-              <a:rPr lang="en-US" sz="2200" dirty="0"/>
-              <a:t>, </a:t>
-            </a:r>
-            <a:r>
-              <a:rPr lang="en-US" sz="2200" dirty="0" err="1"/>
-              <a:t>так</a:t>
-            </a:r>
-            <a:r>
-              <a:rPr lang="en-US" sz="2200" dirty="0"/>
-              <a:t> </a:t>
-            </a:r>
-            <a:r>
-              <a:rPr lang="en-US" sz="2200" dirty="0" err="1"/>
-              <a:t>что</a:t>
-            </a:r>
-            <a:r>
-              <a:rPr lang="en-US" sz="2200" dirty="0"/>
-              <a:t> </a:t>
-            </a:r>
-            <a:r>
-              <a:rPr lang="en-US" sz="2200" dirty="0" err="1"/>
-              <a:t>изучение</a:t>
-            </a:r>
-            <a:r>
-              <a:rPr lang="en-US" sz="2200" dirty="0"/>
-              <a:t> </a:t>
-            </a:r>
-            <a:r>
-              <a:rPr lang="en-US" sz="2200" dirty="0" err="1"/>
-              <a:t>моделей</a:t>
-            </a:r>
-            <a:r>
-              <a:rPr lang="en-US" sz="2200" dirty="0"/>
-              <a:t> </a:t>
-            </a:r>
-            <a:r>
-              <a:rPr lang="en-US" sz="2200" dirty="0" err="1"/>
-              <a:t>становится</a:t>
-            </a:r>
-            <a:r>
-              <a:rPr lang="en-US" sz="2200" dirty="0"/>
-              <a:t> </a:t>
-            </a:r>
-            <a:r>
-              <a:rPr lang="en-US" sz="2200" dirty="0" err="1"/>
-              <a:t>более</a:t>
-            </a:r>
-            <a:r>
-              <a:rPr lang="en-US" sz="2200" dirty="0"/>
-              <a:t> </a:t>
-            </a:r>
-            <a:r>
-              <a:rPr lang="en-US" sz="2200" dirty="0" err="1"/>
-              <a:t>простым</a:t>
-            </a:r>
-            <a:r>
-              <a:rPr lang="en-US" sz="2200" dirty="0"/>
-              <a:t> </a:t>
-            </a:r>
-            <a:r>
-              <a:rPr lang="en-US" sz="2200" dirty="0" err="1"/>
-              <a:t>процессом</a:t>
-            </a:r>
-            <a:r>
-              <a:rPr lang="en-US" sz="2200" dirty="0"/>
-              <a:t>. </a:t>
-            </a:r>
-            <a:endParaRPr lang="ru-RU" sz="2200" dirty="0"/>
-          </a:p>
-          <a:p>
-            <a:pPr lvl="1">
-              <a:lnSpc>
-                <a:spcPct val="100000"/>
-              </a:lnSpc>
-            </a:pPr>
-            <a:r>
-              <a:rPr lang="ru-RU" sz="2200" dirty="0"/>
-              <a:t>Иногда позволяет повысить интерпретируемость модели.</a:t>
-            </a:r>
-          </a:p>
-          <a:p>
-            <a:pPr lvl="1">
-              <a:lnSpc>
-                <a:spcPct val="100000"/>
-              </a:lnSpc>
-            </a:pPr>
-            <a:r>
-              <a:rPr lang="ru-RU" sz="2200" dirty="0"/>
-              <a:t>Также в ряде случаев позволяет повысить точность</a:t>
-            </a:r>
-            <a:r>
-              <a:rPr lang="en-US" sz="2200" dirty="0"/>
-              <a:t>.</a:t>
-            </a:r>
           </a:p>
         </p:txBody>
       </p:sp>
     </p:spTree>
     <p:extLst>
       <p:ext uri="{BB962C8B-B14F-4D97-AF65-F5344CB8AC3E}">
-        <p14:creationId xmlns:p14="http://schemas.microsoft.com/office/powerpoint/2010/main" val="3304748332"/>
+        <p14:creationId xmlns:p14="http://schemas.microsoft.com/office/powerpoint/2010/main" val="1344082998"/>
       </p:ext>
     </p:extLst>
   </p:cSld>
@@ -4751,31 +4437,20 @@
               </a:lnSpc>
             </a:pPr>
             <a:r>
-              <a:rPr lang="ru-RU" sz="2200" dirty="0"/>
-              <a:t>Отбор признаков</a:t>
-            </a:r>
-          </a:p>
-          <a:p>
-            <a:pPr lvl="1" algn="just"/>
-            <a:r>
               <a:rPr lang="ru-RU" sz="2200" b="1" dirty="0"/>
-              <a:t>М</a:t>
-            </a:r>
-            <a:r>
-              <a:rPr lang="en-US" sz="2200" b="1" dirty="0" err="1"/>
-              <a:t>етоды</a:t>
+              <a:t>Анализ и обработку признаков во временных рядах </a:t>
+            </a:r>
+            <a:r>
+              <a:rPr lang="en-US" sz="2200" dirty="0" err="1"/>
+              <a:t>можно</a:t>
             </a:r>
             <a:r>
               <a:rPr lang="en-US" sz="2200" dirty="0"/>
               <a:t> </a:t>
             </a:r>
             <a:r>
-              <a:rPr lang="ru-RU" sz="2200" b="1" dirty="0"/>
-              <a:t>оборачивания</a:t>
-            </a:r>
-            <a:r>
-              <a:rPr lang="ru-RU" sz="2200" dirty="0"/>
-              <a:t> - используются</a:t>
+              <a:rPr lang="en-US" sz="2200" dirty="0" err="1"/>
+              <a:t>определить</a:t>
             </a:r>
             <a:r>
               <a:rPr lang="en-US" sz="2200" dirty="0"/>
@@ -4783,11 +4458,7 @@
             </a:r>
             <a:r>
               <a:rPr lang="en-US" sz="2200" dirty="0" err="1"/>
-              <a:t>предопределенны</a:t>
-            </a:r>
-            <a:r>
-              <a:rPr lang="ru-RU" sz="2200" dirty="0"/>
-              <a:t>е</a:t>
+              <a:t>как</a:t>
             </a:r>
             <a:r>
               <a:rPr lang="en-US" sz="2200" dirty="0"/>
@@ -4795,7 +4466,7 @@
             </a:r>
             <a:r>
               <a:rPr lang="en-US" sz="2200" dirty="0" err="1"/>
-              <a:t>алгоритм</a:t>
+              <a:t>процесс</a:t>
             </a:r>
             <a:r>
               <a:rPr lang="en-US" sz="2200" dirty="0"/>
@@ -4803,7 +4474,15 @@
             </a:r>
             <a:r>
               <a:rPr lang="en-US" sz="2200" dirty="0" err="1"/>
-              <a:t>обучения</a:t>
+              <a:t>выбора</a:t>
+            </a:r>
+            <a:r>
+              <a:rPr lang="en-US" sz="2200" dirty="0"/>
+              <a:t> и </a:t>
+            </a:r>
+            <a:r>
+              <a:rPr lang="en-US" sz="2200" dirty="0" err="1"/>
+              <a:t>предварительной</a:t>
             </a:r>
             <a:r>
               <a:rPr lang="en-US" sz="2200" dirty="0"/>
@@ -4811,7 +4490,7 @@
             </a:r>
             <a:r>
               <a:rPr lang="en-US" sz="2200" dirty="0" err="1"/>
-              <a:t>для</a:t>
+              <a:t>обработки</a:t>
             </a:r>
             <a:r>
               <a:rPr lang="en-US" sz="2200" dirty="0"/>
@@ -4819,15 +4498,23 @@
             </a:r>
             <a:r>
               <a:rPr lang="en-US" sz="2200" dirty="0" err="1"/>
-              <a:t>определения</a:t>
+              <a:t>значимых</a:t>
             </a:r>
             <a:r>
               <a:rPr lang="en-US" sz="2200" dirty="0"/>
               <a:t> </a:t>
             </a:r>
             <a:r>
+              <a:rPr lang="ru-RU" sz="2200" dirty="0"/>
+              <a:t>признаков</a:t>
+            </a:r>
+            <a:r>
+              <a:rPr lang="en-US" sz="2200" dirty="0"/>
+              <a:t> и </a:t>
+            </a:r>
+            <a:r>
               <a:rPr lang="en-US" sz="2200" dirty="0" err="1"/>
-              <a:t>качества</a:t>
+              <a:t>исключения</a:t>
             </a:r>
             <a:r>
               <a:rPr lang="en-US" sz="2200" dirty="0"/>
@@ -4835,35 +4522,39 @@
             </a:r>
             <a:r>
               <a:rPr lang="en-US" sz="2200" dirty="0" err="1"/>
-              <a:t>выбранных</a:t>
+              <a:t>из</a:t>
             </a:r>
             <a:r>
               <a:rPr lang="en-US" sz="2200" dirty="0"/>
               <a:t> </a:t>
             </a:r>
             <a:r>
+              <a:rPr lang="en-US" sz="2200" dirty="0" err="1"/>
+              <a:t>временных</a:t>
+            </a:r>
+            <a:r>
+              <a:rPr lang="en-US" sz="2200" dirty="0"/>
+              <a:t> </a:t>
+            </a:r>
+            <a:r>
+              <a:rPr lang="en-US" sz="2200" dirty="0" err="1"/>
+              <a:t>рядов</a:t>
+            </a:r>
+            <a:r>
+              <a:rPr lang="en-US" sz="2200" dirty="0"/>
+              <a:t> </a:t>
+            </a:r>
+            <a:r>
               <a:rPr lang="ru-RU" sz="2200" dirty="0"/>
               <a:t>признаков</a:t>
             </a:r>
             <a:r>
               <a:rPr lang="en-US" sz="2200" dirty="0"/>
-              <a:t> в </a:t>
+              <a:t>, </a:t>
             </a:r>
             <a:r>
               <a:rPr lang="en-US" sz="2200" dirty="0" err="1"/>
-              <a:t>соответствии</a:t>
-            </a:r>
-            <a:r>
-              <a:rPr lang="en-US" sz="2200" dirty="0"/>
-              <a:t> с </a:t>
-            </a:r>
-            <a:r>
-              <a:rPr lang="ru-RU" sz="2200" dirty="0"/>
-              <a:t>заданной </a:t>
-            </a:r>
-            <a:r>
-              <a:rPr lang="en-US" sz="2200" dirty="0" err="1"/>
-              <a:t>метрикой</a:t>
+              <a:t>которые</a:t>
             </a:r>
             <a:r>
               <a:rPr lang="en-US" sz="2200" dirty="0"/>
@@ -4871,63 +4562,58 @@
             </a:r>
             <a:r>
               <a:rPr lang="en-US" sz="2200" dirty="0" err="1"/>
-              <a:t>оценки</a:t>
+              <a:t>не</a:t>
+            </a:r>
+            <a:r>
+              <a:rPr lang="en-US" sz="2200" dirty="0"/>
+              <a:t> </a:t>
+            </a:r>
+            <a:r>
+              <a:rPr lang="en-US" sz="2200" dirty="0" err="1"/>
+              <a:t>имеют</a:t>
+            </a:r>
+            <a:r>
+              <a:rPr lang="en-US" sz="2200" dirty="0"/>
+              <a:t> </a:t>
+            </a:r>
+            <a:r>
+              <a:rPr lang="en-US" sz="2200" dirty="0" err="1"/>
+              <a:t>отношения</a:t>
+            </a:r>
+            <a:r>
+              <a:rPr lang="en-US" sz="2200" dirty="0"/>
+              <a:t> к </a:t>
+            </a:r>
+            <a:r>
+              <a:rPr lang="en-US" sz="2200" dirty="0" err="1"/>
+              <a:t>задаче</a:t>
             </a:r>
             <a:r>
               <a:rPr lang="en-US" sz="2200" dirty="0"/>
               <a:t>.</a:t>
             </a:r>
-            <a:endParaRPr lang="ru-RU" sz="2200" dirty="0"/>
-          </a:p>
-          <a:p>
-            <a:pPr lvl="2" algn="just"/>
             <a:r>
               <a:rPr lang="ru-RU" sz="2200" dirty="0"/>
-              <a:t>Например важность признаков для леса.</a:t>
-            </a:r>
-            <a:endParaRPr lang="en-US" sz="2200" dirty="0"/>
-          </a:p>
-          <a:p>
-            <a:pPr lvl="2" algn="just"/>
+              <a:t> </a:t>
+            </a:r>
+          </a:p>
+          <a:p>
+            <a:pPr>
+              <a:lnSpc>
+                <a:spcPct val="100000"/>
+              </a:lnSpc>
+            </a:pPr>
             <a:r>
               <a:rPr lang="ru-RU" sz="2200" dirty="0"/>
-              <a:t>Отбор комбинаций признаков.</a:t>
-            </a:r>
-            <a:endParaRPr lang="en-US" sz="2200" dirty="0"/>
-          </a:p>
-          <a:p>
-            <a:pPr lvl="1" algn="just"/>
-            <a:r>
-              <a:rPr lang="en-US" sz="2200" b="1" dirty="0" err="1"/>
-              <a:t>Методы</a:t>
-            </a:r>
-            <a:r>
-              <a:rPr lang="en-US" sz="2200" b="1" dirty="0"/>
-              <a:t> </a:t>
-            </a:r>
-            <a:r>
-              <a:rPr lang="en-US" sz="2200" b="1" dirty="0" err="1"/>
-              <a:t>фильтрации</a:t>
+              <a:t>Анализ и обработка</a:t>
             </a:r>
             <a:r>
               <a:rPr lang="en-US" sz="2200" dirty="0"/>
               <a:t> </a:t>
             </a:r>
             <a:r>
-              <a:rPr lang="ru-RU" sz="2200" b="1" dirty="0"/>
+              <a:rPr lang="ru-RU" sz="2200" dirty="0"/>
               <a:t>признаков</a:t>
-            </a:r>
-            <a:r>
-              <a:rPr lang="ru-RU" sz="2200" dirty="0"/>
-              <a:t> </a:t>
-            </a:r>
-            <a:r>
-              <a:rPr lang="en-US" sz="2200" dirty="0" err="1"/>
-              <a:t>применя</a:t>
-            </a:r>
-            <a:r>
-              <a:rPr lang="ru-RU" sz="2200" dirty="0" err="1"/>
-              <a:t>ются</a:t>
             </a:r>
             <a:r>
               <a:rPr lang="en-US" sz="2200" dirty="0"/>
@@ -4935,7 +4621,19 @@
             </a:r>
             <a:r>
               <a:rPr lang="en-US" sz="2200" dirty="0" err="1"/>
-              <a:t>статистические</a:t>
+              <a:t>облегча</a:t>
+            </a:r>
+            <a:r>
+              <a:rPr lang="ru-RU" sz="2200" dirty="0"/>
+              <a:t>ю</a:t>
+            </a:r>
+            <a:r>
+              <a:rPr lang="en-US" sz="2200" dirty="0"/>
+              <a:t>т </a:t>
+            </a:r>
+            <a:r>
+              <a:rPr lang="en-US" sz="2200" dirty="0" err="1"/>
+              <a:t>понимание</a:t>
             </a:r>
             <a:r>
               <a:rPr lang="en-US" sz="2200" dirty="0"/>
@@ -4943,7 +4641,35 @@
             </a:r>
             <a:r>
               <a:rPr lang="en-US" sz="2200" dirty="0" err="1"/>
-              <a:t>меры</a:t>
+              <a:t>данных</a:t>
+            </a:r>
+            <a:r>
+              <a:rPr lang="en-US" sz="2200" dirty="0"/>
+              <a:t>, </a:t>
+            </a:r>
+            <a:endParaRPr lang="ru-RU" sz="2200" dirty="0"/>
+          </a:p>
+          <a:p>
+            <a:pPr lvl="1">
+              <a:lnSpc>
+                <a:spcPct val="100000"/>
+              </a:lnSpc>
+            </a:pPr>
+            <a:r>
+              <a:rPr lang="en-US" sz="2200" dirty="0" err="1"/>
+              <a:t>сокраща</a:t>
+            </a:r>
+            <a:r>
+              <a:rPr lang="ru-RU" sz="2200" dirty="0"/>
+              <a:t>ю</a:t>
+            </a:r>
+            <a:r>
+              <a:rPr lang="en-US" sz="2200" dirty="0"/>
+              <a:t>т </a:t>
+            </a:r>
+            <a:r>
+              <a:rPr lang="en-US" sz="2200" dirty="0" err="1"/>
+              <a:t>время</a:t>
             </a:r>
             <a:r>
               <a:rPr lang="en-US" sz="2200" dirty="0"/>
@@ -4951,15 +4677,39 @@
             </a:r>
             <a:r>
               <a:rPr lang="en-US" sz="2200" dirty="0" err="1"/>
-              <a:t>для</a:t>
+              <a:t>вычислений</a:t>
             </a:r>
             <a:r>
               <a:rPr lang="en-US" sz="2200" dirty="0"/>
               <a:t> </a:t>
             </a:r>
+            <a:endParaRPr lang="ru-RU" sz="2200" dirty="0"/>
+          </a:p>
+          <a:p>
+            <a:pPr lvl="1">
+              <a:lnSpc>
+                <a:spcPct val="100000"/>
+              </a:lnSpc>
+            </a:pPr>
             <a:r>
               <a:rPr lang="en-US" sz="2200" dirty="0" err="1"/>
-              <a:t>оценки</a:t>
+              <a:t>требования</a:t>
+            </a:r>
+            <a:r>
+              <a:rPr lang="en-US" sz="2200" dirty="0"/>
+              <a:t> к </a:t>
+            </a:r>
+            <a:r>
+              <a:rPr lang="en-US" sz="2200" dirty="0" err="1"/>
+              <a:t>хранению</a:t>
+            </a:r>
+            <a:r>
+              <a:rPr lang="en-US" sz="2200" dirty="0"/>
+              <a:t>, </a:t>
+            </a:r>
+            <a:r>
+              <a:rPr lang="en-US" sz="2200" dirty="0" err="1"/>
+              <a:t>так</a:t>
             </a:r>
             <a:r>
               <a:rPr lang="en-US" sz="2200" dirty="0"/>
@@ -4967,138 +4717,94 @@
             </a:r>
             <a:r>
               <a:rPr lang="en-US" sz="2200" dirty="0" err="1"/>
-              <a:t>набора</a:t>
+              <a:t>что</a:t>
             </a:r>
             <a:r>
               <a:rPr lang="en-US" sz="2200" dirty="0"/>
               <a:t> </a:t>
             </a:r>
             <a:r>
+              <a:rPr lang="en-US" sz="2200" dirty="0" err="1"/>
+              <a:t>изучение</a:t>
+            </a:r>
+            <a:r>
+              <a:rPr lang="en-US" sz="2200" dirty="0"/>
+              <a:t> </a:t>
+            </a:r>
+            <a:r>
+              <a:rPr lang="en-US" sz="2200" dirty="0" err="1"/>
+              <a:t>моделей</a:t>
+            </a:r>
+            <a:r>
+              <a:rPr lang="en-US" sz="2200" dirty="0"/>
+              <a:t> </a:t>
+            </a:r>
+            <a:r>
+              <a:rPr lang="en-US" sz="2200" dirty="0" err="1"/>
+              <a:t>становится</a:t>
+            </a:r>
+            <a:r>
+              <a:rPr lang="en-US" sz="2200" dirty="0"/>
+              <a:t> </a:t>
+            </a:r>
+            <a:r>
+              <a:rPr lang="en-US" sz="2200" dirty="0" err="1"/>
+              <a:t>более</a:t>
+            </a:r>
+            <a:r>
+              <a:rPr lang="en-US" sz="2200" dirty="0"/>
+              <a:t> </a:t>
+            </a:r>
+            <a:r>
+              <a:rPr lang="en-US" sz="2200" dirty="0" err="1"/>
+              <a:t>простым</a:t>
+            </a:r>
+            <a:r>
+              <a:rPr lang="en-US" sz="2200" dirty="0"/>
+              <a:t> </a:t>
+            </a:r>
+            <a:r>
+              <a:rPr lang="en-US" sz="2200" dirty="0" err="1"/>
+              <a:t>процессом</a:t>
+            </a:r>
+            <a:r>
+              <a:rPr lang="en-US" sz="2200" dirty="0"/>
+              <a:t>. </a:t>
+            </a:r>
+            <a:endParaRPr lang="ru-RU" sz="2200" dirty="0"/>
+          </a:p>
+          <a:p>
+            <a:pPr lvl="1">
+              <a:lnSpc>
+                <a:spcPct val="100000"/>
+              </a:lnSpc>
+            </a:pPr>
+            <a:r>
               <a:rPr lang="ru-RU" sz="2200" dirty="0"/>
-              <a:t>признаков</a:t>
+              <a:t>Иногда позволяет повысить интерпретируемость модели.</a:t>
+            </a:r>
+          </a:p>
+          <a:p>
+            <a:pPr lvl="1">
+              <a:lnSpc>
+                <a:spcPct val="100000"/>
+              </a:lnSpc>
+            </a:pPr>
+            <a:r>
+              <a:rPr lang="ru-RU" sz="2200" dirty="0"/>
+              <a:t>Также в ряде случаев позволяет повысить точность</a:t>
             </a:r>
             <a:r>
               <a:rPr lang="en-US" sz="2200" dirty="0"/>
               <a:t>.</a:t>
             </a:r>
-            <a:endParaRPr lang="ru-RU" sz="2200" dirty="0"/>
-          </a:p>
-          <a:p>
-            <a:pPr lvl="2" algn="just"/>
-            <a:r>
-              <a:rPr lang="ru-RU" sz="2200" dirty="0"/>
-              <a:t>Например корреляция признаков </a:t>
-            </a:r>
-          </a:p>
-          <a:p>
-            <a:pPr lvl="2" algn="just"/>
-            <a:r>
-              <a:rPr lang="ru-RU" sz="2200" dirty="0"/>
-              <a:t>Или </a:t>
-            </a:r>
-            <a:r>
-              <a:rPr lang="en-US" sz="2200" dirty="0"/>
-              <a:t>ANOVA</a:t>
-            </a:r>
-          </a:p>
-          <a:p>
-            <a:pPr lvl="1" algn="just"/>
-            <a:r>
-              <a:rPr lang="ru-RU" sz="2200" b="1" dirty="0"/>
-              <a:t>В</a:t>
-            </a:r>
-            <a:r>
-              <a:rPr lang="en-US" sz="2200" b="1" dirty="0" err="1"/>
-              <a:t>стр</a:t>
-            </a:r>
-            <a:r>
-              <a:rPr lang="ru-RU" sz="2200" b="1" dirty="0" err="1"/>
-              <a:t>аевымые</a:t>
-            </a:r>
-            <a:r>
-              <a:rPr lang="en-US" sz="2200" b="1" dirty="0"/>
-              <a:t> </a:t>
-            </a:r>
-            <a:r>
-              <a:rPr lang="en-US" sz="2200" b="1" dirty="0" err="1"/>
-              <a:t>методы</a:t>
-            </a:r>
-            <a:r>
-              <a:rPr lang="en-US" sz="2200" dirty="0"/>
-              <a:t> </a:t>
-            </a:r>
-            <a:r>
-              <a:rPr lang="en-US" sz="2200" dirty="0" err="1"/>
-              <a:t>одновременная</a:t>
-            </a:r>
-            <a:r>
-              <a:rPr lang="en-US" sz="2200" dirty="0"/>
-              <a:t> </a:t>
-            </a:r>
-            <a:r>
-              <a:rPr lang="en-US" sz="2200" dirty="0" err="1"/>
-              <a:t>подгонка</a:t>
-            </a:r>
-            <a:r>
-              <a:rPr lang="en-US" sz="2200" dirty="0"/>
-              <a:t> </a:t>
-            </a:r>
-            <a:r>
-              <a:rPr lang="en-US" sz="2200" dirty="0" err="1"/>
-              <a:t>модели</a:t>
-            </a:r>
-            <a:r>
-              <a:rPr lang="en-US" sz="2200" dirty="0"/>
-              <a:t> и </a:t>
-            </a:r>
-            <a:r>
-              <a:rPr lang="en-US" sz="2200" dirty="0" err="1"/>
-              <a:t>выбор</a:t>
-            </a:r>
-            <a:r>
-              <a:rPr lang="en-US" sz="2200" dirty="0"/>
-              <a:t> </a:t>
-            </a:r>
-            <a:r>
-              <a:rPr lang="ru-RU" sz="2200" dirty="0"/>
-              <a:t>признаков</a:t>
-            </a:r>
-            <a:r>
-              <a:rPr lang="en-US" sz="2200" dirty="0"/>
-              <a:t>.</a:t>
-            </a:r>
-            <a:endParaRPr lang="ru-RU" sz="2200" dirty="0"/>
-          </a:p>
-          <a:p>
-            <a:pPr lvl="2" algn="just"/>
-            <a:r>
-              <a:rPr lang="ru-RU" sz="2200" dirty="0"/>
-              <a:t>Например </a:t>
-            </a:r>
-            <a:r>
-              <a:rPr lang="en-US" sz="2200" dirty="0"/>
-              <a:t>L1 </a:t>
-            </a:r>
-            <a:r>
-              <a:rPr lang="ru-RU" sz="2200" dirty="0"/>
-              <a:t>регуляризация.</a:t>
-            </a:r>
-            <a:endParaRPr lang="en-US" sz="2200" dirty="0"/>
-          </a:p>
-          <a:p>
-            <a:pPr algn="l" rtl="0">
-              <a:lnSpc>
-                <a:spcPct val="100000"/>
-              </a:lnSpc>
-            </a:pPr>
-            <a:endParaRPr lang="ru-RU" sz="2200" dirty="0"/>
           </a:p>
         </p:txBody>
       </p:sp>
     </p:spTree>
     <p:extLst>
       <p:ext uri="{BB962C8B-B14F-4D97-AF65-F5344CB8AC3E}">
-        <p14:creationId xmlns:p14="http://schemas.microsoft.com/office/powerpoint/2010/main" val="444613694"/>
+        <p14:creationId xmlns:p14="http://schemas.microsoft.com/office/powerpoint/2010/main" val="3304748332"/>
       </p:ext>
     </p:extLst>
   </p:cSld>
@@ -5134,6 +4840,458 @@
       </p:grpSpPr>
       <p:sp>
         <p:nvSpPr>
+          <p:cNvPr id="2" name="Заголовок 1">
+            <a:extLst>
+              <a:ext uri="{FF2B5EF4-FFF2-40B4-BE49-F238E27FC236}">
+                <a16:creationId xmlns:a16="http://schemas.microsoft.com/office/drawing/2014/main" id="{5DBA10D1-E2DF-4CAB-A0B5-AD303DF5644B}"/>
+              </a:ext>
+            </a:extLst>
+          </p:cNvPr>
+          <p:cNvSpPr>
+            <a:spLocks noGrp="1"/>
+          </p:cNvSpPr>
+          <p:nvPr>
+            <p:ph type="title"/>
+          </p:nvPr>
+        </p:nvSpPr>
+        <p:spPr>
+          <a:xfrm>
+            <a:off x="838200" y="365125"/>
+            <a:ext cx="10515600" cy="827181"/>
+          </a:xfrm>
+        </p:spPr>
+        <p:txBody>
+          <a:bodyPr>
+            <a:normAutofit/>
+          </a:bodyPr>
+          <a:lstStyle/>
+          <a:p>
+            <a:pPr algn="l" rtl="0"/>
+            <a:r>
+              <a:rPr lang="ru-RU" b="1" dirty="0"/>
+              <a:t>Предварительный анализ признаков</a:t>
+            </a:r>
+            <a:endParaRPr lang="en-US" b="1" dirty="0"/>
+          </a:p>
+        </p:txBody>
+      </p:sp>
+      <p:sp>
+        <p:nvSpPr>
+          <p:cNvPr id="3" name="Объект 2">
+            <a:extLst>
+              <a:ext uri="{FF2B5EF4-FFF2-40B4-BE49-F238E27FC236}">
+                <a16:creationId xmlns:a16="http://schemas.microsoft.com/office/drawing/2014/main" id="{19D767B6-15E9-44FE-83F3-68423D4C12D7}"/>
+              </a:ext>
+            </a:extLst>
+          </p:cNvPr>
+          <p:cNvSpPr>
+            <a:spLocks noGrp="1"/>
+          </p:cNvSpPr>
+          <p:nvPr>
+            <p:ph idx="1"/>
+          </p:nvPr>
+        </p:nvSpPr>
+        <p:spPr>
+          <a:xfrm>
+            <a:off x="555812" y="1102406"/>
+            <a:ext cx="10797988" cy="5755594"/>
+          </a:xfrm>
+        </p:spPr>
+        <p:txBody>
+          <a:bodyPr>
+            <a:noAutofit/>
+          </a:bodyPr>
+          <a:lstStyle/>
+          <a:p>
+            <a:pPr algn="l" rtl="0">
+              <a:lnSpc>
+                <a:spcPct val="100000"/>
+              </a:lnSpc>
+            </a:pPr>
+            <a:r>
+              <a:rPr lang="ru-RU" sz="2200" dirty="0"/>
+              <a:t>Отбор признаков</a:t>
+            </a:r>
+          </a:p>
+          <a:p>
+            <a:pPr lvl="1" algn="just"/>
+            <a:r>
+              <a:rPr lang="ru-RU" sz="2200" b="1" dirty="0"/>
+              <a:t>М</a:t>
+            </a:r>
+            <a:r>
+              <a:rPr lang="en-US" sz="2200" b="1" dirty="0" err="1"/>
+              <a:t>етоды</a:t>
+            </a:r>
+            <a:r>
+              <a:rPr lang="en-US" sz="2200" dirty="0"/>
+              <a:t> </a:t>
+            </a:r>
+            <a:r>
+              <a:rPr lang="ru-RU" sz="2200" b="1" dirty="0"/>
+              <a:t>оборачивания</a:t>
+            </a:r>
+            <a:r>
+              <a:rPr lang="ru-RU" sz="2200" dirty="0"/>
+              <a:t> - используются</a:t>
+            </a:r>
+            <a:r>
+              <a:rPr lang="en-US" sz="2200" dirty="0"/>
+              <a:t> </a:t>
+            </a:r>
+            <a:r>
+              <a:rPr lang="en-US" sz="2200" dirty="0" err="1"/>
+              <a:t>предопределенны</a:t>
+            </a:r>
+            <a:r>
+              <a:rPr lang="ru-RU" sz="2200" dirty="0"/>
+              <a:t>е</a:t>
+            </a:r>
+            <a:r>
+              <a:rPr lang="en-US" sz="2200" dirty="0"/>
+              <a:t> </a:t>
+            </a:r>
+            <a:r>
+              <a:rPr lang="en-US" sz="2200" dirty="0" err="1"/>
+              <a:t>алгоритм</a:t>
+            </a:r>
+            <a:r>
+              <a:rPr lang="en-US" sz="2200" dirty="0"/>
+              <a:t> </a:t>
+            </a:r>
+            <a:r>
+              <a:rPr lang="en-US" sz="2200" dirty="0" err="1"/>
+              <a:t>обучения</a:t>
+            </a:r>
+            <a:r>
+              <a:rPr lang="en-US" sz="2200" dirty="0"/>
+              <a:t> </a:t>
+            </a:r>
+            <a:r>
+              <a:rPr lang="en-US" sz="2200" dirty="0" err="1"/>
+              <a:t>для</a:t>
+            </a:r>
+            <a:r>
+              <a:rPr lang="en-US" sz="2200" dirty="0"/>
+              <a:t> </a:t>
+            </a:r>
+            <a:r>
+              <a:rPr lang="en-US" sz="2200" dirty="0" err="1"/>
+              <a:t>определения</a:t>
+            </a:r>
+            <a:r>
+              <a:rPr lang="en-US" sz="2200" dirty="0"/>
+              <a:t> </a:t>
+            </a:r>
+            <a:r>
+              <a:rPr lang="en-US" sz="2200" dirty="0" err="1"/>
+              <a:t>качества</a:t>
+            </a:r>
+            <a:r>
+              <a:rPr lang="en-US" sz="2200" dirty="0"/>
+              <a:t> </a:t>
+            </a:r>
+            <a:r>
+              <a:rPr lang="en-US" sz="2200" dirty="0" err="1"/>
+              <a:t>выбранных</a:t>
+            </a:r>
+            <a:r>
+              <a:rPr lang="en-US" sz="2200" dirty="0"/>
+              <a:t> </a:t>
+            </a:r>
+            <a:r>
+              <a:rPr lang="ru-RU" sz="2200" dirty="0"/>
+              <a:t>признаков</a:t>
+            </a:r>
+            <a:r>
+              <a:rPr lang="en-US" sz="2200" dirty="0"/>
+              <a:t> в </a:t>
+            </a:r>
+            <a:r>
+              <a:rPr lang="en-US" sz="2200" dirty="0" err="1"/>
+              <a:t>соответствии</a:t>
+            </a:r>
+            <a:r>
+              <a:rPr lang="en-US" sz="2200" dirty="0"/>
+              <a:t> с </a:t>
+            </a:r>
+            <a:r>
+              <a:rPr lang="ru-RU" sz="2200" dirty="0"/>
+              <a:t>заданной </a:t>
+            </a:r>
+            <a:r>
+              <a:rPr lang="en-US" sz="2200" dirty="0" err="1"/>
+              <a:t>метрикой</a:t>
+            </a:r>
+            <a:r>
+              <a:rPr lang="en-US" sz="2200" dirty="0"/>
+              <a:t> </a:t>
+            </a:r>
+            <a:r>
+              <a:rPr lang="en-US" sz="2200" dirty="0" err="1"/>
+              <a:t>оценки</a:t>
+            </a:r>
+            <a:r>
+              <a:rPr lang="en-US" sz="2200" dirty="0"/>
+              <a:t>.</a:t>
+            </a:r>
+            <a:endParaRPr lang="ru-RU" sz="2200" dirty="0"/>
+          </a:p>
+          <a:p>
+            <a:pPr lvl="2" algn="just"/>
+            <a:r>
+              <a:rPr lang="ru-RU" sz="2200" dirty="0"/>
+              <a:t>Например важность признаков для леса.</a:t>
+            </a:r>
+            <a:endParaRPr lang="en-US" sz="2200" dirty="0"/>
+          </a:p>
+          <a:p>
+            <a:pPr lvl="2" algn="just"/>
+            <a:r>
+              <a:rPr lang="ru-RU" sz="2200" dirty="0"/>
+              <a:t>Отбор комбинаций признаков.</a:t>
+            </a:r>
+            <a:endParaRPr lang="en-US" sz="2200" dirty="0"/>
+          </a:p>
+          <a:p>
+            <a:pPr lvl="1" algn="just"/>
+            <a:r>
+              <a:rPr lang="en-US" sz="2200" b="1" dirty="0" err="1"/>
+              <a:t>Методы</a:t>
+            </a:r>
+            <a:r>
+              <a:rPr lang="en-US" sz="2200" b="1" dirty="0"/>
+              <a:t> </a:t>
+            </a:r>
+            <a:r>
+              <a:rPr lang="en-US" sz="2200" b="1" dirty="0" err="1"/>
+              <a:t>фильтрации</a:t>
+            </a:r>
+            <a:r>
+              <a:rPr lang="en-US" sz="2200" dirty="0"/>
+              <a:t> </a:t>
+            </a:r>
+            <a:r>
+              <a:rPr lang="ru-RU" sz="2200" b="1" dirty="0"/>
+              <a:t>признаков</a:t>
+            </a:r>
+            <a:r>
+              <a:rPr lang="ru-RU" sz="2200" dirty="0"/>
+              <a:t> </a:t>
+            </a:r>
+            <a:r>
+              <a:rPr lang="en-US" sz="2200" dirty="0" err="1"/>
+              <a:t>применя</a:t>
+            </a:r>
+            <a:r>
+              <a:rPr lang="ru-RU" sz="2200" dirty="0" err="1"/>
+              <a:t>ются</a:t>
+            </a:r>
+            <a:r>
+              <a:rPr lang="en-US" sz="2200" dirty="0"/>
+              <a:t> </a:t>
+            </a:r>
+            <a:r>
+              <a:rPr lang="en-US" sz="2200" dirty="0" err="1"/>
+              <a:t>статистические</a:t>
+            </a:r>
+            <a:r>
+              <a:rPr lang="en-US" sz="2200" dirty="0"/>
+              <a:t> </a:t>
+            </a:r>
+            <a:r>
+              <a:rPr lang="en-US" sz="2200" dirty="0" err="1"/>
+              <a:t>меры</a:t>
+            </a:r>
+            <a:r>
+              <a:rPr lang="en-US" sz="2200" dirty="0"/>
+              <a:t> </a:t>
+            </a:r>
+            <a:r>
+              <a:rPr lang="en-US" sz="2200" dirty="0" err="1"/>
+              <a:t>для</a:t>
+            </a:r>
+            <a:r>
+              <a:rPr lang="en-US" sz="2200" dirty="0"/>
+              <a:t> </a:t>
+            </a:r>
+            <a:r>
+              <a:rPr lang="en-US" sz="2200" dirty="0" err="1"/>
+              <a:t>оценки</a:t>
+            </a:r>
+            <a:r>
+              <a:rPr lang="en-US" sz="2200" dirty="0"/>
+              <a:t> </a:t>
+            </a:r>
+            <a:r>
+              <a:rPr lang="en-US" sz="2200" dirty="0" err="1"/>
+              <a:t>набора</a:t>
+            </a:r>
+            <a:r>
+              <a:rPr lang="en-US" sz="2200" dirty="0"/>
+              <a:t> </a:t>
+            </a:r>
+            <a:r>
+              <a:rPr lang="ru-RU" sz="2200" dirty="0"/>
+              <a:t>признаков</a:t>
+            </a:r>
+            <a:r>
+              <a:rPr lang="en-US" sz="2200" dirty="0"/>
+              <a:t>.</a:t>
+            </a:r>
+            <a:endParaRPr lang="ru-RU" sz="2200" dirty="0"/>
+          </a:p>
+          <a:p>
+            <a:pPr lvl="2" algn="just"/>
+            <a:r>
+              <a:rPr lang="ru-RU" sz="2200" dirty="0"/>
+              <a:t>Например корреляция признаков </a:t>
+            </a:r>
+          </a:p>
+          <a:p>
+            <a:pPr lvl="2" algn="just"/>
+            <a:r>
+              <a:rPr lang="ru-RU" sz="2200" dirty="0"/>
+              <a:t>Или </a:t>
+            </a:r>
+            <a:r>
+              <a:rPr lang="en-US" sz="2200" dirty="0"/>
+              <a:t>ANOVA</a:t>
+            </a:r>
+          </a:p>
+          <a:p>
+            <a:pPr lvl="1" algn="just"/>
+            <a:r>
+              <a:rPr lang="ru-RU" sz="2200" b="1" dirty="0"/>
+              <a:t>В</a:t>
+            </a:r>
+            <a:r>
+              <a:rPr lang="en-US" sz="2200" b="1" dirty="0" err="1"/>
+              <a:t>стр</a:t>
+            </a:r>
+            <a:r>
+              <a:rPr lang="ru-RU" sz="2200" b="1" dirty="0" err="1"/>
+              <a:t>аевымые</a:t>
+            </a:r>
+            <a:r>
+              <a:rPr lang="en-US" sz="2200" b="1" dirty="0"/>
+              <a:t> </a:t>
+            </a:r>
+            <a:r>
+              <a:rPr lang="en-US" sz="2200" b="1" dirty="0" err="1"/>
+              <a:t>методы</a:t>
+            </a:r>
+            <a:r>
+              <a:rPr lang="en-US" sz="2200" dirty="0"/>
+              <a:t> </a:t>
+            </a:r>
+            <a:r>
+              <a:rPr lang="en-US" sz="2200" dirty="0" err="1"/>
+              <a:t>одновременная</a:t>
+            </a:r>
+            <a:r>
+              <a:rPr lang="en-US" sz="2200" dirty="0"/>
+              <a:t> </a:t>
+            </a:r>
+            <a:r>
+              <a:rPr lang="en-US" sz="2200" dirty="0" err="1"/>
+              <a:t>подгонка</a:t>
+            </a:r>
+            <a:r>
+              <a:rPr lang="en-US" sz="2200" dirty="0"/>
+              <a:t> </a:t>
+            </a:r>
+            <a:r>
+              <a:rPr lang="en-US" sz="2200" dirty="0" err="1"/>
+              <a:t>модели</a:t>
+            </a:r>
+            <a:r>
+              <a:rPr lang="en-US" sz="2200" dirty="0"/>
+              <a:t> и </a:t>
+            </a:r>
+            <a:r>
+              <a:rPr lang="en-US" sz="2200" dirty="0" err="1"/>
+              <a:t>выбор</a:t>
+            </a:r>
+            <a:r>
+              <a:rPr lang="en-US" sz="2200" dirty="0"/>
+              <a:t> </a:t>
+            </a:r>
+            <a:r>
+              <a:rPr lang="ru-RU" sz="2200" dirty="0"/>
+              <a:t>признаков</a:t>
+            </a:r>
+            <a:r>
+              <a:rPr lang="en-US" sz="2200" dirty="0"/>
+              <a:t>.</a:t>
+            </a:r>
+            <a:endParaRPr lang="ru-RU" sz="2200" dirty="0"/>
+          </a:p>
+          <a:p>
+            <a:pPr lvl="2" algn="just"/>
+            <a:r>
+              <a:rPr lang="ru-RU" sz="2200" dirty="0"/>
+              <a:t>Например </a:t>
+            </a:r>
+            <a:r>
+              <a:rPr lang="en-US" sz="2200" dirty="0"/>
+              <a:t>L1 </a:t>
+            </a:r>
+            <a:r>
+              <a:rPr lang="ru-RU" sz="2200" dirty="0"/>
+              <a:t>регуляризация.</a:t>
+            </a:r>
+            <a:endParaRPr lang="en-US" sz="2200" dirty="0"/>
+          </a:p>
+          <a:p>
+            <a:pPr algn="l" rtl="0">
+              <a:lnSpc>
+                <a:spcPct val="100000"/>
+              </a:lnSpc>
+            </a:pPr>
+            <a:endParaRPr lang="ru-RU" sz="2200" dirty="0"/>
+          </a:p>
+        </p:txBody>
+      </p:sp>
+    </p:spTree>
+    <p:extLst>
+      <p:ext uri="{BB962C8B-B14F-4D97-AF65-F5344CB8AC3E}">
+        <p14:creationId xmlns:p14="http://schemas.microsoft.com/office/powerpoint/2010/main" val="444613694"/>
+      </p:ext>
+    </p:extLst>
+  </p:cSld>
+  <p:clrMapOvr>
+    <a:masterClrMapping/>
+  </p:clrMapOvr>
+  <p:timing>
+    <p:tnLst>
+      <p:par>
+        <p:cTn id="1" dur="indefinite" restart="never" nodeType="tmRoot"/>
+      </p:par>
+    </p:tnLst>
+  </p:timing>
+</p:sld>
+</file>
+
+<file path=ppt/slides/slide16.xml><?xml version="1.0" encoding="utf-8"?>
+<p:sld xmlns:a="http://schemas.openxmlformats.org/drawingml/2006/main" xmlns:r="http://schemas.openxmlformats.org/officeDocument/2006/relationships" xmlns:p="http://schemas.openxmlformats.org/presentationml/2006/main">
+  <p:cSld>
+    <p:spTree>
+      <p:nvGrpSpPr>
+        <p:cNvPr id="1" name=""/>
+        <p:cNvGrpSpPr/>
+        <p:nvPr/>
+      </p:nvGrpSpPr>
+      <p:grpSpPr>
+        <a:xfrm>
+          <a:off x="0" y="0"/>
+          <a:ext cx="0" cy="0"/>
+          <a:chOff x="0" y="0"/>
+          <a:chExt cx="0" cy="0"/>
+        </a:xfrm>
+      </p:grpSpPr>
+      <p:sp>
+        <p:nvSpPr>
           <p:cNvPr id="2" name="Заголовок 1"/>
           <p:cNvSpPr>
             <a:spLocks noGrp="1"/>
@@ -5347,7 +5505,7 @@
 </p:sld>
 </file>
 
-<file path=ppt/slides/slide16.xml><?xml version="1.0" encoding="utf-8"?>
+<file path=ppt/slides/slide17.xml><?xml version="1.0" encoding="utf-8"?>
 <p:sld xmlns:a="http://schemas.openxmlformats.org/drawingml/2006/main" xmlns:r="http://schemas.openxmlformats.org/officeDocument/2006/relationships" xmlns:p="http://schemas.openxmlformats.org/presentationml/2006/main">
   <p:cSld>
     <p:spTree>
@@ -5913,281 +6071,6 @@
 </p:sld>
 </file>
 
-<file path=ppt/slides/slide17.xml><?xml version="1.0" encoding="utf-8"?>
-<p:sld xmlns:a="http://schemas.openxmlformats.org/drawingml/2006/main" xmlns:r="http://schemas.openxmlformats.org/officeDocument/2006/relationships" xmlns:p="http://schemas.openxmlformats.org/presentationml/2006/main">
-  <p:cSld>
-    <p:spTree>
-      <p:nvGrpSpPr>
-        <p:cNvPr id="1" name=""/>
-        <p:cNvGrpSpPr/>
-        <p:nvPr/>
-      </p:nvGrpSpPr>
-      <p:grpSpPr>
-        <a:xfrm>
-          <a:off x="0" y="0"/>
-          <a:ext cx="0" cy="0"/>
-          <a:chOff x="0" y="0"/>
-          <a:chExt cx="0" cy="0"/>
-        </a:xfrm>
-      </p:grpSpPr>
-      <p:sp>
-        <p:nvSpPr>
-          <p:cNvPr id="2" name="Заголовок 1"/>
-          <p:cNvSpPr>
-            <a:spLocks noGrp="1"/>
-          </p:cNvSpPr>
-          <p:nvPr>
-            <p:ph type="title"/>
-          </p:nvPr>
-        </p:nvSpPr>
-        <p:spPr>
-          <a:xfrm>
-            <a:off x="161925" y="365125"/>
-            <a:ext cx="12163425" cy="1325563"/>
-          </a:xfrm>
-        </p:spPr>
-        <p:txBody>
-          <a:bodyPr/>
-          <a:lstStyle/>
-          <a:p>
-            <a:r>
-              <a:rPr lang="ru-RU" b="1" dirty="0"/>
-              <a:t>Спектральный ансамбль со случайными интервалами (RISE)</a:t>
-            </a:r>
-            <a:endParaRPr lang="ru-RU" dirty="0"/>
-          </a:p>
-        </p:txBody>
-      </p:sp>
-      <p:sp>
-        <p:nvSpPr>
-          <p:cNvPr id="3" name="Объект 2"/>
-          <p:cNvSpPr>
-            <a:spLocks noGrp="1"/>
-          </p:cNvSpPr>
-          <p:nvPr>
-            <p:ph idx="1"/>
-          </p:nvPr>
-        </p:nvSpPr>
-        <p:spPr>
-          <a:xfrm>
-            <a:off x="0" y="1825625"/>
-            <a:ext cx="11353800" cy="4908550"/>
-          </a:xfrm>
-        </p:spPr>
-        <p:txBody>
-          <a:bodyPr>
-            <a:noAutofit/>
-          </a:bodyPr>
-          <a:lstStyle/>
-          <a:p>
-            <a:pPr lvl="0" eaLnBrk="0" fontAlgn="base" hangingPunct="0">
-              <a:lnSpc>
-                <a:spcPct val="100000"/>
-              </a:lnSpc>
-              <a:spcBef>
-                <a:spcPts val="600"/>
-              </a:spcBef>
-            </a:pPr>
-            <a:r>
-              <a:rPr lang="ru-RU" altLang="ru-RU" sz="2200" dirty="0"/>
-              <a:t>Подход </a:t>
-            </a:r>
-            <a:r>
-              <a:rPr lang="ru-RU" altLang="ru-RU" sz="2200" b="1" dirty="0"/>
-              <a:t>RISE - </a:t>
-            </a:r>
-            <a:r>
-              <a:rPr lang="ru-RU" altLang="ru-RU" sz="2200" b="1" dirty="0" err="1"/>
-              <a:t>Random</a:t>
-            </a:r>
-            <a:r>
-              <a:rPr lang="ru-RU" altLang="ru-RU" sz="2200" b="1" dirty="0"/>
-              <a:t> </a:t>
-            </a:r>
-            <a:r>
-              <a:rPr lang="ru-RU" altLang="ru-RU" sz="2200" b="1" dirty="0" err="1"/>
-              <a:t>Interval</a:t>
-            </a:r>
-            <a:r>
-              <a:rPr lang="ru-RU" altLang="ru-RU" sz="2200" b="1" dirty="0"/>
-              <a:t> </a:t>
-            </a:r>
-            <a:r>
-              <a:rPr lang="ru-RU" altLang="ru-RU" sz="2200" b="1" dirty="0" err="1"/>
-              <a:t>Spectral</a:t>
-            </a:r>
-            <a:r>
-              <a:rPr lang="ru-RU" altLang="ru-RU" sz="2200" b="1" dirty="0"/>
-              <a:t> </a:t>
-            </a:r>
-            <a:r>
-              <a:rPr lang="ru-RU" altLang="ru-RU" sz="2200" b="1" dirty="0" err="1"/>
-              <a:t>Ensemble</a:t>
-            </a:r>
-            <a:r>
-              <a:rPr lang="ru-RU" altLang="ru-RU" sz="2200" b="1" dirty="0"/>
-              <a:t> </a:t>
-            </a:r>
-            <a:r>
-              <a:rPr lang="ru-RU" altLang="ru-RU" sz="2200" dirty="0"/>
-              <a:t> предложен как учитывающий как глобальные признаки (по всему сегменту временного ряда), так и локальные (полученные по случайным интервалам в рамках сегмента).</a:t>
-            </a:r>
-          </a:p>
-          <a:p>
-            <a:pPr eaLnBrk="0" fontAlgn="base" hangingPunct="0">
-              <a:lnSpc>
-                <a:spcPct val="100000"/>
-              </a:lnSpc>
-              <a:spcBef>
-                <a:spcPts val="600"/>
-              </a:spcBef>
-            </a:pPr>
-            <a:r>
-              <a:rPr lang="ru-RU" altLang="ru-RU" sz="2200" dirty="0"/>
-              <a:t>Для каждого участка ряда выделяются векторные признаки:</a:t>
-            </a:r>
-          </a:p>
-          <a:p>
-            <a:pPr lvl="1" eaLnBrk="0" fontAlgn="base" hangingPunct="0">
-              <a:lnSpc>
-                <a:spcPct val="100000"/>
-              </a:lnSpc>
-              <a:spcBef>
-                <a:spcPts val="600"/>
-              </a:spcBef>
-            </a:pPr>
-            <a:r>
-              <a:rPr lang="ru-RU" altLang="ru-RU" sz="2200" dirty="0"/>
-              <a:t>набор нескольких значений автокорреляционной функции и функций ЧАКФ;</a:t>
-            </a:r>
-          </a:p>
-          <a:p>
-            <a:pPr lvl="1" eaLnBrk="0" fontAlgn="base" hangingPunct="0">
-              <a:lnSpc>
-                <a:spcPct val="100000"/>
-              </a:lnSpc>
-              <a:spcBef>
-                <a:spcPts val="600"/>
-              </a:spcBef>
-            </a:pPr>
-            <a:r>
-              <a:rPr lang="ru-RU" altLang="ru-RU" sz="2200" dirty="0"/>
-              <a:t>набор нескольких значений спектральной мощности (значений амплитудного спектра);</a:t>
-            </a:r>
-          </a:p>
-          <a:p>
-            <a:pPr lvl="1" eaLnBrk="0" fontAlgn="base" hangingPunct="0">
-              <a:lnSpc>
-                <a:spcPct val="100000"/>
-              </a:lnSpc>
-              <a:spcBef>
-                <a:spcPts val="600"/>
-              </a:spcBef>
-            </a:pPr>
-            <a:r>
-              <a:rPr lang="ru-RU" altLang="ru-RU" sz="2200" dirty="0"/>
-              <a:t>набор нескольких коэффициентов </a:t>
-            </a:r>
-            <a:r>
-              <a:rPr lang="ru-RU" altLang="ru-RU" sz="2200" dirty="0" err="1"/>
-              <a:t>авторегрессионной</a:t>
-            </a:r>
-            <a:r>
-              <a:rPr lang="ru-RU" altLang="ru-RU" sz="2200" dirty="0"/>
-              <a:t> функции.</a:t>
-            </a:r>
-          </a:p>
-          <a:p>
-            <a:pPr lvl="1" eaLnBrk="0" fontAlgn="base" hangingPunct="0">
-              <a:lnSpc>
-                <a:spcPct val="100000"/>
-              </a:lnSpc>
-              <a:spcBef>
-                <a:spcPts val="600"/>
-              </a:spcBef>
-            </a:pPr>
-            <a:r>
-              <a:rPr lang="ru-RU" altLang="ru-RU" sz="2200" dirty="0"/>
-              <a:t>последний набор признаков может быть опущен. Так это сделано, в реализации пакета </a:t>
-            </a:r>
-            <a:r>
-              <a:rPr lang="ru-RU" altLang="ru-RU" sz="2200" dirty="0" err="1">
-                <a:hlinkClick r:id="rId2"/>
-              </a:rPr>
-              <a:t>sktime</a:t>
-            </a:r>
-            <a:r>
-              <a:rPr lang="ru-RU" altLang="ru-RU" sz="2200" dirty="0"/>
-              <a:t>. </a:t>
-            </a:r>
-          </a:p>
-          <a:p>
-            <a:pPr lvl="1" eaLnBrk="0" fontAlgn="base" hangingPunct="0">
-              <a:lnSpc>
-                <a:spcPct val="100000"/>
-              </a:lnSpc>
-              <a:spcBef>
-                <a:spcPts val="600"/>
-              </a:spcBef>
-            </a:pPr>
-            <a:r>
-              <a:rPr lang="ru-RU" altLang="ru-RU" sz="2200" dirty="0"/>
-              <a:t>Для каждого случая выбранного пространства признаков строится отдельное дерево. </a:t>
-            </a:r>
-          </a:p>
-          <a:p>
-            <a:pPr lvl="2" eaLnBrk="0" fontAlgn="base" hangingPunct="0">
-              <a:lnSpc>
-                <a:spcPct val="100000"/>
-              </a:lnSpc>
-              <a:spcBef>
-                <a:spcPts val="600"/>
-              </a:spcBef>
-              <a:tabLst>
-                <a:tab pos="2154238" algn="l"/>
-              </a:tabLst>
-            </a:pPr>
-            <a:r>
-              <a:rPr lang="ru-RU" altLang="ru-RU" sz="2200" dirty="0"/>
-              <a:t>В оригинальной статье авторы рекомендуют строить одно глобальное дерево</a:t>
-            </a:r>
-            <a:r>
-              <a:rPr lang="en-US" altLang="ru-RU" sz="2200" dirty="0"/>
-              <a:t/>
-            </a:r>
-            <a:br>
-              <a:rPr lang="en-US" altLang="ru-RU" sz="2200" dirty="0"/>
-            </a:br>
-            <a:r>
-              <a:rPr lang="ru-RU" altLang="ru-RU" sz="2200" dirty="0"/>
-              <a:t>(по всему сегменту ряда) и ∼500 локальных деревьев. </a:t>
-            </a:r>
-          </a:p>
-          <a:p>
-            <a:endParaRPr lang="ru-RU" sz="2000" dirty="0"/>
-          </a:p>
-        </p:txBody>
-      </p:sp>
-    </p:spTree>
-    <p:extLst>
-      <p:ext uri="{BB962C8B-B14F-4D97-AF65-F5344CB8AC3E}">
-        <p14:creationId xmlns:p14="http://schemas.microsoft.com/office/powerpoint/2010/main" val="2704278819"/>
-      </p:ext>
-    </p:extLst>
-  </p:cSld>
-  <p:clrMapOvr>
-    <a:masterClrMapping/>
-  </p:clrMapOvr>
-  <p:timing>
-    <p:tnLst>
-      <p:par>
-        <p:cTn id="1" dur="indefinite" restart="never" nodeType="tmRoot"/>
-      </p:par>
-    </p:tnLst>
-  </p:timing>
-</p:sld>
-</file>
-
 <file path=ppt/slides/slide18.xml><?xml version="1.0" encoding="utf-8"?>
 <p:sld xmlns:a="http://schemas.openxmlformats.org/drawingml/2006/main" xmlns:r="http://schemas.openxmlformats.org/officeDocument/2006/relationships" xmlns:p="http://schemas.openxmlformats.org/presentationml/2006/main">
   <p:cSld>
@@ -6245,8 +6128,8 @@
         </p:nvSpPr>
         <p:spPr>
           <a:xfrm>
-            <a:off x="161924" y="1825625"/>
-            <a:ext cx="11191875" cy="4908550"/>
+            <a:off x="0" y="1825625"/>
+            <a:ext cx="11353800" cy="4908550"/>
           </a:xfrm>
         </p:spPr>
         <p:txBody>
@@ -6255,7 +6138,7 @@
           </a:bodyPr>
           <a:lstStyle/>
           <a:p>
-            <a:pPr lvl="0">
+            <a:pPr lvl="0" eaLnBrk="0" fontAlgn="base" hangingPunct="0">
               <a:lnSpc>
                 <a:spcPct val="100000"/>
               </a:lnSpc>
@@ -6264,12 +6147,52 @@
               </a:spcBef>
             </a:pPr>
             <a:r>
-              <a:rPr lang="ru-RU" sz="2200" dirty="0"/>
-              <a:t>В отличие от TSF в RISE:</a:t>
-            </a:r>
-          </a:p>
-          <a:p>
-            <a:pPr lvl="1">
+              <a:rPr lang="ru-RU" altLang="ru-RU" sz="2200" dirty="0"/>
+              <a:t>Подход </a:t>
+            </a:r>
+            <a:r>
+              <a:rPr lang="ru-RU" altLang="ru-RU" sz="2200" b="1" dirty="0"/>
+              <a:t>RISE - </a:t>
+            </a:r>
+            <a:r>
+              <a:rPr lang="ru-RU" altLang="ru-RU" sz="2200" b="1" dirty="0" err="1"/>
+              <a:t>Random</a:t>
+            </a:r>
+            <a:r>
+              <a:rPr lang="ru-RU" altLang="ru-RU" sz="2200" b="1" dirty="0"/>
+              <a:t> </a:t>
+            </a:r>
+            <a:r>
+              <a:rPr lang="ru-RU" altLang="ru-RU" sz="2200" b="1" dirty="0" err="1"/>
+              <a:t>Interval</a:t>
+            </a:r>
+            <a:r>
+              <a:rPr lang="ru-RU" altLang="ru-RU" sz="2200" b="1" dirty="0"/>
+              <a:t> </a:t>
+            </a:r>
+            <a:r>
+              <a:rPr lang="ru-RU" altLang="ru-RU" sz="2200" b="1" dirty="0" err="1"/>
+              <a:t>Spectral</a:t>
+            </a:r>
+            <a:r>
+              <a:rPr lang="ru-RU" altLang="ru-RU" sz="2200" b="1" dirty="0"/>
+              <a:t> </a:t>
+            </a:r>
+            <a:r>
+              <a:rPr lang="ru-RU" altLang="ru-RU" sz="2200" b="1" dirty="0" err="1"/>
+              <a:t>Ensemble</a:t>
+            </a:r>
+            <a:r>
+              <a:rPr lang="ru-RU" altLang="ru-RU" sz="2200" b="1" dirty="0"/>
+              <a:t> </a:t>
+            </a:r>
+            <a:r>
+              <a:rPr lang="ru-RU" altLang="ru-RU" sz="2200" dirty="0"/>
+              <a:t> предложен как учитывающий как глобальные признаки (по всему сегменту временного ряда), так и локальные (полученные по случайным интервалам в рамках сегмента).</a:t>
+            </a:r>
+          </a:p>
+          <a:p>
+            <a:pPr eaLnBrk="0" fontAlgn="base" hangingPunct="0">
               <a:lnSpc>
                 <a:spcPct val="100000"/>
               </a:lnSpc>
@@ -6278,12 +6201,12 @@
               </a:spcBef>
             </a:pPr>
             <a:r>
-              <a:rPr lang="ru-RU" sz="2200" dirty="0"/>
-              <a:t>использует один интервал временного ряда для каждого дерева</a:t>
-            </a:r>
-          </a:p>
-          <a:p>
-            <a:pPr lvl="1">
+              <a:rPr lang="ru-RU" altLang="ru-RU" sz="2200" dirty="0"/>
+              <a:t>Для каждого участка ряда выделяются векторные признаки:</a:t>
+            </a:r>
+          </a:p>
+          <a:p>
+            <a:pPr lvl="1" eaLnBrk="0" fontAlgn="base" hangingPunct="0">
               <a:lnSpc>
                 <a:spcPct val="100000"/>
               </a:lnSpc>
@@ -6292,12 +6215,12 @@
               </a:spcBef>
             </a:pPr>
             <a:r>
-              <a:rPr lang="ru-RU" sz="2200" dirty="0"/>
-              <a:t>он обучается с использованием спектральных характеристик, извлеченных из ряда, вместо сводной статистики.</a:t>
-            </a:r>
-          </a:p>
-          <a:p>
-            <a:pPr lvl="0">
+              <a:rPr lang="ru-RU" altLang="ru-RU" sz="2200" dirty="0"/>
+              <a:t>набор нескольких значений автокорреляционной функции и функций ЧАКФ;</a:t>
+            </a:r>
+          </a:p>
+          <a:p>
+            <a:pPr lvl="1" eaLnBrk="0" fontAlgn="base" hangingPunct="0">
               <a:lnSpc>
                 <a:spcPct val="100000"/>
               </a:lnSpc>
@@ -6306,12 +6229,12 @@
               </a:spcBef>
             </a:pPr>
             <a:r>
-              <a:rPr lang="ru-RU" sz="2200" dirty="0"/>
-              <a:t>Вероятности классов рассчитываются как доля голосов базового классификатора.</a:t>
-            </a:r>
-          </a:p>
-          <a:p>
-            <a:pPr lvl="0">
+              <a:rPr lang="ru-RU" altLang="ru-RU" sz="2200" dirty="0"/>
+              <a:t>набор нескольких значений спектральной мощности (значений амплитудного спектра);</a:t>
+            </a:r>
+          </a:p>
+          <a:p>
+            <a:pPr lvl="1" eaLnBrk="0" fontAlgn="base" hangingPunct="0">
               <a:lnSpc>
                 <a:spcPct val="100000"/>
               </a:lnSpc>
@@ -6320,12 +6243,20 @@
               </a:spcBef>
             </a:pPr>
             <a:r>
-              <a:rPr lang="ru-RU" sz="2200" dirty="0"/>
-              <a:t>RISE контролирует время выполнения, создавая адаптивную модель времени для построения единого дерева.</a:t>
-            </a:r>
-          </a:p>
-          <a:p>
-            <a:pPr lvl="1">
+              <a:rPr lang="ru-RU" altLang="ru-RU" sz="2200" dirty="0"/>
+              <a:t>набор нескольких коэффициентов </a:t>
+            </a:r>
+            <a:r>
+              <a:rPr lang="ru-RU" altLang="ru-RU" sz="2200" dirty="0" err="1"/>
+              <a:t>авторегрессионной</a:t>
+            </a:r>
+            <a:r>
+              <a:rPr lang="ru-RU" altLang="ru-RU" sz="2200" dirty="0"/>
+              <a:t> функции.</a:t>
+            </a:r>
+          </a:p>
+          <a:p>
+            <a:pPr lvl="1" eaLnBrk="0" fontAlgn="base" hangingPunct="0">
               <a:lnSpc>
                 <a:spcPct val="100000"/>
               </a:lnSpc>
@@ -6334,8 +6265,60 @@
               </a:spcBef>
             </a:pPr>
             <a:r>
-              <a:rPr lang="ru-RU" sz="2200" dirty="0"/>
-              <a:t>Это важно для длинных серий (например, аудио), где очень большие интервалы могут означать очень мало деревьев.</a:t>
+              <a:rPr lang="ru-RU" altLang="ru-RU" sz="2200" dirty="0"/>
+              <a:t>последний набор признаков может быть опущен. Так это сделано, в реализации пакета </a:t>
+            </a:r>
+            <a:r>
+              <a:rPr lang="ru-RU" altLang="ru-RU" sz="2200" dirty="0" err="1">
+                <a:hlinkClick r:id="rId2"/>
+              </a:rPr>
+              <a:t>sktime</a:t>
+            </a:r>
+            <a:r>
+              <a:rPr lang="ru-RU" altLang="ru-RU" sz="2200" dirty="0"/>
+              <a:t>. </a:t>
+            </a:r>
+          </a:p>
+          <a:p>
+            <a:pPr lvl="1" eaLnBrk="0" fontAlgn="base" hangingPunct="0">
+              <a:lnSpc>
+                <a:spcPct val="100000"/>
+              </a:lnSpc>
+              <a:spcBef>
+                <a:spcPts val="600"/>
+              </a:spcBef>
+            </a:pPr>
+            <a:r>
+              <a:rPr lang="ru-RU" altLang="ru-RU" sz="2200" dirty="0"/>
+              <a:t>Для каждого случая выбранного пространства признаков строится отдельное дерево. </a:t>
+            </a:r>
+          </a:p>
+          <a:p>
+            <a:pPr lvl="2" eaLnBrk="0" fontAlgn="base" hangingPunct="0">
+              <a:lnSpc>
+                <a:spcPct val="100000"/>
+              </a:lnSpc>
+              <a:spcBef>
+                <a:spcPts val="600"/>
+              </a:spcBef>
+              <a:tabLst>
+                <a:tab pos="2154238" algn="l"/>
+              </a:tabLst>
+            </a:pPr>
+            <a:r>
+              <a:rPr lang="ru-RU" altLang="ru-RU" sz="2200" dirty="0"/>
+              <a:t>В оригинальной статье авторы рекомендуют строить одно глобальное дерево</a:t>
+            </a:r>
+            <a:r>
+              <a:rPr lang="en-US" altLang="ru-RU" sz="2200" dirty="0"/>
+              <a:t/>
+            </a:r>
+            <a:br>
+              <a:rPr lang="en-US" altLang="ru-RU" sz="2200" dirty="0"/>
+            </a:br>
+            <a:r>
+              <a:rPr lang="ru-RU" altLang="ru-RU" sz="2200" dirty="0"/>
+              <a:t>(по всему сегменту ряда) и ∼500 локальных деревьев. </a:t>
             </a:r>
           </a:p>
           <a:p>
@@ -6346,7 +6329,7 @@
     </p:spTree>
     <p:extLst>
       <p:ext uri="{BB962C8B-B14F-4D97-AF65-F5344CB8AC3E}">
-        <p14:creationId xmlns:p14="http://schemas.microsoft.com/office/powerpoint/2010/main" val="196044429"/>
+        <p14:creationId xmlns:p14="http://schemas.microsoft.com/office/powerpoint/2010/main" val="2704278819"/>
       </p:ext>
     </p:extLst>
   </p:cSld>
@@ -6392,8 +6375,8 @@
         </p:nvSpPr>
         <p:spPr>
           <a:xfrm>
-            <a:off x="838200" y="365125"/>
-            <a:ext cx="10515600" cy="911225"/>
+            <a:off x="161925" y="365125"/>
+            <a:ext cx="12163425" cy="1325563"/>
           </a:xfrm>
         </p:spPr>
         <p:txBody>
@@ -6402,7 +6385,7 @@
           <a:p>
             <a:r>
               <a:rPr lang="ru-RU" b="1" dirty="0"/>
-              <a:t>Комбинации подходов</a:t>
+              <a:t>Спектральный ансамбль со случайными интервалами (RISE)</a:t>
             </a:r>
             <a:endParaRPr lang="ru-RU" dirty="0"/>
           </a:p>
@@ -6420,19 +6403,19 @@
         </p:nvSpPr>
         <p:spPr>
           <a:xfrm>
-            <a:off x="561975" y="1276350"/>
-            <a:ext cx="10791825" cy="4900613"/>
+            <a:off x="161924" y="1825625"/>
+            <a:ext cx="11191875" cy="4908550"/>
           </a:xfrm>
         </p:spPr>
         <p:txBody>
           <a:bodyPr>
-            <a:normAutofit/>
+            <a:noAutofit/>
           </a:bodyPr>
           <a:lstStyle/>
           <a:p>
-            <a:pPr>
-              <a:lnSpc>
-                <a:spcPct val="150000"/>
+            <a:pPr lvl="0">
+              <a:lnSpc>
+                <a:spcPct val="100000"/>
               </a:lnSpc>
               <a:spcBef>
                 <a:spcPts val="600"/>
@@ -6440,13 +6423,13 @@
             </a:pPr>
             <a:r>
               <a:rPr lang="ru-RU" sz="2200" dirty="0"/>
-              <a:t>Если признаки не удаётся полностью формализовать, то, не полностью вручную описанное признаковое пространство может привести к потери точности и/или обобщающей способности.</a:t>
+              <a:t>В отличие от TSF в RISE:</a:t>
             </a:r>
           </a:p>
           <a:p>
             <a:pPr lvl="1">
               <a:lnSpc>
-                <a:spcPct val="150000"/>
+                <a:spcPct val="100000"/>
               </a:lnSpc>
               <a:spcBef>
                 <a:spcPts val="600"/>
@@ -6454,13 +6437,13 @@
             </a:pPr>
             <a:r>
               <a:rPr lang="ru-RU" sz="2200" dirty="0"/>
-              <a:t>Для таких задач, на практике, методы на основе данных и на основе признаков могут быть объединены в ансамбли таким образом, чтобы учесть преимущества и недостатки тех и других подходов.</a:t>
+              <a:t>использует один интервал временного ряда для каждого дерева</a:t>
             </a:r>
           </a:p>
           <a:p>
             <a:pPr lvl="1">
               <a:lnSpc>
-                <a:spcPct val="150000"/>
+                <a:spcPct val="100000"/>
               </a:lnSpc>
               <a:spcBef>
                 <a:spcPts val="600"/>
@@ -6468,15 +6451,60 @@
             </a:pPr>
             <a:r>
               <a:rPr lang="ru-RU" sz="2200" dirty="0"/>
-              <a:t>При этом надо отметить, что анализе временных рядов ансамблевые методы предполагают использование различных подходов, решающих разные типы задач. </a:t>
-            </a:r>
+              <a:t>он обучается с использованием спектральных характеристик, извлеченных из ряда, вместо сводной статистики.</a:t>
+            </a:r>
+          </a:p>
+          <a:p>
+            <a:pPr lvl="0">
+              <a:lnSpc>
+                <a:spcPct val="100000"/>
+              </a:lnSpc>
+              <a:spcBef>
+                <a:spcPts val="600"/>
+              </a:spcBef>
+            </a:pPr>
+            <a:r>
+              <a:rPr lang="ru-RU" sz="2200" dirty="0"/>
+              <a:t>Вероятности классов рассчитываются как доля голосов базового классификатора.</a:t>
+            </a:r>
+          </a:p>
+          <a:p>
+            <a:pPr lvl="0">
+              <a:lnSpc>
+                <a:spcPct val="100000"/>
+              </a:lnSpc>
+              <a:spcBef>
+                <a:spcPts val="600"/>
+              </a:spcBef>
+            </a:pPr>
+            <a:r>
+              <a:rPr lang="ru-RU" sz="2200" dirty="0"/>
+              <a:t>RISE контролирует время выполнения, создавая адаптивную модель времени для построения единого дерева.</a:t>
+            </a:r>
+          </a:p>
+          <a:p>
+            <a:pPr lvl="1">
+              <a:lnSpc>
+                <a:spcPct val="100000"/>
+              </a:lnSpc>
+              <a:spcBef>
+                <a:spcPts val="600"/>
+              </a:spcBef>
+            </a:pPr>
+            <a:r>
+              <a:rPr lang="ru-RU" sz="2200" dirty="0"/>
+              <a:t>Это важно для длинных серий (например, аудио), где очень большие интервалы могут означать очень мало деревьев.</a:t>
+            </a:r>
+          </a:p>
+          <a:p>
+            <a:endParaRPr lang="ru-RU" sz="2000" dirty="0"/>
           </a:p>
         </p:txBody>
       </p:sp>
     </p:spTree>
     <p:extLst>
       <p:ext uri="{BB962C8B-B14F-4D97-AF65-F5344CB8AC3E}">
-        <p14:creationId xmlns:p14="http://schemas.microsoft.com/office/powerpoint/2010/main" val="1946747386"/>
+        <p14:creationId xmlns:p14="http://schemas.microsoft.com/office/powerpoint/2010/main" val="196044429"/>
       </p:ext>
     </p:extLst>
   </p:cSld>
@@ -6539,12 +6567,35 @@
             <p:ph idx="1"/>
           </p:nvPr>
         </p:nvSpPr>
-        <p:spPr/>
+        <p:spPr>
+          <a:xfrm>
+            <a:off x="838200" y="2835819"/>
+            <a:ext cx="3010989" cy="1387838"/>
+          </a:xfrm>
+        </p:spPr>
         <p:txBody>
           <a:bodyPr/>
           <a:lstStyle/>
           <a:p>
-            <a:endParaRPr lang="ru-RU"/>
+            <a:r>
+              <a:rPr lang="ru-RU" dirty="0" smtClean="0"/>
+              <a:t>Данные</a:t>
+            </a:r>
+          </a:p>
+          <a:p>
+            <a:pPr lvl="1"/>
+            <a:r>
+              <a:rPr lang="ru-RU" dirty="0" smtClean="0"/>
+              <a:t>Полный сегмент</a:t>
+            </a:r>
+          </a:p>
+          <a:p>
+            <a:pPr lvl="1"/>
+            <a:r>
+              <a:rPr lang="ru-RU" dirty="0" smtClean="0"/>
+              <a:t>интервалы</a:t>
+            </a:r>
+            <a:endParaRPr lang="ru-RU" dirty="0"/>
           </a:p>
         </p:txBody>
       </p:sp>
@@ -6626,6 +6677,342 @@
           </a:prstGeom>
         </p:spPr>
       </p:pic>
+      <p:sp>
+        <p:nvSpPr>
+          <p:cNvPr id="7" name="Объект 2"/>
+          <p:cNvSpPr txBox="1">
+            <a:spLocks/>
+          </p:cNvSpPr>
+          <p:nvPr/>
+        </p:nvSpPr>
+        <p:spPr>
+          <a:xfrm>
+            <a:off x="5053148" y="2835819"/>
+            <a:ext cx="3010989" cy="1387838"/>
+          </a:xfrm>
+          <a:prstGeom prst="rect">
+            <a:avLst/>
+          </a:prstGeom>
+        </p:spPr>
+        <p:txBody>
+          <a:bodyPr vert="horz" lIns="91440" tIns="45720" rIns="91440" bIns="45720" rtlCol="0">
+            <a:normAutofit/>
+          </a:bodyPr>
+          <a:lstStyle>
+            <a:lvl1pPr marL="228600" indent="-228600" algn="l" defTabSz="914400" rtl="0" eaLnBrk="1" latinLnBrk="0" hangingPunct="1">
+              <a:lnSpc>
+                <a:spcPct val="90000"/>
+              </a:lnSpc>
+              <a:spcBef>
+                <a:spcPts val="1000"/>
+              </a:spcBef>
+              <a:buFont typeface="Arial" panose="020B0604020202020204" pitchFamily="34" charset="0"/>
+              <a:buChar char="•"/>
+              <a:defRPr sz="2800" kern="1200">
+                <a:solidFill>
+                  <a:schemeClr val="tx1"/>
+                </a:solidFill>
+                <a:latin typeface="+mn-lt"/>
+                <a:ea typeface="+mn-ea"/>
+                <a:cs typeface="+mn-cs"/>
+              </a:defRPr>
+            </a:lvl1pPr>
+            <a:lvl2pPr marL="685800" indent="-228600" algn="l" defTabSz="914400" rtl="0" eaLnBrk="1" latinLnBrk="0" hangingPunct="1">
+              <a:lnSpc>
+                <a:spcPct val="90000"/>
+              </a:lnSpc>
+              <a:spcBef>
+                <a:spcPts val="500"/>
+              </a:spcBef>
+              <a:buFont typeface="Arial" panose="020B0604020202020204" pitchFamily="34" charset="0"/>
+              <a:buChar char="•"/>
+              <a:defRPr sz="2400" kern="1200">
+                <a:solidFill>
+                  <a:schemeClr val="tx1"/>
+                </a:solidFill>
+                <a:latin typeface="+mn-lt"/>
+                <a:ea typeface="+mn-ea"/>
+                <a:cs typeface="+mn-cs"/>
+              </a:defRPr>
+            </a:lvl2pPr>
+            <a:lvl3pPr marL="1143000" indent="-228600" algn="l" defTabSz="914400" rtl="0" eaLnBrk="1" latinLnBrk="0" hangingPunct="1">
+              <a:lnSpc>
+                <a:spcPct val="90000"/>
+              </a:lnSpc>
+              <a:spcBef>
+                <a:spcPts val="500"/>
+              </a:spcBef>
+              <a:buFont typeface="Arial" panose="020B0604020202020204" pitchFamily="34" charset="0"/>
+              <a:buChar char="•"/>
+              <a:defRPr sz="2000" kern="1200">
+                <a:solidFill>
+                  <a:schemeClr val="tx1"/>
+                </a:solidFill>
+                <a:latin typeface="+mn-lt"/>
+                <a:ea typeface="+mn-ea"/>
+                <a:cs typeface="+mn-cs"/>
+              </a:defRPr>
+            </a:lvl3pPr>
+            <a:lvl4pPr marL="1600200" indent="-228600" algn="l" defTabSz="914400" rtl="0" eaLnBrk="1" latinLnBrk="0" hangingPunct="1">
+              <a:lnSpc>
+                <a:spcPct val="90000"/>
+              </a:lnSpc>
+              <a:spcBef>
+                <a:spcPts val="500"/>
+              </a:spcBef>
+              <a:buFont typeface="Arial" panose="020B0604020202020204" pitchFamily="34" charset="0"/>
+              <a:buChar char="•"/>
+              <a:defRPr sz="1800" kern="1200">
+                <a:solidFill>
+                  <a:schemeClr val="tx1"/>
+                </a:solidFill>
+                <a:latin typeface="+mn-lt"/>
+                <a:ea typeface="+mn-ea"/>
+                <a:cs typeface="+mn-cs"/>
+              </a:defRPr>
+            </a:lvl4pPr>
+            <a:lvl5pPr marL="2057400" indent="-228600" algn="l" defTabSz="914400" rtl="0" eaLnBrk="1" latinLnBrk="0" hangingPunct="1">
+              <a:lnSpc>
+                <a:spcPct val="90000"/>
+              </a:lnSpc>
+              <a:spcBef>
+                <a:spcPts val="500"/>
+              </a:spcBef>
+              <a:buFont typeface="Arial" panose="020B0604020202020204" pitchFamily="34" charset="0"/>
+              <a:buChar char="•"/>
+              <a:defRPr sz="1800" kern="1200">
+                <a:solidFill>
+                  <a:schemeClr val="tx1"/>
+                </a:solidFill>
+                <a:latin typeface="+mn-lt"/>
+                <a:ea typeface="+mn-ea"/>
+                <a:cs typeface="+mn-cs"/>
+              </a:defRPr>
+            </a:lvl5pPr>
+            <a:lvl6pPr marL="2514600" indent="-228600" algn="l" defTabSz="914400" rtl="0" eaLnBrk="1" latinLnBrk="0" hangingPunct="1">
+              <a:lnSpc>
+                <a:spcPct val="90000"/>
+              </a:lnSpc>
+              <a:spcBef>
+                <a:spcPts val="500"/>
+              </a:spcBef>
+              <a:buFont typeface="Arial" panose="020B0604020202020204" pitchFamily="34" charset="0"/>
+              <a:buChar char="•"/>
+              <a:defRPr sz="1800" kern="1200">
+                <a:solidFill>
+                  <a:schemeClr val="tx1"/>
+                </a:solidFill>
+                <a:latin typeface="+mn-lt"/>
+                <a:ea typeface="+mn-ea"/>
+                <a:cs typeface="+mn-cs"/>
+              </a:defRPr>
+            </a:lvl6pPr>
+            <a:lvl7pPr marL="2971800" indent="-228600" algn="l" defTabSz="914400" rtl="0" eaLnBrk="1" latinLnBrk="0" hangingPunct="1">
+              <a:lnSpc>
+                <a:spcPct val="90000"/>
+              </a:lnSpc>
+              <a:spcBef>
+                <a:spcPts val="500"/>
+              </a:spcBef>
+              <a:buFont typeface="Arial" panose="020B0604020202020204" pitchFamily="34" charset="0"/>
+              <a:buChar char="•"/>
+              <a:defRPr sz="1800" kern="1200">
+                <a:solidFill>
+                  <a:schemeClr val="tx1"/>
+                </a:solidFill>
+                <a:latin typeface="+mn-lt"/>
+                <a:ea typeface="+mn-ea"/>
+                <a:cs typeface="+mn-cs"/>
+              </a:defRPr>
+            </a:lvl7pPr>
+            <a:lvl8pPr marL="3429000" indent="-228600" algn="l" defTabSz="914400" rtl="0" eaLnBrk="1" latinLnBrk="0" hangingPunct="1">
+              <a:lnSpc>
+                <a:spcPct val="90000"/>
+              </a:lnSpc>
+              <a:spcBef>
+                <a:spcPts val="500"/>
+              </a:spcBef>
+              <a:buFont typeface="Arial" panose="020B0604020202020204" pitchFamily="34" charset="0"/>
+              <a:buChar char="•"/>
+              <a:defRPr sz="1800" kern="1200">
+                <a:solidFill>
+                  <a:schemeClr val="tx1"/>
+                </a:solidFill>
+                <a:latin typeface="+mn-lt"/>
+                <a:ea typeface="+mn-ea"/>
+                <a:cs typeface="+mn-cs"/>
+              </a:defRPr>
+            </a:lvl8pPr>
+            <a:lvl9pPr marL="3886200" indent="-228600" algn="l" defTabSz="914400" rtl="0" eaLnBrk="1" latinLnBrk="0" hangingPunct="1">
+              <a:lnSpc>
+                <a:spcPct val="90000"/>
+              </a:lnSpc>
+              <a:spcBef>
+                <a:spcPts val="500"/>
+              </a:spcBef>
+              <a:buFont typeface="Arial" panose="020B0604020202020204" pitchFamily="34" charset="0"/>
+              <a:buChar char="•"/>
+              <a:defRPr sz="1800" kern="1200">
+                <a:solidFill>
+                  <a:schemeClr val="tx1"/>
+                </a:solidFill>
+                <a:latin typeface="+mn-lt"/>
+                <a:ea typeface="+mn-ea"/>
+                <a:cs typeface="+mn-cs"/>
+              </a:defRPr>
+            </a:lvl9pPr>
+          </a:lstStyle>
+          <a:p>
+            <a:r>
+              <a:rPr lang="ru-RU" dirty="0" smtClean="0"/>
+              <a:t>Признаки</a:t>
+            </a:r>
+          </a:p>
+          <a:p>
+            <a:pPr lvl="1"/>
+            <a:r>
+              <a:rPr lang="ru-RU" dirty="0" smtClean="0"/>
+              <a:t>Полный сегмент</a:t>
+            </a:r>
+          </a:p>
+          <a:p>
+            <a:pPr lvl="1"/>
+            <a:r>
+              <a:rPr lang="ru-RU" dirty="0" smtClean="0"/>
+              <a:t>интервалы</a:t>
+            </a:r>
+            <a:endParaRPr lang="ru-RU" dirty="0"/>
+          </a:p>
+        </p:txBody>
+      </p:sp>
+      <p:sp>
+        <p:nvSpPr>
+          <p:cNvPr id="8" name="TextBox 7"/>
+          <p:cNvSpPr txBox="1"/>
+          <p:nvPr/>
+        </p:nvSpPr>
+        <p:spPr>
+          <a:xfrm>
+            <a:off x="3039291" y="2290354"/>
+            <a:ext cx="2547429" cy="369332"/>
+          </a:xfrm>
+          <a:prstGeom prst="rect">
+            <a:avLst/>
+          </a:prstGeom>
+          <a:noFill/>
+        </p:spPr>
+        <p:txBody>
+          <a:bodyPr wrap="none" rtlCol="0">
+            <a:spAutoFit/>
+          </a:bodyPr>
+          <a:lstStyle/>
+          <a:p>
+            <a:r>
+              <a:rPr lang="ru-RU" dirty="0" smtClean="0"/>
+              <a:t>Методы классификации</a:t>
+            </a:r>
+            <a:endParaRPr lang="ru-RU" dirty="0"/>
+          </a:p>
+        </p:txBody>
+      </p:sp>
+      <p:cxnSp>
+        <p:nvCxnSpPr>
+          <p:cNvPr id="10" name="Прямая со стрелкой 9"/>
+          <p:cNvCxnSpPr/>
+          <p:nvPr/>
+        </p:nvCxnSpPr>
+        <p:spPr>
+          <a:xfrm flipH="1">
+            <a:off x="2507827" y="2646495"/>
+            <a:ext cx="1262984" cy="356141"/>
+          </a:xfrm>
+          <a:prstGeom prst="straightConnector1">
+            <a:avLst/>
+          </a:prstGeom>
+          <a:ln>
+            <a:tailEnd type="triangle"/>
+          </a:ln>
+        </p:spPr>
+        <p:style>
+          <a:lnRef idx="1">
+            <a:schemeClr val="accent1"/>
+          </a:lnRef>
+          <a:fillRef idx="0">
+            <a:schemeClr val="accent1"/>
+          </a:fillRef>
+          <a:effectRef idx="0">
+            <a:schemeClr val="accent1"/>
+          </a:effectRef>
+          <a:fontRef idx="minor">
+            <a:schemeClr val="tx1"/>
+          </a:fontRef>
+        </p:style>
+      </p:cxnSp>
+      <p:cxnSp>
+        <p:nvCxnSpPr>
+          <p:cNvPr id="12" name="Прямая со стрелкой 11"/>
+          <p:cNvCxnSpPr>
+            <a:stCxn id="8" idx="2"/>
+          </p:cNvCxnSpPr>
+          <p:nvPr/>
+        </p:nvCxnSpPr>
+        <p:spPr>
+          <a:xfrm>
+            <a:off x="4313006" y="2659686"/>
+            <a:ext cx="807634" cy="532274"/>
+          </a:xfrm>
+          <a:prstGeom prst="straightConnector1">
+            <a:avLst/>
+          </a:prstGeom>
+          <a:ln>
+            <a:tailEnd type="triangle"/>
+          </a:ln>
+        </p:spPr>
+        <p:style>
+          <a:lnRef idx="1">
+            <a:schemeClr val="accent1"/>
+          </a:lnRef>
+          <a:fillRef idx="0">
+            <a:schemeClr val="accent1"/>
+          </a:fillRef>
+          <a:effectRef idx="0">
+            <a:schemeClr val="accent1"/>
+          </a:effectRef>
+          <a:fontRef idx="minor">
+            <a:schemeClr val="tx1"/>
+          </a:fontRef>
+        </p:style>
+      </p:cxnSp>
+      <p:sp>
+        <p:nvSpPr>
+          <p:cNvPr id="14" name="TextBox 13"/>
+          <p:cNvSpPr txBox="1"/>
+          <p:nvPr/>
+        </p:nvSpPr>
+        <p:spPr>
+          <a:xfrm>
+            <a:off x="4506088" y="4225717"/>
+            <a:ext cx="2443489" cy="369332"/>
+          </a:xfrm>
+          <a:prstGeom prst="rect">
+            <a:avLst/>
+          </a:prstGeom>
+          <a:noFill/>
+        </p:spPr>
+        <p:txBody>
+          <a:bodyPr wrap="none" rtlCol="0">
+            <a:spAutoFit/>
+          </a:bodyPr>
+          <a:lstStyle/>
+          <a:p>
+            <a:r>
+              <a:rPr lang="ru-RU" dirty="0" smtClean="0"/>
+              <a:t>Задачи классификации</a:t>
+            </a:r>
+            <a:endParaRPr lang="ru-RU" dirty="0"/>
+          </a:p>
+        </p:txBody>
+      </p:sp>
     </p:spTree>
     <p:extLst>
       <p:ext uri="{BB962C8B-B14F-4D97-AF65-F5344CB8AC3E}">
@@ -6685,6 +7072,136 @@
           <a:p>
             <a:r>
               <a:rPr lang="ru-RU" b="1" dirty="0"/>
+              <a:t>Комбинации подходов</a:t>
+            </a:r>
+            <a:endParaRPr lang="ru-RU" dirty="0"/>
+          </a:p>
+        </p:txBody>
+      </p:sp>
+      <p:sp>
+        <p:nvSpPr>
+          <p:cNvPr id="3" name="Объект 2"/>
+          <p:cNvSpPr>
+            <a:spLocks noGrp="1"/>
+          </p:cNvSpPr>
+          <p:nvPr>
+            <p:ph idx="1"/>
+          </p:nvPr>
+        </p:nvSpPr>
+        <p:spPr>
+          <a:xfrm>
+            <a:off x="561975" y="1276350"/>
+            <a:ext cx="10791825" cy="4900613"/>
+          </a:xfrm>
+        </p:spPr>
+        <p:txBody>
+          <a:bodyPr>
+            <a:normAutofit/>
+          </a:bodyPr>
+          <a:lstStyle/>
+          <a:p>
+            <a:pPr>
+              <a:lnSpc>
+                <a:spcPct val="150000"/>
+              </a:lnSpc>
+              <a:spcBef>
+                <a:spcPts val="600"/>
+              </a:spcBef>
+            </a:pPr>
+            <a:r>
+              <a:rPr lang="ru-RU" sz="2200" dirty="0"/>
+              <a:t>Если признаки не удаётся полностью формализовать, то, не полностью вручную описанное признаковое пространство может привести к потери точности и/или обобщающей способности.</a:t>
+            </a:r>
+          </a:p>
+          <a:p>
+            <a:pPr lvl="1">
+              <a:lnSpc>
+                <a:spcPct val="150000"/>
+              </a:lnSpc>
+              <a:spcBef>
+                <a:spcPts val="600"/>
+              </a:spcBef>
+            </a:pPr>
+            <a:r>
+              <a:rPr lang="ru-RU" sz="2200" dirty="0"/>
+              <a:t>Для таких задач, на практике, методы на основе данных и на основе признаков могут быть объединены в ансамбли таким образом, чтобы учесть преимущества и недостатки тех и других подходов.</a:t>
+            </a:r>
+          </a:p>
+          <a:p>
+            <a:pPr lvl="1">
+              <a:lnSpc>
+                <a:spcPct val="150000"/>
+              </a:lnSpc>
+              <a:spcBef>
+                <a:spcPts val="600"/>
+              </a:spcBef>
+            </a:pPr>
+            <a:r>
+              <a:rPr lang="ru-RU" sz="2200" dirty="0"/>
+              <a:t>При этом надо отметить, что анализе временных рядов ансамблевые методы предполагают использование различных подходов, решающих разные типы задач. </a:t>
+            </a:r>
+          </a:p>
+        </p:txBody>
+      </p:sp>
+    </p:spTree>
+    <p:extLst>
+      <p:ext uri="{BB962C8B-B14F-4D97-AF65-F5344CB8AC3E}">
+        <p14:creationId xmlns:p14="http://schemas.microsoft.com/office/powerpoint/2010/main" val="1946747386"/>
+      </p:ext>
+    </p:extLst>
+  </p:cSld>
+  <p:clrMapOvr>
+    <a:masterClrMapping/>
+  </p:clrMapOvr>
+  <p:timing>
+    <p:tnLst>
+      <p:par>
+        <p:cTn id="1" dur="indefinite" restart="never" nodeType="tmRoot"/>
+      </p:par>
+    </p:tnLst>
+  </p:timing>
+</p:sld>
+</file>
+
+<file path=ppt/slides/slide21.xml><?xml version="1.0" encoding="utf-8"?>
+<p:sld xmlns:a="http://schemas.openxmlformats.org/drawingml/2006/main" xmlns:r="http://schemas.openxmlformats.org/officeDocument/2006/relationships" xmlns:p="http://schemas.openxmlformats.org/presentationml/2006/main">
+  <p:cSld>
+    <p:spTree>
+      <p:nvGrpSpPr>
+        <p:cNvPr id="1" name=""/>
+        <p:cNvGrpSpPr/>
+        <p:nvPr/>
+      </p:nvGrpSpPr>
+      <p:grpSpPr>
+        <a:xfrm>
+          <a:off x="0" y="0"/>
+          <a:ext cx="0" cy="0"/>
+          <a:chOff x="0" y="0"/>
+          <a:chExt cx="0" cy="0"/>
+        </a:xfrm>
+      </p:grpSpPr>
+      <p:sp>
+        <p:nvSpPr>
+          <p:cNvPr id="2" name="Заголовок 1"/>
+          <p:cNvSpPr>
+            <a:spLocks noGrp="1"/>
+          </p:cNvSpPr>
+          <p:nvPr>
+            <p:ph type="title"/>
+          </p:nvPr>
+        </p:nvSpPr>
+        <p:spPr>
+          <a:xfrm>
+            <a:off x="838200" y="365125"/>
+            <a:ext cx="10515600" cy="911225"/>
+          </a:xfrm>
+        </p:spPr>
+        <p:txBody>
+          <a:bodyPr/>
+          <a:lstStyle/>
+          <a:p>
+            <a:r>
+              <a:rPr lang="ru-RU" b="1" dirty="0"/>
               <a:t>Комбинации гетерогенных подходов</a:t>
             </a:r>
             <a:endParaRPr lang="ru-RU" dirty="0"/>
@@ -6920,13 +7437,13 @@
         </p:nvPicPr>
         <p:blipFill rotWithShape="1">
           <a:blip r:embed="rId2"/>
-          <a:srcRect t="54633"/>
+          <a:srcRect t="54633" r="52254"/>
           <a:stretch/>
         </p:blipFill>
         <p:spPr bwMode="auto">
           <a:xfrm>
-            <a:off x="5637883" y="4233393"/>
-            <a:ext cx="5826795" cy="1741204"/>
+            <a:off x="5046925" y="4365939"/>
+            <a:ext cx="2782082" cy="1741204"/>
           </a:xfrm>
           <a:prstGeom prst="rect">
             <a:avLst/>
@@ -6952,8 +7469,8 @@
         </p:blipFill>
         <p:spPr bwMode="auto">
           <a:xfrm>
-            <a:off x="441327" y="4341730"/>
-            <a:ext cx="5196556" cy="1835233"/>
+            <a:off x="184731" y="4420108"/>
+            <a:ext cx="4862193" cy="1632867"/>
           </a:xfrm>
           <a:prstGeom prst="rect">
             <a:avLst/>
@@ -6964,6 +7481,57 @@
             <a:headEnd/>
             <a:tailEnd/>
           </a:ln>
+        </p:spPr>
+      </p:pic>
+      <p:pic>
+        <p:nvPicPr>
+          <p:cNvPr id="7" name="Picture" descr="image.png"/>
+          <p:cNvPicPr/>
+          <p:nvPr/>
+        </p:nvPicPr>
+        <p:blipFill rotWithShape="1">
+          <a:blip r:embed="rId2"/>
+          <a:srcRect l="62543" t="54633"/>
+          <a:stretch/>
+        </p:blipFill>
+        <p:spPr bwMode="auto">
+          <a:xfrm>
+            <a:off x="7907384" y="4211613"/>
+            <a:ext cx="2182564" cy="1741204"/>
+          </a:xfrm>
+          <a:prstGeom prst="rect">
+            <a:avLst/>
+          </a:prstGeom>
+          <a:noFill/>
+          <a:ln w="9525">
+            <a:noFill/>
+            <a:headEnd/>
+            <a:tailEnd/>
+          </a:ln>
+        </p:spPr>
+      </p:pic>
+      <p:pic>
+        <p:nvPicPr>
+          <p:cNvPr id="8" name="Рисунок 7"/>
+          <p:cNvPicPr>
+            <a:picLocks noChangeAspect="1"/>
+          </p:cNvPicPr>
+          <p:nvPr/>
+        </p:nvPicPr>
+        <p:blipFill>
+          <a:blip r:embed="rId3"/>
+          <a:stretch>
+            <a:fillRect/>
+          </a:stretch>
+        </p:blipFill>
+        <p:spPr>
+          <a:xfrm>
+            <a:off x="9972658" y="4359864"/>
+            <a:ext cx="2013068" cy="1444702"/>
+          </a:xfrm>
+          <a:prstGeom prst="rect">
+            <a:avLst/>
+          </a:prstGeom>
         </p:spPr>
       </p:pic>
     </p:spTree>
@@ -6986,7 +7554,7 @@
 </p:sld>
 </file>
 
-<file path=ppt/slides/slide21.xml><?xml version="1.0" encoding="utf-8"?>
+<file path=ppt/slides/slide22.xml><?xml version="1.0" encoding="utf-8"?>
 <p:sld xmlns:a="http://schemas.openxmlformats.org/drawingml/2006/main" xmlns:r="http://schemas.openxmlformats.org/officeDocument/2006/relationships" xmlns:p="http://schemas.openxmlformats.org/presentationml/2006/main">
   <p:cSld>
     <p:spTree>
@@ -7534,7 +8102,7 @@
 </p:sld>
 </file>
 
-<file path=ppt/slides/slide22.xml><?xml version="1.0" encoding="utf-8"?>
+<file path=ppt/slides/slide23.xml><?xml version="1.0" encoding="utf-8"?>
 <p:sld xmlns:a="http://schemas.openxmlformats.org/drawingml/2006/main" xmlns:r="http://schemas.openxmlformats.org/officeDocument/2006/relationships" xmlns:p="http://schemas.openxmlformats.org/presentationml/2006/main">
   <p:cSld>
     <p:spTree>
@@ -8135,7 +8703,7 @@
 </p:sld>
 </file>
 
-<file path=ppt/slides/slide23.xml><?xml version="1.0" encoding="utf-8"?>
+<file path=ppt/slides/slide24.xml><?xml version="1.0" encoding="utf-8"?>
 <p:sld xmlns:a="http://schemas.openxmlformats.org/drawingml/2006/main" xmlns:r="http://schemas.openxmlformats.org/officeDocument/2006/relationships" xmlns:p="http://schemas.openxmlformats.org/presentationml/2006/main">
   <p:cSld>
     <p:spTree>
@@ -8667,210 +9235,6 @@
     <p:extLst>
       <p:ext uri="{BB962C8B-B14F-4D97-AF65-F5344CB8AC3E}">
         <p14:creationId xmlns:p14="http://schemas.microsoft.com/office/powerpoint/2010/main" val="3459388513"/>
-      </p:ext>
-    </p:extLst>
-  </p:cSld>
-  <p:clrMapOvr>
-    <a:masterClrMapping/>
-  </p:clrMapOvr>
-  <p:timing>
-    <p:tnLst>
-      <p:par>
-        <p:cTn id="1" dur="indefinite" restart="never" nodeType="tmRoot"/>
-      </p:par>
-    </p:tnLst>
-  </p:timing>
-</p:sld>
-</file>
-
-<file path=ppt/slides/slide24.xml><?xml version="1.0" encoding="utf-8"?>
-<p:sld xmlns:a="http://schemas.openxmlformats.org/drawingml/2006/main" xmlns:r="http://schemas.openxmlformats.org/officeDocument/2006/relationships" xmlns:p="http://schemas.openxmlformats.org/presentationml/2006/main">
-  <p:cSld>
-    <p:spTree>
-      <p:nvGrpSpPr>
-        <p:cNvPr id="1" name=""/>
-        <p:cNvGrpSpPr/>
-        <p:nvPr/>
-      </p:nvGrpSpPr>
-      <p:grpSpPr>
-        <a:xfrm>
-          <a:off x="0" y="0"/>
-          <a:ext cx="0" cy="0"/>
-          <a:chOff x="0" y="0"/>
-          <a:chExt cx="0" cy="0"/>
-        </a:xfrm>
-      </p:grpSpPr>
-      <p:pic>
-        <p:nvPicPr>
-          <p:cNvPr id="4" name="Рисунок 3"/>
-          <p:cNvPicPr>
-            <a:picLocks noChangeAspect="1"/>
-          </p:cNvPicPr>
-          <p:nvPr/>
-        </p:nvPicPr>
-        <p:blipFill>
-          <a:blip r:embed="rId2"/>
-          <a:stretch>
-            <a:fillRect/>
-          </a:stretch>
-        </p:blipFill>
-        <p:spPr>
-          <a:xfrm>
-            <a:off x="4652063" y="2314940"/>
-            <a:ext cx="6701737" cy="4356129"/>
-          </a:xfrm>
-          <a:prstGeom prst="rect">
-            <a:avLst/>
-          </a:prstGeom>
-        </p:spPr>
-      </p:pic>
-      <p:sp>
-        <p:nvSpPr>
-          <p:cNvPr id="2" name="Заголовок 1"/>
-          <p:cNvSpPr>
-            <a:spLocks noGrp="1"/>
-          </p:cNvSpPr>
-          <p:nvPr>
-            <p:ph type="title"/>
-          </p:nvPr>
-        </p:nvSpPr>
-        <p:spPr>
-          <a:xfrm>
-            <a:off x="256374" y="365125"/>
-            <a:ext cx="11097426" cy="566367"/>
-          </a:xfrm>
-        </p:spPr>
-        <p:txBody>
-          <a:bodyPr>
-            <a:noAutofit/>
-          </a:bodyPr>
-          <a:lstStyle/>
-          <a:p>
-            <a:r>
-              <a:rPr lang="en-US" sz="3200" b="1" dirty="0"/>
-              <a:t>HIVE-COTE</a:t>
-            </a:r>
-            <a:endParaRPr lang="ru-RU" sz="3200" b="1" dirty="0"/>
-          </a:p>
-        </p:txBody>
-      </p:sp>
-      <p:sp>
-        <p:nvSpPr>
-          <p:cNvPr id="3" name="Объект 2"/>
-          <p:cNvSpPr>
-            <a:spLocks noGrp="1"/>
-          </p:cNvSpPr>
-          <p:nvPr>
-            <p:ph idx="1"/>
-          </p:nvPr>
-        </p:nvSpPr>
-        <p:spPr>
-          <a:xfrm>
-            <a:off x="256374" y="846034"/>
-            <a:ext cx="10943602" cy="5245471"/>
-          </a:xfrm>
-        </p:spPr>
-        <p:txBody>
-          <a:bodyPr>
-            <a:noAutofit/>
-          </a:bodyPr>
-          <a:lstStyle/>
-          <a:p>
-            <a:pPr lvl="0"/>
-            <a:r>
-              <a:rPr lang="ru-RU" sz="2200" dirty="0"/>
-              <a:t>Метод ансамбля с иерархическим коллективным голосованием на основе преобразований (HIVE-COTE) - это мета-ансамбль, построенный на классификаторах </a:t>
-            </a:r>
-            <a:r>
-              <a:rPr lang="en-US" sz="2200" dirty="0"/>
-              <a:t>HIVE-COTE (The Hierarchical Vote Collective of Transformation-based Ensembles with Collective of Transformation-based Ensembles)</a:t>
-            </a:r>
-            <a:endParaRPr lang="ru-RU" sz="2200" dirty="0"/>
-          </a:p>
-        </p:txBody>
-      </p:sp>
-      <p:sp>
-        <p:nvSpPr>
-          <p:cNvPr id="5" name="Прямоугольник 4"/>
-          <p:cNvSpPr/>
-          <p:nvPr/>
-        </p:nvSpPr>
-        <p:spPr>
-          <a:xfrm>
-            <a:off x="102550" y="3010525"/>
-            <a:ext cx="4450400" cy="1785104"/>
-          </a:xfrm>
-          <a:prstGeom prst="rect">
-            <a:avLst/>
-          </a:prstGeom>
-        </p:spPr>
-        <p:txBody>
-          <a:bodyPr wrap="square">
-            <a:spAutoFit/>
-          </a:bodyPr>
-          <a:lstStyle/>
-          <a:p>
-            <a:pPr marL="800100" lvl="1" indent="-342900">
-              <a:buFont typeface="Arial" panose="020B0604020202020204" pitchFamily="34" charset="0"/>
-              <a:buChar char="•"/>
-            </a:pPr>
-            <a:r>
-              <a:rPr lang="ru-RU" sz="2200" dirty="0"/>
-              <a:t>классификатор преобразования </a:t>
-            </a:r>
-            <a:r>
-              <a:rPr lang="ru-RU" sz="2200" dirty="0" err="1"/>
-              <a:t>шейплета</a:t>
-            </a:r>
-            <a:r>
-              <a:rPr lang="ru-RU" sz="2200" dirty="0"/>
-              <a:t>,</a:t>
-            </a:r>
-          </a:p>
-          <a:p>
-            <a:pPr marL="800100" lvl="1" indent="-342900">
-              <a:buFont typeface="Arial" panose="020B0604020202020204" pitchFamily="34" charset="0"/>
-              <a:buChar char="•"/>
-            </a:pPr>
-            <a:r>
-              <a:rPr lang="en-US" sz="2200" dirty="0"/>
-              <a:t>BOSS</a:t>
-            </a:r>
-            <a:r>
-              <a:rPr lang="ru-RU" sz="2200" dirty="0"/>
-              <a:t>,</a:t>
-            </a:r>
-          </a:p>
-          <a:p>
-            <a:pPr marL="800100" lvl="1" indent="-342900">
-              <a:buFont typeface="Arial" panose="020B0604020202020204" pitchFamily="34" charset="0"/>
-              <a:buChar char="•"/>
-            </a:pPr>
-            <a:r>
-              <a:rPr lang="ru-RU" sz="2200" dirty="0"/>
-              <a:t>Лес временных рядов,</a:t>
-            </a:r>
-          </a:p>
-          <a:p>
-            <a:pPr marL="800100" lvl="1" indent="-342900">
-              <a:buFont typeface="Arial" panose="020B0604020202020204" pitchFamily="34" charset="0"/>
-              <a:buChar char="•"/>
-            </a:pPr>
-            <a:r>
-              <a:rPr lang="en-US" sz="2200" dirty="0"/>
-              <a:t>RISE</a:t>
-            </a:r>
-            <a:r>
-              <a:rPr lang="ru-RU" sz="2200" dirty="0"/>
-              <a:t>.</a:t>
-            </a:r>
-          </a:p>
-        </p:txBody>
-      </p:sp>
-    </p:spTree>
-    <p:extLst>
-      <p:ext uri="{BB962C8B-B14F-4D97-AF65-F5344CB8AC3E}">
-        <p14:creationId xmlns:p14="http://schemas.microsoft.com/office/powerpoint/2010/main" val="1755865090"/>
       </p:ext>
     </p:extLst>
   </p:cSld>
@@ -8920,6 +9284,210 @@
         </p:blipFill>
         <p:spPr>
           <a:xfrm>
+            <a:off x="4652063" y="2314940"/>
+            <a:ext cx="6701737" cy="4356129"/>
+          </a:xfrm>
+          <a:prstGeom prst="rect">
+            <a:avLst/>
+          </a:prstGeom>
+        </p:spPr>
+      </p:pic>
+      <p:sp>
+        <p:nvSpPr>
+          <p:cNvPr id="2" name="Заголовок 1"/>
+          <p:cNvSpPr>
+            <a:spLocks noGrp="1"/>
+          </p:cNvSpPr>
+          <p:nvPr>
+            <p:ph type="title"/>
+          </p:nvPr>
+        </p:nvSpPr>
+        <p:spPr>
+          <a:xfrm>
+            <a:off x="256374" y="365125"/>
+            <a:ext cx="11097426" cy="566367"/>
+          </a:xfrm>
+        </p:spPr>
+        <p:txBody>
+          <a:bodyPr>
+            <a:noAutofit/>
+          </a:bodyPr>
+          <a:lstStyle/>
+          <a:p>
+            <a:r>
+              <a:rPr lang="en-US" sz="3200" b="1" dirty="0"/>
+              <a:t>HIVE-COTE</a:t>
+            </a:r>
+            <a:endParaRPr lang="ru-RU" sz="3200" b="1" dirty="0"/>
+          </a:p>
+        </p:txBody>
+      </p:sp>
+      <p:sp>
+        <p:nvSpPr>
+          <p:cNvPr id="3" name="Объект 2"/>
+          <p:cNvSpPr>
+            <a:spLocks noGrp="1"/>
+          </p:cNvSpPr>
+          <p:nvPr>
+            <p:ph idx="1"/>
+          </p:nvPr>
+        </p:nvSpPr>
+        <p:spPr>
+          <a:xfrm>
+            <a:off x="256374" y="846034"/>
+            <a:ext cx="10943602" cy="5245471"/>
+          </a:xfrm>
+        </p:spPr>
+        <p:txBody>
+          <a:bodyPr>
+            <a:noAutofit/>
+          </a:bodyPr>
+          <a:lstStyle/>
+          <a:p>
+            <a:pPr lvl="0"/>
+            <a:r>
+              <a:rPr lang="ru-RU" sz="2200" dirty="0"/>
+              <a:t>Метод ансамбля с иерархическим коллективным голосованием на основе преобразований (HIVE-COTE) - это мета-ансамбль, построенный на классификаторах </a:t>
+            </a:r>
+            <a:r>
+              <a:rPr lang="en-US" sz="2200" dirty="0"/>
+              <a:t>HIVE-COTE (The Hierarchical Vote Collective of Transformation-based Ensembles with Collective of Transformation-based Ensembles)</a:t>
+            </a:r>
+            <a:endParaRPr lang="ru-RU" sz="2200" dirty="0"/>
+          </a:p>
+        </p:txBody>
+      </p:sp>
+      <p:sp>
+        <p:nvSpPr>
+          <p:cNvPr id="5" name="Прямоугольник 4"/>
+          <p:cNvSpPr/>
+          <p:nvPr/>
+        </p:nvSpPr>
+        <p:spPr>
+          <a:xfrm>
+            <a:off x="102550" y="3010525"/>
+            <a:ext cx="4450400" cy="1785104"/>
+          </a:xfrm>
+          <a:prstGeom prst="rect">
+            <a:avLst/>
+          </a:prstGeom>
+        </p:spPr>
+        <p:txBody>
+          <a:bodyPr wrap="square">
+            <a:spAutoFit/>
+          </a:bodyPr>
+          <a:lstStyle/>
+          <a:p>
+            <a:pPr marL="800100" lvl="1" indent="-342900">
+              <a:buFont typeface="Arial" panose="020B0604020202020204" pitchFamily="34" charset="0"/>
+              <a:buChar char="•"/>
+            </a:pPr>
+            <a:r>
+              <a:rPr lang="ru-RU" sz="2200" dirty="0"/>
+              <a:t>классификатор преобразования </a:t>
+            </a:r>
+            <a:r>
+              <a:rPr lang="ru-RU" sz="2200" dirty="0" err="1"/>
+              <a:t>шейплета</a:t>
+            </a:r>
+            <a:r>
+              <a:rPr lang="ru-RU" sz="2200" dirty="0"/>
+              <a:t>,</a:t>
+            </a:r>
+          </a:p>
+          <a:p>
+            <a:pPr marL="800100" lvl="1" indent="-342900">
+              <a:buFont typeface="Arial" panose="020B0604020202020204" pitchFamily="34" charset="0"/>
+              <a:buChar char="•"/>
+            </a:pPr>
+            <a:r>
+              <a:rPr lang="en-US" sz="2200" dirty="0"/>
+              <a:t>BOSS</a:t>
+            </a:r>
+            <a:r>
+              <a:rPr lang="ru-RU" sz="2200" dirty="0"/>
+              <a:t>,</a:t>
+            </a:r>
+          </a:p>
+          <a:p>
+            <a:pPr marL="800100" lvl="1" indent="-342900">
+              <a:buFont typeface="Arial" panose="020B0604020202020204" pitchFamily="34" charset="0"/>
+              <a:buChar char="•"/>
+            </a:pPr>
+            <a:r>
+              <a:rPr lang="ru-RU" sz="2200" dirty="0"/>
+              <a:t>Лес временных рядов,</a:t>
+            </a:r>
+          </a:p>
+          <a:p>
+            <a:pPr marL="800100" lvl="1" indent="-342900">
+              <a:buFont typeface="Arial" panose="020B0604020202020204" pitchFamily="34" charset="0"/>
+              <a:buChar char="•"/>
+            </a:pPr>
+            <a:r>
+              <a:rPr lang="en-US" sz="2200" dirty="0"/>
+              <a:t>RISE</a:t>
+            </a:r>
+            <a:r>
+              <a:rPr lang="ru-RU" sz="2200" dirty="0"/>
+              <a:t>.</a:t>
+            </a:r>
+          </a:p>
+        </p:txBody>
+      </p:sp>
+    </p:spTree>
+    <p:extLst>
+      <p:ext uri="{BB962C8B-B14F-4D97-AF65-F5344CB8AC3E}">
+        <p14:creationId xmlns:p14="http://schemas.microsoft.com/office/powerpoint/2010/main" val="1755865090"/>
+      </p:ext>
+    </p:extLst>
+  </p:cSld>
+  <p:clrMapOvr>
+    <a:masterClrMapping/>
+  </p:clrMapOvr>
+  <p:timing>
+    <p:tnLst>
+      <p:par>
+        <p:cTn id="1" dur="indefinite" restart="never" nodeType="tmRoot"/>
+      </p:par>
+    </p:tnLst>
+  </p:timing>
+</p:sld>
+</file>
+
+<file path=ppt/slides/slide26.xml><?xml version="1.0" encoding="utf-8"?>
+<p:sld xmlns:a="http://schemas.openxmlformats.org/drawingml/2006/main" xmlns:r="http://schemas.openxmlformats.org/officeDocument/2006/relationships" xmlns:p="http://schemas.openxmlformats.org/presentationml/2006/main">
+  <p:cSld>
+    <p:spTree>
+      <p:nvGrpSpPr>
+        <p:cNvPr id="1" name=""/>
+        <p:cNvGrpSpPr/>
+        <p:nvPr/>
+      </p:nvGrpSpPr>
+      <p:grpSpPr>
+        <a:xfrm>
+          <a:off x="0" y="0"/>
+          <a:ext cx="0" cy="0"/>
+          <a:chOff x="0" y="0"/>
+          <a:chExt cx="0" cy="0"/>
+        </a:xfrm>
+      </p:grpSpPr>
+      <p:pic>
+        <p:nvPicPr>
+          <p:cNvPr id="4" name="Рисунок 3"/>
+          <p:cNvPicPr>
+            <a:picLocks noChangeAspect="1"/>
+          </p:cNvPicPr>
+          <p:nvPr/>
+        </p:nvPicPr>
+        <p:blipFill>
+          <a:blip r:embed="rId2"/>
+          <a:stretch>
+            <a:fillRect/>
+          </a:stretch>
+        </p:blipFill>
+        <p:spPr>
+          <a:xfrm>
             <a:off x="8077200" y="4415870"/>
             <a:ext cx="3757122" cy="2442129"/>
           </a:xfrm>
@@ -9096,7 +9664,7 @@
 </p:sld>
 </file>
 
-<file path=ppt/slides/slide26.xml><?xml version="1.0" encoding="utf-8"?>
+<file path=ppt/slides/slide27.xml><?xml version="1.0" encoding="utf-8"?>
 <p:sld xmlns:a="http://schemas.openxmlformats.org/drawingml/2006/main" xmlns:r="http://schemas.openxmlformats.org/officeDocument/2006/relationships" xmlns:p="http://schemas.openxmlformats.org/presentationml/2006/main">
   <p:cSld>
     <p:spTree>
@@ -9367,75 +9935,427 @@
               <a:rPr lang="ru-RU" sz="2200" dirty="0"/>
               <a:t>Признаки - это определенные регулярные характеристиках для каждой последовательности.  </a:t>
             </a:r>
-          </a:p>
-          <a:p>
-            <a:r>
-              <a:rPr lang="ru-RU" sz="2200" dirty="0"/>
-              <a:t>Признаки:</a:t>
-            </a:r>
+            <a:endParaRPr lang="ru-RU" sz="2200" dirty="0" smtClean="0"/>
           </a:p>
           <a:p>
             <a:pPr lvl="1"/>
             <a:r>
-              <a:rPr lang="ru-RU" sz="2200" dirty="0"/>
-              <a:t>Регулярны для набора данных.</a:t>
-            </a:r>
-          </a:p>
-          <a:p>
-            <a:pPr lvl="1"/>
-            <a:r>
-              <a:rPr lang="ru-RU" sz="2200" dirty="0"/>
-              <a:t>Отражают класс (регулярны для класса).</a:t>
-            </a:r>
-          </a:p>
-          <a:p>
-            <a:pPr lvl="1"/>
-            <a:r>
-              <a:rPr lang="ru-RU" sz="2200" dirty="0"/>
-              <a:t>Не коррелируют друг с другом (иначе избыточны!).</a:t>
-            </a:r>
-          </a:p>
-          <a:p>
-            <a:pPr lvl="2"/>
-            <a:r>
-              <a:rPr lang="ru-RU" sz="1800" dirty="0"/>
-              <a:t>Можно решить отбором признаков.</a:t>
-            </a:r>
-          </a:p>
-          <a:p>
-            <a:pPr lvl="1"/>
-            <a:r>
-              <a:rPr lang="ru-RU" sz="2200" dirty="0"/>
-              <a:t>Позволяют различать классы как можно более четко.</a:t>
-            </a:r>
-          </a:p>
-          <a:p>
-            <a:pPr lvl="2"/>
-            <a:r>
-              <a:rPr lang="ru-RU" sz="1800" dirty="0"/>
-              <a:t>А еще можно преобразовать признаки.</a:t>
-            </a:r>
-          </a:p>
-          <a:p>
-            <a:pPr lvl="1"/>
-            <a:r>
-              <a:rPr lang="ru-RU" sz="2000" dirty="0"/>
-              <a:t>Экзогенные факторы – тоже могут быть признаками.</a:t>
-            </a:r>
-          </a:p>
-          <a:p>
-            <a:pPr lvl="1"/>
-            <a:r>
-              <a:rPr lang="ru-RU" sz="2200" dirty="0"/>
-              <a:t>Пространство признаков должно быть достаточным для проведения классификации.</a:t>
-            </a:r>
-          </a:p>
-          <a:p>
-            <a:pPr lvl="2"/>
-            <a:r>
-              <a:rPr lang="ru-RU" sz="1800" dirty="0"/>
-              <a:t>От этого будет зависеть точность классификации</a:t>
-            </a:r>
+              <a:rPr lang="ru-RU" sz="1800" dirty="0" smtClean="0"/>
+              <a:t>То есть это репрезентация ВР в рамках задачи</a:t>
+            </a:r>
+            <a:endParaRPr lang="ru-RU" sz="1800" dirty="0"/>
+          </a:p>
+        </p:txBody>
+      </p:sp>
+      <p:pic>
+        <p:nvPicPr>
+          <p:cNvPr id="4" name="Рисунок 3"/>
+          <p:cNvPicPr>
+            <a:picLocks noChangeAspect="1"/>
+          </p:cNvPicPr>
+          <p:nvPr/>
+        </p:nvPicPr>
+        <p:blipFill rotWithShape="1">
+          <a:blip r:embed="rId2"/>
+          <a:srcRect r="13139"/>
+          <a:stretch/>
+        </p:blipFill>
+        <p:spPr>
+          <a:xfrm>
+            <a:off x="4591128" y="3564166"/>
+            <a:ext cx="5626081" cy="2637208"/>
+          </a:xfrm>
+          <a:prstGeom prst="rect">
+            <a:avLst/>
+          </a:prstGeom>
+        </p:spPr>
+      </p:pic>
+      <p:sp>
+        <p:nvSpPr>
+          <p:cNvPr id="5" name="Стрелка вправо 4"/>
+          <p:cNvSpPr/>
+          <p:nvPr/>
+        </p:nvSpPr>
+        <p:spPr>
+          <a:xfrm rot="16200000">
+            <a:off x="1740089" y="3790001"/>
+            <a:ext cx="397380" cy="143444"/>
+          </a:xfrm>
+          <a:prstGeom prst="rightArrow">
+            <a:avLst/>
+          </a:prstGeom>
+        </p:spPr>
+        <p:style>
+          <a:lnRef idx="2">
+            <a:schemeClr val="accent1">
+              <a:shade val="50000"/>
+            </a:schemeClr>
+          </a:lnRef>
+          <a:fillRef idx="1">
+            <a:schemeClr val="accent1"/>
+          </a:fillRef>
+          <a:effectRef idx="0">
+            <a:schemeClr val="accent1"/>
+          </a:effectRef>
+          <a:fontRef idx="minor">
+            <a:schemeClr val="lt1"/>
+          </a:fontRef>
+        </p:style>
+        <p:txBody>
+          <a:bodyPr rtlCol="0" anchor="ctr"/>
+          <a:lstStyle/>
+          <a:p>
+            <a:pPr algn="ctr"/>
+            <a:endParaRPr lang="ru-RU"/>
+          </a:p>
+        </p:txBody>
+      </p:sp>
+      <p:sp>
+        <p:nvSpPr>
+          <p:cNvPr id="6" name="TextBox 5"/>
+          <p:cNvSpPr txBox="1"/>
+          <p:nvPr/>
+        </p:nvSpPr>
+        <p:spPr>
+          <a:xfrm>
+            <a:off x="10648060" y="4365163"/>
+            <a:ext cx="901593" cy="369332"/>
+          </a:xfrm>
+          <a:prstGeom prst="rect">
+            <a:avLst/>
+          </a:prstGeom>
+          <a:noFill/>
+        </p:spPr>
+        <p:txBody>
+          <a:bodyPr wrap="none" rtlCol="0">
+            <a:spAutoFit/>
+          </a:bodyPr>
+          <a:lstStyle/>
+          <a:p>
+            <a:r>
+              <a:rPr lang="ru-RU" dirty="0"/>
+              <a:t>Класс 1</a:t>
+            </a:r>
+          </a:p>
+        </p:txBody>
+      </p:sp>
+      <p:pic>
+        <p:nvPicPr>
+          <p:cNvPr id="7" name="Объект 3"/>
+          <p:cNvPicPr>
+            <a:picLocks noChangeAspect="1"/>
+          </p:cNvPicPr>
+          <p:nvPr/>
+        </p:nvPicPr>
+        <p:blipFill rotWithShape="1">
+          <a:blip r:embed="rId3"/>
+          <a:srcRect t="14294"/>
+          <a:stretch/>
+        </p:blipFill>
+        <p:spPr>
+          <a:xfrm>
+            <a:off x="481326" y="3996660"/>
+            <a:ext cx="3522908" cy="2613366"/>
+          </a:xfrm>
+          <a:prstGeom prst="rect">
+            <a:avLst/>
+          </a:prstGeom>
+        </p:spPr>
+      </p:pic>
+      <p:sp>
+        <p:nvSpPr>
+          <p:cNvPr id="8" name="Стрелка вправо 7"/>
+          <p:cNvSpPr/>
+          <p:nvPr/>
+        </p:nvSpPr>
+        <p:spPr>
+          <a:xfrm>
+            <a:off x="10217209" y="4750971"/>
+            <a:ext cx="430851" cy="296550"/>
+          </a:xfrm>
+          <a:prstGeom prst="rightArrow">
+            <a:avLst/>
+          </a:prstGeom>
+        </p:spPr>
+        <p:style>
+          <a:lnRef idx="2">
+            <a:schemeClr val="accent1">
+              <a:shade val="50000"/>
+            </a:schemeClr>
+          </a:lnRef>
+          <a:fillRef idx="1">
+            <a:schemeClr val="accent1"/>
+          </a:fillRef>
+          <a:effectRef idx="0">
+            <a:schemeClr val="accent1"/>
+          </a:effectRef>
+          <a:fontRef idx="minor">
+            <a:schemeClr val="lt1"/>
+          </a:fontRef>
+        </p:style>
+        <p:txBody>
+          <a:bodyPr rtlCol="0" anchor="ctr"/>
+          <a:lstStyle/>
+          <a:p>
+            <a:pPr algn="ctr"/>
+            <a:endParaRPr lang="ru-RU"/>
+          </a:p>
+        </p:txBody>
+      </p:sp>
+      <p:sp>
+        <p:nvSpPr>
+          <p:cNvPr id="9" name="TextBox 8"/>
+          <p:cNvSpPr txBox="1"/>
+          <p:nvPr/>
+        </p:nvSpPr>
+        <p:spPr>
+          <a:xfrm>
+            <a:off x="10648060" y="4714580"/>
+            <a:ext cx="901593" cy="369332"/>
+          </a:xfrm>
+          <a:prstGeom prst="rect">
+            <a:avLst/>
+          </a:prstGeom>
+          <a:noFill/>
+        </p:spPr>
+        <p:txBody>
+          <a:bodyPr wrap="none" rtlCol="0">
+            <a:spAutoFit/>
+          </a:bodyPr>
+          <a:lstStyle/>
+          <a:p>
+            <a:r>
+              <a:rPr lang="ru-RU" dirty="0"/>
+              <a:t>Класс 2</a:t>
+            </a:r>
+          </a:p>
+        </p:txBody>
+      </p:sp>
+      <p:sp>
+        <p:nvSpPr>
+          <p:cNvPr id="10" name="TextBox 9"/>
+          <p:cNvSpPr txBox="1"/>
+          <p:nvPr/>
+        </p:nvSpPr>
+        <p:spPr>
+          <a:xfrm>
+            <a:off x="10334708" y="5107394"/>
+            <a:ext cx="343364" cy="369332"/>
+          </a:xfrm>
+          <a:prstGeom prst="rect">
+            <a:avLst/>
+          </a:prstGeom>
+          <a:noFill/>
+        </p:spPr>
+        <p:txBody>
+          <a:bodyPr wrap="none" rtlCol="0">
+            <a:spAutoFit/>
+          </a:bodyPr>
+          <a:lstStyle/>
+          <a:p>
+            <a:r>
+              <a:rPr lang="en-US" dirty="0"/>
+              <a:t>…</a:t>
+            </a:r>
+            <a:endParaRPr lang="ru-RU" dirty="0"/>
+          </a:p>
+        </p:txBody>
+      </p:sp>
+      <p:sp>
+        <p:nvSpPr>
+          <p:cNvPr id="11" name="Стрелка вправо 10"/>
+          <p:cNvSpPr/>
+          <p:nvPr/>
+        </p:nvSpPr>
+        <p:spPr>
+          <a:xfrm>
+            <a:off x="10217209" y="4430939"/>
+            <a:ext cx="430851" cy="296550"/>
+          </a:xfrm>
+          <a:prstGeom prst="rightArrow">
+            <a:avLst/>
+          </a:prstGeom>
+        </p:spPr>
+        <p:style>
+          <a:lnRef idx="2">
+            <a:schemeClr val="accent1">
+              <a:shade val="50000"/>
+            </a:schemeClr>
+          </a:lnRef>
+          <a:fillRef idx="1">
+            <a:schemeClr val="accent1"/>
+          </a:fillRef>
+          <a:effectRef idx="0">
+            <a:schemeClr val="accent1"/>
+          </a:effectRef>
+          <a:fontRef idx="minor">
+            <a:schemeClr val="lt1"/>
+          </a:fontRef>
+        </p:style>
+        <p:txBody>
+          <a:bodyPr rtlCol="0" anchor="ctr"/>
+          <a:lstStyle/>
+          <a:p>
+            <a:pPr algn="ctr"/>
+            <a:endParaRPr lang="ru-RU"/>
+          </a:p>
+        </p:txBody>
+      </p:sp>
+      <p:sp>
+        <p:nvSpPr>
+          <p:cNvPr id="12" name="TextBox 11"/>
+          <p:cNvSpPr txBox="1"/>
+          <p:nvPr/>
+        </p:nvSpPr>
+        <p:spPr>
+          <a:xfrm>
+            <a:off x="1452927" y="3275849"/>
+            <a:ext cx="901593" cy="369332"/>
+          </a:xfrm>
+          <a:prstGeom prst="rect">
+            <a:avLst/>
+          </a:prstGeom>
+          <a:noFill/>
+        </p:spPr>
+        <p:txBody>
+          <a:bodyPr wrap="none" rtlCol="0">
+            <a:spAutoFit/>
+          </a:bodyPr>
+          <a:lstStyle/>
+          <a:p>
+            <a:r>
+              <a:rPr lang="ru-RU" dirty="0"/>
+              <a:t>Класс 1</a:t>
+            </a:r>
+          </a:p>
+        </p:txBody>
+      </p:sp>
+      <p:sp>
+        <p:nvSpPr>
+          <p:cNvPr id="13" name="Стрелка вправо 12"/>
+          <p:cNvSpPr/>
+          <p:nvPr/>
+        </p:nvSpPr>
+        <p:spPr>
+          <a:xfrm rot="16200000">
+            <a:off x="2370198" y="3722533"/>
+            <a:ext cx="397380" cy="143444"/>
+          </a:xfrm>
+          <a:prstGeom prst="rightArrow">
+            <a:avLst/>
+          </a:prstGeom>
+        </p:spPr>
+        <p:style>
+          <a:lnRef idx="2">
+            <a:schemeClr val="accent1">
+              <a:shade val="50000"/>
+            </a:schemeClr>
+          </a:lnRef>
+          <a:fillRef idx="1">
+            <a:schemeClr val="accent1"/>
+          </a:fillRef>
+          <a:effectRef idx="0">
+            <a:schemeClr val="accent1"/>
+          </a:effectRef>
+          <a:fontRef idx="minor">
+            <a:schemeClr val="lt1"/>
+          </a:fontRef>
+        </p:style>
+        <p:txBody>
+          <a:bodyPr rtlCol="0" anchor="ctr"/>
+          <a:lstStyle/>
+          <a:p>
+            <a:pPr algn="ctr"/>
+            <a:endParaRPr lang="ru-RU"/>
+          </a:p>
+        </p:txBody>
+      </p:sp>
+      <p:sp>
+        <p:nvSpPr>
+          <p:cNvPr id="14" name="TextBox 13"/>
+          <p:cNvSpPr txBox="1"/>
+          <p:nvPr/>
+        </p:nvSpPr>
+        <p:spPr>
+          <a:xfrm>
+            <a:off x="2274928" y="3235159"/>
+            <a:ext cx="901593" cy="369332"/>
+          </a:xfrm>
+          <a:prstGeom prst="rect">
+            <a:avLst/>
+          </a:prstGeom>
+          <a:noFill/>
+        </p:spPr>
+        <p:txBody>
+          <a:bodyPr wrap="none" rtlCol="0">
+            <a:spAutoFit/>
+          </a:bodyPr>
+          <a:lstStyle/>
+          <a:p>
+            <a:r>
+              <a:rPr lang="ru-RU" dirty="0"/>
+              <a:t>Класс 2</a:t>
+            </a:r>
+          </a:p>
+        </p:txBody>
+      </p:sp>
+      <p:sp>
+        <p:nvSpPr>
+          <p:cNvPr id="15" name="TextBox 14"/>
+          <p:cNvSpPr txBox="1"/>
+          <p:nvPr/>
+        </p:nvSpPr>
+        <p:spPr>
+          <a:xfrm>
+            <a:off x="2010501" y="2920375"/>
+            <a:ext cx="960519" cy="369332"/>
+          </a:xfrm>
+          <a:prstGeom prst="rect">
+            <a:avLst/>
+          </a:prstGeom>
+          <a:noFill/>
+        </p:spPr>
+        <p:txBody>
+          <a:bodyPr wrap="none" rtlCol="0">
+            <a:spAutoFit/>
+          </a:bodyPr>
+          <a:lstStyle/>
+          <a:p>
+            <a:r>
+              <a:rPr lang="ru-RU" dirty="0" smtClean="0"/>
+              <a:t>Данные</a:t>
+            </a:r>
+            <a:endParaRPr lang="ru-RU" dirty="0"/>
+          </a:p>
+        </p:txBody>
+      </p:sp>
+      <p:sp>
+        <p:nvSpPr>
+          <p:cNvPr id="16" name="TextBox 15"/>
+          <p:cNvSpPr txBox="1"/>
+          <p:nvPr/>
+        </p:nvSpPr>
+        <p:spPr>
+          <a:xfrm>
+            <a:off x="7296603" y="3040086"/>
+            <a:ext cx="1140056" cy="369332"/>
+          </a:xfrm>
+          <a:prstGeom prst="rect">
+            <a:avLst/>
+          </a:prstGeom>
+          <a:noFill/>
+        </p:spPr>
+        <p:txBody>
+          <a:bodyPr wrap="none" rtlCol="0">
+            <a:spAutoFit/>
+          </a:bodyPr>
+          <a:lstStyle/>
+          <a:p>
+            <a:r>
+              <a:rPr lang="ru-RU" dirty="0" smtClean="0"/>
+              <a:t>Признаки</a:t>
+            </a:r>
+            <a:endParaRPr lang="ru-RU" dirty="0"/>
           </a:p>
         </p:txBody>
       </p:sp>
@@ -9460,6 +10380,166 @@
 </file>
 
 <file path=ppt/slides/slide4.xml><?xml version="1.0" encoding="utf-8"?>
+<p:sld xmlns:a="http://schemas.openxmlformats.org/drawingml/2006/main" xmlns:r="http://schemas.openxmlformats.org/officeDocument/2006/relationships" xmlns:p="http://schemas.openxmlformats.org/presentationml/2006/main">
+  <p:cSld>
+    <p:spTree>
+      <p:nvGrpSpPr>
+        <p:cNvPr id="1" name=""/>
+        <p:cNvGrpSpPr/>
+        <p:nvPr/>
+      </p:nvGrpSpPr>
+      <p:grpSpPr>
+        <a:xfrm>
+          <a:off x="0" y="0"/>
+          <a:ext cx="0" cy="0"/>
+          <a:chOff x="0" y="0"/>
+          <a:chExt cx="0" cy="0"/>
+        </a:xfrm>
+      </p:grpSpPr>
+      <p:sp>
+        <p:nvSpPr>
+          <p:cNvPr id="2" name="Заголовок 1"/>
+          <p:cNvSpPr>
+            <a:spLocks noGrp="1"/>
+          </p:cNvSpPr>
+          <p:nvPr>
+            <p:ph type="title"/>
+          </p:nvPr>
+        </p:nvSpPr>
+        <p:spPr>
+          <a:xfrm>
+            <a:off x="838200" y="365125"/>
+            <a:ext cx="10515600" cy="970061"/>
+          </a:xfrm>
+        </p:spPr>
+        <p:txBody>
+          <a:bodyPr/>
+          <a:lstStyle/>
+          <a:p>
+            <a:r>
+              <a:rPr lang="ru-RU" dirty="0"/>
+              <a:t>Подход на основе признаков</a:t>
+            </a:r>
+          </a:p>
+        </p:txBody>
+      </p:sp>
+      <p:sp>
+        <p:nvSpPr>
+          <p:cNvPr id="3" name="Объект 2"/>
+          <p:cNvSpPr>
+            <a:spLocks noGrp="1"/>
+          </p:cNvSpPr>
+          <p:nvPr>
+            <p:ph idx="1"/>
+          </p:nvPr>
+        </p:nvSpPr>
+        <p:spPr>
+          <a:xfrm>
+            <a:off x="552627" y="1246525"/>
+            <a:ext cx="11055603" cy="5363501"/>
+          </a:xfrm>
+        </p:spPr>
+        <p:txBody>
+          <a:bodyPr>
+            <a:normAutofit/>
+          </a:bodyPr>
+          <a:lstStyle/>
+          <a:p>
+            <a:r>
+              <a:rPr lang="ru-RU" sz="2200" dirty="0" smtClean="0"/>
+              <a:t>Признаки</a:t>
+            </a:r>
+            <a:r>
+              <a:rPr lang="ru-RU" sz="2200" dirty="0"/>
+              <a:t>:</a:t>
+            </a:r>
+          </a:p>
+          <a:p>
+            <a:pPr lvl="1"/>
+            <a:r>
+              <a:rPr lang="ru-RU" sz="2200" dirty="0"/>
+              <a:t>Регулярны для набора данных.</a:t>
+            </a:r>
+          </a:p>
+          <a:p>
+            <a:pPr lvl="1"/>
+            <a:r>
+              <a:rPr lang="ru-RU" sz="2200" dirty="0"/>
+              <a:t>Отражают класс (регулярны для класса).</a:t>
+            </a:r>
+          </a:p>
+          <a:p>
+            <a:pPr lvl="1"/>
+            <a:r>
+              <a:rPr lang="ru-RU" sz="2200" dirty="0"/>
+              <a:t>Не коррелируют друг с другом (иначе избыточны!).</a:t>
+            </a:r>
+          </a:p>
+          <a:p>
+            <a:pPr lvl="2"/>
+            <a:r>
+              <a:rPr lang="ru-RU" sz="1800" dirty="0"/>
+              <a:t>Можно решить отбором признаков.</a:t>
+            </a:r>
+          </a:p>
+          <a:p>
+            <a:pPr lvl="1"/>
+            <a:r>
+              <a:rPr lang="ru-RU" sz="2200" dirty="0"/>
+              <a:t>Позволяют различать классы как можно более четко.</a:t>
+            </a:r>
+          </a:p>
+          <a:p>
+            <a:pPr lvl="2"/>
+            <a:r>
+              <a:rPr lang="ru-RU" sz="1800" dirty="0"/>
+              <a:t>А еще можно преобразовать признаки.</a:t>
+            </a:r>
+          </a:p>
+          <a:p>
+            <a:pPr lvl="1"/>
+            <a:r>
+              <a:rPr lang="ru-RU" sz="2000" dirty="0"/>
+              <a:t>Экзогенные факторы – тоже могут быть признаками.</a:t>
+            </a:r>
+          </a:p>
+          <a:p>
+            <a:pPr lvl="1"/>
+            <a:r>
+              <a:rPr lang="ru-RU" sz="2200" dirty="0"/>
+              <a:t>Пространство признаков должно быть достаточным для проведения классификации.</a:t>
+            </a:r>
+          </a:p>
+          <a:p>
+            <a:pPr lvl="2"/>
+            <a:r>
+              <a:rPr lang="ru-RU" sz="1800" dirty="0"/>
+              <a:t>От этого будет зависеть точность классификации</a:t>
+            </a:r>
+          </a:p>
+        </p:txBody>
+      </p:sp>
+    </p:spTree>
+    <p:extLst>
+      <p:ext uri="{BB962C8B-B14F-4D97-AF65-F5344CB8AC3E}">
+        <p14:creationId xmlns:p14="http://schemas.microsoft.com/office/powerpoint/2010/main" val="3592650938"/>
+      </p:ext>
+    </p:extLst>
+  </p:cSld>
+  <p:clrMapOvr>
+    <a:masterClrMapping/>
+  </p:clrMapOvr>
+  <p:timing>
+    <p:tnLst>
+      <p:par>
+        <p:cTn id="1" dur="indefinite" restart="never" nodeType="tmRoot"/>
+      </p:par>
+    </p:tnLst>
+  </p:timing>
+</p:sld>
+</file>
+
+<file path=ppt/slides/slide5.xml><?xml version="1.0" encoding="utf-8"?>
 <p:sld xmlns:a="http://schemas.openxmlformats.org/drawingml/2006/main" xmlns:r="http://schemas.openxmlformats.org/officeDocument/2006/relationships" xmlns:p="http://schemas.openxmlformats.org/presentationml/2006/main">
   <p:cSld>
     <p:spTree>
@@ -9631,235 +10711,6 @@
 </p:sld>
 </file>
 
-<file path=ppt/slides/slide5.xml><?xml version="1.0" encoding="utf-8"?>
-<p:sld xmlns:a="http://schemas.openxmlformats.org/drawingml/2006/main" xmlns:r="http://schemas.openxmlformats.org/officeDocument/2006/relationships" xmlns:p="http://schemas.openxmlformats.org/presentationml/2006/main">
-  <p:cSld>
-    <p:spTree>
-      <p:nvGrpSpPr>
-        <p:cNvPr id="1" name=""/>
-        <p:cNvGrpSpPr/>
-        <p:nvPr/>
-      </p:nvGrpSpPr>
-      <p:grpSpPr>
-        <a:xfrm>
-          <a:off x="0" y="0"/>
-          <a:ext cx="0" cy="0"/>
-          <a:chOff x="0" y="0"/>
-          <a:chExt cx="0" cy="0"/>
-        </a:xfrm>
-      </p:grpSpPr>
-      <p:sp>
-        <p:nvSpPr>
-          <p:cNvPr id="2" name="Заголовок 1"/>
-          <p:cNvSpPr>
-            <a:spLocks noGrp="1"/>
-          </p:cNvSpPr>
-          <p:nvPr>
-            <p:ph type="title"/>
-          </p:nvPr>
-        </p:nvSpPr>
-        <p:spPr>
-          <a:xfrm>
-            <a:off x="838200" y="365126"/>
-            <a:ext cx="10515600" cy="1036384"/>
-          </a:xfrm>
-        </p:spPr>
-        <p:txBody>
-          <a:bodyPr/>
-          <a:lstStyle/>
-          <a:p>
-            <a:r>
-              <a:rPr lang="ru-RU" b="1" dirty="0"/>
-              <a:t>Подход на основе признаков</a:t>
-            </a:r>
-          </a:p>
-        </p:txBody>
-      </p:sp>
-      <p:sp>
-        <p:nvSpPr>
-          <p:cNvPr id="3" name="Объект 2"/>
-          <p:cNvSpPr>
-            <a:spLocks noGrp="1"/>
-          </p:cNvSpPr>
-          <p:nvPr>
-            <p:ph idx="1"/>
-          </p:nvPr>
-        </p:nvSpPr>
-        <p:spPr>
-          <a:xfrm>
-            <a:off x="220980" y="1219200"/>
-            <a:ext cx="11640094" cy="5529943"/>
-          </a:xfrm>
-        </p:spPr>
-        <p:txBody>
-          <a:bodyPr>
-            <a:normAutofit/>
-          </a:bodyPr>
-          <a:lstStyle/>
-          <a:p>
-            <a:pPr>
-              <a:lnSpc>
-                <a:spcPct val="100000"/>
-              </a:lnSpc>
-            </a:pPr>
-            <a:r>
-              <a:rPr lang="ru-RU" sz="2200" dirty="0"/>
-              <a:t>Подход предполагает, что модель строится на выделение признаков и принятии решений.</a:t>
-            </a:r>
-          </a:p>
-          <a:p>
-            <a:pPr>
-              <a:lnSpc>
-                <a:spcPct val="100000"/>
-              </a:lnSpc>
-            </a:pPr>
-            <a:r>
-              <a:rPr lang="ru-RU" sz="2200" dirty="0"/>
-              <a:t>Признаки могут быть выделены</a:t>
-            </a:r>
-          </a:p>
-          <a:p>
-            <a:pPr lvl="1">
-              <a:lnSpc>
-                <a:spcPct val="100000"/>
-              </a:lnSpc>
-            </a:pPr>
-            <a:r>
-              <a:rPr lang="ru-RU" sz="2200" dirty="0"/>
-              <a:t>для всего сегмента ряда (глобальные признаки),</a:t>
-            </a:r>
-          </a:p>
-          <a:p>
-            <a:pPr lvl="1">
-              <a:lnSpc>
-                <a:spcPct val="100000"/>
-              </a:lnSpc>
-            </a:pPr>
-            <a:r>
-              <a:rPr lang="ru-RU" sz="2200" dirty="0"/>
-              <a:t>для некоторых его частей (интервальные признаки). </a:t>
-            </a:r>
-            <a:r>
-              <a:rPr lang="ru-RU" sz="2000" dirty="0"/>
-              <a:t>При этом интервалы могут быть</a:t>
-            </a:r>
-            <a:endParaRPr lang="ru-RU" sz="2200" dirty="0"/>
-          </a:p>
-          <a:p>
-            <a:pPr lvl="2">
-              <a:lnSpc>
-                <a:spcPct val="100000"/>
-              </a:lnSpc>
-            </a:pPr>
-            <a:r>
-              <a:rPr lang="ru-RU" dirty="0"/>
-              <a:t>Детерминированными</a:t>
-            </a:r>
-            <a:r>
-              <a:rPr lang="en-US" dirty="0"/>
-              <a:t> (</a:t>
-            </a:r>
-            <a:r>
-              <a:rPr lang="ru-RU" dirty="0"/>
-              <a:t>за ранее). </a:t>
-            </a:r>
-          </a:p>
-          <a:p>
-            <a:pPr lvl="2">
-              <a:lnSpc>
-                <a:spcPct val="100000"/>
-              </a:lnSpc>
-            </a:pPr>
-            <a:r>
-              <a:rPr lang="ru-RU" dirty="0"/>
-              <a:t>выбранными случайно.</a:t>
-            </a:r>
-          </a:p>
-          <a:p>
-            <a:pPr lvl="2">
-              <a:lnSpc>
-                <a:spcPct val="100000"/>
-              </a:lnSpc>
-            </a:pPr>
-            <a:r>
-              <a:rPr lang="ru-RU" dirty="0"/>
-              <a:t>Выбранными путем оптимизации как </a:t>
-            </a:r>
-            <a:r>
-              <a:rPr lang="ru-RU" dirty="0" err="1"/>
-              <a:t>гиперпараметр</a:t>
-            </a:r>
-            <a:r>
-              <a:rPr lang="ru-RU" dirty="0"/>
-              <a:t>.</a:t>
-            </a:r>
-          </a:p>
-          <a:p>
-            <a:pPr lvl="2">
-              <a:lnSpc>
-                <a:spcPct val="100000"/>
-              </a:lnSpc>
-            </a:pPr>
-            <a:r>
-              <a:rPr lang="ru-RU" dirty="0"/>
-              <a:t>Интервалы могут быть разной длины.</a:t>
-            </a:r>
-          </a:p>
-          <a:p>
-            <a:pPr>
-              <a:lnSpc>
-                <a:spcPct val="100000"/>
-              </a:lnSpc>
-            </a:pPr>
-            <a:r>
-              <a:rPr lang="ru-RU" sz="2200" dirty="0"/>
-              <a:t>Признаки могут быть:</a:t>
-            </a:r>
-          </a:p>
-          <a:p>
-            <a:pPr lvl="1">
-              <a:lnSpc>
-                <a:spcPct val="100000"/>
-              </a:lnSpc>
-            </a:pPr>
-            <a:r>
-              <a:rPr lang="ru-RU" sz="2200" dirty="0"/>
-              <a:t>точечными (одно значение),</a:t>
-            </a:r>
-          </a:p>
-          <a:p>
-            <a:pPr lvl="1">
-              <a:lnSpc>
-                <a:spcPct val="100000"/>
-              </a:lnSpc>
-            </a:pPr>
-            <a:r>
-              <a:rPr lang="ru-RU" sz="2200" dirty="0"/>
-              <a:t>векторными (например набор коэффициентов авторегрессии).</a:t>
-            </a:r>
-          </a:p>
-        </p:txBody>
-      </p:sp>
-    </p:spTree>
-    <p:extLst>
-      <p:ext uri="{BB962C8B-B14F-4D97-AF65-F5344CB8AC3E}">
-        <p14:creationId xmlns:p14="http://schemas.microsoft.com/office/powerpoint/2010/main" val="840937499"/>
-      </p:ext>
-    </p:extLst>
-  </p:cSld>
-  <p:clrMapOvr>
-    <a:masterClrMapping/>
-  </p:clrMapOvr>
-  <p:timing>
-    <p:tnLst>
-      <p:par>
-        <p:cTn id="1" dur="indefinite" restart="never" nodeType="tmRoot"/>
-      </p:par>
-    </p:tnLst>
-  </p:timing>
-</p:sld>
-</file>
-
 <file path=ppt/slides/slide6.xml><?xml version="1.0" encoding="utf-8"?>
 <p:sld xmlns:a="http://schemas.openxmlformats.org/drawingml/2006/main" xmlns:r="http://schemas.openxmlformats.org/officeDocument/2006/relationships" xmlns:p="http://schemas.openxmlformats.org/presentationml/2006/main">
   <p:cSld>
@@ -9889,8 +10740,8 @@
         </p:nvSpPr>
         <p:spPr>
           <a:xfrm>
-            <a:off x="676275" y="266012"/>
-            <a:ext cx="10515600" cy="1010829"/>
+            <a:off x="838200" y="365126"/>
+            <a:ext cx="10515600" cy="1036384"/>
           </a:xfrm>
         </p:spPr>
         <p:txBody>
@@ -9901,7 +10752,6 @@
               <a:rPr lang="ru-RU" b="1" dirty="0"/>
               <a:t>Подход на основе признаков</a:t>
             </a:r>
-            <a:endParaRPr lang="ru-RU" dirty="0"/>
           </a:p>
         </p:txBody>
       </p:sp>
@@ -9917,113 +10767,155 @@
         </p:nvSpPr>
         <p:spPr>
           <a:xfrm>
-            <a:off x="603068" y="1191037"/>
-            <a:ext cx="11322231" cy="4351338"/>
+            <a:off x="220980" y="1219200"/>
+            <a:ext cx="11640094" cy="5529943"/>
           </a:xfrm>
         </p:spPr>
         <p:txBody>
-          <a:bodyPr/>
-          <a:lstStyle/>
-          <a:p>
-            <a:r>
-              <a:rPr lang="ru-RU" sz="2200" dirty="0"/>
-              <a:t>Перед выделением признаков ряд может быть </a:t>
-            </a:r>
-            <a:r>
-              <a:rPr lang="ru-RU" sz="2200" dirty="0" err="1"/>
-              <a:t>предобработан</a:t>
-            </a:r>
-            <a:r>
-              <a:rPr lang="ru-RU" sz="2200" dirty="0"/>
-              <a:t>.</a:t>
-            </a:r>
-          </a:p>
-          <a:p>
-            <a:r>
-              <a:rPr lang="ru-RU" sz="2200" dirty="0"/>
-              <a:t>Признаки могут быть выделены в едином пространстве.</a:t>
-            </a:r>
-          </a:p>
-          <a:p>
-            <a:pPr lvl="1"/>
-            <a:r>
-              <a:rPr lang="ru-RU" sz="2200" dirty="0"/>
-              <a:t>как для одномерных рядов</a:t>
-            </a:r>
-          </a:p>
-          <a:p>
-            <a:pPr lvl="1"/>
-            <a:r>
-              <a:rPr lang="ru-RU" sz="2200" dirty="0"/>
-              <a:t>Так и для многомерных </a:t>
-            </a:r>
-          </a:p>
-          <a:p>
-            <a:r>
-              <a:rPr lang="ru-RU" sz="2200" dirty="0"/>
-              <a:t>После выделения признаки могут быть отобраны и трансформированы.</a:t>
-            </a:r>
-          </a:p>
-          <a:p>
-            <a:pPr lvl="1"/>
-            <a:endParaRPr lang="ru-RU" dirty="0"/>
-          </a:p>
-        </p:txBody>
-      </p:sp>
-      <p:pic>
-        <p:nvPicPr>
-          <p:cNvPr id="4" name="Объект 3"/>
-          <p:cNvPicPr>
-            <a:picLocks noChangeAspect="1"/>
-          </p:cNvPicPr>
-          <p:nvPr/>
-        </p:nvPicPr>
-        <p:blipFill>
-          <a:blip r:embed="rId2" cstate="hqprint">
-            <a:extLst>
-              <a:ext uri="{28A0092B-C50C-407E-A947-70E740481C1C}">
-                <a14:useLocalDpi xmlns:a14="http://schemas.microsoft.com/office/drawing/2010/main" val="0"/>
-              </a:ext>
-            </a:extLst>
-          </a:blip>
-          <a:stretch>
-            <a:fillRect/>
-          </a:stretch>
-        </p:blipFill>
-        <p:spPr>
-          <a:xfrm>
-            <a:off x="3438525" y="3468523"/>
-            <a:ext cx="8239497" cy="2822994"/>
-          </a:xfrm>
-          <a:prstGeom prst="rect">
-            <a:avLst/>
-          </a:prstGeom>
-        </p:spPr>
-      </p:pic>
-      <p:sp>
-        <p:nvSpPr>
-          <p:cNvPr id="5" name="Прямоугольник 4"/>
-          <p:cNvSpPr/>
-          <p:nvPr/>
-        </p:nvSpPr>
-        <p:spPr>
-          <a:xfrm>
-            <a:off x="914399" y="6381596"/>
-            <a:ext cx="8098971" cy="369332"/>
-          </a:xfrm>
-          <a:prstGeom prst="rect">
-            <a:avLst/>
-          </a:prstGeom>
-        </p:spPr>
-        <p:txBody>
-          <a:bodyPr wrap="square">
-            <a:spAutoFit/>
+          <a:bodyPr>
+            <a:normAutofit/>
           </a:bodyPr>
           <a:lstStyle/>
           <a:p>
+            <a:pPr>
+              <a:lnSpc>
+                <a:spcPct val="100000"/>
+              </a:lnSpc>
+            </a:pPr>
+            <a:r>
+              <a:rPr lang="ru-RU" sz="2200" dirty="0"/>
+              <a:t>Подход предполагает, что модель строится на выделение признаков и принятии решений.</a:t>
+            </a:r>
+          </a:p>
+          <a:p>
+            <a:pPr>
+              <a:lnSpc>
+                <a:spcPct val="100000"/>
+              </a:lnSpc>
+            </a:pPr>
+            <a:r>
+              <a:rPr lang="ru-RU" sz="2200" dirty="0"/>
+              <a:t>Признаки могут быть выделены</a:t>
+            </a:r>
+          </a:p>
+          <a:p>
+            <a:pPr lvl="1">
+              <a:lnSpc>
+                <a:spcPct val="100000"/>
+              </a:lnSpc>
+            </a:pPr>
+            <a:r>
+              <a:rPr lang="ru-RU" sz="2200" dirty="0"/>
+              <a:t>для всего сегмента ряда (глобальные признаки),</a:t>
+            </a:r>
+          </a:p>
+          <a:p>
+            <a:pPr lvl="1">
+              <a:lnSpc>
+                <a:spcPct val="100000"/>
+              </a:lnSpc>
+            </a:pPr>
+            <a:r>
+              <a:rPr lang="ru-RU" sz="2200" dirty="0"/>
+              <a:t>для некоторых его частей (интервальные признаки). </a:t>
+            </a:r>
+            <a:r>
+              <a:rPr lang="ru-RU" sz="2000" dirty="0"/>
+              <a:t>При этом интервалы могут быть</a:t>
+            </a:r>
+            <a:endParaRPr lang="ru-RU" sz="2200" dirty="0"/>
+          </a:p>
+          <a:p>
+            <a:pPr lvl="2">
+              <a:lnSpc>
+                <a:spcPct val="100000"/>
+              </a:lnSpc>
+            </a:pPr>
             <a:r>
               <a:rPr lang="ru-RU" dirty="0"/>
-              <a:t>https://www.softxjournal.com/article/S2352-7110%2820%2930001-7/fulltext</a:t>
+              <a:t>Детерминированными</a:t>
+            </a:r>
+            <a:r>
+              <a:rPr lang="en-US" dirty="0"/>
+              <a:t> (</a:t>
+            </a:r>
+            <a:r>
+              <a:rPr lang="ru-RU" dirty="0"/>
+              <a:t>за ранее). </a:t>
+            </a:r>
+          </a:p>
+          <a:p>
+            <a:pPr lvl="2">
+              <a:lnSpc>
+                <a:spcPct val="100000"/>
+              </a:lnSpc>
+            </a:pPr>
+            <a:r>
+              <a:rPr lang="ru-RU" dirty="0"/>
+              <a:t>выбранными случайно.</a:t>
+            </a:r>
+          </a:p>
+          <a:p>
+            <a:pPr lvl="2">
+              <a:lnSpc>
+                <a:spcPct val="100000"/>
+              </a:lnSpc>
+            </a:pPr>
+            <a:r>
+              <a:rPr lang="ru-RU" dirty="0"/>
+              <a:t>Выбранными путем оптимизации как </a:t>
+            </a:r>
+            <a:r>
+              <a:rPr lang="ru-RU" dirty="0" err="1"/>
+              <a:t>гиперпараметр</a:t>
+            </a:r>
+            <a:r>
+              <a:rPr lang="ru-RU" dirty="0"/>
+              <a:t>.</a:t>
+            </a:r>
+          </a:p>
+          <a:p>
+            <a:pPr lvl="2">
+              <a:lnSpc>
+                <a:spcPct val="100000"/>
+              </a:lnSpc>
+            </a:pPr>
+            <a:r>
+              <a:rPr lang="ru-RU" dirty="0"/>
+              <a:t>Интервалы могут быть разной длины.</a:t>
+            </a:r>
+          </a:p>
+          <a:p>
+            <a:pPr>
+              <a:lnSpc>
+                <a:spcPct val="100000"/>
+              </a:lnSpc>
+            </a:pPr>
+            <a:r>
+              <a:rPr lang="ru-RU" sz="2200" dirty="0"/>
+              <a:t>Признаки могут быть:</a:t>
+            </a:r>
+          </a:p>
+          <a:p>
+            <a:pPr lvl="1">
+              <a:lnSpc>
+                <a:spcPct val="100000"/>
+              </a:lnSpc>
+            </a:pPr>
+            <a:r>
+              <a:rPr lang="ru-RU" sz="2200" dirty="0"/>
+              <a:t>точечными (одно значение),</a:t>
+            </a:r>
+          </a:p>
+          <a:p>
+            <a:pPr lvl="1">
+              <a:lnSpc>
+                <a:spcPct val="100000"/>
+              </a:lnSpc>
+            </a:pPr>
+            <a:r>
+              <a:rPr lang="ru-RU" sz="2200" dirty="0"/>
+              <a:t>векторными (например набор коэффициентов авторегрессии).</a:t>
             </a:r>
           </a:p>
         </p:txBody>
@@ -10031,7 +10923,7 @@
     </p:spTree>
     <p:extLst>
       <p:ext uri="{BB962C8B-B14F-4D97-AF65-F5344CB8AC3E}">
-        <p14:creationId xmlns:p14="http://schemas.microsoft.com/office/powerpoint/2010/main" val="1258469600"/>
+        <p14:creationId xmlns:p14="http://schemas.microsoft.com/office/powerpoint/2010/main" val="840937499"/>
       </p:ext>
     </p:extLst>
   </p:cSld>
@@ -10077,8 +10969,8 @@
         </p:nvSpPr>
         <p:spPr>
           <a:xfrm>
-            <a:off x="838200" y="365126"/>
-            <a:ext cx="10515600" cy="933836"/>
+            <a:off x="676275" y="266012"/>
+            <a:ext cx="10515600" cy="1010829"/>
           </a:xfrm>
         </p:spPr>
         <p:txBody>
@@ -10089,6 +10981,7 @@
               <a:rPr lang="ru-RU" b="1" dirty="0"/>
               <a:t>Подход на основе признаков</a:t>
             </a:r>
+            <a:endParaRPr lang="ru-RU" dirty="0"/>
           </a:p>
         </p:txBody>
       </p:sp>
@@ -10104,83 +10997,113 @@
         </p:nvSpPr>
         <p:spPr>
           <a:xfrm>
-            <a:off x="640935" y="1375873"/>
-            <a:ext cx="10712865" cy="5247118"/>
+            <a:off x="603068" y="1191037"/>
+            <a:ext cx="11322231" cy="4351338"/>
           </a:xfrm>
         </p:spPr>
         <p:txBody>
-          <a:bodyPr>
-            <a:normAutofit/>
+          <a:bodyPr/>
+          <a:lstStyle/>
+          <a:p>
+            <a:r>
+              <a:rPr lang="ru-RU" sz="2200" dirty="0"/>
+              <a:t>Перед выделением признаков ряд может быть </a:t>
+            </a:r>
+            <a:r>
+              <a:rPr lang="ru-RU" sz="2200" dirty="0" err="1"/>
+              <a:t>предобработан</a:t>
+            </a:r>
+            <a:r>
+              <a:rPr lang="ru-RU" sz="2200" dirty="0"/>
+              <a:t>.</a:t>
+            </a:r>
+          </a:p>
+          <a:p>
+            <a:r>
+              <a:rPr lang="ru-RU" sz="2200" dirty="0"/>
+              <a:t>Признаки могут быть выделены в едином пространстве.</a:t>
+            </a:r>
+          </a:p>
+          <a:p>
+            <a:pPr lvl="1"/>
+            <a:r>
+              <a:rPr lang="ru-RU" sz="2200" dirty="0"/>
+              <a:t>как для одномерных рядов</a:t>
+            </a:r>
+          </a:p>
+          <a:p>
+            <a:pPr lvl="1"/>
+            <a:r>
+              <a:rPr lang="ru-RU" sz="2200" dirty="0"/>
+              <a:t>Так и для многомерных </a:t>
+            </a:r>
+          </a:p>
+          <a:p>
+            <a:r>
+              <a:rPr lang="ru-RU" sz="2200" dirty="0"/>
+              <a:t>После выделения признаки могут быть отобраны и трансформированы.</a:t>
+            </a:r>
+          </a:p>
+          <a:p>
+            <a:pPr lvl="1"/>
+            <a:endParaRPr lang="ru-RU" dirty="0"/>
+          </a:p>
+        </p:txBody>
+      </p:sp>
+      <p:pic>
+        <p:nvPicPr>
+          <p:cNvPr id="4" name="Объект 3"/>
+          <p:cNvPicPr>
+            <a:picLocks noChangeAspect="1"/>
+          </p:cNvPicPr>
+          <p:nvPr/>
+        </p:nvPicPr>
+        <p:blipFill>
+          <a:blip r:embed="rId2" cstate="hqprint">
+            <a:extLst>
+              <a:ext uri="{28A0092B-C50C-407E-A947-70E740481C1C}">
+                <a14:useLocalDpi xmlns:a14="http://schemas.microsoft.com/office/drawing/2010/main" val="0"/>
+              </a:ext>
+            </a:extLst>
+          </a:blip>
+          <a:stretch>
+            <a:fillRect/>
+          </a:stretch>
+        </p:blipFill>
+        <p:spPr>
+          <a:xfrm>
+            <a:off x="3438525" y="3468523"/>
+            <a:ext cx="8239497" cy="2822994"/>
+          </a:xfrm>
+          <a:prstGeom prst="rect">
+            <a:avLst/>
+          </a:prstGeom>
+        </p:spPr>
+      </p:pic>
+      <p:sp>
+        <p:nvSpPr>
+          <p:cNvPr id="5" name="Прямоугольник 4"/>
+          <p:cNvSpPr/>
+          <p:nvPr/>
+        </p:nvSpPr>
+        <p:spPr>
+          <a:xfrm>
+            <a:off x="914399" y="6381596"/>
+            <a:ext cx="8098971" cy="369332"/>
+          </a:xfrm>
+          <a:prstGeom prst="rect">
+            <a:avLst/>
+          </a:prstGeom>
+        </p:spPr>
+        <p:txBody>
+          <a:bodyPr wrap="square">
+            <a:spAutoFit/>
           </a:bodyPr>
           <a:lstStyle/>
           <a:p>
-            <a:pPr>
-              <a:lnSpc>
-                <a:spcPct val="130000"/>
-              </a:lnSpc>
-              <a:spcBef>
-                <a:spcPts val="0"/>
-              </a:spcBef>
-            </a:pPr>
-            <a:r>
-              <a:rPr lang="ru-RU" sz="2200" dirty="0"/>
-              <a:t>В ряде случаев достаточно выделить лишь простые статистические признаки, (среднее или стандартное отклонение) для каждого сегмента временного ряда.</a:t>
-            </a:r>
-          </a:p>
-          <a:p>
-            <a:pPr lvl="1">
-              <a:lnSpc>
-                <a:spcPct val="130000"/>
-              </a:lnSpc>
-              <a:spcBef>
-                <a:spcPts val="0"/>
-              </a:spcBef>
-            </a:pPr>
-            <a:r>
-              <a:rPr lang="ru-RU" sz="2200" dirty="0"/>
-              <a:t>Далее таблица , по ней напр. логистическая регрессия, (каждая запись: признаки, метка класса).</a:t>
-            </a:r>
-          </a:p>
-          <a:p>
-            <a:pPr marL="228600" lvl="1">
-              <a:lnSpc>
-                <a:spcPct val="130000"/>
-              </a:lnSpc>
-              <a:spcBef>
-                <a:spcPts val="0"/>
-              </a:spcBef>
-            </a:pPr>
-            <a:r>
-              <a:rPr lang="ru-RU" sz="2200" b="1" dirty="0"/>
-              <a:t>Экзогенные факторы – тоже могут быть признаками.</a:t>
-            </a:r>
-          </a:p>
-          <a:p>
-            <a:pPr>
-              <a:lnSpc>
-                <a:spcPct val="130000"/>
-              </a:lnSpc>
-              <a:spcBef>
-                <a:spcPts val="0"/>
-              </a:spcBef>
-            </a:pPr>
-            <a:r>
-              <a:rPr lang="ru-RU" sz="2200" dirty="0"/>
-              <a:t>Потенциально, число допустимых признаков для временного ряда может быть достаточно большим. </a:t>
-            </a:r>
-          </a:p>
-          <a:p>
-            <a:pPr lvl="1">
-              <a:lnSpc>
-                <a:spcPct val="130000"/>
-              </a:lnSpc>
-              <a:spcBef>
-                <a:spcPts val="0"/>
-              </a:spcBef>
-            </a:pPr>
-            <a:r>
-              <a:rPr lang="ru-RU" sz="2200" dirty="0"/>
-              <a:t>Как правило рекомендуется исследовать следует использовать или готовые схемы или известные методы отбора признаков.</a:t>
+            <a:r>
+              <a:rPr lang="ru-RU" dirty="0"/>
+              <a:t>https://www.softxjournal.com/article/S2352-7110%2820%2930001-7/fulltext</a:t>
             </a:r>
           </a:p>
         </p:txBody>
@@ -10188,7 +11111,7 @@
     </p:spTree>
     <p:extLst>
       <p:ext uri="{BB962C8B-B14F-4D97-AF65-F5344CB8AC3E}">
-        <p14:creationId xmlns:p14="http://schemas.microsoft.com/office/powerpoint/2010/main" val="2957174901"/>
+        <p14:creationId xmlns:p14="http://schemas.microsoft.com/office/powerpoint/2010/main" val="1258469600"/>
       </p:ext>
     </p:extLst>
   </p:cSld>
@@ -10262,7 +11185,7 @@
         </p:nvSpPr>
         <p:spPr>
           <a:xfrm>
-            <a:off x="-184150" y="904874"/>
+            <a:off x="-210275" y="904875"/>
             <a:ext cx="11401425" cy="5404961"/>
           </a:xfrm>
         </p:spPr>
@@ -10282,7 +11205,19 @@
             </a:pPr>
             <a:r>
               <a:rPr lang="ru-RU" sz="2200" b="1" dirty="0"/>
-              <a:t>Описательные статистики</a:t>
+              <a:t>Описательные </a:t>
+            </a:r>
+            <a:r>
+              <a:rPr lang="ru-RU" sz="2200" b="1" dirty="0" smtClean="0"/>
+              <a:t>статистики (в целом </a:t>
+            </a:r>
+            <a:r>
+              <a:rPr lang="ru-RU" sz="2200" b="1" dirty="0" err="1" smtClean="0"/>
+              <a:t>стохастика</a:t>
+            </a:r>
+            <a:r>
+              <a:rPr lang="ru-RU" sz="2200" b="1" dirty="0" smtClean="0"/>
+              <a:t>)</a:t>
             </a:r>
             <a:endParaRPr lang="en-US" sz="2200" b="1" dirty="0"/>
           </a:p>
@@ -10439,9 +11374,27 @@
             </a:pPr>
             <a:r>
               <a:rPr lang="ru-RU" sz="2200" b="1" dirty="0"/>
-              <a:t>Временные параметры</a:t>
-            </a:r>
-            <a:endParaRPr lang="en-US" sz="1800" b="1" dirty="0"/>
+              <a:t>Временные </a:t>
+            </a:r>
+            <a:r>
+              <a:rPr lang="ru-RU" sz="2200" b="1" dirty="0" smtClean="0"/>
+              <a:t>параметры </a:t>
+            </a:r>
+          </a:p>
+          <a:p>
+            <a:pPr lvl="1">
+              <a:lnSpc>
+                <a:spcPct val="100000"/>
+              </a:lnSpc>
+              <a:spcBef>
+                <a:spcPts val="600"/>
+              </a:spcBef>
+            </a:pPr>
+            <a:r>
+              <a:rPr lang="ru-RU" sz="1800" b="1" dirty="0" smtClean="0"/>
+              <a:t>(временное, паттерн, поведение)</a:t>
+            </a:r>
+            <a:endParaRPr lang="en-US" sz="1400" b="1" dirty="0"/>
           </a:p>
           <a:p>
             <a:pPr lvl="2">
@@ -10491,23 +11444,12 @@
               </a:spcBef>
             </a:pPr>
             <a:r>
+              <a:rPr lang="ru-RU" sz="1800" dirty="0" smtClean="0"/>
+              <a:t>Параметры </a:t>
+            </a:r>
+            <a:r>
               <a:rPr lang="ru-RU" sz="1800" dirty="0"/>
-              <a:t>Начальное значение параметров</a:t>
-            </a:r>
-            <a:endParaRPr lang="en-US" sz="1800" dirty="0"/>
-          </a:p>
-          <a:p>
-            <a:pPr lvl="2">
-              <a:lnSpc>
-                <a:spcPct val="100000"/>
-              </a:lnSpc>
-              <a:spcBef>
-                <a:spcPts val="600"/>
-              </a:spcBef>
-            </a:pPr>
-            <a:r>
-              <a:rPr lang="ru-RU" sz="1800" dirty="0"/>
-              <a:t>Параметры декомпозиции (сезон, число гармоник)</a:t>
+              <a:t>декомпозиции (сезон, число гармоник)</a:t>
             </a:r>
             <a:endParaRPr lang="en-US" sz="1800" dirty="0"/>
           </a:p>
@@ -10575,7 +11517,7 @@
         </p:nvSpPr>
         <p:spPr>
           <a:xfrm>
-            <a:off x="5943601" y="904875"/>
+            <a:off x="5933886" y="716896"/>
             <a:ext cx="6076950" cy="5283200"/>
           </a:xfrm>
           <a:prstGeom prst="rect">
@@ -10761,12 +11703,17 @@
             </a:pPr>
             <a:r>
               <a:rPr lang="ru-RU" sz="2200" b="1" dirty="0"/>
-              <a:t>Спектральные параметры </a:t>
-            </a:r>
-            <a:r>
-              <a:rPr lang="en-US" sz="2200" b="1" dirty="0"/>
+              <a:t>Спектральные </a:t>
+            </a:r>
+            <a:r>
+              <a:rPr lang="ru-RU" sz="2200" b="1" dirty="0" smtClean="0"/>
+              <a:t>параметры (частотные, повторение паттерна) </a:t>
+            </a:r>
+            <a:r>
+              <a:rPr lang="en-US" sz="2200" b="1" dirty="0" smtClean="0"/>
               <a:t> </a:t>
             </a:r>
+            <a:endParaRPr lang="en-US" sz="2200" b="1" dirty="0"/>
           </a:p>
           <a:p>
             <a:pPr lvl="2">
@@ -10909,8 +11856,36 @@
             </a:pPr>
             <a:r>
               <a:rPr lang="ru-RU" sz="1900" b="1" dirty="0"/>
-              <a:t>Время-частотные, псевдо спектральные</a:t>
-            </a:r>
+              <a:t>Время-частотные, псевдо </a:t>
+            </a:r>
+            <a:r>
+              <a:rPr lang="ru-RU" sz="1900" b="1" dirty="0" smtClean="0"/>
+              <a:t>спектральные</a:t>
+            </a:r>
+          </a:p>
+          <a:p>
+            <a:pPr marL="1371600" lvl="3" indent="0">
+              <a:lnSpc>
+                <a:spcPct val="100000"/>
+              </a:lnSpc>
+              <a:spcBef>
+                <a:spcPts val="600"/>
+              </a:spcBef>
+              <a:buNone/>
+            </a:pPr>
+            <a:r>
+              <a:rPr lang="ru-RU" sz="1700" b="1" dirty="0" smtClean="0"/>
+              <a:t>(для </a:t>
+            </a:r>
+            <a:r>
+              <a:rPr lang="ru-RU" sz="1700" b="1" dirty="0" err="1" smtClean="0"/>
+              <a:t>нестационаности</a:t>
+            </a:r>
+            <a:r>
+              <a:rPr lang="ru-RU" sz="1700" b="1" dirty="0" smtClean="0"/>
+              <a:t>)</a:t>
+            </a:r>
+            <a:endParaRPr lang="ru-RU" sz="1700" b="1" dirty="0"/>
           </a:p>
           <a:p>
             <a:pPr lvl="2">
@@ -10997,8 +11972,12 @@
               </a:spcBef>
             </a:pPr>
             <a:r>
+              <a:rPr lang="ru-RU" sz="1900" dirty="0" smtClean="0"/>
+              <a:t>Разложение внутренних </a:t>
+            </a:r>
+            <a:r>
               <a:rPr lang="ru-RU" sz="1900" dirty="0"/>
-              <a:t>внутренних мод</a:t>
+              <a:t>мод</a:t>
             </a:r>
             <a:r>
               <a:rPr lang="en-US" sz="1900" dirty="0"/>
@@ -11007,7 +11986,7 @@
             <a:endParaRPr lang="ru-RU" sz="1900" dirty="0"/>
           </a:p>
           <a:p>
-            <a:pPr lvl="3">
+            <a:pPr lvl="2">
               <a:lnSpc>
                 <a:spcPct val="100000"/>
               </a:lnSpc>
@@ -11016,26 +11995,26 @@
               </a:spcBef>
             </a:pPr>
             <a:r>
-              <a:rPr lang="ru-RU" sz="1900" dirty="0" err="1"/>
+              <a:rPr lang="ru-RU" sz="2100" b="1" dirty="0" err="1"/>
               <a:t>Псевдоспектр</a:t>
             </a:r>
             <a:r>
-              <a:rPr lang="ru-RU" sz="1900" dirty="0"/>
+              <a:rPr lang="ru-RU" sz="2100" b="1" dirty="0"/>
               <a:t>. </a:t>
             </a:r>
             <a:r>
-              <a:rPr lang="ru-RU" sz="1900" dirty="0" err="1"/>
+              <a:rPr lang="ru-RU" sz="2100" b="1" dirty="0" err="1"/>
               <a:t>Разлож</a:t>
             </a:r>
             <a:r>
-              <a:rPr lang="ru-RU" sz="1900" i="1" dirty="0"/>
+              <a:rPr lang="ru-RU" sz="2100" i="1" dirty="0"/>
               <a:t>. </a:t>
             </a:r>
             <a:r>
-              <a:rPr lang="en-US" sz="1900" i="1" dirty="0"/>
+              <a:rPr lang="en-US" sz="2100" i="1" dirty="0"/>
               <a:t>(PCA, SSA, ESPRIT)</a:t>
             </a:r>
-            <a:endParaRPr lang="en-US" sz="1900" dirty="0"/>
+            <a:endParaRPr lang="en-US" sz="2100" dirty="0"/>
           </a:p>
         </p:txBody>
       </p:sp>
@@ -11047,8 +12026,8 @@
         </p:nvSpPr>
         <p:spPr>
           <a:xfrm>
-            <a:off x="5162550" y="6488668"/>
-            <a:ext cx="7029450" cy="369332"/>
+            <a:off x="6059533" y="6492798"/>
+            <a:ext cx="7029450" cy="338554"/>
           </a:xfrm>
           <a:prstGeom prst="rect">
             <a:avLst/>
@@ -11061,7 +12040,7 @@
           <a:lstStyle/>
           <a:p>
             <a:r>
-              <a:rPr lang="ru-RU" dirty="0"/>
+              <a:rPr lang="ru-RU" sz="1600" dirty="0"/>
               <a:t>https://tsfel.readthedocs.io/en/latest/descriptions/feature_list.html</a:t>
             </a:r>
           </a:p>
@@ -11075,8 +12054,8 @@
         </p:nvSpPr>
         <p:spPr>
           <a:xfrm>
-            <a:off x="298449" y="6309836"/>
-            <a:ext cx="7064375" cy="369332"/>
+            <a:off x="272323" y="6509652"/>
+            <a:ext cx="7064375" cy="338554"/>
           </a:xfrm>
           <a:prstGeom prst="rect">
             <a:avLst/>
@@ -11089,7 +12068,7 @@
           <a:lstStyle/>
           <a:p>
             <a:r>
-              <a:rPr lang="ru-RU" dirty="0"/>
+              <a:rPr lang="ru-RU" sz="1600" dirty="0"/>
               <a:t>https://tsfresh.readthedocs.io/en/latest/text/list_of_features.html</a:t>
             </a:r>
           </a:p>
@@ -11124,7 +12103,7 @@
         </p:blipFill>
         <p:spPr bwMode="auto">
           <a:xfrm>
-            <a:off x="4884067" y="3358496"/>
+            <a:off x="10936524" y="4436245"/>
             <a:ext cx="1843380" cy="1563851"/>
           </a:xfrm>
           <a:prstGeom prst="rect">
